--- a/17_02_2022/Introduction to ROS.pptx
+++ b/17_02_2022/Introduction to ROS.pptx
@@ -5,44 +5,42 @@
     <p:sldMasterId id="2147483829" r:id="rId1"/>
   </p:sldMasterIdLst>
   <p:notesMasterIdLst>
-    <p:notesMasterId r:id="rId34"/>
+    <p:notesMasterId r:id="rId32"/>
   </p:notesMasterIdLst>
   <p:handoutMasterIdLst>
-    <p:handoutMasterId r:id="rId35"/>
+    <p:handoutMasterId r:id="rId33"/>
   </p:handoutMasterIdLst>
   <p:sldIdLst>
     <p:sldId id="256" r:id="rId2"/>
-    <p:sldId id="303" r:id="rId3"/>
-    <p:sldId id="257" r:id="rId4"/>
-    <p:sldId id="320" r:id="rId5"/>
-    <p:sldId id="282" r:id="rId6"/>
-    <p:sldId id="285" r:id="rId7"/>
-    <p:sldId id="260" r:id="rId8"/>
-    <p:sldId id="261" r:id="rId9"/>
-    <p:sldId id="270" r:id="rId10"/>
-    <p:sldId id="286" r:id="rId11"/>
-    <p:sldId id="287" r:id="rId12"/>
-    <p:sldId id="279" r:id="rId13"/>
-    <p:sldId id="259" r:id="rId14"/>
-    <p:sldId id="262" r:id="rId15"/>
-    <p:sldId id="263" r:id="rId16"/>
-    <p:sldId id="326" r:id="rId17"/>
-    <p:sldId id="335" r:id="rId18"/>
-    <p:sldId id="269" r:id="rId19"/>
-    <p:sldId id="274" r:id="rId20"/>
-    <p:sldId id="288" r:id="rId21"/>
-    <p:sldId id="290" r:id="rId22"/>
-    <p:sldId id="278" r:id="rId23"/>
-    <p:sldId id="310" r:id="rId24"/>
-    <p:sldId id="311" r:id="rId25"/>
-    <p:sldId id="313" r:id="rId26"/>
-    <p:sldId id="291" r:id="rId27"/>
-    <p:sldId id="293" r:id="rId28"/>
-    <p:sldId id="273" r:id="rId29"/>
-    <p:sldId id="314" r:id="rId30"/>
-    <p:sldId id="276" r:id="rId31"/>
-    <p:sldId id="315" r:id="rId32"/>
-    <p:sldId id="277" r:id="rId33"/>
+    <p:sldId id="257" r:id="rId3"/>
+    <p:sldId id="320" r:id="rId4"/>
+    <p:sldId id="282" r:id="rId5"/>
+    <p:sldId id="285" r:id="rId6"/>
+    <p:sldId id="260" r:id="rId7"/>
+    <p:sldId id="261" r:id="rId8"/>
+    <p:sldId id="270" r:id="rId9"/>
+    <p:sldId id="286" r:id="rId10"/>
+    <p:sldId id="287" r:id="rId11"/>
+    <p:sldId id="279" r:id="rId12"/>
+    <p:sldId id="259" r:id="rId13"/>
+    <p:sldId id="262" r:id="rId14"/>
+    <p:sldId id="263" r:id="rId15"/>
+    <p:sldId id="326" r:id="rId16"/>
+    <p:sldId id="335" r:id="rId17"/>
+    <p:sldId id="269" r:id="rId18"/>
+    <p:sldId id="274" r:id="rId19"/>
+    <p:sldId id="288" r:id="rId20"/>
+    <p:sldId id="290" r:id="rId21"/>
+    <p:sldId id="278" r:id="rId22"/>
+    <p:sldId id="310" r:id="rId23"/>
+    <p:sldId id="311" r:id="rId24"/>
+    <p:sldId id="313" r:id="rId25"/>
+    <p:sldId id="291" r:id="rId26"/>
+    <p:sldId id="273" r:id="rId27"/>
+    <p:sldId id="314" r:id="rId28"/>
+    <p:sldId id="276" r:id="rId29"/>
+    <p:sldId id="315" r:id="rId30"/>
+    <p:sldId id="277" r:id="rId31"/>
   </p:sldIdLst>
   <p:sldSz cx="12192000" cy="6858000"/>
   <p:notesSz cx="6858000" cy="9144000"/>
@@ -246,7 +244,7 @@
           <a:p>
             <a:fld id="{CF6F16B0-1F2F-CF4F-BC53-96BB2AF3C68A}" type="datetimeFigureOut">
               <a:rPr lang="en-US" smtClean="0"/>
-              <a:t>2/14/2022</a:t>
+              <a:t>2/17/2022</a:t>
             </a:fld>
             <a:endParaRPr lang="en-US"/>
           </a:p>
@@ -477,7 +475,7 @@
           <a:p>
             <a:fld id="{3673B0E3-79F5-7745-84FA-60F4FEA39356}" type="datetimeFigureOut">
               <a:rPr lang="en-US" smtClean="0"/>
-              <a:t>2/14/2022</a:t>
+              <a:t>2/17/2022</a:t>
             </a:fld>
             <a:endParaRPr lang="en-US"/>
           </a:p>
@@ -789,7 +787,9 @@
           <a:bodyPr/>
           <a:lstStyle/>
           <a:p>
-            <a:endParaRPr lang="en-US" dirty="0"/>
+            <a:endParaRPr lang="en-US" dirty="0">
+              <a:cs typeface="Calibri"/>
+            </a:endParaRPr>
           </a:p>
         </p:txBody>
       </p:sp>
@@ -819,7 +819,7 @@
     </p:spTree>
     <p:extLst>
       <p:ext uri="{BB962C8B-B14F-4D97-AF65-F5344CB8AC3E}">
-        <p14:creationId xmlns:p14="http://schemas.microsoft.com/office/powerpoint/2010/main" val="3528261266"/>
+        <p14:creationId xmlns:p14="http://schemas.microsoft.com/office/powerpoint/2010/main" val="3503940636"/>
       </p:ext>
     </p:extLst>
   </p:cSld>
@@ -903,7 +903,7 @@
     </p:spTree>
     <p:extLst>
       <p:ext uri="{BB962C8B-B14F-4D97-AF65-F5344CB8AC3E}">
-        <p14:creationId xmlns:p14="http://schemas.microsoft.com/office/powerpoint/2010/main" val="3685096048"/>
+        <p14:creationId xmlns:p14="http://schemas.microsoft.com/office/powerpoint/2010/main" val="1531669849"/>
       </p:ext>
     </p:extLst>
   </p:cSld>
@@ -987,7 +987,7 @@
     </p:spTree>
     <p:extLst>
       <p:ext uri="{BB962C8B-B14F-4D97-AF65-F5344CB8AC3E}">
-        <p14:creationId xmlns:p14="http://schemas.microsoft.com/office/powerpoint/2010/main" val="1531669849"/>
+        <p14:creationId xmlns:p14="http://schemas.microsoft.com/office/powerpoint/2010/main" val="737491582"/>
       </p:ext>
     </p:extLst>
   </p:cSld>
@@ -1062,7 +1062,7 @@
           <a:p>
             <a:fld id="{E6263D67-EF4C-8247-91B6-64C2A295C9AC}" type="slidenum">
               <a:rPr lang="en-US" smtClean="0"/>
-              <a:t>14</a:t>
+              <a:t>18</a:t>
             </a:fld>
             <a:endParaRPr lang="en-US"/>
           </a:p>
@@ -1071,7 +1071,7 @@
     </p:spTree>
     <p:extLst>
       <p:ext uri="{BB962C8B-B14F-4D97-AF65-F5344CB8AC3E}">
-        <p14:creationId xmlns:p14="http://schemas.microsoft.com/office/powerpoint/2010/main" val="737491582"/>
+        <p14:creationId xmlns:p14="http://schemas.microsoft.com/office/powerpoint/2010/main" val="3419055529"/>
       </p:ext>
     </p:extLst>
   </p:cSld>
@@ -1125,7 +1125,7 @@
           <a:bodyPr/>
           <a:lstStyle/>
           <a:p>
-            <a:endParaRPr lang="en-US" dirty="0"/>
+            <a:endParaRPr lang="en-GB" dirty="0"/>
           </a:p>
         </p:txBody>
       </p:sp>
@@ -1155,7 +1155,7 @@
     </p:spTree>
     <p:extLst>
       <p:ext uri="{BB962C8B-B14F-4D97-AF65-F5344CB8AC3E}">
-        <p14:creationId xmlns:p14="http://schemas.microsoft.com/office/powerpoint/2010/main" val="3419055529"/>
+        <p14:creationId xmlns:p14="http://schemas.microsoft.com/office/powerpoint/2010/main" val="3935105543"/>
       </p:ext>
     </p:extLst>
   </p:cSld>
@@ -1209,7 +1209,7 @@
           <a:bodyPr/>
           <a:lstStyle/>
           <a:p>
-            <a:endParaRPr lang="en-GB" dirty="0"/>
+            <a:endParaRPr lang="en-US" dirty="0"/>
           </a:p>
         </p:txBody>
       </p:sp>
@@ -1239,7 +1239,7 @@
     </p:spTree>
     <p:extLst>
       <p:ext uri="{BB962C8B-B14F-4D97-AF65-F5344CB8AC3E}">
-        <p14:creationId xmlns:p14="http://schemas.microsoft.com/office/powerpoint/2010/main" val="3935105543"/>
+        <p14:creationId xmlns:p14="http://schemas.microsoft.com/office/powerpoint/2010/main" val="3744358954"/>
       </p:ext>
     </p:extLst>
   </p:cSld>
@@ -1323,7 +1323,7 @@
     </p:spTree>
     <p:extLst>
       <p:ext uri="{BB962C8B-B14F-4D97-AF65-F5344CB8AC3E}">
-        <p14:creationId xmlns:p14="http://schemas.microsoft.com/office/powerpoint/2010/main" val="3744358954"/>
+        <p14:creationId xmlns:p14="http://schemas.microsoft.com/office/powerpoint/2010/main" val="2588013675"/>
       </p:ext>
     </p:extLst>
   </p:cSld>
@@ -1407,7 +1407,7 @@
     </p:spTree>
     <p:extLst>
       <p:ext uri="{BB962C8B-B14F-4D97-AF65-F5344CB8AC3E}">
-        <p14:creationId xmlns:p14="http://schemas.microsoft.com/office/powerpoint/2010/main" val="2588013675"/>
+        <p14:creationId xmlns:p14="http://schemas.microsoft.com/office/powerpoint/2010/main" val="2787847230"/>
       </p:ext>
     </p:extLst>
   </p:cSld>
@@ -1491,7 +1491,7 @@
     </p:spTree>
     <p:extLst>
       <p:ext uri="{BB962C8B-B14F-4D97-AF65-F5344CB8AC3E}">
-        <p14:creationId xmlns:p14="http://schemas.microsoft.com/office/powerpoint/2010/main" val="2787847230"/>
+        <p14:creationId xmlns:p14="http://schemas.microsoft.com/office/powerpoint/2010/main" val="1617619749"/>
       </p:ext>
     </p:extLst>
   </p:cSld>
@@ -1575,7 +1575,7 @@
     </p:spTree>
     <p:extLst>
       <p:ext uri="{BB962C8B-B14F-4D97-AF65-F5344CB8AC3E}">
-        <p14:creationId xmlns:p14="http://schemas.microsoft.com/office/powerpoint/2010/main" val="1617619749"/>
+        <p14:creationId xmlns:p14="http://schemas.microsoft.com/office/powerpoint/2010/main" val="737491582"/>
       </p:ext>
     </p:extLst>
   </p:cSld>
@@ -1659,7 +1659,7 @@
     </p:spTree>
     <p:extLst>
       <p:ext uri="{BB962C8B-B14F-4D97-AF65-F5344CB8AC3E}">
-        <p14:creationId xmlns:p14="http://schemas.microsoft.com/office/powerpoint/2010/main" val="737491582"/>
+        <p14:creationId xmlns:p14="http://schemas.microsoft.com/office/powerpoint/2010/main" val="814481092"/>
       </p:ext>
     </p:extLst>
   </p:cSld>
@@ -1713,9 +1713,7 @@
           <a:bodyPr/>
           <a:lstStyle/>
           <a:p>
-            <a:endParaRPr lang="en-US" dirty="0">
-              <a:cs typeface="Calibri"/>
-            </a:endParaRPr>
+            <a:endParaRPr lang="en-US" dirty="0"/>
           </a:p>
         </p:txBody>
       </p:sp>
@@ -1736,7 +1734,7 @@
           <a:p>
             <a:fld id="{E6263D67-EF4C-8247-91B6-64C2A295C9AC}" type="slidenum">
               <a:rPr lang="en-US" smtClean="0"/>
-              <a:t>3</a:t>
+              <a:t>4</a:t>
             </a:fld>
             <a:endParaRPr lang="en-US"/>
           </a:p>
@@ -1745,7 +1743,7 @@
     </p:spTree>
     <p:extLst>
       <p:ext uri="{BB962C8B-B14F-4D97-AF65-F5344CB8AC3E}">
-        <p14:creationId xmlns:p14="http://schemas.microsoft.com/office/powerpoint/2010/main" val="3503940636"/>
+        <p14:creationId xmlns:p14="http://schemas.microsoft.com/office/powerpoint/2010/main" val="59454183"/>
       </p:ext>
     </p:extLst>
   </p:cSld>
@@ -1799,7 +1797,7 @@
           <a:bodyPr/>
           <a:lstStyle/>
           <a:p>
-            <a:endParaRPr lang="en-US" dirty="0"/>
+            <a:endParaRPr lang="en-GB" dirty="0"/>
           </a:p>
         </p:txBody>
       </p:sp>
@@ -1829,7 +1827,7 @@
     </p:spTree>
     <p:extLst>
       <p:ext uri="{BB962C8B-B14F-4D97-AF65-F5344CB8AC3E}">
-        <p14:creationId xmlns:p14="http://schemas.microsoft.com/office/powerpoint/2010/main" val="814481092"/>
+        <p14:creationId xmlns:p14="http://schemas.microsoft.com/office/powerpoint/2010/main" val="577893186"/>
       </p:ext>
     </p:extLst>
   </p:cSld>
@@ -1904,175 +1902,7 @@
           <a:p>
             <a:fld id="{E6263D67-EF4C-8247-91B6-64C2A295C9AC}" type="slidenum">
               <a:rPr lang="en-US" smtClean="0"/>
-              <a:t>27</a:t>
-            </a:fld>
-            <a:endParaRPr lang="en-US"/>
-          </a:p>
-        </p:txBody>
-      </p:sp>
-    </p:spTree>
-    <p:extLst>
-      <p:ext uri="{BB962C8B-B14F-4D97-AF65-F5344CB8AC3E}">
-        <p14:creationId xmlns:p14="http://schemas.microsoft.com/office/powerpoint/2010/main" val="2622345127"/>
-      </p:ext>
-    </p:extLst>
-  </p:cSld>
-  <p:clrMapOvr>
-    <a:masterClrMapping/>
-  </p:clrMapOvr>
-</p:notes>
-</file>
-
-<file path=ppt/notesSlides/notesSlide22.xml><?xml version="1.0" encoding="utf-8"?>
-<p:notes xmlns:a="http://schemas.openxmlformats.org/drawingml/2006/main" xmlns:r="http://schemas.openxmlformats.org/officeDocument/2006/relationships" xmlns:p="http://schemas.openxmlformats.org/presentationml/2006/main">
-  <p:cSld>
-    <p:spTree>
-      <p:nvGrpSpPr>
-        <p:cNvPr id="1" name=""/>
-        <p:cNvGrpSpPr/>
-        <p:nvPr/>
-      </p:nvGrpSpPr>
-      <p:grpSpPr>
-        <a:xfrm>
-          <a:off x="0" y="0"/>
-          <a:ext cx="0" cy="0"/>
-          <a:chOff x="0" y="0"/>
-          <a:chExt cx="0" cy="0"/>
-        </a:xfrm>
-      </p:grpSpPr>
-      <p:sp>
-        <p:nvSpPr>
-          <p:cNvPr id="2" name="Slide Image Placeholder 1"/>
-          <p:cNvSpPr>
-            <a:spLocks noGrp="1" noRot="1" noChangeAspect="1"/>
-          </p:cNvSpPr>
-          <p:nvPr>
-            <p:ph type="sldImg"/>
-          </p:nvPr>
-        </p:nvSpPr>
-        <p:spPr/>
-      </p:sp>
-      <p:sp>
-        <p:nvSpPr>
-          <p:cNvPr id="3" name="Notes Placeholder 2"/>
-          <p:cNvSpPr>
-            <a:spLocks noGrp="1"/>
-          </p:cNvSpPr>
-          <p:nvPr>
-            <p:ph type="body" idx="1"/>
-          </p:nvPr>
-        </p:nvSpPr>
-        <p:spPr/>
-        <p:txBody>
-          <a:bodyPr/>
-          <a:lstStyle/>
-          <a:p>
-            <a:endParaRPr lang="en-GB" dirty="0"/>
-          </a:p>
-        </p:txBody>
-      </p:sp>
-      <p:sp>
-        <p:nvSpPr>
-          <p:cNvPr id="4" name="Slide Number Placeholder 3"/>
-          <p:cNvSpPr>
-            <a:spLocks noGrp="1"/>
-          </p:cNvSpPr>
-          <p:nvPr>
-            <p:ph type="sldNum" sz="quarter" idx="5"/>
-          </p:nvPr>
-        </p:nvSpPr>
-        <p:spPr/>
-        <p:txBody>
-          <a:bodyPr/>
-          <a:lstStyle/>
-          <a:p>
-            <a:fld id="{E6263D67-EF4C-8247-91B6-64C2A295C9AC}" type="slidenum">
-              <a:rPr lang="en-US" smtClean="0"/>
-              <a:t>28</a:t>
-            </a:fld>
-            <a:endParaRPr lang="en-US"/>
-          </a:p>
-        </p:txBody>
-      </p:sp>
-    </p:spTree>
-    <p:extLst>
-      <p:ext uri="{BB962C8B-B14F-4D97-AF65-F5344CB8AC3E}">
-        <p14:creationId xmlns:p14="http://schemas.microsoft.com/office/powerpoint/2010/main" val="577893186"/>
-      </p:ext>
-    </p:extLst>
-  </p:cSld>
-  <p:clrMapOvr>
-    <a:masterClrMapping/>
-  </p:clrMapOvr>
-</p:notes>
-</file>
-
-<file path=ppt/notesSlides/notesSlide23.xml><?xml version="1.0" encoding="utf-8"?>
-<p:notes xmlns:a="http://schemas.openxmlformats.org/drawingml/2006/main" xmlns:r="http://schemas.openxmlformats.org/officeDocument/2006/relationships" xmlns:p="http://schemas.openxmlformats.org/presentationml/2006/main">
-  <p:cSld>
-    <p:spTree>
-      <p:nvGrpSpPr>
-        <p:cNvPr id="1" name=""/>
-        <p:cNvGrpSpPr/>
-        <p:nvPr/>
-      </p:nvGrpSpPr>
-      <p:grpSpPr>
-        <a:xfrm>
-          <a:off x="0" y="0"/>
-          <a:ext cx="0" cy="0"/>
-          <a:chOff x="0" y="0"/>
-          <a:chExt cx="0" cy="0"/>
-        </a:xfrm>
-      </p:grpSpPr>
-      <p:sp>
-        <p:nvSpPr>
-          <p:cNvPr id="2" name="Slide Image Placeholder 1"/>
-          <p:cNvSpPr>
-            <a:spLocks noGrp="1" noRot="1" noChangeAspect="1"/>
-          </p:cNvSpPr>
-          <p:nvPr>
-            <p:ph type="sldImg"/>
-          </p:nvPr>
-        </p:nvSpPr>
-        <p:spPr/>
-      </p:sp>
-      <p:sp>
-        <p:nvSpPr>
-          <p:cNvPr id="3" name="Notes Placeholder 2"/>
-          <p:cNvSpPr>
-            <a:spLocks noGrp="1"/>
-          </p:cNvSpPr>
-          <p:nvPr>
-            <p:ph type="body" idx="1"/>
-          </p:nvPr>
-        </p:nvSpPr>
-        <p:spPr/>
-        <p:txBody>
-          <a:bodyPr/>
-          <a:lstStyle/>
-          <a:p>
-            <a:endParaRPr lang="en-GB" dirty="0"/>
-          </a:p>
-        </p:txBody>
-      </p:sp>
-      <p:sp>
-        <p:nvSpPr>
-          <p:cNvPr id="4" name="Slide Number Placeholder 3"/>
-          <p:cNvSpPr>
-            <a:spLocks noGrp="1"/>
-          </p:cNvSpPr>
-          <p:nvPr>
-            <p:ph type="sldNum" sz="quarter" idx="5"/>
-          </p:nvPr>
-        </p:nvSpPr>
-        <p:spPr/>
-        <p:txBody>
-          <a:bodyPr/>
-          <a:lstStyle/>
-          <a:p>
-            <a:fld id="{E6263D67-EF4C-8247-91B6-64C2A295C9AC}" type="slidenum">
-              <a:rPr lang="en-US" smtClean="0"/>
-              <a:t>31</a:t>
+              <a:t>29</a:t>
             </a:fld>
             <a:endParaRPr lang="en-US"/>
           </a:p>
@@ -2135,7 +1965,9 @@
           <a:bodyPr/>
           <a:lstStyle/>
           <a:p>
-            <a:endParaRPr lang="en-US" dirty="0"/>
+            <a:endParaRPr lang="en-US" dirty="0">
+              <a:cs typeface="Calibri" panose="020F0502020204030204"/>
+            </a:endParaRPr>
           </a:p>
         </p:txBody>
       </p:sp>
@@ -2165,7 +1997,7 @@
     </p:spTree>
     <p:extLst>
       <p:ext uri="{BB962C8B-B14F-4D97-AF65-F5344CB8AC3E}">
-        <p14:creationId xmlns:p14="http://schemas.microsoft.com/office/powerpoint/2010/main" val="59454183"/>
+        <p14:creationId xmlns:p14="http://schemas.microsoft.com/office/powerpoint/2010/main" val="1723887330"/>
       </p:ext>
     </p:extLst>
   </p:cSld>
@@ -2219,9 +2051,7 @@
           <a:bodyPr/>
           <a:lstStyle/>
           <a:p>
-            <a:endParaRPr lang="en-US" dirty="0">
-              <a:cs typeface="Calibri" panose="020F0502020204030204"/>
-            </a:endParaRPr>
+            <a:endParaRPr lang="en-US" dirty="0"/>
           </a:p>
         </p:txBody>
       </p:sp>
@@ -2251,7 +2081,7 @@
     </p:spTree>
     <p:extLst>
       <p:ext uri="{BB962C8B-B14F-4D97-AF65-F5344CB8AC3E}">
-        <p14:creationId xmlns:p14="http://schemas.microsoft.com/office/powerpoint/2010/main" val="1723887330"/>
+        <p14:creationId xmlns:p14="http://schemas.microsoft.com/office/powerpoint/2010/main" val="473914111"/>
       </p:ext>
     </p:extLst>
   </p:cSld>
@@ -2335,7 +2165,7 @@
     </p:spTree>
     <p:extLst>
       <p:ext uri="{BB962C8B-B14F-4D97-AF65-F5344CB8AC3E}">
-        <p14:creationId xmlns:p14="http://schemas.microsoft.com/office/powerpoint/2010/main" val="473914111"/>
+        <p14:creationId xmlns:p14="http://schemas.microsoft.com/office/powerpoint/2010/main" val="3447005824"/>
       </p:ext>
     </p:extLst>
   </p:cSld>
@@ -2419,7 +2249,7 @@
     </p:spTree>
     <p:extLst>
       <p:ext uri="{BB962C8B-B14F-4D97-AF65-F5344CB8AC3E}">
-        <p14:creationId xmlns:p14="http://schemas.microsoft.com/office/powerpoint/2010/main" val="3447005824"/>
+        <p14:creationId xmlns:p14="http://schemas.microsoft.com/office/powerpoint/2010/main" val="2787317916"/>
       </p:ext>
     </p:extLst>
   </p:cSld>
@@ -2503,7 +2333,7 @@
     </p:spTree>
     <p:extLst>
       <p:ext uri="{BB962C8B-B14F-4D97-AF65-F5344CB8AC3E}">
-        <p14:creationId xmlns:p14="http://schemas.microsoft.com/office/powerpoint/2010/main" val="2787317916"/>
+        <p14:creationId xmlns:p14="http://schemas.microsoft.com/office/powerpoint/2010/main" val="1770362416"/>
       </p:ext>
     </p:extLst>
   </p:cSld>
@@ -2587,7 +2417,7 @@
     </p:spTree>
     <p:extLst>
       <p:ext uri="{BB962C8B-B14F-4D97-AF65-F5344CB8AC3E}">
-        <p14:creationId xmlns:p14="http://schemas.microsoft.com/office/powerpoint/2010/main" val="1770362416"/>
+        <p14:creationId xmlns:p14="http://schemas.microsoft.com/office/powerpoint/2010/main" val="3922420151"/>
       </p:ext>
     </p:extLst>
   </p:cSld>
@@ -2671,7 +2501,7 @@
     </p:spTree>
     <p:extLst>
       <p:ext uri="{BB962C8B-B14F-4D97-AF65-F5344CB8AC3E}">
-        <p14:creationId xmlns:p14="http://schemas.microsoft.com/office/powerpoint/2010/main" val="3922420151"/>
+        <p14:creationId xmlns:p14="http://schemas.microsoft.com/office/powerpoint/2010/main" val="3685096048"/>
       </p:ext>
     </p:extLst>
   </p:cSld>
@@ -2830,7 +2660,7 @@
           <a:p>
             <a:fld id="{8C367D54-26AC-4AC2-B9E9-6058043B4D3D}" type="datetimeFigureOut">
               <a:rPr lang="en-GB" smtClean="0"/>
-              <a:t>14/02/2022</a:t>
+              <a:t>17/02/2022</a:t>
             </a:fld>
             <a:endParaRPr lang="en-GB"/>
           </a:p>
@@ -3030,7 +2860,7 @@
           <a:p>
             <a:fld id="{8C367D54-26AC-4AC2-B9E9-6058043B4D3D}" type="datetimeFigureOut">
               <a:rPr lang="en-GB" smtClean="0"/>
-              <a:t>14/02/2022</a:t>
+              <a:t>17/02/2022</a:t>
             </a:fld>
             <a:endParaRPr lang="en-GB"/>
           </a:p>
@@ -3240,7 +3070,7 @@
           <a:p>
             <a:fld id="{8C367D54-26AC-4AC2-B9E9-6058043B4D3D}" type="datetimeFigureOut">
               <a:rPr lang="en-GB" smtClean="0"/>
-              <a:t>14/02/2022</a:t>
+              <a:t>17/02/2022</a:t>
             </a:fld>
             <a:endParaRPr lang="en-GB"/>
           </a:p>
@@ -3455,7 +3285,7 @@
           <a:p>
             <a:fld id="{8C367D54-26AC-4AC2-B9E9-6058043B4D3D}" type="datetimeFigureOut">
               <a:rPr lang="en-GB" smtClean="0"/>
-              <a:t>14/02/2022</a:t>
+              <a:t>17/02/2022</a:t>
             </a:fld>
             <a:endParaRPr lang="en-GB"/>
           </a:p>
@@ -3851,7 +3681,7 @@
           <a:p>
             <a:fld id="{8C367D54-26AC-4AC2-B9E9-6058043B4D3D}" type="datetimeFigureOut">
               <a:rPr lang="en-GB" smtClean="0"/>
-              <a:t>14/02/2022</a:t>
+              <a:t>17/02/2022</a:t>
             </a:fld>
             <a:endParaRPr lang="en-GB"/>
           </a:p>
@@ -4119,7 +3949,7 @@
           <a:p>
             <a:fld id="{8C367D54-26AC-4AC2-B9E9-6058043B4D3D}" type="datetimeFigureOut">
               <a:rPr lang="en-GB" smtClean="0"/>
-              <a:t>14/02/2022</a:t>
+              <a:t>17/02/2022</a:t>
             </a:fld>
             <a:endParaRPr lang="en-GB"/>
           </a:p>
@@ -4534,7 +4364,7 @@
           <a:p>
             <a:fld id="{8C367D54-26AC-4AC2-B9E9-6058043B4D3D}" type="datetimeFigureOut">
               <a:rPr lang="en-GB" smtClean="0"/>
-              <a:t>14/02/2022</a:t>
+              <a:t>17/02/2022</a:t>
             </a:fld>
             <a:endParaRPr lang="en-GB"/>
           </a:p>
@@ -4676,7 +4506,7 @@
           <a:p>
             <a:fld id="{8C367D54-26AC-4AC2-B9E9-6058043B4D3D}" type="datetimeFigureOut">
               <a:rPr lang="en-GB" smtClean="0"/>
-              <a:t>14/02/2022</a:t>
+              <a:t>17/02/2022</a:t>
             </a:fld>
             <a:endParaRPr lang="en-GB"/>
           </a:p>
@@ -4789,7 +4619,7 @@
           <a:p>
             <a:fld id="{8C367D54-26AC-4AC2-B9E9-6058043B4D3D}" type="datetimeFigureOut">
               <a:rPr lang="en-GB" smtClean="0"/>
-              <a:t>14/02/2022</a:t>
+              <a:t>17/02/2022</a:t>
             </a:fld>
             <a:endParaRPr lang="en-GB"/>
           </a:p>
@@ -5102,7 +4932,7 @@
           <a:p>
             <a:fld id="{8C367D54-26AC-4AC2-B9E9-6058043B4D3D}" type="datetimeFigureOut">
               <a:rPr lang="en-GB" smtClean="0"/>
-              <a:t>14/02/2022</a:t>
+              <a:t>17/02/2022</a:t>
             </a:fld>
             <a:endParaRPr lang="en-GB"/>
           </a:p>
@@ -5391,7 +5221,7 @@
           <a:p>
             <a:fld id="{8C367D54-26AC-4AC2-B9E9-6058043B4D3D}" type="datetimeFigureOut">
               <a:rPr lang="en-GB" smtClean="0"/>
-              <a:t>14/02/2022</a:t>
+              <a:t>17/02/2022</a:t>
             </a:fld>
             <a:endParaRPr lang="en-GB"/>
           </a:p>
@@ -5634,7 +5464,7 @@
           <a:p>
             <a:fld id="{8C367D54-26AC-4AC2-B9E9-6058043B4D3D}" type="datetimeFigureOut">
               <a:rPr lang="en-GB" smtClean="0"/>
-              <a:t>14/02/2022</a:t>
+              <a:t>17/02/2022</a:t>
             </a:fld>
             <a:endParaRPr lang="en-GB"/>
           </a:p>
@@ -6468,1887 +6298,6 @@
 </file>
 
 <file path=ppt/slides/slide10.xml><?xml version="1.0" encoding="utf-8"?>
-<p:sld xmlns:a="http://schemas.openxmlformats.org/drawingml/2006/main" xmlns:r="http://schemas.openxmlformats.org/officeDocument/2006/relationships" xmlns:p="http://schemas.openxmlformats.org/presentationml/2006/main">
-  <p:cSld>
-    <p:spTree>
-      <p:nvGrpSpPr>
-        <p:cNvPr id="1" name=""/>
-        <p:cNvGrpSpPr/>
-        <p:nvPr/>
-      </p:nvGrpSpPr>
-      <p:grpSpPr>
-        <a:xfrm>
-          <a:off x="0" y="0"/>
-          <a:ext cx="0" cy="0"/>
-          <a:chOff x="0" y="0"/>
-          <a:chExt cx="0" cy="0"/>
-        </a:xfrm>
-      </p:grpSpPr>
-      <p:sp>
-        <p:nvSpPr>
-          <p:cNvPr id="2" name="Title 1">
-            <a:extLst>
-              <a:ext uri="{FF2B5EF4-FFF2-40B4-BE49-F238E27FC236}">
-                <a16:creationId xmlns:a16="http://schemas.microsoft.com/office/drawing/2014/main" id="{AF234254-0368-464F-8D9A-ED6EBA58F0FC}"/>
-              </a:ext>
-            </a:extLst>
-          </p:cNvPr>
-          <p:cNvSpPr>
-            <a:spLocks noGrp="1"/>
-          </p:cNvSpPr>
-          <p:nvPr>
-            <p:ph type="title"/>
-          </p:nvPr>
-        </p:nvSpPr>
-        <p:spPr>
-          <a:xfrm>
-            <a:off x="1597152" y="365125"/>
-            <a:ext cx="7656576" cy="1325563"/>
-          </a:xfrm>
-        </p:spPr>
-        <p:txBody>
-          <a:bodyPr/>
-          <a:lstStyle/>
-          <a:p>
-            <a:r>
-              <a:rPr lang="en-US" sz="4000" dirty="0"/>
-              <a:t>ROS Architecture </a:t>
-            </a:r>
-            <a:r>
-              <a:rPr lang="en-US" dirty="0"/>
-              <a:t/>
-            </a:r>
-            <a:br>
-              <a:rPr lang="en-US" dirty="0"/>
-            </a:br>
-            <a:r>
-              <a:rPr lang="en-US" sz="3200" dirty="0"/>
-              <a:t>Services and actions </a:t>
-            </a:r>
-            <a:endParaRPr lang="en-US" dirty="0"/>
-          </a:p>
-        </p:txBody>
-      </p:sp>
-      <p:sp>
-        <p:nvSpPr>
-          <p:cNvPr id="3" name="Content Placeholder 2">
-            <a:extLst>
-              <a:ext uri="{FF2B5EF4-FFF2-40B4-BE49-F238E27FC236}">
-                <a16:creationId xmlns:a16="http://schemas.microsoft.com/office/drawing/2014/main" id="{2E7659E1-7643-F447-B62C-C7F715E39CE6}"/>
-              </a:ext>
-            </a:extLst>
-          </p:cNvPr>
-          <p:cNvSpPr>
-            <a:spLocks noGrp="1"/>
-          </p:cNvSpPr>
-          <p:nvPr>
-            <p:ph idx="4294967295"/>
-          </p:nvPr>
-        </p:nvSpPr>
-        <p:spPr>
-          <a:xfrm>
-            <a:off x="838200" y="1863802"/>
-            <a:ext cx="10515600" cy="1502089"/>
-          </a:xfrm>
-        </p:spPr>
-        <p:txBody>
-          <a:bodyPr vert="horz" lIns="91440" tIns="45720" rIns="91440" bIns="45720" rtlCol="0" anchor="t">
-            <a:normAutofit lnSpcReduction="10000"/>
-          </a:bodyPr>
-          <a:lstStyle/>
-          <a:p>
-            <a:r>
-              <a:rPr lang="en-US" sz="2400" dirty="0"/>
-              <a:t>While topics are one way communication, services and actions allow feedback and prevent unnecessary load in the network. </a:t>
-            </a:r>
-          </a:p>
-          <a:p>
-            <a:r>
-              <a:rPr lang="en-US" sz="2400" dirty="0"/>
-              <a:t>Services follow a question-answer structure, while actions are designed to execute a task and give feedback during the process. </a:t>
-            </a:r>
-          </a:p>
-        </p:txBody>
-      </p:sp>
-      <p:sp>
-        <p:nvSpPr>
-          <p:cNvPr id="27" name="Rounded Rectangle 26">
-            <a:extLst>
-              <a:ext uri="{FF2B5EF4-FFF2-40B4-BE49-F238E27FC236}">
-                <a16:creationId xmlns:a16="http://schemas.microsoft.com/office/drawing/2014/main" id="{5EF908F8-EF46-7644-9E4D-BA411CF86F44}"/>
-              </a:ext>
-            </a:extLst>
-          </p:cNvPr>
-          <p:cNvSpPr/>
-          <p:nvPr/>
-        </p:nvSpPr>
-        <p:spPr>
-          <a:xfrm>
-            <a:off x="1706136" y="3320052"/>
-            <a:ext cx="3579541" cy="2813122"/>
-          </a:xfrm>
-          <a:prstGeom prst="roundRect">
-            <a:avLst/>
-          </a:prstGeom>
-          <a:noFill/>
-          <a:ln w="50800">
-            <a:solidFill>
-              <a:schemeClr val="accent2"/>
-            </a:solidFill>
-          </a:ln>
-        </p:spPr>
-        <p:style>
-          <a:lnRef idx="2">
-            <a:schemeClr val="accent1">
-              <a:shade val="50000"/>
-            </a:schemeClr>
-          </a:lnRef>
-          <a:fillRef idx="1">
-            <a:schemeClr val="accent1"/>
-          </a:fillRef>
-          <a:effectRef idx="0">
-            <a:schemeClr val="accent1"/>
-          </a:effectRef>
-          <a:fontRef idx="minor">
-            <a:schemeClr val="lt1"/>
-          </a:fontRef>
-        </p:style>
-        <p:txBody>
-          <a:bodyPr rtlCol="0" anchor="ctr"/>
-          <a:lstStyle/>
-          <a:p>
-            <a:pPr algn="ctr"/>
-            <a:endParaRPr lang="en-US">
-              <a:solidFill>
-                <a:schemeClr val="accent6"/>
-              </a:solidFill>
-            </a:endParaRPr>
-          </a:p>
-        </p:txBody>
-      </p:sp>
-      <p:sp>
-        <p:nvSpPr>
-          <p:cNvPr id="31" name="Content Placeholder 3">
-            <a:extLst>
-              <a:ext uri="{FF2B5EF4-FFF2-40B4-BE49-F238E27FC236}">
-                <a16:creationId xmlns:a16="http://schemas.microsoft.com/office/drawing/2014/main" id="{D18E5307-4D13-1B49-9B2F-12669DF1FBB3}"/>
-              </a:ext>
-            </a:extLst>
-          </p:cNvPr>
-          <p:cNvSpPr txBox="1">
-            <a:spLocks/>
-          </p:cNvSpPr>
-          <p:nvPr/>
-        </p:nvSpPr>
-        <p:spPr>
-          <a:xfrm>
-            <a:off x="1056411" y="3976513"/>
-            <a:ext cx="2478610" cy="1983178"/>
-          </a:xfrm>
-          <a:prstGeom prst="rect">
-            <a:avLst/>
-          </a:prstGeom>
-        </p:spPr>
-        <p:txBody>
-          <a:bodyPr vert="horz" lIns="91440" tIns="45720" rIns="91440" bIns="45720" rtlCol="0">
-            <a:normAutofit/>
-          </a:bodyPr>
-          <a:lstStyle>
-            <a:lvl1pPr marL="228600" indent="-228600" algn="l" defTabSz="914400" rtl="0" eaLnBrk="1" latinLnBrk="0" hangingPunct="1">
-              <a:lnSpc>
-                <a:spcPct val="90000"/>
-              </a:lnSpc>
-              <a:spcBef>
-                <a:spcPts val="1000"/>
-              </a:spcBef>
-              <a:buFont typeface="Arial" panose="020B0604020202020204" pitchFamily="34" charset="0"/>
-              <a:buChar char="•"/>
-              <a:defRPr sz="2800" kern="1200">
-                <a:solidFill>
-                  <a:schemeClr val="tx1"/>
-                </a:solidFill>
-                <a:latin typeface="+mn-lt"/>
-                <a:ea typeface="+mn-ea"/>
-                <a:cs typeface="+mn-cs"/>
-              </a:defRPr>
-            </a:lvl1pPr>
-            <a:lvl2pPr marL="685800" indent="-228600" algn="l" defTabSz="914400" rtl="0" eaLnBrk="1" latinLnBrk="0" hangingPunct="1">
-              <a:lnSpc>
-                <a:spcPct val="90000"/>
-              </a:lnSpc>
-              <a:spcBef>
-                <a:spcPts val="500"/>
-              </a:spcBef>
-              <a:buFont typeface="Arial" panose="020B0604020202020204" pitchFamily="34" charset="0"/>
-              <a:buChar char="•"/>
-              <a:defRPr sz="2400" kern="1200">
-                <a:solidFill>
-                  <a:schemeClr val="tx1"/>
-                </a:solidFill>
-                <a:latin typeface="+mn-lt"/>
-                <a:ea typeface="+mn-ea"/>
-                <a:cs typeface="+mn-cs"/>
-              </a:defRPr>
-            </a:lvl2pPr>
-            <a:lvl3pPr marL="1143000" indent="-228600" algn="l" defTabSz="914400" rtl="0" eaLnBrk="1" latinLnBrk="0" hangingPunct="1">
-              <a:lnSpc>
-                <a:spcPct val="90000"/>
-              </a:lnSpc>
-              <a:spcBef>
-                <a:spcPts val="500"/>
-              </a:spcBef>
-              <a:buFont typeface="Arial" panose="020B0604020202020204" pitchFamily="34" charset="0"/>
-              <a:buChar char="•"/>
-              <a:defRPr sz="2000" kern="1200">
-                <a:solidFill>
-                  <a:schemeClr val="tx1"/>
-                </a:solidFill>
-                <a:latin typeface="+mn-lt"/>
-                <a:ea typeface="+mn-ea"/>
-                <a:cs typeface="+mn-cs"/>
-              </a:defRPr>
-            </a:lvl3pPr>
-            <a:lvl4pPr marL="1600200" indent="-228600" algn="l" defTabSz="914400" rtl="0" eaLnBrk="1" latinLnBrk="0" hangingPunct="1">
-              <a:lnSpc>
-                <a:spcPct val="90000"/>
-              </a:lnSpc>
-              <a:spcBef>
-                <a:spcPts val="500"/>
-              </a:spcBef>
-              <a:buFont typeface="Arial" panose="020B0604020202020204" pitchFamily="34" charset="0"/>
-              <a:buChar char="•"/>
-              <a:defRPr sz="1800" kern="1200">
-                <a:solidFill>
-                  <a:schemeClr val="tx1"/>
-                </a:solidFill>
-                <a:latin typeface="+mn-lt"/>
-                <a:ea typeface="+mn-ea"/>
-                <a:cs typeface="+mn-cs"/>
-              </a:defRPr>
-            </a:lvl4pPr>
-            <a:lvl5pPr marL="2057400" indent="-228600" algn="l" defTabSz="914400" rtl="0" eaLnBrk="1" latinLnBrk="0" hangingPunct="1">
-              <a:lnSpc>
-                <a:spcPct val="90000"/>
-              </a:lnSpc>
-              <a:spcBef>
-                <a:spcPts val="500"/>
-              </a:spcBef>
-              <a:buFont typeface="Arial" panose="020B0604020202020204" pitchFamily="34" charset="0"/>
-              <a:buChar char="•"/>
-              <a:defRPr sz="1800" kern="1200">
-                <a:solidFill>
-                  <a:schemeClr val="tx1"/>
-                </a:solidFill>
-                <a:latin typeface="+mn-lt"/>
-                <a:ea typeface="+mn-ea"/>
-                <a:cs typeface="+mn-cs"/>
-              </a:defRPr>
-            </a:lvl5pPr>
-            <a:lvl6pPr marL="2514600" indent="-228600" algn="l" defTabSz="914400" rtl="0" eaLnBrk="1" latinLnBrk="0" hangingPunct="1">
-              <a:lnSpc>
-                <a:spcPct val="90000"/>
-              </a:lnSpc>
-              <a:spcBef>
-                <a:spcPts val="500"/>
-              </a:spcBef>
-              <a:buFont typeface="Arial" panose="020B0604020202020204" pitchFamily="34" charset="0"/>
-              <a:buChar char="•"/>
-              <a:defRPr sz="1800" kern="1200">
-                <a:solidFill>
-                  <a:schemeClr val="tx1"/>
-                </a:solidFill>
-                <a:latin typeface="+mn-lt"/>
-                <a:ea typeface="+mn-ea"/>
-                <a:cs typeface="+mn-cs"/>
-              </a:defRPr>
-            </a:lvl6pPr>
-            <a:lvl7pPr marL="2971800" indent="-228600" algn="l" defTabSz="914400" rtl="0" eaLnBrk="1" latinLnBrk="0" hangingPunct="1">
-              <a:lnSpc>
-                <a:spcPct val="90000"/>
-              </a:lnSpc>
-              <a:spcBef>
-                <a:spcPts val="500"/>
-              </a:spcBef>
-              <a:buFont typeface="Arial" panose="020B0604020202020204" pitchFamily="34" charset="0"/>
-              <a:buChar char="•"/>
-              <a:defRPr sz="1800" kern="1200">
-                <a:solidFill>
-                  <a:schemeClr val="tx1"/>
-                </a:solidFill>
-                <a:latin typeface="+mn-lt"/>
-                <a:ea typeface="+mn-ea"/>
-                <a:cs typeface="+mn-cs"/>
-              </a:defRPr>
-            </a:lvl7pPr>
-            <a:lvl8pPr marL="3429000" indent="-228600" algn="l" defTabSz="914400" rtl="0" eaLnBrk="1" latinLnBrk="0" hangingPunct="1">
-              <a:lnSpc>
-                <a:spcPct val="90000"/>
-              </a:lnSpc>
-              <a:spcBef>
-                <a:spcPts val="500"/>
-              </a:spcBef>
-              <a:buFont typeface="Arial" panose="020B0604020202020204" pitchFamily="34" charset="0"/>
-              <a:buChar char="•"/>
-              <a:defRPr sz="1800" kern="1200">
-                <a:solidFill>
-                  <a:schemeClr val="tx1"/>
-                </a:solidFill>
-                <a:latin typeface="+mn-lt"/>
-                <a:ea typeface="+mn-ea"/>
-                <a:cs typeface="+mn-cs"/>
-              </a:defRPr>
-            </a:lvl8pPr>
-            <a:lvl9pPr marL="3886200" indent="-228600" algn="l" defTabSz="914400" rtl="0" eaLnBrk="1" latinLnBrk="0" hangingPunct="1">
-              <a:lnSpc>
-                <a:spcPct val="90000"/>
-              </a:lnSpc>
-              <a:spcBef>
-                <a:spcPts val="500"/>
-              </a:spcBef>
-              <a:buFont typeface="Arial" panose="020B0604020202020204" pitchFamily="34" charset="0"/>
-              <a:buChar char="•"/>
-              <a:defRPr sz="1800" kern="1200">
-                <a:solidFill>
-                  <a:schemeClr val="tx1"/>
-                </a:solidFill>
-                <a:latin typeface="+mn-lt"/>
-                <a:ea typeface="+mn-ea"/>
-                <a:cs typeface="+mn-cs"/>
-              </a:defRPr>
-            </a:lvl9pPr>
-          </a:lstStyle>
-          <a:p>
-            <a:pPr lvl="1" algn="just"/>
-            <a:endParaRPr lang="en-GB" dirty="0"/>
-          </a:p>
-          <a:p>
-            <a:pPr marL="457200" lvl="1" indent="0" algn="just">
-              <a:buFont typeface="Arial" panose="020B0604020202020204" pitchFamily="34" charset="0"/>
-              <a:buNone/>
-            </a:pPr>
-            <a:endParaRPr lang="en-GB" dirty="0"/>
-          </a:p>
-        </p:txBody>
-      </p:sp>
-      <p:grpSp>
-        <p:nvGrpSpPr>
-          <p:cNvPr id="52" name="Group 51">
-            <a:extLst>
-              <a:ext uri="{FF2B5EF4-FFF2-40B4-BE49-F238E27FC236}">
-                <a16:creationId xmlns:a16="http://schemas.microsoft.com/office/drawing/2014/main" id="{75810BBA-4F2C-3140-811E-DEE6B7B5A606}"/>
-              </a:ext>
-            </a:extLst>
-          </p:cNvPr>
-          <p:cNvGrpSpPr/>
-          <p:nvPr/>
-        </p:nvGrpSpPr>
-        <p:grpSpPr>
-          <a:xfrm>
-            <a:off x="2001227" y="5420493"/>
-            <a:ext cx="3067587" cy="552311"/>
-            <a:chOff x="9547211" y="5613235"/>
-            <a:chExt cx="1301780" cy="655021"/>
-          </a:xfrm>
-        </p:grpSpPr>
-        <p:sp>
-          <p:nvSpPr>
-            <p:cNvPr id="54" name="TextBox 53">
-              <a:extLst>
-                <a:ext uri="{FF2B5EF4-FFF2-40B4-BE49-F238E27FC236}">
-                  <a16:creationId xmlns:a16="http://schemas.microsoft.com/office/drawing/2014/main" id="{D9C97181-E83A-AD4C-82C5-F1BD840B22AD}"/>
-                </a:ext>
-              </a:extLst>
-            </p:cNvPr>
-            <p:cNvSpPr txBox="1"/>
-            <p:nvPr/>
-          </p:nvSpPr>
-          <p:spPr>
-            <a:xfrm>
-              <a:off x="9574927" y="5714425"/>
-              <a:ext cx="1274064" cy="421619"/>
-            </a:xfrm>
-            <a:prstGeom prst="rect">
-              <a:avLst/>
-            </a:prstGeom>
-            <a:noFill/>
-          </p:spPr>
-          <p:txBody>
-            <a:bodyPr wrap="square" rtlCol="0">
-              <a:spAutoFit/>
-            </a:bodyPr>
-            <a:lstStyle/>
-            <a:p>
-              <a:pPr algn="ctr"/>
-              <a:r>
-                <a:rPr lang="en-US" dirty="0"/>
-                <a:t>Planning Node</a:t>
-              </a:r>
-            </a:p>
-          </p:txBody>
-        </p:sp>
-        <p:sp>
-          <p:nvSpPr>
-            <p:cNvPr id="55" name="Rounded Rectangle 54">
-              <a:extLst>
-                <a:ext uri="{FF2B5EF4-FFF2-40B4-BE49-F238E27FC236}">
-                  <a16:creationId xmlns:a16="http://schemas.microsoft.com/office/drawing/2014/main" id="{8F9123D0-5587-934B-BE54-ECDEF81AC63E}"/>
-                </a:ext>
-              </a:extLst>
-            </p:cNvPr>
-            <p:cNvSpPr/>
-            <p:nvPr/>
-          </p:nvSpPr>
-          <p:spPr>
-            <a:xfrm>
-              <a:off x="9547211" y="5613235"/>
-              <a:ext cx="1274064" cy="655021"/>
-            </a:xfrm>
-            <a:prstGeom prst="roundRect">
-              <a:avLst/>
-            </a:prstGeom>
-            <a:noFill/>
-            <a:ln w="50800">
-              <a:solidFill>
-                <a:schemeClr val="accent6"/>
-              </a:solidFill>
-            </a:ln>
-          </p:spPr>
-          <p:style>
-            <a:lnRef idx="2">
-              <a:schemeClr val="accent1">
-                <a:shade val="50000"/>
-              </a:schemeClr>
-            </a:lnRef>
-            <a:fillRef idx="1">
-              <a:schemeClr val="accent1"/>
-            </a:fillRef>
-            <a:effectRef idx="0">
-              <a:schemeClr val="accent1"/>
-            </a:effectRef>
-            <a:fontRef idx="minor">
-              <a:schemeClr val="lt1"/>
-            </a:fontRef>
-          </p:style>
-          <p:txBody>
-            <a:bodyPr rtlCol="0" anchor="ctr"/>
-            <a:lstStyle/>
-            <a:p>
-              <a:pPr algn="ctr"/>
-              <a:endParaRPr lang="en-US"/>
-            </a:p>
-          </p:txBody>
-        </p:sp>
-      </p:grpSp>
-      <p:grpSp>
-        <p:nvGrpSpPr>
-          <p:cNvPr id="56" name="Group 55">
-            <a:extLst>
-              <a:ext uri="{FF2B5EF4-FFF2-40B4-BE49-F238E27FC236}">
-                <a16:creationId xmlns:a16="http://schemas.microsoft.com/office/drawing/2014/main" id="{9802CD4B-F6AA-A54D-A13F-16CF059A0F77}"/>
-              </a:ext>
-            </a:extLst>
-          </p:cNvPr>
-          <p:cNvGrpSpPr/>
-          <p:nvPr/>
-        </p:nvGrpSpPr>
-        <p:grpSpPr>
-          <a:xfrm>
-            <a:off x="1940645" y="3451364"/>
-            <a:ext cx="3128149" cy="508802"/>
-            <a:chOff x="9547211" y="5613235"/>
-            <a:chExt cx="1301780" cy="655021"/>
-          </a:xfrm>
-        </p:grpSpPr>
-        <p:sp>
-          <p:nvSpPr>
-            <p:cNvPr id="57" name="TextBox 56">
-              <a:extLst>
-                <a:ext uri="{FF2B5EF4-FFF2-40B4-BE49-F238E27FC236}">
-                  <a16:creationId xmlns:a16="http://schemas.microsoft.com/office/drawing/2014/main" id="{2D3BDE13-7DBE-3949-A7A4-C7578D4306CB}"/>
-                </a:ext>
-              </a:extLst>
-            </p:cNvPr>
-            <p:cNvSpPr txBox="1"/>
-            <p:nvPr/>
-          </p:nvSpPr>
-          <p:spPr>
-            <a:xfrm>
-              <a:off x="9574927" y="5714425"/>
-              <a:ext cx="1274064" cy="421619"/>
-            </a:xfrm>
-            <a:prstGeom prst="rect">
-              <a:avLst/>
-            </a:prstGeom>
-            <a:noFill/>
-          </p:spPr>
-          <p:txBody>
-            <a:bodyPr wrap="square" rtlCol="0">
-              <a:spAutoFit/>
-            </a:bodyPr>
-            <a:lstStyle/>
-            <a:p>
-              <a:pPr algn="ctr"/>
-              <a:r>
-                <a:rPr lang="en-US" dirty="0"/>
-                <a:t>Control Node</a:t>
-              </a:r>
-            </a:p>
-          </p:txBody>
-        </p:sp>
-        <p:sp>
-          <p:nvSpPr>
-            <p:cNvPr id="58" name="Rounded Rectangle 57">
-              <a:extLst>
-                <a:ext uri="{FF2B5EF4-FFF2-40B4-BE49-F238E27FC236}">
-                  <a16:creationId xmlns:a16="http://schemas.microsoft.com/office/drawing/2014/main" id="{42561184-D268-6A4F-9FE0-684511CD7FC2}"/>
-                </a:ext>
-              </a:extLst>
-            </p:cNvPr>
-            <p:cNvSpPr/>
-            <p:nvPr/>
-          </p:nvSpPr>
-          <p:spPr>
-            <a:xfrm>
-              <a:off x="9547211" y="5613235"/>
-              <a:ext cx="1274064" cy="655021"/>
-            </a:xfrm>
-            <a:prstGeom prst="roundRect">
-              <a:avLst/>
-            </a:prstGeom>
-            <a:noFill/>
-            <a:ln w="50800">
-              <a:solidFill>
-                <a:schemeClr val="accent6"/>
-              </a:solidFill>
-            </a:ln>
-          </p:spPr>
-          <p:style>
-            <a:lnRef idx="2">
-              <a:schemeClr val="accent1">
-                <a:shade val="50000"/>
-              </a:schemeClr>
-            </a:lnRef>
-            <a:fillRef idx="1">
-              <a:schemeClr val="accent1"/>
-            </a:fillRef>
-            <a:effectRef idx="0">
-              <a:schemeClr val="accent1"/>
-            </a:effectRef>
-            <a:fontRef idx="minor">
-              <a:schemeClr val="lt1"/>
-            </a:fontRef>
-          </p:style>
-          <p:txBody>
-            <a:bodyPr rtlCol="0" anchor="ctr"/>
-            <a:lstStyle/>
-            <a:p>
-              <a:pPr algn="ctr"/>
-              <a:endParaRPr lang="en-US"/>
-            </a:p>
-          </p:txBody>
-        </p:sp>
-      </p:grpSp>
-      <p:cxnSp>
-        <p:nvCxnSpPr>
-          <p:cNvPr id="59" name="Straight Arrow Connector 58">
-            <a:extLst>
-              <a:ext uri="{FF2B5EF4-FFF2-40B4-BE49-F238E27FC236}">
-                <a16:creationId xmlns:a16="http://schemas.microsoft.com/office/drawing/2014/main" id="{1C925B83-A8B7-1D45-9A52-7C6EDD8A7521}"/>
-              </a:ext>
-            </a:extLst>
-          </p:cNvPr>
-          <p:cNvCxnSpPr>
-            <a:cxnSpLocks/>
-          </p:cNvCxnSpPr>
-          <p:nvPr/>
-        </p:nvCxnSpPr>
-        <p:spPr>
-          <a:xfrm flipV="1">
-            <a:off x="2229705" y="4071647"/>
-            <a:ext cx="0" cy="1247488"/>
-          </a:xfrm>
-          <a:prstGeom prst="straightConnector1">
-            <a:avLst/>
-          </a:prstGeom>
-          <a:ln w="50800">
-            <a:headEnd type="triangle"/>
-            <a:tailEnd type="none"/>
-          </a:ln>
-        </p:spPr>
-        <p:style>
-          <a:lnRef idx="1">
-            <a:schemeClr val="accent1"/>
-          </a:lnRef>
-          <a:fillRef idx="0">
-            <a:schemeClr val="accent1"/>
-          </a:fillRef>
-          <a:effectRef idx="0">
-            <a:schemeClr val="accent1"/>
-          </a:effectRef>
-          <a:fontRef idx="minor">
-            <a:schemeClr val="tx1"/>
-          </a:fontRef>
-        </p:style>
-      </p:cxnSp>
-      <p:cxnSp>
-        <p:nvCxnSpPr>
-          <p:cNvPr id="61" name="Straight Arrow Connector 60">
-            <a:extLst>
-              <a:ext uri="{FF2B5EF4-FFF2-40B4-BE49-F238E27FC236}">
-                <a16:creationId xmlns:a16="http://schemas.microsoft.com/office/drawing/2014/main" id="{CB0D1198-97DB-1543-9507-A556C15DDE4E}"/>
-              </a:ext>
-            </a:extLst>
-          </p:cNvPr>
-          <p:cNvCxnSpPr>
-            <a:cxnSpLocks/>
-          </p:cNvCxnSpPr>
-          <p:nvPr/>
-        </p:nvCxnSpPr>
-        <p:spPr>
-          <a:xfrm flipV="1">
-            <a:off x="3642192" y="4053567"/>
-            <a:ext cx="0" cy="1265568"/>
-          </a:xfrm>
-          <a:prstGeom prst="straightConnector1">
-            <a:avLst/>
-          </a:prstGeom>
-          <a:ln w="50800">
-            <a:headEnd type="none"/>
-            <a:tailEnd type="triangle"/>
-          </a:ln>
-        </p:spPr>
-        <p:style>
-          <a:lnRef idx="1">
-            <a:schemeClr val="accent1"/>
-          </a:lnRef>
-          <a:fillRef idx="0">
-            <a:schemeClr val="accent1"/>
-          </a:fillRef>
-          <a:effectRef idx="0">
-            <a:schemeClr val="accent1"/>
-          </a:effectRef>
-          <a:fontRef idx="minor">
-            <a:schemeClr val="tx1"/>
-          </a:fontRef>
-        </p:style>
-      </p:cxnSp>
-      <p:sp>
-        <p:nvSpPr>
-          <p:cNvPr id="15" name="TextBox 14">
-            <a:extLst>
-              <a:ext uri="{FF2B5EF4-FFF2-40B4-BE49-F238E27FC236}">
-                <a16:creationId xmlns:a16="http://schemas.microsoft.com/office/drawing/2014/main" id="{9A2AB30C-D4F4-294A-B518-5BBE03635B64}"/>
-              </a:ext>
-            </a:extLst>
-          </p:cNvPr>
-          <p:cNvSpPr txBox="1"/>
-          <p:nvPr/>
-        </p:nvSpPr>
-        <p:spPr>
-          <a:xfrm>
-            <a:off x="2327935" y="4187163"/>
-            <a:ext cx="1039731" cy="923330"/>
-          </a:xfrm>
-          <a:prstGeom prst="rect">
-            <a:avLst/>
-          </a:prstGeom>
-          <a:noFill/>
-        </p:spPr>
-        <p:txBody>
-          <a:bodyPr wrap="square" rtlCol="0">
-            <a:spAutoFit/>
-          </a:bodyPr>
-          <a:lstStyle/>
-          <a:p>
-            <a:pPr algn="just"/>
-            <a:r>
-              <a:rPr lang="en-US" dirty="0"/>
-              <a:t>Can you send me a path ?</a:t>
-            </a:r>
-          </a:p>
-        </p:txBody>
-      </p:sp>
-      <p:sp>
-        <p:nvSpPr>
-          <p:cNvPr id="62" name="TextBox 61">
-            <a:extLst>
-              <a:ext uri="{FF2B5EF4-FFF2-40B4-BE49-F238E27FC236}">
-                <a16:creationId xmlns:a16="http://schemas.microsoft.com/office/drawing/2014/main" id="{4F5AB742-2C45-594D-9453-400ACE7F81AD}"/>
-              </a:ext>
-            </a:extLst>
-          </p:cNvPr>
-          <p:cNvSpPr txBox="1"/>
-          <p:nvPr/>
-        </p:nvSpPr>
-        <p:spPr>
-          <a:xfrm>
-            <a:off x="3769904" y="4357997"/>
-            <a:ext cx="1039731" cy="646331"/>
-          </a:xfrm>
-          <a:prstGeom prst="rect">
-            <a:avLst/>
-          </a:prstGeom>
-          <a:noFill/>
-        </p:spPr>
-        <p:txBody>
-          <a:bodyPr wrap="square" rtlCol="0">
-            <a:spAutoFit/>
-          </a:bodyPr>
-          <a:lstStyle/>
-          <a:p>
-            <a:pPr algn="just"/>
-            <a:r>
-              <a:rPr lang="en-US" dirty="0"/>
-              <a:t>Updated path</a:t>
-            </a:r>
-          </a:p>
-        </p:txBody>
-      </p:sp>
-      <p:sp>
-        <p:nvSpPr>
-          <p:cNvPr id="63" name="Rounded Rectangle 62">
-            <a:extLst>
-              <a:ext uri="{FF2B5EF4-FFF2-40B4-BE49-F238E27FC236}">
-                <a16:creationId xmlns:a16="http://schemas.microsoft.com/office/drawing/2014/main" id="{DE7B3828-40E4-2C45-986E-691DBBDF40BE}"/>
-              </a:ext>
-            </a:extLst>
-          </p:cNvPr>
-          <p:cNvSpPr/>
-          <p:nvPr/>
-        </p:nvSpPr>
-        <p:spPr>
-          <a:xfrm>
-            <a:off x="2325840" y="4193118"/>
-            <a:ext cx="1039730" cy="923330"/>
-          </a:xfrm>
-          <a:prstGeom prst="roundRect">
-            <a:avLst/>
-          </a:prstGeom>
-          <a:noFill/>
-          <a:ln w="50800">
-            <a:solidFill>
-              <a:schemeClr val="accent1"/>
-            </a:solidFill>
-          </a:ln>
-        </p:spPr>
-        <p:style>
-          <a:lnRef idx="2">
-            <a:schemeClr val="accent1">
-              <a:shade val="50000"/>
-            </a:schemeClr>
-          </a:lnRef>
-          <a:fillRef idx="1">
-            <a:schemeClr val="accent1"/>
-          </a:fillRef>
-          <a:effectRef idx="0">
-            <a:schemeClr val="accent1"/>
-          </a:effectRef>
-          <a:fontRef idx="minor">
-            <a:schemeClr val="lt1"/>
-          </a:fontRef>
-        </p:style>
-        <p:txBody>
-          <a:bodyPr rtlCol="0" anchor="ctr"/>
-          <a:lstStyle/>
-          <a:p>
-            <a:pPr algn="ctr"/>
-            <a:endParaRPr lang="en-US">
-              <a:solidFill>
-                <a:schemeClr val="accent6"/>
-              </a:solidFill>
-            </a:endParaRPr>
-          </a:p>
-        </p:txBody>
-      </p:sp>
-      <p:sp>
-        <p:nvSpPr>
-          <p:cNvPr id="64" name="Rounded Rectangle 63">
-            <a:extLst>
-              <a:ext uri="{FF2B5EF4-FFF2-40B4-BE49-F238E27FC236}">
-                <a16:creationId xmlns:a16="http://schemas.microsoft.com/office/drawing/2014/main" id="{E7B2951C-2D93-0E41-975E-67659B5FD0FA}"/>
-              </a:ext>
-            </a:extLst>
-          </p:cNvPr>
-          <p:cNvSpPr/>
-          <p:nvPr/>
-        </p:nvSpPr>
-        <p:spPr>
-          <a:xfrm>
-            <a:off x="3769904" y="4357997"/>
-            <a:ext cx="958213" cy="702696"/>
-          </a:xfrm>
-          <a:prstGeom prst="roundRect">
-            <a:avLst/>
-          </a:prstGeom>
-          <a:noFill/>
-          <a:ln w="50800">
-            <a:solidFill>
-              <a:schemeClr val="accent1"/>
-            </a:solidFill>
-          </a:ln>
-        </p:spPr>
-        <p:style>
-          <a:lnRef idx="2">
-            <a:schemeClr val="accent1">
-              <a:shade val="50000"/>
-            </a:schemeClr>
-          </a:lnRef>
-          <a:fillRef idx="1">
-            <a:schemeClr val="accent1"/>
-          </a:fillRef>
-          <a:effectRef idx="0">
-            <a:schemeClr val="accent1"/>
-          </a:effectRef>
-          <a:fontRef idx="minor">
-            <a:schemeClr val="lt1"/>
-          </a:fontRef>
-        </p:style>
-        <p:txBody>
-          <a:bodyPr rtlCol="0" anchor="ctr"/>
-          <a:lstStyle/>
-          <a:p>
-            <a:pPr algn="ctr"/>
-            <a:endParaRPr lang="en-US">
-              <a:solidFill>
-                <a:schemeClr val="accent6"/>
-              </a:solidFill>
-            </a:endParaRPr>
-          </a:p>
-        </p:txBody>
-      </p:sp>
-      <p:sp>
-        <p:nvSpPr>
-          <p:cNvPr id="65" name="TextBox 64">
-            <a:extLst>
-              <a:ext uri="{FF2B5EF4-FFF2-40B4-BE49-F238E27FC236}">
-                <a16:creationId xmlns:a16="http://schemas.microsoft.com/office/drawing/2014/main" id="{F76293CF-3690-184B-A72C-4C5B24FEB2D5}"/>
-              </a:ext>
-            </a:extLst>
-          </p:cNvPr>
-          <p:cNvSpPr txBox="1"/>
-          <p:nvPr/>
-        </p:nvSpPr>
-        <p:spPr>
-          <a:xfrm>
-            <a:off x="1597152" y="6147423"/>
-            <a:ext cx="968298" cy="369332"/>
-          </a:xfrm>
-          <a:prstGeom prst="rect">
-            <a:avLst/>
-          </a:prstGeom>
-          <a:noFill/>
-        </p:spPr>
-        <p:txBody>
-          <a:bodyPr wrap="square" rtlCol="0">
-            <a:spAutoFit/>
-          </a:bodyPr>
-          <a:lstStyle/>
-          <a:p>
-            <a:pPr algn="ctr"/>
-            <a:r>
-              <a:rPr lang="en-US" dirty="0">
-                <a:solidFill>
-                  <a:schemeClr val="accent2"/>
-                </a:solidFill>
-              </a:rPr>
-              <a:t>Service</a:t>
-            </a:r>
-          </a:p>
-        </p:txBody>
-      </p:sp>
-      <p:sp>
-        <p:nvSpPr>
-          <p:cNvPr id="66" name="Rounded Rectangle 65">
-            <a:extLst>
-              <a:ext uri="{FF2B5EF4-FFF2-40B4-BE49-F238E27FC236}">
-                <a16:creationId xmlns:a16="http://schemas.microsoft.com/office/drawing/2014/main" id="{A7E4E844-6B84-E549-86D6-881D9DFE712D}"/>
-              </a:ext>
-            </a:extLst>
-          </p:cNvPr>
-          <p:cNvSpPr/>
-          <p:nvPr/>
-        </p:nvSpPr>
-        <p:spPr>
-          <a:xfrm>
-            <a:off x="5592362" y="3317244"/>
-            <a:ext cx="5761437" cy="2813122"/>
-          </a:xfrm>
-          <a:prstGeom prst="roundRect">
-            <a:avLst/>
-          </a:prstGeom>
-          <a:noFill/>
-          <a:ln w="50800">
-            <a:solidFill>
-              <a:schemeClr val="accent2"/>
-            </a:solidFill>
-          </a:ln>
-        </p:spPr>
-        <p:style>
-          <a:lnRef idx="2">
-            <a:schemeClr val="accent1">
-              <a:shade val="50000"/>
-            </a:schemeClr>
-          </a:lnRef>
-          <a:fillRef idx="1">
-            <a:schemeClr val="accent1"/>
-          </a:fillRef>
-          <a:effectRef idx="0">
-            <a:schemeClr val="accent1"/>
-          </a:effectRef>
-          <a:fontRef idx="minor">
-            <a:schemeClr val="lt1"/>
-          </a:fontRef>
-        </p:style>
-        <p:txBody>
-          <a:bodyPr rtlCol="0" anchor="ctr"/>
-          <a:lstStyle/>
-          <a:p>
-            <a:pPr algn="ctr"/>
-            <a:endParaRPr lang="en-US">
-              <a:solidFill>
-                <a:schemeClr val="accent6"/>
-              </a:solidFill>
-            </a:endParaRPr>
-          </a:p>
-        </p:txBody>
-      </p:sp>
-      <p:sp>
-        <p:nvSpPr>
-          <p:cNvPr id="67" name="Content Placeholder 3">
-            <a:extLst>
-              <a:ext uri="{FF2B5EF4-FFF2-40B4-BE49-F238E27FC236}">
-                <a16:creationId xmlns:a16="http://schemas.microsoft.com/office/drawing/2014/main" id="{FA89F8C8-72B0-354F-9608-D9CCF570DE94}"/>
-              </a:ext>
-            </a:extLst>
-          </p:cNvPr>
-          <p:cNvSpPr txBox="1">
-            <a:spLocks/>
-          </p:cNvSpPr>
-          <p:nvPr/>
-        </p:nvSpPr>
-        <p:spPr>
-          <a:xfrm>
-            <a:off x="6256600" y="3973705"/>
-            <a:ext cx="2478610" cy="1983178"/>
-          </a:xfrm>
-          <a:prstGeom prst="rect">
-            <a:avLst/>
-          </a:prstGeom>
-        </p:spPr>
-        <p:txBody>
-          <a:bodyPr vert="horz" lIns="91440" tIns="45720" rIns="91440" bIns="45720" rtlCol="0">
-            <a:normAutofit/>
-          </a:bodyPr>
-          <a:lstStyle>
-            <a:lvl1pPr marL="228600" indent="-228600" algn="l" defTabSz="914400" rtl="0" eaLnBrk="1" latinLnBrk="0" hangingPunct="1">
-              <a:lnSpc>
-                <a:spcPct val="90000"/>
-              </a:lnSpc>
-              <a:spcBef>
-                <a:spcPts val="1000"/>
-              </a:spcBef>
-              <a:buFont typeface="Arial" panose="020B0604020202020204" pitchFamily="34" charset="0"/>
-              <a:buChar char="•"/>
-              <a:defRPr sz="2800" kern="1200">
-                <a:solidFill>
-                  <a:schemeClr val="tx1"/>
-                </a:solidFill>
-                <a:latin typeface="+mn-lt"/>
-                <a:ea typeface="+mn-ea"/>
-                <a:cs typeface="+mn-cs"/>
-              </a:defRPr>
-            </a:lvl1pPr>
-            <a:lvl2pPr marL="685800" indent="-228600" algn="l" defTabSz="914400" rtl="0" eaLnBrk="1" latinLnBrk="0" hangingPunct="1">
-              <a:lnSpc>
-                <a:spcPct val="90000"/>
-              </a:lnSpc>
-              <a:spcBef>
-                <a:spcPts val="500"/>
-              </a:spcBef>
-              <a:buFont typeface="Arial" panose="020B0604020202020204" pitchFamily="34" charset="0"/>
-              <a:buChar char="•"/>
-              <a:defRPr sz="2400" kern="1200">
-                <a:solidFill>
-                  <a:schemeClr val="tx1"/>
-                </a:solidFill>
-                <a:latin typeface="+mn-lt"/>
-                <a:ea typeface="+mn-ea"/>
-                <a:cs typeface="+mn-cs"/>
-              </a:defRPr>
-            </a:lvl2pPr>
-            <a:lvl3pPr marL="1143000" indent="-228600" algn="l" defTabSz="914400" rtl="0" eaLnBrk="1" latinLnBrk="0" hangingPunct="1">
-              <a:lnSpc>
-                <a:spcPct val="90000"/>
-              </a:lnSpc>
-              <a:spcBef>
-                <a:spcPts val="500"/>
-              </a:spcBef>
-              <a:buFont typeface="Arial" panose="020B0604020202020204" pitchFamily="34" charset="0"/>
-              <a:buChar char="•"/>
-              <a:defRPr sz="2000" kern="1200">
-                <a:solidFill>
-                  <a:schemeClr val="tx1"/>
-                </a:solidFill>
-                <a:latin typeface="+mn-lt"/>
-                <a:ea typeface="+mn-ea"/>
-                <a:cs typeface="+mn-cs"/>
-              </a:defRPr>
-            </a:lvl3pPr>
-            <a:lvl4pPr marL="1600200" indent="-228600" algn="l" defTabSz="914400" rtl="0" eaLnBrk="1" latinLnBrk="0" hangingPunct="1">
-              <a:lnSpc>
-                <a:spcPct val="90000"/>
-              </a:lnSpc>
-              <a:spcBef>
-                <a:spcPts val="500"/>
-              </a:spcBef>
-              <a:buFont typeface="Arial" panose="020B0604020202020204" pitchFamily="34" charset="0"/>
-              <a:buChar char="•"/>
-              <a:defRPr sz="1800" kern="1200">
-                <a:solidFill>
-                  <a:schemeClr val="tx1"/>
-                </a:solidFill>
-                <a:latin typeface="+mn-lt"/>
-                <a:ea typeface="+mn-ea"/>
-                <a:cs typeface="+mn-cs"/>
-              </a:defRPr>
-            </a:lvl4pPr>
-            <a:lvl5pPr marL="2057400" indent="-228600" algn="l" defTabSz="914400" rtl="0" eaLnBrk="1" latinLnBrk="0" hangingPunct="1">
-              <a:lnSpc>
-                <a:spcPct val="90000"/>
-              </a:lnSpc>
-              <a:spcBef>
-                <a:spcPts val="500"/>
-              </a:spcBef>
-              <a:buFont typeface="Arial" panose="020B0604020202020204" pitchFamily="34" charset="0"/>
-              <a:buChar char="•"/>
-              <a:defRPr sz="1800" kern="1200">
-                <a:solidFill>
-                  <a:schemeClr val="tx1"/>
-                </a:solidFill>
-                <a:latin typeface="+mn-lt"/>
-                <a:ea typeface="+mn-ea"/>
-                <a:cs typeface="+mn-cs"/>
-              </a:defRPr>
-            </a:lvl5pPr>
-            <a:lvl6pPr marL="2514600" indent="-228600" algn="l" defTabSz="914400" rtl="0" eaLnBrk="1" latinLnBrk="0" hangingPunct="1">
-              <a:lnSpc>
-                <a:spcPct val="90000"/>
-              </a:lnSpc>
-              <a:spcBef>
-                <a:spcPts val="500"/>
-              </a:spcBef>
-              <a:buFont typeface="Arial" panose="020B0604020202020204" pitchFamily="34" charset="0"/>
-              <a:buChar char="•"/>
-              <a:defRPr sz="1800" kern="1200">
-                <a:solidFill>
-                  <a:schemeClr val="tx1"/>
-                </a:solidFill>
-                <a:latin typeface="+mn-lt"/>
-                <a:ea typeface="+mn-ea"/>
-                <a:cs typeface="+mn-cs"/>
-              </a:defRPr>
-            </a:lvl6pPr>
-            <a:lvl7pPr marL="2971800" indent="-228600" algn="l" defTabSz="914400" rtl="0" eaLnBrk="1" latinLnBrk="0" hangingPunct="1">
-              <a:lnSpc>
-                <a:spcPct val="90000"/>
-              </a:lnSpc>
-              <a:spcBef>
-                <a:spcPts val="500"/>
-              </a:spcBef>
-              <a:buFont typeface="Arial" panose="020B0604020202020204" pitchFamily="34" charset="0"/>
-              <a:buChar char="•"/>
-              <a:defRPr sz="1800" kern="1200">
-                <a:solidFill>
-                  <a:schemeClr val="tx1"/>
-                </a:solidFill>
-                <a:latin typeface="+mn-lt"/>
-                <a:ea typeface="+mn-ea"/>
-                <a:cs typeface="+mn-cs"/>
-              </a:defRPr>
-            </a:lvl7pPr>
-            <a:lvl8pPr marL="3429000" indent="-228600" algn="l" defTabSz="914400" rtl="0" eaLnBrk="1" latinLnBrk="0" hangingPunct="1">
-              <a:lnSpc>
-                <a:spcPct val="90000"/>
-              </a:lnSpc>
-              <a:spcBef>
-                <a:spcPts val="500"/>
-              </a:spcBef>
-              <a:buFont typeface="Arial" panose="020B0604020202020204" pitchFamily="34" charset="0"/>
-              <a:buChar char="•"/>
-              <a:defRPr sz="1800" kern="1200">
-                <a:solidFill>
-                  <a:schemeClr val="tx1"/>
-                </a:solidFill>
-                <a:latin typeface="+mn-lt"/>
-                <a:ea typeface="+mn-ea"/>
-                <a:cs typeface="+mn-cs"/>
-              </a:defRPr>
-            </a:lvl8pPr>
-            <a:lvl9pPr marL="3886200" indent="-228600" algn="l" defTabSz="914400" rtl="0" eaLnBrk="1" latinLnBrk="0" hangingPunct="1">
-              <a:lnSpc>
-                <a:spcPct val="90000"/>
-              </a:lnSpc>
-              <a:spcBef>
-                <a:spcPts val="500"/>
-              </a:spcBef>
-              <a:buFont typeface="Arial" panose="020B0604020202020204" pitchFamily="34" charset="0"/>
-              <a:buChar char="•"/>
-              <a:defRPr sz="1800" kern="1200">
-                <a:solidFill>
-                  <a:schemeClr val="tx1"/>
-                </a:solidFill>
-                <a:latin typeface="+mn-lt"/>
-                <a:ea typeface="+mn-ea"/>
-                <a:cs typeface="+mn-cs"/>
-              </a:defRPr>
-            </a:lvl9pPr>
-          </a:lstStyle>
-          <a:p>
-            <a:pPr lvl="1" algn="just"/>
-            <a:endParaRPr lang="en-GB" dirty="0"/>
-          </a:p>
-          <a:p>
-            <a:pPr marL="457200" lvl="1" indent="0" algn="just">
-              <a:buFont typeface="Arial" panose="020B0604020202020204" pitchFamily="34" charset="0"/>
-              <a:buNone/>
-            </a:pPr>
-            <a:endParaRPr lang="en-GB" dirty="0"/>
-          </a:p>
-        </p:txBody>
-      </p:sp>
-      <p:grpSp>
-        <p:nvGrpSpPr>
-          <p:cNvPr id="68" name="Group 67">
-            <a:extLst>
-              <a:ext uri="{FF2B5EF4-FFF2-40B4-BE49-F238E27FC236}">
-                <a16:creationId xmlns:a16="http://schemas.microsoft.com/office/drawing/2014/main" id="{EAE5171B-8C12-0E47-A087-1C57E20BE63A}"/>
-              </a:ext>
-            </a:extLst>
-          </p:cNvPr>
-          <p:cNvGrpSpPr/>
-          <p:nvPr/>
-        </p:nvGrpSpPr>
-        <p:grpSpPr>
-          <a:xfrm>
-            <a:off x="5935401" y="5417685"/>
-            <a:ext cx="4903563" cy="552311"/>
-            <a:chOff x="9547211" y="5613235"/>
-            <a:chExt cx="1301780" cy="655021"/>
-          </a:xfrm>
-        </p:grpSpPr>
-        <p:sp>
-          <p:nvSpPr>
-            <p:cNvPr id="69" name="TextBox 68">
-              <a:extLst>
-                <a:ext uri="{FF2B5EF4-FFF2-40B4-BE49-F238E27FC236}">
-                  <a16:creationId xmlns:a16="http://schemas.microsoft.com/office/drawing/2014/main" id="{7AFF8A2E-C2EF-9743-B6D8-CF2EFEF9CE93}"/>
-                </a:ext>
-              </a:extLst>
-            </p:cNvPr>
-            <p:cNvSpPr txBox="1"/>
-            <p:nvPr/>
-          </p:nvSpPr>
-          <p:spPr>
-            <a:xfrm>
-              <a:off x="9574927" y="5714425"/>
-              <a:ext cx="1274064" cy="438014"/>
-            </a:xfrm>
-            <a:prstGeom prst="rect">
-              <a:avLst/>
-            </a:prstGeom>
-            <a:noFill/>
-          </p:spPr>
-          <p:txBody>
-            <a:bodyPr wrap="square" rtlCol="0">
-              <a:spAutoFit/>
-            </a:bodyPr>
-            <a:lstStyle/>
-            <a:p>
-              <a:pPr algn="ctr"/>
-              <a:r>
-                <a:rPr lang="en-US" dirty="0"/>
-                <a:t>Control Node</a:t>
-              </a:r>
-            </a:p>
-          </p:txBody>
-        </p:sp>
-        <p:sp>
-          <p:nvSpPr>
-            <p:cNvPr id="70" name="Rounded Rectangle 69">
-              <a:extLst>
-                <a:ext uri="{FF2B5EF4-FFF2-40B4-BE49-F238E27FC236}">
-                  <a16:creationId xmlns:a16="http://schemas.microsoft.com/office/drawing/2014/main" id="{54F4CBAD-5313-0348-A5A6-A30E1192C7C5}"/>
-                </a:ext>
-              </a:extLst>
-            </p:cNvPr>
-            <p:cNvSpPr/>
-            <p:nvPr/>
-          </p:nvSpPr>
-          <p:spPr>
-            <a:xfrm>
-              <a:off x="9547211" y="5613235"/>
-              <a:ext cx="1274064" cy="655021"/>
-            </a:xfrm>
-            <a:prstGeom prst="roundRect">
-              <a:avLst/>
-            </a:prstGeom>
-            <a:noFill/>
-            <a:ln w="50800">
-              <a:solidFill>
-                <a:schemeClr val="accent6"/>
-              </a:solidFill>
-            </a:ln>
-          </p:spPr>
-          <p:style>
-            <a:lnRef idx="2">
-              <a:schemeClr val="accent1">
-                <a:shade val="50000"/>
-              </a:schemeClr>
-            </a:lnRef>
-            <a:fillRef idx="1">
-              <a:schemeClr val="accent1"/>
-            </a:fillRef>
-            <a:effectRef idx="0">
-              <a:schemeClr val="accent1"/>
-            </a:effectRef>
-            <a:fontRef idx="minor">
-              <a:schemeClr val="lt1"/>
-            </a:fontRef>
-          </p:style>
-          <p:txBody>
-            <a:bodyPr rtlCol="0" anchor="ctr"/>
-            <a:lstStyle/>
-            <a:p>
-              <a:pPr algn="ctr"/>
-              <a:endParaRPr lang="en-US"/>
-            </a:p>
-          </p:txBody>
-        </p:sp>
-      </p:grpSp>
-      <p:grpSp>
-        <p:nvGrpSpPr>
-          <p:cNvPr id="71" name="Group 70">
-            <a:extLst>
-              <a:ext uri="{FF2B5EF4-FFF2-40B4-BE49-F238E27FC236}">
-                <a16:creationId xmlns:a16="http://schemas.microsoft.com/office/drawing/2014/main" id="{30055E2F-2D1E-B44D-9CED-A2ADF1E3B77D}"/>
-              </a:ext>
-            </a:extLst>
-          </p:cNvPr>
-          <p:cNvGrpSpPr/>
-          <p:nvPr/>
-        </p:nvGrpSpPr>
-        <p:grpSpPr>
-          <a:xfrm>
-            <a:off x="5935402" y="3448556"/>
-            <a:ext cx="4903578" cy="508802"/>
-            <a:chOff x="9547211" y="5613235"/>
-            <a:chExt cx="1301780" cy="655021"/>
-          </a:xfrm>
-        </p:grpSpPr>
-        <p:sp>
-          <p:nvSpPr>
-            <p:cNvPr id="72" name="TextBox 71">
-              <a:extLst>
-                <a:ext uri="{FF2B5EF4-FFF2-40B4-BE49-F238E27FC236}">
-                  <a16:creationId xmlns:a16="http://schemas.microsoft.com/office/drawing/2014/main" id="{33C975B7-07C2-A84A-8401-8F4DC7D2F9E9}"/>
-                </a:ext>
-              </a:extLst>
-            </p:cNvPr>
-            <p:cNvSpPr txBox="1"/>
-            <p:nvPr/>
-          </p:nvSpPr>
-          <p:spPr>
-            <a:xfrm>
-              <a:off x="9574927" y="5714426"/>
-              <a:ext cx="1274064" cy="475470"/>
-            </a:xfrm>
-            <a:prstGeom prst="rect">
-              <a:avLst/>
-            </a:prstGeom>
-            <a:noFill/>
-          </p:spPr>
-          <p:txBody>
-            <a:bodyPr wrap="square" rtlCol="0">
-              <a:spAutoFit/>
-            </a:bodyPr>
-            <a:lstStyle/>
-            <a:p>
-              <a:pPr algn="ctr"/>
-              <a:r>
-                <a:rPr lang="en-US" dirty="0"/>
-                <a:t>User Input Node</a:t>
-              </a:r>
-            </a:p>
-          </p:txBody>
-        </p:sp>
-        <p:sp>
-          <p:nvSpPr>
-            <p:cNvPr id="73" name="Rounded Rectangle 72">
-              <a:extLst>
-                <a:ext uri="{FF2B5EF4-FFF2-40B4-BE49-F238E27FC236}">
-                  <a16:creationId xmlns:a16="http://schemas.microsoft.com/office/drawing/2014/main" id="{21BFC444-0535-3C48-BA58-0A107F9F976A}"/>
-                </a:ext>
-              </a:extLst>
-            </p:cNvPr>
-            <p:cNvSpPr/>
-            <p:nvPr/>
-          </p:nvSpPr>
-          <p:spPr>
-            <a:xfrm>
-              <a:off x="9547211" y="5613235"/>
-              <a:ext cx="1274064" cy="655021"/>
-            </a:xfrm>
-            <a:prstGeom prst="roundRect">
-              <a:avLst/>
-            </a:prstGeom>
-            <a:noFill/>
-            <a:ln w="50800">
-              <a:solidFill>
-                <a:schemeClr val="accent6"/>
-              </a:solidFill>
-            </a:ln>
-          </p:spPr>
-          <p:style>
-            <a:lnRef idx="2">
-              <a:schemeClr val="accent1">
-                <a:shade val="50000"/>
-              </a:schemeClr>
-            </a:lnRef>
-            <a:fillRef idx="1">
-              <a:schemeClr val="accent1"/>
-            </a:fillRef>
-            <a:effectRef idx="0">
-              <a:schemeClr val="accent1"/>
-            </a:effectRef>
-            <a:fontRef idx="minor">
-              <a:schemeClr val="lt1"/>
-            </a:fontRef>
-          </p:style>
-          <p:txBody>
-            <a:bodyPr rtlCol="0" anchor="ctr"/>
-            <a:lstStyle/>
-            <a:p>
-              <a:pPr algn="ctr"/>
-              <a:endParaRPr lang="en-US"/>
-            </a:p>
-          </p:txBody>
-        </p:sp>
-      </p:grpSp>
-      <p:cxnSp>
-        <p:nvCxnSpPr>
-          <p:cNvPr id="74" name="Straight Arrow Connector 73">
-            <a:extLst>
-              <a:ext uri="{FF2B5EF4-FFF2-40B4-BE49-F238E27FC236}">
-                <a16:creationId xmlns:a16="http://schemas.microsoft.com/office/drawing/2014/main" id="{D876E0C2-89BA-A948-9430-9C755911A593}"/>
-              </a:ext>
-            </a:extLst>
-          </p:cNvPr>
-          <p:cNvCxnSpPr>
-            <a:cxnSpLocks/>
-          </p:cNvCxnSpPr>
-          <p:nvPr/>
-        </p:nvCxnSpPr>
-        <p:spPr>
-          <a:xfrm flipV="1">
-            <a:off x="6125205" y="4068839"/>
-            <a:ext cx="0" cy="1247488"/>
-          </a:xfrm>
-          <a:prstGeom prst="straightConnector1">
-            <a:avLst/>
-          </a:prstGeom>
-          <a:ln w="50800">
-            <a:headEnd type="triangle"/>
-            <a:tailEnd type="none"/>
-          </a:ln>
-        </p:spPr>
-        <p:style>
-          <a:lnRef idx="1">
-            <a:schemeClr val="accent1"/>
-          </a:lnRef>
-          <a:fillRef idx="0">
-            <a:schemeClr val="accent1"/>
-          </a:fillRef>
-          <a:effectRef idx="0">
-            <a:schemeClr val="accent1"/>
-          </a:effectRef>
-          <a:fontRef idx="minor">
-            <a:schemeClr val="tx1"/>
-          </a:fontRef>
-        </p:style>
-      </p:cxnSp>
-      <p:cxnSp>
-        <p:nvCxnSpPr>
-          <p:cNvPr id="75" name="Straight Arrow Connector 74">
-            <a:extLst>
-              <a:ext uri="{FF2B5EF4-FFF2-40B4-BE49-F238E27FC236}">
-                <a16:creationId xmlns:a16="http://schemas.microsoft.com/office/drawing/2014/main" id="{AE0CD12E-14E2-C145-A4AA-81B94CD488A7}"/>
-              </a:ext>
-            </a:extLst>
-          </p:cNvPr>
-          <p:cNvCxnSpPr>
-            <a:cxnSpLocks/>
-          </p:cNvCxnSpPr>
-          <p:nvPr/>
-        </p:nvCxnSpPr>
-        <p:spPr>
-          <a:xfrm flipV="1">
-            <a:off x="10002103" y="4050759"/>
-            <a:ext cx="0" cy="1265568"/>
-          </a:xfrm>
-          <a:prstGeom prst="straightConnector1">
-            <a:avLst/>
-          </a:prstGeom>
-          <a:ln w="50800">
-            <a:headEnd type="none"/>
-            <a:tailEnd type="triangle"/>
-          </a:ln>
-        </p:spPr>
-        <p:style>
-          <a:lnRef idx="1">
-            <a:schemeClr val="accent1"/>
-          </a:lnRef>
-          <a:fillRef idx="0">
-            <a:schemeClr val="accent1"/>
-          </a:fillRef>
-          <a:effectRef idx="0">
-            <a:schemeClr val="accent1"/>
-          </a:effectRef>
-          <a:fontRef idx="minor">
-            <a:schemeClr val="tx1"/>
-          </a:fontRef>
-        </p:style>
-      </p:cxnSp>
-      <p:sp>
-        <p:nvSpPr>
-          <p:cNvPr id="76" name="TextBox 75">
-            <a:extLst>
-              <a:ext uri="{FF2B5EF4-FFF2-40B4-BE49-F238E27FC236}">
-                <a16:creationId xmlns:a16="http://schemas.microsoft.com/office/drawing/2014/main" id="{17BA2011-17B1-A14D-82D5-EAF0B00680E0}"/>
-              </a:ext>
-            </a:extLst>
-          </p:cNvPr>
-          <p:cNvSpPr txBox="1"/>
-          <p:nvPr/>
-        </p:nvSpPr>
-        <p:spPr>
-          <a:xfrm>
-            <a:off x="6232377" y="4296166"/>
-            <a:ext cx="1039731" cy="646331"/>
-          </a:xfrm>
-          <a:prstGeom prst="rect">
-            <a:avLst/>
-          </a:prstGeom>
-          <a:noFill/>
-        </p:spPr>
-        <p:txBody>
-          <a:bodyPr wrap="square" rtlCol="0">
-            <a:spAutoFit/>
-          </a:bodyPr>
-          <a:lstStyle/>
-          <a:p>
-            <a:pPr algn="just"/>
-            <a:r>
-              <a:rPr lang="en-US" dirty="0"/>
-              <a:t>Move to point A</a:t>
-            </a:r>
-          </a:p>
-        </p:txBody>
-      </p:sp>
-      <p:sp>
-        <p:nvSpPr>
-          <p:cNvPr id="77" name="TextBox 76">
-            <a:extLst>
-              <a:ext uri="{FF2B5EF4-FFF2-40B4-BE49-F238E27FC236}">
-                <a16:creationId xmlns:a16="http://schemas.microsoft.com/office/drawing/2014/main" id="{BA5D5898-4B00-B544-95DC-C5BCD400101F}"/>
-              </a:ext>
-            </a:extLst>
-          </p:cNvPr>
-          <p:cNvSpPr txBox="1"/>
-          <p:nvPr/>
-        </p:nvSpPr>
-        <p:spPr>
-          <a:xfrm>
-            <a:off x="10151134" y="4512687"/>
-            <a:ext cx="1043443" cy="369332"/>
-          </a:xfrm>
-          <a:prstGeom prst="rect">
-            <a:avLst/>
-          </a:prstGeom>
-          <a:noFill/>
-        </p:spPr>
-        <p:txBody>
-          <a:bodyPr wrap="square" rtlCol="0">
-            <a:spAutoFit/>
-          </a:bodyPr>
-          <a:lstStyle/>
-          <a:p>
-            <a:pPr algn="just"/>
-            <a:r>
-              <a:rPr lang="en-US" dirty="0"/>
-              <a:t>Success !</a:t>
-            </a:r>
-          </a:p>
-        </p:txBody>
-      </p:sp>
-      <p:sp>
-        <p:nvSpPr>
-          <p:cNvPr id="78" name="Rounded Rectangle 77">
-            <a:extLst>
-              <a:ext uri="{FF2B5EF4-FFF2-40B4-BE49-F238E27FC236}">
-                <a16:creationId xmlns:a16="http://schemas.microsoft.com/office/drawing/2014/main" id="{AEA1D338-6899-6F4B-9520-B984A8B03C63}"/>
-              </a:ext>
-            </a:extLst>
-          </p:cNvPr>
-          <p:cNvSpPr/>
-          <p:nvPr/>
-        </p:nvSpPr>
-        <p:spPr>
-          <a:xfrm>
-            <a:off x="6221340" y="4190310"/>
-            <a:ext cx="1039730" cy="923330"/>
-          </a:xfrm>
-          <a:prstGeom prst="roundRect">
-            <a:avLst/>
-          </a:prstGeom>
-          <a:noFill/>
-          <a:ln w="50800">
-            <a:solidFill>
-              <a:schemeClr val="accent1"/>
-            </a:solidFill>
-          </a:ln>
-        </p:spPr>
-        <p:style>
-          <a:lnRef idx="2">
-            <a:schemeClr val="accent1">
-              <a:shade val="50000"/>
-            </a:schemeClr>
-          </a:lnRef>
-          <a:fillRef idx="1">
-            <a:schemeClr val="accent1"/>
-          </a:fillRef>
-          <a:effectRef idx="0">
-            <a:schemeClr val="accent1"/>
-          </a:effectRef>
-          <a:fontRef idx="minor">
-            <a:schemeClr val="lt1"/>
-          </a:fontRef>
-        </p:style>
-        <p:txBody>
-          <a:bodyPr rtlCol="0" anchor="ctr"/>
-          <a:lstStyle/>
-          <a:p>
-            <a:pPr algn="ctr"/>
-            <a:endParaRPr lang="en-US">
-              <a:solidFill>
-                <a:schemeClr val="accent6"/>
-              </a:solidFill>
-            </a:endParaRPr>
-          </a:p>
-        </p:txBody>
-      </p:sp>
-      <p:sp>
-        <p:nvSpPr>
-          <p:cNvPr id="79" name="Rounded Rectangle 78">
-            <a:extLst>
-              <a:ext uri="{FF2B5EF4-FFF2-40B4-BE49-F238E27FC236}">
-                <a16:creationId xmlns:a16="http://schemas.microsoft.com/office/drawing/2014/main" id="{C4AC13D9-CCA7-8046-86F9-9B7EE27908AE}"/>
-              </a:ext>
-            </a:extLst>
-          </p:cNvPr>
-          <p:cNvSpPr/>
-          <p:nvPr/>
-        </p:nvSpPr>
-        <p:spPr>
-          <a:xfrm>
-            <a:off x="10131473" y="4502855"/>
-            <a:ext cx="1043433" cy="404645"/>
-          </a:xfrm>
-          <a:prstGeom prst="roundRect">
-            <a:avLst/>
-          </a:prstGeom>
-          <a:noFill/>
-          <a:ln w="50800">
-            <a:solidFill>
-              <a:schemeClr val="accent1"/>
-            </a:solidFill>
-          </a:ln>
-        </p:spPr>
-        <p:style>
-          <a:lnRef idx="2">
-            <a:schemeClr val="accent1">
-              <a:shade val="50000"/>
-            </a:schemeClr>
-          </a:lnRef>
-          <a:fillRef idx="1">
-            <a:schemeClr val="accent1"/>
-          </a:fillRef>
-          <a:effectRef idx="0">
-            <a:schemeClr val="accent1"/>
-          </a:effectRef>
-          <a:fontRef idx="minor">
-            <a:schemeClr val="lt1"/>
-          </a:fontRef>
-        </p:style>
-        <p:txBody>
-          <a:bodyPr rtlCol="0" anchor="ctr"/>
-          <a:lstStyle/>
-          <a:p>
-            <a:pPr algn="ctr"/>
-            <a:endParaRPr lang="en-US">
-              <a:solidFill>
-                <a:schemeClr val="accent6"/>
-              </a:solidFill>
-            </a:endParaRPr>
-          </a:p>
-        </p:txBody>
-      </p:sp>
-      <p:sp>
-        <p:nvSpPr>
-          <p:cNvPr id="80" name="TextBox 79">
-            <a:extLst>
-              <a:ext uri="{FF2B5EF4-FFF2-40B4-BE49-F238E27FC236}">
-                <a16:creationId xmlns:a16="http://schemas.microsoft.com/office/drawing/2014/main" id="{D3B3113B-CB93-4F4B-BC5A-CEE818BD062C}"/>
-              </a:ext>
-            </a:extLst>
-          </p:cNvPr>
-          <p:cNvSpPr txBox="1"/>
-          <p:nvPr/>
-        </p:nvSpPr>
-        <p:spPr>
-          <a:xfrm>
-            <a:off x="5592363" y="6155534"/>
-            <a:ext cx="968298" cy="369332"/>
-          </a:xfrm>
-          <a:prstGeom prst="rect">
-            <a:avLst/>
-          </a:prstGeom>
-          <a:noFill/>
-        </p:spPr>
-        <p:txBody>
-          <a:bodyPr wrap="square" rtlCol="0">
-            <a:spAutoFit/>
-          </a:bodyPr>
-          <a:lstStyle/>
-          <a:p>
-            <a:pPr algn="ctr"/>
-            <a:r>
-              <a:rPr lang="en-US" dirty="0">
-                <a:solidFill>
-                  <a:schemeClr val="accent2"/>
-                </a:solidFill>
-              </a:rPr>
-              <a:t>Action</a:t>
-            </a:r>
-          </a:p>
-        </p:txBody>
-      </p:sp>
-      <p:cxnSp>
-        <p:nvCxnSpPr>
-          <p:cNvPr id="81" name="Straight Arrow Connector 80">
-            <a:extLst>
-              <a:ext uri="{FF2B5EF4-FFF2-40B4-BE49-F238E27FC236}">
-                <a16:creationId xmlns:a16="http://schemas.microsoft.com/office/drawing/2014/main" id="{C57E7EB1-271A-834B-BBD5-BE8A1ECB3F93}"/>
-              </a:ext>
-            </a:extLst>
-          </p:cNvPr>
-          <p:cNvCxnSpPr>
-            <a:cxnSpLocks/>
-          </p:cNvCxnSpPr>
-          <p:nvPr/>
-        </p:nvCxnSpPr>
-        <p:spPr>
-          <a:xfrm flipV="1">
-            <a:off x="7545117" y="4050759"/>
-            <a:ext cx="0" cy="1265568"/>
-          </a:xfrm>
-          <a:prstGeom prst="straightConnector1">
-            <a:avLst/>
-          </a:prstGeom>
-          <a:ln w="50800">
-            <a:prstDash val="sysDot"/>
-            <a:headEnd type="none"/>
-            <a:tailEnd type="triangle"/>
-          </a:ln>
-        </p:spPr>
-        <p:style>
-          <a:lnRef idx="1">
-            <a:schemeClr val="accent1"/>
-          </a:lnRef>
-          <a:fillRef idx="0">
-            <a:schemeClr val="accent1"/>
-          </a:fillRef>
-          <a:effectRef idx="0">
-            <a:schemeClr val="accent1"/>
-          </a:effectRef>
-          <a:fontRef idx="minor">
-            <a:schemeClr val="tx1"/>
-          </a:fontRef>
-        </p:style>
-      </p:cxnSp>
-      <p:cxnSp>
-        <p:nvCxnSpPr>
-          <p:cNvPr id="82" name="Straight Arrow Connector 81">
-            <a:extLst>
-              <a:ext uri="{FF2B5EF4-FFF2-40B4-BE49-F238E27FC236}">
-                <a16:creationId xmlns:a16="http://schemas.microsoft.com/office/drawing/2014/main" id="{1EBEA9CF-47DE-A94E-B0C3-F9B38418C591}"/>
-              </a:ext>
-            </a:extLst>
-          </p:cNvPr>
-          <p:cNvCxnSpPr>
-            <a:cxnSpLocks/>
-          </p:cNvCxnSpPr>
-          <p:nvPr/>
-        </p:nvCxnSpPr>
-        <p:spPr>
-          <a:xfrm flipV="1">
-            <a:off x="9743293" y="4046537"/>
-            <a:ext cx="0" cy="1265568"/>
-          </a:xfrm>
-          <a:prstGeom prst="straightConnector1">
-            <a:avLst/>
-          </a:prstGeom>
-          <a:ln w="50800">
-            <a:prstDash val="sysDot"/>
-            <a:headEnd type="none"/>
-            <a:tailEnd type="triangle"/>
-          </a:ln>
-        </p:spPr>
-        <p:style>
-          <a:lnRef idx="1">
-            <a:schemeClr val="accent1"/>
-          </a:lnRef>
-          <a:fillRef idx="0">
-            <a:schemeClr val="accent1"/>
-          </a:fillRef>
-          <a:effectRef idx="0">
-            <a:schemeClr val="accent1"/>
-          </a:effectRef>
-          <a:fontRef idx="minor">
-            <a:schemeClr val="tx1"/>
-          </a:fontRef>
-        </p:style>
-      </p:cxnSp>
-      <p:sp>
-        <p:nvSpPr>
-          <p:cNvPr id="83" name="TextBox 82">
-            <a:extLst>
-              <a:ext uri="{FF2B5EF4-FFF2-40B4-BE49-F238E27FC236}">
-                <a16:creationId xmlns:a16="http://schemas.microsoft.com/office/drawing/2014/main" id="{586A4D33-6889-BF4A-B145-953D145D53AE}"/>
-              </a:ext>
-            </a:extLst>
-          </p:cNvPr>
-          <p:cNvSpPr txBox="1"/>
-          <p:nvPr/>
-        </p:nvSpPr>
-        <p:spPr>
-          <a:xfrm>
-            <a:off x="8025362" y="4395261"/>
-            <a:ext cx="1346095" cy="523220"/>
-          </a:xfrm>
-          <a:prstGeom prst="rect">
-            <a:avLst/>
-          </a:prstGeom>
-          <a:noFill/>
-        </p:spPr>
-        <p:txBody>
-          <a:bodyPr wrap="square" rtlCol="0">
-            <a:spAutoFit/>
-          </a:bodyPr>
-          <a:lstStyle/>
-          <a:p>
-            <a:pPr algn="ctr"/>
-            <a:r>
-              <a:rPr lang="en-US" sz="1400" dirty="0"/>
-              <a:t>Updates: </a:t>
-            </a:r>
-          </a:p>
-          <a:p>
-            <a:pPr algn="ctr"/>
-            <a:r>
-              <a:rPr lang="en-US" sz="1400" dirty="0"/>
-              <a:t>Current pose</a:t>
-            </a:r>
-          </a:p>
-        </p:txBody>
-      </p:sp>
-      <p:sp>
-        <p:nvSpPr>
-          <p:cNvPr id="85" name="Rounded Rectangle 84">
-            <a:extLst>
-              <a:ext uri="{FF2B5EF4-FFF2-40B4-BE49-F238E27FC236}">
-                <a16:creationId xmlns:a16="http://schemas.microsoft.com/office/drawing/2014/main" id="{F514710A-81E2-D447-81CB-E49BE9A2A702}"/>
-              </a:ext>
-            </a:extLst>
-          </p:cNvPr>
-          <p:cNvSpPr/>
-          <p:nvPr/>
-        </p:nvSpPr>
-        <p:spPr>
-          <a:xfrm>
-            <a:off x="7901683" y="4321968"/>
-            <a:ext cx="1580581" cy="682360"/>
-          </a:xfrm>
-          <a:prstGeom prst="roundRect">
-            <a:avLst/>
-          </a:prstGeom>
-          <a:noFill/>
-          <a:ln w="50800">
-            <a:solidFill>
-              <a:schemeClr val="accent1"/>
-            </a:solidFill>
-          </a:ln>
-        </p:spPr>
-        <p:style>
-          <a:lnRef idx="2">
-            <a:schemeClr val="accent1">
-              <a:shade val="50000"/>
-            </a:schemeClr>
-          </a:lnRef>
-          <a:fillRef idx="1">
-            <a:schemeClr val="accent1"/>
-          </a:fillRef>
-          <a:effectRef idx="0">
-            <a:schemeClr val="accent1"/>
-          </a:effectRef>
-          <a:fontRef idx="minor">
-            <a:schemeClr val="lt1"/>
-          </a:fontRef>
-        </p:style>
-        <p:txBody>
-          <a:bodyPr rtlCol="0" anchor="ctr"/>
-          <a:lstStyle/>
-          <a:p>
-            <a:pPr algn="ctr"/>
-            <a:endParaRPr lang="en-US">
-              <a:solidFill>
-                <a:schemeClr val="accent6"/>
-              </a:solidFill>
-            </a:endParaRPr>
-          </a:p>
-        </p:txBody>
-      </p:sp>
-    </p:spTree>
-    <p:extLst>
-      <p:ext uri="{BB962C8B-B14F-4D97-AF65-F5344CB8AC3E}">
-        <p14:creationId xmlns:p14="http://schemas.microsoft.com/office/powerpoint/2010/main" val="2103218346"/>
-      </p:ext>
-    </p:extLst>
-  </p:cSld>
-  <p:clrMapOvr>
-    <a:masterClrMapping/>
-  </p:clrMapOvr>
-  <mc:AlternateContent xmlns:mc="http://schemas.openxmlformats.org/markup-compatibility/2006" xmlns:p14="http://schemas.microsoft.com/office/powerpoint/2010/main">
-    <mc:Choice Requires="p14">
-      <p:transition spd="slow" p14:dur="2000" advTm="181"/>
-    </mc:Choice>
-    <mc:Fallback xmlns="">
-      <p:transition spd="slow" advTm="181"/>
-    </mc:Fallback>
-  </mc:AlternateContent>
-</p:sld>
-</file>
-
-<file path=ppt/slides/slide11.xml><?xml version="1.0" encoding="utf-8"?>
 <p:sld xmlns:a="http://schemas.openxmlformats.org/drawingml/2006/main" xmlns:r="http://schemas.openxmlformats.org/officeDocument/2006/relationships" xmlns:p="http://schemas.openxmlformats.org/presentationml/2006/main">
   <p:cSld>
     <p:spTree>
@@ -9396,7 +7345,7 @@
 </p:sld>
 </file>
 
-<file path=ppt/slides/slide12.xml><?xml version="1.0" encoding="utf-8"?>
+<file path=ppt/slides/slide11.xml><?xml version="1.0" encoding="utf-8"?>
 <p:sld xmlns:a="http://schemas.openxmlformats.org/drawingml/2006/main" xmlns:r="http://schemas.openxmlformats.org/officeDocument/2006/relationships" xmlns:p="http://schemas.openxmlformats.org/presentationml/2006/main">
   <p:cSld>
     <p:spTree>
@@ -9855,7 +7804,7 @@
 </p:sld>
 </file>
 
-<file path=ppt/slides/slide13.xml><?xml version="1.0" encoding="utf-8"?>
+<file path=ppt/slides/slide12.xml><?xml version="1.0" encoding="utf-8"?>
 <p:sld xmlns:a="http://schemas.openxmlformats.org/drawingml/2006/main" xmlns:r="http://schemas.openxmlformats.org/officeDocument/2006/relationships" xmlns:p="http://schemas.openxmlformats.org/presentationml/2006/main">
   <p:cSld>
     <p:spTree>
@@ -10814,50 +8763,6 @@
           </p:txBody>
         </p:sp>
       </p:grpSp>
-      <p:sp>
-        <p:nvSpPr>
-          <p:cNvPr id="67" name="TextBox 66">
-            <a:extLst>
-              <a:ext uri="{FF2B5EF4-FFF2-40B4-BE49-F238E27FC236}">
-                <a16:creationId xmlns:a16="http://schemas.microsoft.com/office/drawing/2014/main" id="{89BF3E64-93E1-E645-BD50-87296036839B}"/>
-              </a:ext>
-            </a:extLst>
-          </p:cNvPr>
-          <p:cNvSpPr txBox="1"/>
-          <p:nvPr/>
-        </p:nvSpPr>
-        <p:spPr>
-          <a:xfrm>
-            <a:off x="7373924" y="2495968"/>
-            <a:ext cx="1111794" cy="338554"/>
-          </a:xfrm>
-          <a:prstGeom prst="rect">
-            <a:avLst/>
-          </a:prstGeom>
-          <a:noFill/>
-        </p:spPr>
-        <p:txBody>
-          <a:bodyPr wrap="square" rtlCol="0">
-            <a:spAutoFit/>
-          </a:bodyPr>
-          <a:lstStyle/>
-          <a:p>
-            <a:r>
-              <a:rPr lang="en-US" sz="1600" dirty="0">
-                <a:solidFill>
-                  <a:schemeClr val="accent2"/>
-                </a:solidFill>
-              </a:rPr>
-              <a:t>Jetson</a:t>
-            </a:r>
-            <a:endParaRPr lang="en-US" sz="2400" dirty="0">
-              <a:solidFill>
-                <a:schemeClr val="accent2"/>
-              </a:solidFill>
-            </a:endParaRPr>
-          </a:p>
-        </p:txBody>
-      </p:sp>
       <p:grpSp>
         <p:nvGrpSpPr>
           <p:cNvPr id="73" name="Group 72">
@@ -11390,7 +9295,7 @@
 </p:sld>
 </file>
 
-<file path=ppt/slides/slide14.xml><?xml version="1.0" encoding="utf-8"?>
+<file path=ppt/slides/slide13.xml><?xml version="1.0" encoding="utf-8"?>
 <p:sld xmlns:a="http://schemas.openxmlformats.org/drawingml/2006/main" xmlns:r="http://schemas.openxmlformats.org/officeDocument/2006/relationships" xmlns:p="http://schemas.openxmlformats.org/presentationml/2006/main">
   <p:cSld>
     <p:spTree>
@@ -12166,7 +10071,7 @@
 </p:sld>
 </file>
 
-<file path=ppt/slides/slide15.xml><?xml version="1.0" encoding="utf-8"?>
+<file path=ppt/slides/slide14.xml><?xml version="1.0" encoding="utf-8"?>
 <p:sld xmlns:a="http://schemas.openxmlformats.org/drawingml/2006/main" xmlns:r="http://schemas.openxmlformats.org/officeDocument/2006/relationships" xmlns:p="http://schemas.openxmlformats.org/presentationml/2006/main">
   <p:cSld>
     <p:spTree>
@@ -12315,7 +10220,7 @@
 </p:sld>
 </file>
 
-<file path=ppt/slides/slide16.xml><?xml version="1.0" encoding="utf-8"?>
+<file path=ppt/slides/slide15.xml><?xml version="1.0" encoding="utf-8"?>
 <p:sld xmlns:a="http://schemas.openxmlformats.org/drawingml/2006/main" xmlns:r="http://schemas.openxmlformats.org/officeDocument/2006/relationships" xmlns:p="http://schemas.openxmlformats.org/presentationml/2006/main">
   <p:cSld>
     <p:spTree>
@@ -13700,7 +11605,7 @@
 </p:sld>
 </file>
 
-<file path=ppt/slides/slide17.xml><?xml version="1.0" encoding="utf-8"?>
+<file path=ppt/slides/slide16.xml><?xml version="1.0" encoding="utf-8"?>
 <p:sld xmlns:a="http://schemas.openxmlformats.org/drawingml/2006/main" xmlns:r="http://schemas.openxmlformats.org/officeDocument/2006/relationships" xmlns:p="http://schemas.openxmlformats.org/presentationml/2006/main">
   <p:cSld>
     <p:spTree>
@@ -14873,7 +12778,7 @@
 </p:sld>
 </file>
 
-<file path=ppt/slides/slide18.xml><?xml version="1.0" encoding="utf-8"?>
+<file path=ppt/slides/slide17.xml><?xml version="1.0" encoding="utf-8"?>
 <p:sld xmlns:a="http://schemas.openxmlformats.org/drawingml/2006/main" xmlns:r="http://schemas.openxmlformats.org/officeDocument/2006/relationships" xmlns:p="http://schemas.openxmlformats.org/presentationml/2006/main">
   <p:cSld>
     <p:spTree>
@@ -15361,7 +13266,7 @@
 </p:sld>
 </file>
 
-<file path=ppt/slides/slide19.xml><?xml version="1.0" encoding="utf-8"?>
+<file path=ppt/slides/slide18.xml><?xml version="1.0" encoding="utf-8"?>
 <p:sld xmlns:a="http://schemas.openxmlformats.org/drawingml/2006/main" xmlns:r="http://schemas.openxmlformats.org/officeDocument/2006/relationships" xmlns:p="http://schemas.openxmlformats.org/presentationml/2006/main">
   <p:cSld>
     <p:spTree>
@@ -15816,170 +13721,7 @@
 </p:sld>
 </file>
 
-<file path=ppt/slides/slide2.xml><?xml version="1.0" encoding="utf-8"?>
-<p:sld xmlns:a="http://schemas.openxmlformats.org/drawingml/2006/main" xmlns:r="http://schemas.openxmlformats.org/officeDocument/2006/relationships" xmlns:p="http://schemas.openxmlformats.org/presentationml/2006/main">
-  <p:cSld>
-    <p:spTree>
-      <p:nvGrpSpPr>
-        <p:cNvPr id="1" name=""/>
-        <p:cNvGrpSpPr/>
-        <p:nvPr/>
-      </p:nvGrpSpPr>
-      <p:grpSpPr>
-        <a:xfrm>
-          <a:off x="0" y="0"/>
-          <a:ext cx="0" cy="0"/>
-          <a:chOff x="0" y="0"/>
-          <a:chExt cx="0" cy="0"/>
-        </a:xfrm>
-      </p:grpSpPr>
-      <p:sp>
-        <p:nvSpPr>
-          <p:cNvPr id="2" name="Title 1">
-            <a:extLst>
-              <a:ext uri="{FF2B5EF4-FFF2-40B4-BE49-F238E27FC236}">
-                <a16:creationId xmlns:a16="http://schemas.microsoft.com/office/drawing/2014/main" id="{E986AE5C-10A6-C94C-9D95-8E1504BFCC57}"/>
-              </a:ext>
-            </a:extLst>
-          </p:cNvPr>
-          <p:cNvSpPr>
-            <a:spLocks noGrp="1"/>
-          </p:cNvSpPr>
-          <p:nvPr>
-            <p:ph type="title"/>
-          </p:nvPr>
-        </p:nvSpPr>
-        <p:spPr>
-          <a:xfrm>
-            <a:off x="1597152" y="365125"/>
-            <a:ext cx="7656576" cy="1325563"/>
-          </a:xfrm>
-        </p:spPr>
-        <p:txBody>
-          <a:bodyPr/>
-          <a:lstStyle/>
-          <a:p>
-            <a:r>
-              <a:rPr lang="en-US" dirty="0"/>
-              <a:t>Schedule</a:t>
-            </a:r>
-          </a:p>
-        </p:txBody>
-      </p:sp>
-      <p:sp>
-        <p:nvSpPr>
-          <p:cNvPr id="6" name="Content Placeholder 5">
-            <a:extLst>
-              <a:ext uri="{FF2B5EF4-FFF2-40B4-BE49-F238E27FC236}">
-                <a16:creationId xmlns:a16="http://schemas.microsoft.com/office/drawing/2014/main" id="{47227B2F-15FA-2B44-AB08-0F64387B6B11}"/>
-              </a:ext>
-            </a:extLst>
-          </p:cNvPr>
-          <p:cNvSpPr>
-            <a:spLocks noGrp="1"/>
-          </p:cNvSpPr>
-          <p:nvPr>
-            <p:ph idx="4294967295"/>
-          </p:nvPr>
-        </p:nvSpPr>
-        <p:spPr>
-          <a:xfrm>
-            <a:off x="838200" y="1825625"/>
-            <a:ext cx="10515600" cy="4351338"/>
-          </a:xfrm>
-        </p:spPr>
-        <p:txBody>
-          <a:bodyPr>
-            <a:normAutofit/>
-          </a:bodyPr>
-          <a:lstStyle/>
-          <a:p>
-            <a:r>
-              <a:rPr lang="en-GB" dirty="0"/>
-              <a:t>Day 1 content </a:t>
-            </a:r>
-          </a:p>
-          <a:p>
-            <a:pPr lvl="1"/>
-            <a:r>
-              <a:rPr lang="en-GB" dirty="0"/>
-              <a:t>What is ROS </a:t>
-            </a:r>
-          </a:p>
-          <a:p>
-            <a:pPr lvl="1"/>
-            <a:r>
-              <a:rPr lang="en-GB" dirty="0"/>
-              <a:t>How is ROS communication done </a:t>
-            </a:r>
-          </a:p>
-          <a:p>
-            <a:pPr lvl="1"/>
-            <a:r>
-              <a:rPr lang="en-GB" dirty="0"/>
-              <a:t>Terminal tools </a:t>
-            </a:r>
-          </a:p>
-          <a:p>
-            <a:pPr lvl="1"/>
-            <a:r>
-              <a:rPr lang="en-GB" dirty="0"/>
-              <a:t>Talker and listener </a:t>
-            </a:r>
-          </a:p>
-          <a:p>
-            <a:pPr lvl="1"/>
-            <a:r>
-              <a:rPr lang="en-GB" dirty="0"/>
-              <a:t>ROS Launch</a:t>
-            </a:r>
-          </a:p>
-          <a:p>
-            <a:r>
-              <a:rPr lang="en-GB" dirty="0"/>
-              <a:t>Day 2 content</a:t>
-            </a:r>
-          </a:p>
-          <a:p>
-            <a:pPr lvl="1"/>
-            <a:r>
-              <a:rPr lang="en-GB" dirty="0"/>
-              <a:t>More advanced ROS concepts</a:t>
-            </a:r>
-          </a:p>
-          <a:p>
-            <a:pPr lvl="1"/>
-            <a:r>
-              <a:rPr lang="en-GB" dirty="0"/>
-              <a:t>Activity</a:t>
-            </a:r>
-          </a:p>
-          <a:p>
-            <a:pPr lvl="1"/>
-            <a:r>
-              <a:rPr lang="en-GB" dirty="0"/>
-              <a:t>Questions</a:t>
-            </a:r>
-          </a:p>
-          <a:p>
-            <a:endParaRPr lang="en-GB" dirty="0"/>
-          </a:p>
-        </p:txBody>
-      </p:sp>
-    </p:spTree>
-    <p:extLst>
-      <p:ext uri="{BB962C8B-B14F-4D97-AF65-F5344CB8AC3E}">
-        <p14:creationId xmlns:p14="http://schemas.microsoft.com/office/powerpoint/2010/main" val="841758121"/>
-      </p:ext>
-    </p:extLst>
-  </p:cSld>
-  <p:clrMapOvr>
-    <a:masterClrMapping/>
-  </p:clrMapOvr>
-</p:sld>
-</file>
-
-<file path=ppt/slides/slide20.xml><?xml version="1.0" encoding="utf-8"?>
+<file path=ppt/slides/slide19.xml><?xml version="1.0" encoding="utf-8"?>
 <p:sld xmlns:a="http://schemas.openxmlformats.org/drawingml/2006/main" xmlns:r="http://schemas.openxmlformats.org/officeDocument/2006/relationships" xmlns:p="http://schemas.openxmlformats.org/presentationml/2006/main">
   <p:cSld>
     <p:spTree>
@@ -16152,7 +13894,215 @@
 </p:sld>
 </file>
 
-<file path=ppt/slides/slide21.xml><?xml version="1.0" encoding="utf-8"?>
+<file path=ppt/slides/slide2.xml><?xml version="1.0" encoding="utf-8"?>
+<p:sld xmlns:a="http://schemas.openxmlformats.org/drawingml/2006/main" xmlns:r="http://schemas.openxmlformats.org/officeDocument/2006/relationships" xmlns:p="http://schemas.openxmlformats.org/presentationml/2006/main">
+  <p:cSld>
+    <p:spTree>
+      <p:nvGrpSpPr>
+        <p:cNvPr id="1" name=""/>
+        <p:cNvGrpSpPr/>
+        <p:nvPr/>
+      </p:nvGrpSpPr>
+      <p:grpSpPr>
+        <a:xfrm>
+          <a:off x="0" y="0"/>
+          <a:ext cx="0" cy="0"/>
+          <a:chOff x="0" y="0"/>
+          <a:chExt cx="0" cy="0"/>
+        </a:xfrm>
+      </p:grpSpPr>
+      <p:sp>
+        <p:nvSpPr>
+          <p:cNvPr id="2" name="Title 1">
+            <a:extLst>
+              <a:ext uri="{FF2B5EF4-FFF2-40B4-BE49-F238E27FC236}">
+                <a16:creationId xmlns:a16="http://schemas.microsoft.com/office/drawing/2014/main" id="{E986AE5C-10A6-C94C-9D95-8E1504BFCC57}"/>
+              </a:ext>
+            </a:extLst>
+          </p:cNvPr>
+          <p:cNvSpPr>
+            <a:spLocks noGrp="1"/>
+          </p:cNvSpPr>
+          <p:nvPr>
+            <p:ph type="title"/>
+          </p:nvPr>
+        </p:nvSpPr>
+        <p:spPr>
+          <a:xfrm>
+            <a:off x="1597152" y="365125"/>
+            <a:ext cx="7656576" cy="1325563"/>
+          </a:xfrm>
+        </p:spPr>
+        <p:txBody>
+          <a:bodyPr/>
+          <a:lstStyle/>
+          <a:p>
+            <a:r>
+              <a:rPr lang="en-GB" sz="4000" dirty="0">
+                <a:ea typeface="+mj-lt"/>
+                <a:cs typeface="+mj-lt"/>
+              </a:rPr>
+              <a:t>ROS basics</a:t>
+            </a:r>
+            <a:r>
+              <a:rPr lang="en-GB" dirty="0">
+                <a:cs typeface="Calibri Light"/>
+              </a:rPr>
+              <a:t/>
+            </a:r>
+            <a:br>
+              <a:rPr lang="en-GB" dirty="0">
+                <a:cs typeface="Calibri Light"/>
+              </a:rPr>
+            </a:br>
+            <a:r>
+              <a:rPr lang="en-GB" sz="3200" dirty="0">
+                <a:cs typeface="Calibri Light"/>
+              </a:rPr>
+              <a:t>What is ROS ? </a:t>
+            </a:r>
+            <a:endParaRPr lang="en-US" sz="3200" dirty="0"/>
+          </a:p>
+        </p:txBody>
+      </p:sp>
+      <p:sp>
+        <p:nvSpPr>
+          <p:cNvPr id="6" name="Content Placeholder 5">
+            <a:extLst>
+              <a:ext uri="{FF2B5EF4-FFF2-40B4-BE49-F238E27FC236}">
+                <a16:creationId xmlns:a16="http://schemas.microsoft.com/office/drawing/2014/main" id="{47227B2F-15FA-2B44-AB08-0F64387B6B11}"/>
+              </a:ext>
+            </a:extLst>
+          </p:cNvPr>
+          <p:cNvSpPr>
+            <a:spLocks noGrp="1"/>
+          </p:cNvSpPr>
+          <p:nvPr>
+            <p:ph idx="4294967295"/>
+          </p:nvPr>
+        </p:nvSpPr>
+        <p:spPr>
+          <a:xfrm>
+            <a:off x="838200" y="1825625"/>
+            <a:ext cx="10515600" cy="4351338"/>
+          </a:xfrm>
+        </p:spPr>
+        <p:txBody>
+          <a:bodyPr vert="horz" lIns="91440" tIns="45720" rIns="91440" bIns="45720" rtlCol="0" anchor="t">
+            <a:normAutofit/>
+          </a:bodyPr>
+          <a:lstStyle/>
+          <a:p>
+            <a:pPr marL="0" indent="0">
+              <a:buNone/>
+            </a:pPr>
+            <a:endParaRPr lang="en-GB" dirty="0"/>
+          </a:p>
+          <a:p>
+            <a:pPr marL="0" indent="0">
+              <a:buNone/>
+            </a:pPr>
+            <a:endParaRPr lang="en-GB" dirty="0"/>
+          </a:p>
+          <a:p>
+            <a:pPr marL="0" indent="0">
+              <a:buNone/>
+            </a:pPr>
+            <a:endParaRPr lang="en-GB" dirty="0"/>
+          </a:p>
+          <a:p>
+            <a:pPr marL="0" indent="0">
+              <a:buNone/>
+            </a:pPr>
+            <a:endParaRPr lang="en-GB" dirty="0"/>
+          </a:p>
+          <a:p>
+            <a:pPr marL="0" indent="0">
+              <a:buNone/>
+            </a:pPr>
+            <a:endParaRPr lang="en-GB" dirty="0"/>
+          </a:p>
+          <a:p>
+            <a:pPr marL="0" indent="0">
+              <a:buNone/>
+            </a:pPr>
+            <a:endParaRPr lang="en-GB" dirty="0"/>
+          </a:p>
+          <a:p>
+            <a:pPr marL="0" indent="0" algn="ctr">
+              <a:buNone/>
+            </a:pPr>
+            <a:r>
+              <a:rPr lang="en-GB" dirty="0"/>
+              <a:t>“ROS is an open-source framework that helps researchers and developers build and reuse code between robotics applications”</a:t>
+            </a:r>
+            <a:endParaRPr lang="en-US" dirty="0">
+              <a:cs typeface="Calibri" panose="020F0502020204030204"/>
+            </a:endParaRPr>
+          </a:p>
+        </p:txBody>
+      </p:sp>
+      <p:pic>
+        <p:nvPicPr>
+          <p:cNvPr id="5" name="Picture 4" descr="Graphical user interface, icon&#10;&#10;Description automatically generated">
+            <a:extLst>
+              <a:ext uri="{FF2B5EF4-FFF2-40B4-BE49-F238E27FC236}">
+                <a16:creationId xmlns:a16="http://schemas.microsoft.com/office/drawing/2014/main" id="{CECFE693-6764-074A-B39A-CE8E5F0D9D87}"/>
+              </a:ext>
+            </a:extLst>
+          </p:cNvPr>
+          <p:cNvPicPr>
+            <a:picLocks noChangeAspect="1"/>
+          </p:cNvPicPr>
+          <p:nvPr/>
+        </p:nvPicPr>
+        <p:blipFill>
+          <a:blip r:embed="rId3">
+            <a:extLst>
+              <a:ext uri="{28A0092B-C50C-407E-A947-70E740481C1C}">
+                <a14:useLocalDpi xmlns:a14="http://schemas.microsoft.com/office/drawing/2010/main" val="0"/>
+              </a:ext>
+            </a:extLst>
+          </a:blip>
+          <a:stretch>
+            <a:fillRect/>
+          </a:stretch>
+        </p:blipFill>
+        <p:spPr>
+          <a:xfrm>
+            <a:off x="3246120" y="1825625"/>
+            <a:ext cx="5044440" cy="2674592"/>
+          </a:xfrm>
+          <a:prstGeom prst="rect">
+            <a:avLst/>
+          </a:prstGeom>
+          <a:effectLst>
+            <a:softEdge rad="0"/>
+          </a:effectLst>
+        </p:spPr>
+      </p:pic>
+    </p:spTree>
+    <p:extLst>
+      <p:ext uri="{BB962C8B-B14F-4D97-AF65-F5344CB8AC3E}">
+        <p14:creationId xmlns:p14="http://schemas.microsoft.com/office/powerpoint/2010/main" val="3963220823"/>
+      </p:ext>
+    </p:extLst>
+  </p:cSld>
+  <p:clrMapOvr>
+    <a:masterClrMapping/>
+  </p:clrMapOvr>
+  <mc:AlternateContent xmlns:mc="http://schemas.openxmlformats.org/markup-compatibility/2006" xmlns:p14="http://schemas.microsoft.com/office/powerpoint/2010/main">
+    <mc:Choice Requires="p14">
+      <p:transition spd="slow" p14:dur="2000" advTm="268"/>
+    </mc:Choice>
+    <mc:Fallback xmlns="">
+      <p:transition spd="slow" advTm="268"/>
+    </mc:Fallback>
+  </mc:AlternateContent>
+</p:sld>
+</file>
+
+<file path=ppt/slides/slide20.xml><?xml version="1.0" encoding="utf-8"?>
 <p:sld xmlns:a="http://schemas.openxmlformats.org/drawingml/2006/main" xmlns:r="http://schemas.openxmlformats.org/officeDocument/2006/relationships" xmlns:p="http://schemas.openxmlformats.org/presentationml/2006/main">
   <p:cSld>
     <p:spTree>
@@ -16958,7 +14908,7 @@
 </p:sld>
 </file>
 
-<file path=ppt/slides/slide22.xml><?xml version="1.0" encoding="utf-8"?>
+<file path=ppt/slides/slide21.xml><?xml version="1.0" encoding="utf-8"?>
 <p:sld xmlns:a="http://schemas.openxmlformats.org/drawingml/2006/main" xmlns:r="http://schemas.openxmlformats.org/officeDocument/2006/relationships" xmlns:p="http://schemas.openxmlformats.org/presentationml/2006/main">
   <p:cSld>
     <p:spTree>
@@ -17522,6 +15472,250 @@
 </p:sld>
 </file>
 
+<file path=ppt/slides/slide22.xml><?xml version="1.0" encoding="utf-8"?>
+<p:sld xmlns:a="http://schemas.openxmlformats.org/drawingml/2006/main" xmlns:r="http://schemas.openxmlformats.org/officeDocument/2006/relationships" xmlns:p="http://schemas.openxmlformats.org/presentationml/2006/main">
+  <p:cSld>
+    <p:spTree>
+      <p:nvGrpSpPr>
+        <p:cNvPr id="1" name=""/>
+        <p:cNvGrpSpPr/>
+        <p:nvPr/>
+      </p:nvGrpSpPr>
+      <p:grpSpPr>
+        <a:xfrm>
+          <a:off x="0" y="0"/>
+          <a:ext cx="0" cy="0"/>
+          <a:chOff x="0" y="0"/>
+          <a:chExt cx="0" cy="0"/>
+        </a:xfrm>
+      </p:grpSpPr>
+      <p:sp>
+        <p:nvSpPr>
+          <p:cNvPr id="2" name="Title 1">
+            <a:extLst>
+              <a:ext uri="{FF2B5EF4-FFF2-40B4-BE49-F238E27FC236}">
+                <a16:creationId xmlns:a16="http://schemas.microsoft.com/office/drawing/2014/main" id="{E986AE5C-10A6-C94C-9D95-8E1504BFCC57}"/>
+              </a:ext>
+            </a:extLst>
+          </p:cNvPr>
+          <p:cNvSpPr>
+            <a:spLocks noGrp="1"/>
+          </p:cNvSpPr>
+          <p:nvPr>
+            <p:ph type="title"/>
+          </p:nvPr>
+        </p:nvSpPr>
+        <p:spPr>
+          <a:xfrm>
+            <a:off x="1597152" y="365125"/>
+            <a:ext cx="7656576" cy="1325563"/>
+          </a:xfrm>
+        </p:spPr>
+        <p:txBody>
+          <a:bodyPr>
+            <a:normAutofit/>
+          </a:bodyPr>
+          <a:lstStyle/>
+          <a:p>
+            <a:r>
+              <a:rPr lang="en-US" sz="4000" dirty="0"/>
+              <a:t>ROS Tools</a:t>
+            </a:r>
+            <a:r>
+              <a:rPr lang="en-US" dirty="0"/>
+              <a:t/>
+            </a:r>
+            <a:br>
+              <a:rPr lang="en-US" dirty="0"/>
+            </a:br>
+            <a:r>
+              <a:rPr lang="en-US" sz="3200" dirty="0"/>
+              <a:t>ROS Launch Syntax</a:t>
+            </a:r>
+            <a:endParaRPr lang="en-US" dirty="0">
+              <a:latin typeface="Consolas" panose="020B0609020204030204" pitchFamily="49" charset="0"/>
+            </a:endParaRPr>
+          </a:p>
+        </p:txBody>
+      </p:sp>
+      <p:sp>
+        <p:nvSpPr>
+          <p:cNvPr id="7" name="Content Placeholder 2">
+            <a:extLst>
+              <a:ext uri="{FF2B5EF4-FFF2-40B4-BE49-F238E27FC236}">
+                <a16:creationId xmlns:a16="http://schemas.microsoft.com/office/drawing/2014/main" id="{83325263-BC60-2C45-A687-164DA9EC6910}"/>
+              </a:ext>
+            </a:extLst>
+          </p:cNvPr>
+          <p:cNvSpPr>
+            <a:spLocks noGrp="1"/>
+          </p:cNvSpPr>
+          <p:nvPr>
+            <p:ph idx="4294967295"/>
+          </p:nvPr>
+        </p:nvSpPr>
+        <p:spPr>
+          <a:xfrm>
+            <a:off x="838200" y="1825625"/>
+            <a:ext cx="10515600" cy="4417859"/>
+          </a:xfrm>
+        </p:spPr>
+        <p:txBody>
+          <a:bodyPr vert="horz" lIns="91440" tIns="45720" rIns="91440" bIns="45720" rtlCol="0" anchor="t">
+            <a:normAutofit/>
+          </a:bodyPr>
+          <a:lstStyle/>
+          <a:p>
+            <a:pPr algn="just"/>
+            <a:r>
+              <a:rPr lang="en-US" sz="2400" dirty="0"/>
+              <a:t>Launch files are sets of commands written in xml that allow executing various scripts at the same time. </a:t>
+            </a:r>
+          </a:p>
+          <a:p>
+            <a:pPr algn="just"/>
+            <a:r>
+              <a:rPr lang="en-US" sz="2400" dirty="0"/>
+              <a:t>The general syntaxis is the following </a:t>
+            </a:r>
+          </a:p>
+          <a:p>
+            <a:pPr marL="457200" lvl="1" indent="0">
+              <a:buNone/>
+            </a:pPr>
+            <a:r>
+              <a:rPr lang="en-GB" sz="2000" dirty="0">
+                <a:solidFill>
+                  <a:srgbClr val="808080"/>
+                </a:solidFill>
+                <a:latin typeface="Consolas" panose="020B0609020204030204" pitchFamily="49" charset="0"/>
+              </a:rPr>
+              <a:t>&lt;?xml version=“1.0”?&gt;</a:t>
+            </a:r>
+          </a:p>
+          <a:p>
+            <a:pPr marL="457200" lvl="1" indent="0">
+              <a:buNone/>
+            </a:pPr>
+            <a:r>
+              <a:rPr lang="en-GB" sz="2000" dirty="0">
+                <a:solidFill>
+                  <a:srgbClr val="808080"/>
+                </a:solidFill>
+                <a:latin typeface="Consolas" panose="020B0609020204030204" pitchFamily="49" charset="0"/>
+              </a:rPr>
+              <a:t>&lt;launch&gt;</a:t>
+            </a:r>
+          </a:p>
+          <a:p>
+            <a:pPr marL="457200" lvl="1" indent="0">
+              <a:buNone/>
+            </a:pPr>
+            <a:r>
+              <a:rPr lang="en-GB" sz="2000" dirty="0">
+                <a:solidFill>
+                  <a:srgbClr val="808080"/>
+                </a:solidFill>
+                <a:latin typeface="Consolas" panose="020B0609020204030204" pitchFamily="49" charset="0"/>
+              </a:rPr>
+              <a:t>	[Body of the </a:t>
+            </a:r>
+            <a:r>
+              <a:rPr lang="en-GB" sz="2000" dirty="0" err="1">
+                <a:solidFill>
+                  <a:srgbClr val="808080"/>
+                </a:solidFill>
+                <a:latin typeface="Consolas" panose="020B0609020204030204" pitchFamily="49" charset="0"/>
+              </a:rPr>
+              <a:t>launchfile</a:t>
+            </a:r>
+            <a:r>
+              <a:rPr lang="en-GB" sz="2000" dirty="0">
+                <a:solidFill>
+                  <a:srgbClr val="808080"/>
+                </a:solidFill>
+                <a:latin typeface="Consolas" panose="020B0609020204030204" pitchFamily="49" charset="0"/>
+              </a:rPr>
+              <a:t>]</a:t>
+            </a:r>
+          </a:p>
+          <a:p>
+            <a:pPr marL="457200" lvl="1" indent="0">
+              <a:buNone/>
+            </a:pPr>
+            <a:r>
+              <a:rPr lang="en-GB" sz="2000" dirty="0">
+                <a:solidFill>
+                  <a:srgbClr val="808080"/>
+                </a:solidFill>
+                <a:latin typeface="Consolas" panose="020B0609020204030204" pitchFamily="49" charset="0"/>
+              </a:rPr>
+              <a:t>&lt;/launch&gt;</a:t>
+            </a:r>
+            <a:endParaRPr lang="en-US" sz="2000" dirty="0">
+              <a:solidFill>
+                <a:srgbClr val="808080"/>
+              </a:solidFill>
+              <a:latin typeface="Consolas" panose="020B0609020204030204" pitchFamily="49" charset="0"/>
+            </a:endParaRPr>
+          </a:p>
+          <a:p>
+            <a:pPr algn="just"/>
+            <a:r>
+              <a:rPr lang="en-US" sz="2400" dirty="0"/>
+              <a:t>This syntaxis allows to run any object used within the ROS architecture and has a wide variety of tools that allow to parametrize the launch file so that it can be adapted to the requirements of you project. </a:t>
+            </a:r>
+          </a:p>
+          <a:p>
+            <a:pPr algn="just"/>
+            <a:r>
+              <a:rPr lang="en-US" sz="2400" dirty="0"/>
+              <a:t>An extensive documentation can be found in http://</a:t>
+            </a:r>
+            <a:r>
+              <a:rPr lang="en-US" sz="2400" dirty="0" err="1"/>
+              <a:t>wiki.ros.org</a:t>
+            </a:r>
+            <a:r>
+              <a:rPr lang="en-US" sz="2400" dirty="0"/>
+              <a:t>/</a:t>
+            </a:r>
+            <a:r>
+              <a:rPr lang="en-US" sz="2400" dirty="0" err="1"/>
+              <a:t>roslaunch</a:t>
+            </a:r>
+            <a:endParaRPr lang="en-US" sz="2400" dirty="0"/>
+          </a:p>
+          <a:p>
+            <a:pPr algn="just"/>
+            <a:endParaRPr lang="en-US" sz="2400" dirty="0"/>
+          </a:p>
+        </p:txBody>
+      </p:sp>
+    </p:spTree>
+    <p:custDataLst>
+      <p:tags r:id="rId1"/>
+    </p:custDataLst>
+    <p:extLst>
+      <p:ext uri="{BB962C8B-B14F-4D97-AF65-F5344CB8AC3E}">
+        <p14:creationId xmlns:p14="http://schemas.microsoft.com/office/powerpoint/2010/main" val="686204304"/>
+      </p:ext>
+    </p:extLst>
+  </p:cSld>
+  <p:clrMapOvr>
+    <a:masterClrMapping/>
+  </p:clrMapOvr>
+  <mc:AlternateContent xmlns:mc="http://schemas.openxmlformats.org/markup-compatibility/2006" xmlns:p14="http://schemas.microsoft.com/office/powerpoint/2010/main">
+    <mc:Choice Requires="p14">
+      <p:transition spd="slow" p14:dur="2000" advTm="1047"/>
+    </mc:Choice>
+    <mc:Fallback xmlns="">
+      <p:transition spd="slow" advTm="1047"/>
+    </mc:Fallback>
+  </mc:AlternateContent>
+</p:sld>
+</file>
+
 <file path=ppt/slides/slide23.xml><?xml version="1.0" encoding="utf-8"?>
 <p:sld xmlns:a="http://schemas.openxmlformats.org/drawingml/2006/main" xmlns:r="http://schemas.openxmlformats.org/officeDocument/2006/relationships" xmlns:p="http://schemas.openxmlformats.org/presentationml/2006/main">
   <p:cSld>
@@ -17580,7 +15774,7 @@
             </a:br>
             <a:r>
               <a:rPr lang="en-US" sz="3200" dirty="0"/>
-              <a:t>ROS Launch Syntax</a:t>
+              <a:t>ROS Launch code tools</a:t>
             </a:r>
             <a:endParaRPr lang="en-US" dirty="0">
               <a:latin typeface="Consolas" panose="020B0609020204030204" pitchFamily="49" charset="0"/>
@@ -17606,8 +15800,8 @@
         </p:nvSpPr>
         <p:spPr>
           <a:xfrm>
-            <a:off x="838200" y="1825625"/>
-            <a:ext cx="10515600" cy="4417859"/>
+            <a:off x="838200" y="1986047"/>
+            <a:ext cx="10515600" cy="4506827"/>
           </a:xfrm>
         </p:spPr>
         <p:txBody>
@@ -17619,18 +15813,11 @@
             <a:pPr algn="just"/>
             <a:r>
               <a:rPr lang="en-US" sz="2400" dirty="0"/>
-              <a:t>Launch files are sets of commands written in xml that allow executing various scripts at the same time. </a:t>
-            </a:r>
-          </a:p>
-          <a:p>
-            <a:pPr algn="just"/>
-            <a:r>
-              <a:rPr lang="en-US" sz="2400" dirty="0"/>
-              <a:t>The general syntaxis is the following </a:t>
-            </a:r>
-          </a:p>
-          <a:p>
-            <a:pPr marL="457200" lvl="1" indent="0">
+              <a:t>Running a node</a:t>
+            </a:r>
+          </a:p>
+          <a:p>
+            <a:pPr marL="457200" lvl="1" indent="0" algn="just">
               <a:buNone/>
             </a:pPr>
             <a:r>
@@ -17640,13 +15827,17 @@
                 </a:solidFill>
                 <a:latin typeface="Consolas" panose="020B0609020204030204" pitchFamily="49" charset="0"/>
               </a:rPr>
-              <a:t>&lt;?xml version=“1.0”?&gt;</a:t>
-            </a:r>
-          </a:p>
-          <a:p>
-            <a:pPr marL="457200" lvl="1" indent="0">
-              <a:buNone/>
-            </a:pPr>
+              <a:t>&lt;node name=“listener” </a:t>
+            </a:r>
+            <a:r>
+              <a:rPr lang="en-GB" sz="2000" dirty="0" err="1">
+                <a:solidFill>
+                  <a:srgbClr val="808080"/>
+                </a:solidFill>
+                <a:latin typeface="Consolas" panose="020B0609020204030204" pitchFamily="49" charset="0"/>
+              </a:rPr>
+              <a:t>pkg</a:t>
+            </a:r>
             <a:r>
               <a:rPr lang="en-GB" sz="2000" dirty="0">
                 <a:solidFill>
@@ -17654,13 +15845,17 @@
                 </a:solidFill>
                 <a:latin typeface="Consolas" panose="020B0609020204030204" pitchFamily="49" charset="0"/>
               </a:rPr>
-              <a:t>&lt;launch&gt;</a:t>
-            </a:r>
-          </a:p>
-          <a:p>
-            <a:pPr marL="457200" lvl="1" indent="0">
-              <a:buNone/>
-            </a:pPr>
+              <a:t>=“</a:t>
+            </a:r>
+            <a:r>
+              <a:rPr lang="en-GB" sz="2000" dirty="0" err="1">
+                <a:solidFill>
+                  <a:srgbClr val="808080"/>
+                </a:solidFill>
+                <a:latin typeface="Consolas" panose="020B0609020204030204" pitchFamily="49" charset="0"/>
+              </a:rPr>
+              <a:t>basic_comms</a:t>
+            </a:r>
             <a:r>
               <a:rPr lang="en-GB" sz="2000" dirty="0">
                 <a:solidFill>
@@ -17668,7 +15863,7 @@
                 </a:solidFill>
                 <a:latin typeface="Consolas" panose="020B0609020204030204" pitchFamily="49" charset="0"/>
               </a:rPr>
-              <a:t>	[Body of the </a:t>
+              <a:t>” type=“</a:t>
             </a:r>
             <a:r>
               <a:rPr lang="en-GB" sz="2000" dirty="0" err="1">
@@ -17677,7 +15872,7 @@
                 </a:solidFill>
                 <a:latin typeface="Consolas" panose="020B0609020204030204" pitchFamily="49" charset="0"/>
               </a:rPr>
-              <a:t>launchfile</a:t>
+              <a:t>listener.py</a:t>
             </a:r>
             <a:r>
               <a:rPr lang="en-GB" sz="2000" dirty="0">
@@ -17686,11 +15881,19 @@
                 </a:solidFill>
                 <a:latin typeface="Consolas" panose="020B0609020204030204" pitchFamily="49" charset="0"/>
               </a:rPr>
-              <a:t>]</a:t>
-            </a:r>
-          </a:p>
-          <a:p>
-            <a:pPr marL="457200" lvl="1" indent="0">
+              <a:t>” output=“screen”/&gt;</a:t>
+            </a:r>
+            <a:endParaRPr lang="en-US" sz="2000" dirty="0"/>
+          </a:p>
+          <a:p>
+            <a:pPr algn="just"/>
+            <a:r>
+              <a:rPr lang="en-US" sz="2400" dirty="0"/>
+              <a:t>Running another file or launch file  </a:t>
+            </a:r>
+          </a:p>
+          <a:p>
+            <a:pPr marL="457200" lvl="1" indent="0" algn="just">
               <a:buNone/>
             </a:pPr>
             <a:r>
@@ -17700,9 +15903,229 @@
                 </a:solidFill>
                 <a:latin typeface="Consolas" panose="020B0609020204030204" pitchFamily="49" charset="0"/>
               </a:rPr>
-              <a:t>&lt;/launch&gt;</a:t>
-            </a:r>
-            <a:endParaRPr lang="en-US" sz="2000" dirty="0">
+              <a:t>&lt;include file="$(</a:t>
+            </a:r>
+            <a:r>
+              <a:rPr lang="en-GB" sz="2000" dirty="0" err="1">
+                <a:solidFill>
+                  <a:srgbClr val="808080"/>
+                </a:solidFill>
+                <a:latin typeface="Consolas" panose="020B0609020204030204" pitchFamily="49" charset="0"/>
+              </a:rPr>
+              <a:t>dirname</a:t>
+            </a:r>
+            <a:r>
+              <a:rPr lang="en-GB" sz="2000" dirty="0">
+                <a:solidFill>
+                  <a:srgbClr val="808080"/>
+                </a:solidFill>
+                <a:latin typeface="Consolas" panose="020B0609020204030204" pitchFamily="49" charset="0"/>
+              </a:rPr>
+              <a:t>)/</a:t>
+            </a:r>
+            <a:r>
+              <a:rPr lang="en-GB" sz="2000" dirty="0" err="1">
+                <a:solidFill>
+                  <a:srgbClr val="808080"/>
+                </a:solidFill>
+                <a:latin typeface="Consolas" panose="020B0609020204030204" pitchFamily="49" charset="0"/>
+              </a:rPr>
+              <a:t>other.launch</a:t>
+            </a:r>
+            <a:r>
+              <a:rPr lang="en-GB" sz="2000" dirty="0">
+                <a:solidFill>
+                  <a:srgbClr val="808080"/>
+                </a:solidFill>
+                <a:latin typeface="Consolas" panose="020B0609020204030204" pitchFamily="49" charset="0"/>
+              </a:rPr>
+              <a:t>" /&gt;</a:t>
+            </a:r>
+          </a:p>
+          <a:p>
+            <a:pPr algn="just"/>
+            <a:r>
+              <a:rPr lang="en-GB" sz="2400" dirty="0"/>
+              <a:t>Set parameters </a:t>
+            </a:r>
+            <a:endParaRPr lang="en-GB" sz="2400" dirty="0">
+              <a:solidFill>
+                <a:srgbClr val="FF0000"/>
+              </a:solidFill>
+            </a:endParaRPr>
+          </a:p>
+          <a:p>
+            <a:pPr marL="457200" lvl="1" indent="0" algn="just">
+              <a:buNone/>
+            </a:pPr>
+            <a:r>
+              <a:rPr lang="en-GB" sz="2000" dirty="0">
+                <a:solidFill>
+                  <a:srgbClr val="808080"/>
+                </a:solidFill>
+                <a:latin typeface="Consolas" panose="020B0609020204030204" pitchFamily="49" charset="0"/>
+              </a:rPr>
+              <a:t>&lt;param name="</a:t>
+            </a:r>
+            <a:r>
+              <a:rPr lang="en-GB" sz="2000" dirty="0" err="1">
+                <a:solidFill>
+                  <a:srgbClr val="808080"/>
+                </a:solidFill>
+                <a:latin typeface="Consolas" panose="020B0609020204030204" pitchFamily="49" charset="0"/>
+              </a:rPr>
+              <a:t>publish_frequency</a:t>
+            </a:r>
+            <a:r>
+              <a:rPr lang="en-GB" sz="2000" dirty="0">
+                <a:solidFill>
+                  <a:srgbClr val="808080"/>
+                </a:solidFill>
+                <a:latin typeface="Consolas" panose="020B0609020204030204" pitchFamily="49" charset="0"/>
+              </a:rPr>
+              <a:t>" type="double" value="10.0" /&gt;</a:t>
+            </a:r>
+          </a:p>
+          <a:p>
+            <a:pPr algn="just"/>
+            <a:r>
+              <a:rPr lang="en-GB" sz="2400" dirty="0"/>
+              <a:t>Pass </a:t>
+            </a:r>
+            <a:r>
+              <a:rPr lang="en-GB" sz="2400" dirty="0" err="1"/>
+              <a:t>args</a:t>
+            </a:r>
+            <a:r>
+              <a:rPr lang="en-GB" sz="2400" dirty="0"/>
+              <a:t> to the launch file</a:t>
+            </a:r>
+          </a:p>
+          <a:p>
+            <a:pPr marL="457200" lvl="1" indent="0" algn="just">
+              <a:buNone/>
+            </a:pPr>
+            <a:r>
+              <a:rPr lang="en-GB" sz="2000" dirty="0">
+                <a:solidFill>
+                  <a:srgbClr val="808080"/>
+                </a:solidFill>
+                <a:latin typeface="Consolas" panose="020B0609020204030204" pitchFamily="49" charset="0"/>
+              </a:rPr>
+              <a:t>&lt;</a:t>
+            </a:r>
+            <a:r>
+              <a:rPr lang="en-GB" sz="2000" dirty="0" err="1">
+                <a:solidFill>
+                  <a:srgbClr val="808080"/>
+                </a:solidFill>
+                <a:latin typeface="Consolas" panose="020B0609020204030204" pitchFamily="49" charset="0"/>
+              </a:rPr>
+              <a:t>arg</a:t>
+            </a:r>
+            <a:r>
+              <a:rPr lang="en-GB" sz="2000" dirty="0">
+                <a:solidFill>
+                  <a:srgbClr val="808080"/>
+                </a:solidFill>
+                <a:latin typeface="Consolas" panose="020B0609020204030204" pitchFamily="49" charset="0"/>
+              </a:rPr>
+              <a:t> name=”</a:t>
+            </a:r>
+            <a:r>
+              <a:rPr lang="en-GB" sz="2000" dirty="0" err="1">
+                <a:solidFill>
+                  <a:srgbClr val="808080"/>
+                </a:solidFill>
+                <a:latin typeface="Consolas" panose="020B0609020204030204" pitchFamily="49" charset="0"/>
+              </a:rPr>
+              <a:t>camera_id</a:t>
+            </a:r>
+            <a:r>
+              <a:rPr lang="en-GB" sz="2000" dirty="0">
+                <a:solidFill>
+                  <a:srgbClr val="808080"/>
+                </a:solidFill>
+                <a:latin typeface="Consolas" panose="020B0609020204030204" pitchFamily="49" charset="0"/>
+              </a:rPr>
+              <a:t>" value=”cam_3" /&gt;</a:t>
+            </a:r>
+          </a:p>
+          <a:p>
+            <a:pPr algn="just"/>
+            <a:r>
+              <a:rPr lang="en-GB" sz="2400" dirty="0"/>
+              <a:t>Load files into the system</a:t>
+            </a:r>
+          </a:p>
+          <a:p>
+            <a:pPr marL="457200" lvl="1" indent="0" algn="just">
+              <a:buNone/>
+            </a:pPr>
+            <a:r>
+              <a:rPr lang="en-GB" sz="1800" dirty="0">
+                <a:solidFill>
+                  <a:srgbClr val="808080"/>
+                </a:solidFill>
+                <a:latin typeface="Consolas" panose="020B0609020204030204" pitchFamily="49" charset="0"/>
+              </a:rPr>
+              <a:t>&lt;</a:t>
+            </a:r>
+            <a:r>
+              <a:rPr lang="en-GB" sz="1800" dirty="0" err="1">
+                <a:solidFill>
+                  <a:srgbClr val="808080"/>
+                </a:solidFill>
+                <a:latin typeface="Consolas" panose="020B0609020204030204" pitchFamily="49" charset="0"/>
+              </a:rPr>
+              <a:t>rosparam</a:t>
+            </a:r>
+            <a:r>
+              <a:rPr lang="en-GB" sz="1800" dirty="0">
+                <a:solidFill>
+                  <a:srgbClr val="808080"/>
+                </a:solidFill>
+                <a:latin typeface="Consolas" panose="020B0609020204030204" pitchFamily="49" charset="0"/>
+              </a:rPr>
+              <a:t> command="load" file="$(find </a:t>
+            </a:r>
+            <a:r>
+              <a:rPr lang="en-GB" sz="1800" dirty="0" err="1">
+                <a:solidFill>
+                  <a:srgbClr val="808080"/>
+                </a:solidFill>
+                <a:latin typeface="Consolas" panose="020B0609020204030204" pitchFamily="49" charset="0"/>
+              </a:rPr>
+              <a:t>package_name</a:t>
+            </a:r>
+            <a:r>
+              <a:rPr lang="en-GB" sz="1800" dirty="0">
+                <a:solidFill>
+                  <a:srgbClr val="808080"/>
+                </a:solidFill>
+                <a:latin typeface="Consolas" panose="020B0609020204030204" pitchFamily="49" charset="0"/>
+              </a:rPr>
+              <a:t>)/config/</a:t>
+            </a:r>
+            <a:r>
+              <a:rPr lang="en-GB" sz="1800" dirty="0" err="1">
+                <a:solidFill>
+                  <a:srgbClr val="808080"/>
+                </a:solidFill>
+                <a:latin typeface="Consolas" panose="020B0609020204030204" pitchFamily="49" charset="0"/>
+              </a:rPr>
+              <a:t>file_name.yaml</a:t>
+            </a:r>
+            <a:r>
+              <a:rPr lang="en-GB" sz="1800" dirty="0">
+                <a:solidFill>
+                  <a:srgbClr val="808080"/>
+                </a:solidFill>
+                <a:latin typeface="Consolas" panose="020B0609020204030204" pitchFamily="49" charset="0"/>
+              </a:rPr>
+              <a:t>" /&gt;</a:t>
+            </a:r>
+            <a:endParaRPr lang="en-US" sz="1800" dirty="0">
               <a:solidFill>
                 <a:srgbClr val="808080"/>
               </a:solidFill>
@@ -17710,34 +16133,9 @@
             </a:endParaRPr>
           </a:p>
           <a:p>
-            <a:pPr algn="just"/>
-            <a:r>
-              <a:rPr lang="en-US" sz="2400" dirty="0"/>
-              <a:t>This syntaxis allows to run any object used within the ROS architecture and has a wide variety of tools that allow to parametrize the launch file so that it can be adapted to the requirements of you project. </a:t>
-            </a:r>
-          </a:p>
-          <a:p>
-            <a:pPr algn="just"/>
-            <a:r>
-              <a:rPr lang="en-US" sz="2400" dirty="0"/>
-              <a:t>An extensive documentation can be found in http://</a:t>
-            </a:r>
-            <a:r>
-              <a:rPr lang="en-US" sz="2400" dirty="0" err="1"/>
-              <a:t>wiki.ros.org</a:t>
-            </a:r>
-            <a:r>
-              <a:rPr lang="en-US" sz="2400" dirty="0"/>
-              <a:t>/</a:t>
-            </a:r>
-            <a:r>
-              <a:rPr lang="en-US" sz="2400" dirty="0" err="1"/>
-              <a:t>roslaunch</a:t>
-            </a:r>
-            <a:endParaRPr lang="en-US" sz="2400" dirty="0"/>
-          </a:p>
-          <a:p>
-            <a:pPr algn="just"/>
+            <a:pPr marL="0" indent="0" algn="just">
+              <a:buNone/>
+            </a:pPr>
             <a:endParaRPr lang="en-US" sz="2400" dirty="0"/>
           </a:p>
         </p:txBody>
@@ -17748,7 +16146,7 @@
     </p:custDataLst>
     <p:extLst>
       <p:ext uri="{BB962C8B-B14F-4D97-AF65-F5344CB8AC3E}">
-        <p14:creationId xmlns:p14="http://schemas.microsoft.com/office/powerpoint/2010/main" val="686204304"/>
+        <p14:creationId xmlns:p14="http://schemas.microsoft.com/office/powerpoint/2010/main" val="3215906873"/>
       </p:ext>
     </p:extLst>
   </p:cSld>
@@ -17788,454 +16186,6 @@
           <p:cNvPr id="2" name="Title 1">
             <a:extLst>
               <a:ext uri="{FF2B5EF4-FFF2-40B4-BE49-F238E27FC236}">
-                <a16:creationId xmlns:a16="http://schemas.microsoft.com/office/drawing/2014/main" id="{E986AE5C-10A6-C94C-9D95-8E1504BFCC57}"/>
-              </a:ext>
-            </a:extLst>
-          </p:cNvPr>
-          <p:cNvSpPr>
-            <a:spLocks noGrp="1"/>
-          </p:cNvSpPr>
-          <p:nvPr>
-            <p:ph type="title"/>
-          </p:nvPr>
-        </p:nvSpPr>
-        <p:spPr>
-          <a:xfrm>
-            <a:off x="1597152" y="365125"/>
-            <a:ext cx="7656576" cy="1325563"/>
-          </a:xfrm>
-        </p:spPr>
-        <p:txBody>
-          <a:bodyPr>
-            <a:normAutofit/>
-          </a:bodyPr>
-          <a:lstStyle/>
-          <a:p>
-            <a:r>
-              <a:rPr lang="en-US" sz="4000" dirty="0"/>
-              <a:t>ROS Tools</a:t>
-            </a:r>
-            <a:r>
-              <a:rPr lang="en-US" dirty="0"/>
-              <a:t/>
-            </a:r>
-            <a:br>
-              <a:rPr lang="en-US" dirty="0"/>
-            </a:br>
-            <a:r>
-              <a:rPr lang="en-US" sz="3200" dirty="0"/>
-              <a:t>ROS Launch code tools</a:t>
-            </a:r>
-            <a:endParaRPr lang="en-US" dirty="0">
-              <a:latin typeface="Consolas" panose="020B0609020204030204" pitchFamily="49" charset="0"/>
-            </a:endParaRPr>
-          </a:p>
-        </p:txBody>
-      </p:sp>
-      <p:sp>
-        <p:nvSpPr>
-          <p:cNvPr id="7" name="Content Placeholder 2">
-            <a:extLst>
-              <a:ext uri="{FF2B5EF4-FFF2-40B4-BE49-F238E27FC236}">
-                <a16:creationId xmlns:a16="http://schemas.microsoft.com/office/drawing/2014/main" id="{83325263-BC60-2C45-A687-164DA9EC6910}"/>
-              </a:ext>
-            </a:extLst>
-          </p:cNvPr>
-          <p:cNvSpPr>
-            <a:spLocks noGrp="1"/>
-          </p:cNvSpPr>
-          <p:nvPr>
-            <p:ph idx="4294967295"/>
-          </p:nvPr>
-        </p:nvSpPr>
-        <p:spPr>
-          <a:xfrm>
-            <a:off x="838200" y="1986047"/>
-            <a:ext cx="10515600" cy="4506827"/>
-          </a:xfrm>
-        </p:spPr>
-        <p:txBody>
-          <a:bodyPr vert="horz" lIns="91440" tIns="45720" rIns="91440" bIns="45720" rtlCol="0" anchor="t">
-            <a:normAutofit/>
-          </a:bodyPr>
-          <a:lstStyle/>
-          <a:p>
-            <a:pPr algn="just"/>
-            <a:r>
-              <a:rPr lang="en-US" sz="2400" dirty="0"/>
-              <a:t>Running a node</a:t>
-            </a:r>
-          </a:p>
-          <a:p>
-            <a:pPr marL="457200" lvl="1" indent="0" algn="just">
-              <a:buNone/>
-            </a:pPr>
-            <a:r>
-              <a:rPr lang="en-GB" sz="2000" dirty="0">
-                <a:solidFill>
-                  <a:srgbClr val="808080"/>
-                </a:solidFill>
-                <a:latin typeface="Consolas" panose="020B0609020204030204" pitchFamily="49" charset="0"/>
-              </a:rPr>
-              <a:t>&lt;node name=“listener” </a:t>
-            </a:r>
-            <a:r>
-              <a:rPr lang="en-GB" sz="2000" dirty="0" err="1">
-                <a:solidFill>
-                  <a:srgbClr val="808080"/>
-                </a:solidFill>
-                <a:latin typeface="Consolas" panose="020B0609020204030204" pitchFamily="49" charset="0"/>
-              </a:rPr>
-              <a:t>pkg</a:t>
-            </a:r>
-            <a:r>
-              <a:rPr lang="en-GB" sz="2000" dirty="0">
-                <a:solidFill>
-                  <a:srgbClr val="808080"/>
-                </a:solidFill>
-                <a:latin typeface="Consolas" panose="020B0609020204030204" pitchFamily="49" charset="0"/>
-              </a:rPr>
-              <a:t>=“</a:t>
-            </a:r>
-            <a:r>
-              <a:rPr lang="en-GB" sz="2000" dirty="0" err="1">
-                <a:solidFill>
-                  <a:srgbClr val="808080"/>
-                </a:solidFill>
-                <a:latin typeface="Consolas" panose="020B0609020204030204" pitchFamily="49" charset="0"/>
-              </a:rPr>
-              <a:t>basic_comms</a:t>
-            </a:r>
-            <a:r>
-              <a:rPr lang="en-GB" sz="2000" dirty="0">
-                <a:solidFill>
-                  <a:srgbClr val="808080"/>
-                </a:solidFill>
-                <a:latin typeface="Consolas" panose="020B0609020204030204" pitchFamily="49" charset="0"/>
-              </a:rPr>
-              <a:t>” type=“</a:t>
-            </a:r>
-            <a:r>
-              <a:rPr lang="en-GB" sz="2000" dirty="0" err="1">
-                <a:solidFill>
-                  <a:srgbClr val="808080"/>
-                </a:solidFill>
-                <a:latin typeface="Consolas" panose="020B0609020204030204" pitchFamily="49" charset="0"/>
-              </a:rPr>
-              <a:t>listener.py</a:t>
-            </a:r>
-            <a:r>
-              <a:rPr lang="en-GB" sz="2000" dirty="0">
-                <a:solidFill>
-                  <a:srgbClr val="808080"/>
-                </a:solidFill>
-                <a:latin typeface="Consolas" panose="020B0609020204030204" pitchFamily="49" charset="0"/>
-              </a:rPr>
-              <a:t>” output=“screen”/&gt;</a:t>
-            </a:r>
-            <a:endParaRPr lang="en-US" sz="2000" dirty="0"/>
-          </a:p>
-          <a:p>
-            <a:pPr algn="just"/>
-            <a:r>
-              <a:rPr lang="en-US" sz="2400" dirty="0"/>
-              <a:t>Running another file or launch file  </a:t>
-            </a:r>
-          </a:p>
-          <a:p>
-            <a:pPr marL="457200" lvl="1" indent="0" algn="just">
-              <a:buNone/>
-            </a:pPr>
-            <a:r>
-              <a:rPr lang="en-GB" sz="2000" dirty="0">
-                <a:solidFill>
-                  <a:srgbClr val="808080"/>
-                </a:solidFill>
-                <a:latin typeface="Consolas" panose="020B0609020204030204" pitchFamily="49" charset="0"/>
-              </a:rPr>
-              <a:t>&lt;include file="$(</a:t>
-            </a:r>
-            <a:r>
-              <a:rPr lang="en-GB" sz="2000" dirty="0" err="1">
-                <a:solidFill>
-                  <a:srgbClr val="808080"/>
-                </a:solidFill>
-                <a:latin typeface="Consolas" panose="020B0609020204030204" pitchFamily="49" charset="0"/>
-              </a:rPr>
-              <a:t>dirname</a:t>
-            </a:r>
-            <a:r>
-              <a:rPr lang="en-GB" sz="2000" dirty="0">
-                <a:solidFill>
-                  <a:srgbClr val="808080"/>
-                </a:solidFill>
-                <a:latin typeface="Consolas" panose="020B0609020204030204" pitchFamily="49" charset="0"/>
-              </a:rPr>
-              <a:t>)/</a:t>
-            </a:r>
-            <a:r>
-              <a:rPr lang="en-GB" sz="2000" dirty="0" err="1">
-                <a:solidFill>
-                  <a:srgbClr val="808080"/>
-                </a:solidFill>
-                <a:latin typeface="Consolas" panose="020B0609020204030204" pitchFamily="49" charset="0"/>
-              </a:rPr>
-              <a:t>other.launch</a:t>
-            </a:r>
-            <a:r>
-              <a:rPr lang="en-GB" sz="2000" dirty="0">
-                <a:solidFill>
-                  <a:srgbClr val="808080"/>
-                </a:solidFill>
-                <a:latin typeface="Consolas" panose="020B0609020204030204" pitchFamily="49" charset="0"/>
-              </a:rPr>
-              <a:t>" /&gt;</a:t>
-            </a:r>
-          </a:p>
-          <a:p>
-            <a:pPr algn="just"/>
-            <a:r>
-              <a:rPr lang="en-GB" sz="2400" dirty="0"/>
-              <a:t>Set parameters </a:t>
-            </a:r>
-            <a:endParaRPr lang="en-GB" sz="2400" dirty="0">
-              <a:solidFill>
-                <a:srgbClr val="FF0000"/>
-              </a:solidFill>
-            </a:endParaRPr>
-          </a:p>
-          <a:p>
-            <a:pPr marL="457200" lvl="1" indent="0" algn="just">
-              <a:buNone/>
-            </a:pPr>
-            <a:r>
-              <a:rPr lang="en-GB" sz="2000" dirty="0">
-                <a:solidFill>
-                  <a:srgbClr val="808080"/>
-                </a:solidFill>
-                <a:latin typeface="Consolas" panose="020B0609020204030204" pitchFamily="49" charset="0"/>
-              </a:rPr>
-              <a:t>&lt;param name="</a:t>
-            </a:r>
-            <a:r>
-              <a:rPr lang="en-GB" sz="2000" dirty="0" err="1">
-                <a:solidFill>
-                  <a:srgbClr val="808080"/>
-                </a:solidFill>
-                <a:latin typeface="Consolas" panose="020B0609020204030204" pitchFamily="49" charset="0"/>
-              </a:rPr>
-              <a:t>publish_frequency</a:t>
-            </a:r>
-            <a:r>
-              <a:rPr lang="en-GB" sz="2000" dirty="0">
-                <a:solidFill>
-                  <a:srgbClr val="808080"/>
-                </a:solidFill>
-                <a:latin typeface="Consolas" panose="020B0609020204030204" pitchFamily="49" charset="0"/>
-              </a:rPr>
-              <a:t>" type="double" value="10.0" /&gt;</a:t>
-            </a:r>
-          </a:p>
-          <a:p>
-            <a:pPr algn="just"/>
-            <a:r>
-              <a:rPr lang="en-GB" sz="2400" dirty="0"/>
-              <a:t>Pass </a:t>
-            </a:r>
-            <a:r>
-              <a:rPr lang="en-GB" sz="2400" dirty="0" err="1"/>
-              <a:t>args</a:t>
-            </a:r>
-            <a:r>
-              <a:rPr lang="en-GB" sz="2400" dirty="0"/>
-              <a:t> to the launch file</a:t>
-            </a:r>
-          </a:p>
-          <a:p>
-            <a:pPr marL="457200" lvl="1" indent="0" algn="just">
-              <a:buNone/>
-            </a:pPr>
-            <a:r>
-              <a:rPr lang="en-GB" sz="2000" dirty="0">
-                <a:solidFill>
-                  <a:srgbClr val="808080"/>
-                </a:solidFill>
-                <a:latin typeface="Consolas" panose="020B0609020204030204" pitchFamily="49" charset="0"/>
-              </a:rPr>
-              <a:t>&lt;</a:t>
-            </a:r>
-            <a:r>
-              <a:rPr lang="en-GB" sz="2000" dirty="0" err="1">
-                <a:solidFill>
-                  <a:srgbClr val="808080"/>
-                </a:solidFill>
-                <a:latin typeface="Consolas" panose="020B0609020204030204" pitchFamily="49" charset="0"/>
-              </a:rPr>
-              <a:t>arg</a:t>
-            </a:r>
-            <a:r>
-              <a:rPr lang="en-GB" sz="2000" dirty="0">
-                <a:solidFill>
-                  <a:srgbClr val="808080"/>
-                </a:solidFill>
-                <a:latin typeface="Consolas" panose="020B0609020204030204" pitchFamily="49" charset="0"/>
-              </a:rPr>
-              <a:t> name=”</a:t>
-            </a:r>
-            <a:r>
-              <a:rPr lang="en-GB" sz="2000" dirty="0" err="1">
-                <a:solidFill>
-                  <a:srgbClr val="808080"/>
-                </a:solidFill>
-                <a:latin typeface="Consolas" panose="020B0609020204030204" pitchFamily="49" charset="0"/>
-              </a:rPr>
-              <a:t>camera_id</a:t>
-            </a:r>
-            <a:r>
-              <a:rPr lang="en-GB" sz="2000" dirty="0">
-                <a:solidFill>
-                  <a:srgbClr val="808080"/>
-                </a:solidFill>
-                <a:latin typeface="Consolas" panose="020B0609020204030204" pitchFamily="49" charset="0"/>
-              </a:rPr>
-              <a:t>" value=”cam_3" /&gt;</a:t>
-            </a:r>
-          </a:p>
-          <a:p>
-            <a:pPr algn="just"/>
-            <a:r>
-              <a:rPr lang="en-GB" sz="2400" dirty="0"/>
-              <a:t>Load files into the system</a:t>
-            </a:r>
-          </a:p>
-          <a:p>
-            <a:pPr marL="457200" lvl="1" indent="0" algn="just">
-              <a:buNone/>
-            </a:pPr>
-            <a:r>
-              <a:rPr lang="en-GB" sz="1800" dirty="0">
-                <a:solidFill>
-                  <a:srgbClr val="808080"/>
-                </a:solidFill>
-                <a:latin typeface="Consolas" panose="020B0609020204030204" pitchFamily="49" charset="0"/>
-              </a:rPr>
-              <a:t>&lt;</a:t>
-            </a:r>
-            <a:r>
-              <a:rPr lang="en-GB" sz="1800" dirty="0" err="1">
-                <a:solidFill>
-                  <a:srgbClr val="808080"/>
-                </a:solidFill>
-                <a:latin typeface="Consolas" panose="020B0609020204030204" pitchFamily="49" charset="0"/>
-              </a:rPr>
-              <a:t>rosparam</a:t>
-            </a:r>
-            <a:r>
-              <a:rPr lang="en-GB" sz="1800" dirty="0">
-                <a:solidFill>
-                  <a:srgbClr val="808080"/>
-                </a:solidFill>
-                <a:latin typeface="Consolas" panose="020B0609020204030204" pitchFamily="49" charset="0"/>
-              </a:rPr>
-              <a:t> command="load" file="$(find </a:t>
-            </a:r>
-            <a:r>
-              <a:rPr lang="en-GB" sz="1800" dirty="0" err="1">
-                <a:solidFill>
-                  <a:srgbClr val="808080"/>
-                </a:solidFill>
-                <a:latin typeface="Consolas" panose="020B0609020204030204" pitchFamily="49" charset="0"/>
-              </a:rPr>
-              <a:t>package_name</a:t>
-            </a:r>
-            <a:r>
-              <a:rPr lang="en-GB" sz="1800" dirty="0">
-                <a:solidFill>
-                  <a:srgbClr val="808080"/>
-                </a:solidFill>
-                <a:latin typeface="Consolas" panose="020B0609020204030204" pitchFamily="49" charset="0"/>
-              </a:rPr>
-              <a:t>)/config/</a:t>
-            </a:r>
-            <a:r>
-              <a:rPr lang="en-GB" sz="1800" dirty="0" err="1">
-                <a:solidFill>
-                  <a:srgbClr val="808080"/>
-                </a:solidFill>
-                <a:latin typeface="Consolas" panose="020B0609020204030204" pitchFamily="49" charset="0"/>
-              </a:rPr>
-              <a:t>file_name.yaml</a:t>
-            </a:r>
-            <a:r>
-              <a:rPr lang="en-GB" sz="1800" dirty="0">
-                <a:solidFill>
-                  <a:srgbClr val="808080"/>
-                </a:solidFill>
-                <a:latin typeface="Consolas" panose="020B0609020204030204" pitchFamily="49" charset="0"/>
-              </a:rPr>
-              <a:t>" /&gt;</a:t>
-            </a:r>
-            <a:endParaRPr lang="en-US" sz="1800" dirty="0">
-              <a:solidFill>
-                <a:srgbClr val="808080"/>
-              </a:solidFill>
-              <a:latin typeface="Consolas" panose="020B0609020204030204" pitchFamily="49" charset="0"/>
-            </a:endParaRPr>
-          </a:p>
-          <a:p>
-            <a:pPr marL="0" indent="0" algn="just">
-              <a:buNone/>
-            </a:pPr>
-            <a:endParaRPr lang="en-US" sz="2400" dirty="0"/>
-          </a:p>
-        </p:txBody>
-      </p:sp>
-    </p:spTree>
-    <p:custDataLst>
-      <p:tags r:id="rId1"/>
-    </p:custDataLst>
-    <p:extLst>
-      <p:ext uri="{BB962C8B-B14F-4D97-AF65-F5344CB8AC3E}">
-        <p14:creationId xmlns:p14="http://schemas.microsoft.com/office/powerpoint/2010/main" val="3215906873"/>
-      </p:ext>
-    </p:extLst>
-  </p:cSld>
-  <p:clrMapOvr>
-    <a:masterClrMapping/>
-  </p:clrMapOvr>
-  <mc:AlternateContent xmlns:mc="http://schemas.openxmlformats.org/markup-compatibility/2006" xmlns:p14="http://schemas.microsoft.com/office/powerpoint/2010/main">
-    <mc:Choice Requires="p14">
-      <p:transition spd="slow" p14:dur="2000" advTm="1047"/>
-    </mc:Choice>
-    <mc:Fallback xmlns="">
-      <p:transition spd="slow" advTm="1047"/>
-    </mc:Fallback>
-  </mc:AlternateContent>
-</p:sld>
-</file>
-
-<file path=ppt/slides/slide25.xml><?xml version="1.0" encoding="utf-8"?>
-<p:sld xmlns:a="http://schemas.openxmlformats.org/drawingml/2006/main" xmlns:r="http://schemas.openxmlformats.org/officeDocument/2006/relationships" xmlns:p="http://schemas.openxmlformats.org/presentationml/2006/main">
-  <p:cSld>
-    <p:spTree>
-      <p:nvGrpSpPr>
-        <p:cNvPr id="1" name=""/>
-        <p:cNvGrpSpPr/>
-        <p:nvPr/>
-      </p:nvGrpSpPr>
-      <p:grpSpPr>
-        <a:xfrm>
-          <a:off x="0" y="0"/>
-          <a:ext cx="0" cy="0"/>
-          <a:chOff x="0" y="0"/>
-          <a:chExt cx="0" cy="0"/>
-        </a:xfrm>
-      </p:grpSpPr>
-      <p:sp>
-        <p:nvSpPr>
-          <p:cNvPr id="2" name="Title 1">
-            <a:extLst>
-              <a:ext uri="{FF2B5EF4-FFF2-40B4-BE49-F238E27FC236}">
                 <a16:creationId xmlns:a16="http://schemas.microsoft.com/office/drawing/2014/main" id="{AF234254-0368-464F-8D9A-ED6EBA58F0FC}"/>
               </a:ext>
             </a:extLst>
@@ -18621,7 +16571,7 @@
 </p:sld>
 </file>
 
-<file path=ppt/slides/slide26.xml><?xml version="1.0" encoding="utf-8"?>
+<file path=ppt/slides/slide25.xml><?xml version="1.0" encoding="utf-8"?>
 <p:sld xmlns:a="http://schemas.openxmlformats.org/drawingml/2006/main" xmlns:r="http://schemas.openxmlformats.org/officeDocument/2006/relationships" xmlns:p="http://schemas.openxmlformats.org/presentationml/2006/main">
   <p:cSld>
     <p:spTree>
@@ -18941,345 +16891,7 @@
 </p:sld>
 </file>
 
-<file path=ppt/slides/slide27.xml><?xml version="1.0" encoding="utf-8"?>
-<p:sld xmlns:a="http://schemas.openxmlformats.org/drawingml/2006/main" xmlns:r="http://schemas.openxmlformats.org/officeDocument/2006/relationships" xmlns:p="http://schemas.openxmlformats.org/presentationml/2006/main">
-  <p:cSld>
-    <p:spTree>
-      <p:nvGrpSpPr>
-        <p:cNvPr id="1" name=""/>
-        <p:cNvGrpSpPr/>
-        <p:nvPr/>
-      </p:nvGrpSpPr>
-      <p:grpSpPr>
-        <a:xfrm>
-          <a:off x="0" y="0"/>
-          <a:ext cx="0" cy="0"/>
-          <a:chOff x="0" y="0"/>
-          <a:chExt cx="0" cy="0"/>
-        </a:xfrm>
-      </p:grpSpPr>
-      <p:sp>
-        <p:nvSpPr>
-          <p:cNvPr id="2" name="Title 1">
-            <a:extLst>
-              <a:ext uri="{FF2B5EF4-FFF2-40B4-BE49-F238E27FC236}">
-                <a16:creationId xmlns:a16="http://schemas.microsoft.com/office/drawing/2014/main" id="{E986AE5C-10A6-C94C-9D95-8E1504BFCC57}"/>
-              </a:ext>
-            </a:extLst>
-          </p:cNvPr>
-          <p:cNvSpPr>
-            <a:spLocks noGrp="1"/>
-          </p:cNvSpPr>
-          <p:nvPr>
-            <p:ph type="title"/>
-          </p:nvPr>
-        </p:nvSpPr>
-        <p:spPr>
-          <a:xfrm>
-            <a:off x="1597152" y="365125"/>
-            <a:ext cx="7656576" cy="1325563"/>
-          </a:xfrm>
-        </p:spPr>
-        <p:txBody>
-          <a:bodyPr/>
-          <a:lstStyle/>
-          <a:p>
-            <a:r>
-              <a:rPr lang="en-US" sz="4000" dirty="0"/>
-              <a:t>Example</a:t>
-            </a:r>
-            <a:r>
-              <a:rPr lang="en-US" dirty="0"/>
-              <a:t/>
-            </a:r>
-            <a:br>
-              <a:rPr lang="en-US" dirty="0"/>
-            </a:br>
-            <a:r>
-              <a:rPr lang="en-US" sz="3200" dirty="0"/>
-              <a:t>Using custom messages</a:t>
-            </a:r>
-          </a:p>
-        </p:txBody>
-      </p:sp>
-      <p:sp>
-        <p:nvSpPr>
-          <p:cNvPr id="26" name="Content Placeholder 2">
-            <a:extLst>
-              <a:ext uri="{FF2B5EF4-FFF2-40B4-BE49-F238E27FC236}">
-                <a16:creationId xmlns:a16="http://schemas.microsoft.com/office/drawing/2014/main" id="{687CF686-F0E0-3E41-B210-18672B8C8AE6}"/>
-              </a:ext>
-            </a:extLst>
-          </p:cNvPr>
-          <p:cNvSpPr>
-            <a:spLocks noGrp="1"/>
-          </p:cNvSpPr>
-          <p:nvPr>
-            <p:ph idx="4294967295"/>
-          </p:nvPr>
-        </p:nvSpPr>
-        <p:spPr>
-          <a:xfrm>
-            <a:off x="838200" y="2172900"/>
-            <a:ext cx="10515600" cy="2512199"/>
-          </a:xfrm>
-        </p:spPr>
-        <p:txBody>
-          <a:bodyPr vert="horz" lIns="91440" tIns="45720" rIns="91440" bIns="45720" rtlCol="0" anchor="t">
-            <a:normAutofit/>
-          </a:bodyPr>
-          <a:lstStyle/>
-          <a:p>
-            <a:pPr marL="457200" indent="-457200" algn="just">
-              <a:buFont typeface="+mj-lt"/>
-              <a:buAutoNum type="arabicPeriod"/>
-            </a:pPr>
-            <a:r>
-              <a:rPr lang="en-US" sz="2400" dirty="0"/>
-              <a:t>Create a folder called </a:t>
-            </a:r>
-            <a:r>
-              <a:rPr lang="en-US" sz="2400" dirty="0">
-                <a:latin typeface="Consolas" panose="020B0609020204030204" pitchFamily="49" charset="0"/>
-                <a:cs typeface="Consolas" panose="020B0609020204030204" pitchFamily="49" charset="0"/>
-              </a:rPr>
-              <a:t>msg </a:t>
-            </a:r>
-            <a:r>
-              <a:rPr lang="en-US" sz="2400" dirty="0"/>
-              <a:t>in your workspace.</a:t>
-            </a:r>
-          </a:p>
-          <a:p>
-            <a:pPr marL="457200" indent="-457200" algn="just">
-              <a:buFont typeface="+mj-lt"/>
-              <a:buAutoNum type="arabicPeriod"/>
-            </a:pPr>
-            <a:r>
-              <a:rPr lang="en-US" sz="2400" dirty="0"/>
-              <a:t>Make a custom msg definition with a Header and a Float32.</a:t>
-            </a:r>
-          </a:p>
-          <a:p>
-            <a:pPr marL="457200" indent="-457200" algn="just">
-              <a:buFont typeface="+mj-lt"/>
-              <a:buAutoNum type="arabicPeriod"/>
-            </a:pPr>
-            <a:r>
-              <a:rPr lang="en-US" sz="2400" dirty="0"/>
-              <a:t>Open both </a:t>
-            </a:r>
-            <a:r>
-              <a:rPr lang="en-US" sz="2400" dirty="0" err="1"/>
-              <a:t>CMakeLists</a:t>
-            </a:r>
-            <a:r>
-              <a:rPr lang="en-US" sz="2400" dirty="0"/>
-              <a:t> and </a:t>
-            </a:r>
-            <a:r>
-              <a:rPr lang="en-US" sz="2400" dirty="0" err="1"/>
-              <a:t>package.xml</a:t>
-            </a:r>
-            <a:r>
-              <a:rPr lang="en-US" sz="2400" dirty="0"/>
-              <a:t> and modify them to compile our new msg.</a:t>
-            </a:r>
-          </a:p>
-          <a:p>
-            <a:pPr marL="457200" indent="-457200" algn="just">
-              <a:buFont typeface="+mj-lt"/>
-              <a:buAutoNum type="arabicPeriod"/>
-            </a:pPr>
-            <a:r>
-              <a:rPr lang="en-US" sz="2400" dirty="0"/>
-              <a:t>Modify the code of the previous activity using the new msg definition.</a:t>
-            </a:r>
-          </a:p>
-        </p:txBody>
-      </p:sp>
-      <p:grpSp>
-        <p:nvGrpSpPr>
-          <p:cNvPr id="4" name="Group 3">
-            <a:extLst>
-              <a:ext uri="{FF2B5EF4-FFF2-40B4-BE49-F238E27FC236}">
-                <a16:creationId xmlns:a16="http://schemas.microsoft.com/office/drawing/2014/main" id="{05625028-33F1-D746-A7C3-D3855BEE1355}"/>
-              </a:ext>
-            </a:extLst>
-          </p:cNvPr>
-          <p:cNvGrpSpPr/>
-          <p:nvPr/>
-        </p:nvGrpSpPr>
-        <p:grpSpPr>
-          <a:xfrm>
-            <a:off x="4003978" y="4870563"/>
-            <a:ext cx="3281725" cy="896514"/>
-            <a:chOff x="1260777" y="3709145"/>
-            <a:chExt cx="3151419" cy="2201676"/>
-          </a:xfrm>
-        </p:grpSpPr>
-        <p:sp>
-          <p:nvSpPr>
-            <p:cNvPr id="5" name="TextBox 4">
-              <a:extLst>
-                <a:ext uri="{FF2B5EF4-FFF2-40B4-BE49-F238E27FC236}">
-                  <a16:creationId xmlns:a16="http://schemas.microsoft.com/office/drawing/2014/main" id="{8E0443AB-128E-214B-BFAC-12230955469A}"/>
-                </a:ext>
-              </a:extLst>
-            </p:cNvPr>
-            <p:cNvSpPr txBox="1"/>
-            <p:nvPr/>
-          </p:nvSpPr>
-          <p:spPr>
-            <a:xfrm>
-              <a:off x="1260777" y="4016346"/>
-              <a:ext cx="3151419" cy="1587272"/>
-            </a:xfrm>
-            <a:prstGeom prst="rect">
-              <a:avLst/>
-            </a:prstGeom>
-            <a:noFill/>
-          </p:spPr>
-          <p:txBody>
-            <a:bodyPr wrap="square" rtlCol="0">
-              <a:spAutoFit/>
-            </a:bodyPr>
-            <a:lstStyle/>
-            <a:p>
-              <a:pPr lvl="1"/>
-              <a:r>
-                <a:rPr lang="en-GB" dirty="0"/>
-                <a:t>String date</a:t>
-              </a:r>
-              <a:br>
-                <a:rPr lang="en-GB" dirty="0"/>
-              </a:br>
-              <a:r>
-                <a:rPr lang="en-US" dirty="0"/>
-                <a:t>String</a:t>
-              </a:r>
-              <a:r>
-                <a:rPr lang="en-GB" dirty="0"/>
-                <a:t> hour</a:t>
-              </a:r>
-            </a:p>
-          </p:txBody>
-        </p:sp>
-        <p:sp>
-          <p:nvSpPr>
-            <p:cNvPr id="6" name="Rounded Rectangle 5">
-              <a:extLst>
-                <a:ext uri="{FF2B5EF4-FFF2-40B4-BE49-F238E27FC236}">
-                  <a16:creationId xmlns:a16="http://schemas.microsoft.com/office/drawing/2014/main" id="{040ABF86-150A-B446-B7B8-109C86F0EBF4}"/>
-                </a:ext>
-              </a:extLst>
-            </p:cNvPr>
-            <p:cNvSpPr/>
-            <p:nvPr/>
-          </p:nvSpPr>
-          <p:spPr>
-            <a:xfrm>
-              <a:off x="1501359" y="3709145"/>
-              <a:ext cx="2910837" cy="2201676"/>
-            </a:xfrm>
-            <a:prstGeom prst="roundRect">
-              <a:avLst/>
-            </a:prstGeom>
-            <a:noFill/>
-            <a:ln w="50800">
-              <a:solidFill>
-                <a:srgbClr val="7030A0"/>
-              </a:solidFill>
-            </a:ln>
-          </p:spPr>
-          <p:style>
-            <a:lnRef idx="2">
-              <a:schemeClr val="accent1">
-                <a:shade val="50000"/>
-              </a:schemeClr>
-            </a:lnRef>
-            <a:fillRef idx="1">
-              <a:schemeClr val="accent1"/>
-            </a:fillRef>
-            <a:effectRef idx="0">
-              <a:schemeClr val="accent1"/>
-            </a:effectRef>
-            <a:fontRef idx="minor">
-              <a:schemeClr val="lt1"/>
-            </a:fontRef>
-          </p:style>
-          <p:txBody>
-            <a:bodyPr rtlCol="0" anchor="ctr"/>
-            <a:lstStyle/>
-            <a:p>
-              <a:pPr algn="ctr"/>
-              <a:endParaRPr lang="en-US"/>
-            </a:p>
-          </p:txBody>
-        </p:sp>
-      </p:grpSp>
-      <p:sp>
-        <p:nvSpPr>
-          <p:cNvPr id="7" name="TextBox 6">
-            <a:extLst>
-              <a:ext uri="{FF2B5EF4-FFF2-40B4-BE49-F238E27FC236}">
-                <a16:creationId xmlns:a16="http://schemas.microsoft.com/office/drawing/2014/main" id="{B76538E5-F8EE-414A-9A5B-A1C6E1EEDACC}"/>
-              </a:ext>
-            </a:extLst>
-          </p:cNvPr>
-          <p:cNvSpPr txBox="1"/>
-          <p:nvPr/>
-        </p:nvSpPr>
-        <p:spPr>
-          <a:xfrm>
-            <a:off x="4156185" y="4513442"/>
-            <a:ext cx="2706731" cy="369332"/>
-          </a:xfrm>
-          <a:prstGeom prst="rect">
-            <a:avLst/>
-          </a:prstGeom>
-          <a:noFill/>
-        </p:spPr>
-        <p:txBody>
-          <a:bodyPr wrap="square" rtlCol="0">
-            <a:spAutoFit/>
-          </a:bodyPr>
-          <a:lstStyle/>
-          <a:p>
-            <a:r>
-              <a:rPr lang="en-GB" b="1" dirty="0"/>
-              <a:t>package/</a:t>
-            </a:r>
-            <a:r>
-              <a:rPr lang="en-GB" b="1" dirty="0" err="1"/>
-              <a:t>time_msg.msg</a:t>
-            </a:r>
-            <a:endParaRPr lang="en-GB" b="1" dirty="0"/>
-          </a:p>
-        </p:txBody>
-      </p:sp>
-    </p:spTree>
-    <p:extLst>
-      <p:ext uri="{BB962C8B-B14F-4D97-AF65-F5344CB8AC3E}">
-        <p14:creationId xmlns:p14="http://schemas.microsoft.com/office/powerpoint/2010/main" val="3802856914"/>
-      </p:ext>
-    </p:extLst>
-  </p:cSld>
-  <p:clrMapOvr>
-    <a:masterClrMapping/>
-  </p:clrMapOvr>
-  <mc:AlternateContent xmlns:mc="http://schemas.openxmlformats.org/markup-compatibility/2006" xmlns:p14="http://schemas.microsoft.com/office/powerpoint/2010/main">
-    <mc:Choice Requires="p14">
-      <p:transition spd="slow" p14:dur="2000" advTm="180"/>
-    </mc:Choice>
-    <mc:Fallback xmlns="">
-      <p:transition spd="slow" advTm="180"/>
-    </mc:Fallback>
-  </mc:AlternateContent>
-</p:sld>
-</file>
-
-<file path=ppt/slides/slide28.xml><?xml version="1.0" encoding="utf-8"?>
+<file path=ppt/slides/slide26.xml><?xml version="1.0" encoding="utf-8"?>
 <p:sld xmlns:a="http://schemas.openxmlformats.org/drawingml/2006/main" xmlns:r="http://schemas.openxmlformats.org/officeDocument/2006/relationships" xmlns:p="http://schemas.openxmlformats.org/presentationml/2006/main">
   <p:cSld>
     <p:spTree>
@@ -20340,7 +17952,7 @@
 </p:sld>
 </file>
 
-<file path=ppt/slides/slide29.xml><?xml version="1.0" encoding="utf-8"?>
+<file path=ppt/slides/slide27.xml><?xml version="1.0" encoding="utf-8"?>
 <p:sld xmlns:a="http://schemas.openxmlformats.org/drawingml/2006/main" xmlns:r="http://schemas.openxmlformats.org/officeDocument/2006/relationships" xmlns:p="http://schemas.openxmlformats.org/presentationml/2006/main">
   <p:cSld>
     <p:spTree>
@@ -20788,215 +18400,7 @@
 </p:sld>
 </file>
 
-<file path=ppt/slides/slide3.xml><?xml version="1.0" encoding="utf-8"?>
-<p:sld xmlns:a="http://schemas.openxmlformats.org/drawingml/2006/main" xmlns:r="http://schemas.openxmlformats.org/officeDocument/2006/relationships" xmlns:p="http://schemas.openxmlformats.org/presentationml/2006/main">
-  <p:cSld>
-    <p:spTree>
-      <p:nvGrpSpPr>
-        <p:cNvPr id="1" name=""/>
-        <p:cNvGrpSpPr/>
-        <p:nvPr/>
-      </p:nvGrpSpPr>
-      <p:grpSpPr>
-        <a:xfrm>
-          <a:off x="0" y="0"/>
-          <a:ext cx="0" cy="0"/>
-          <a:chOff x="0" y="0"/>
-          <a:chExt cx="0" cy="0"/>
-        </a:xfrm>
-      </p:grpSpPr>
-      <p:sp>
-        <p:nvSpPr>
-          <p:cNvPr id="2" name="Title 1">
-            <a:extLst>
-              <a:ext uri="{FF2B5EF4-FFF2-40B4-BE49-F238E27FC236}">
-                <a16:creationId xmlns:a16="http://schemas.microsoft.com/office/drawing/2014/main" id="{E986AE5C-10A6-C94C-9D95-8E1504BFCC57}"/>
-              </a:ext>
-            </a:extLst>
-          </p:cNvPr>
-          <p:cNvSpPr>
-            <a:spLocks noGrp="1"/>
-          </p:cNvSpPr>
-          <p:nvPr>
-            <p:ph type="title"/>
-          </p:nvPr>
-        </p:nvSpPr>
-        <p:spPr>
-          <a:xfrm>
-            <a:off x="1597152" y="365125"/>
-            <a:ext cx="7656576" cy="1325563"/>
-          </a:xfrm>
-        </p:spPr>
-        <p:txBody>
-          <a:bodyPr/>
-          <a:lstStyle/>
-          <a:p>
-            <a:r>
-              <a:rPr lang="en-GB" sz="4000" dirty="0">
-                <a:ea typeface="+mj-lt"/>
-                <a:cs typeface="+mj-lt"/>
-              </a:rPr>
-              <a:t>ROS basics</a:t>
-            </a:r>
-            <a:r>
-              <a:rPr lang="en-GB" dirty="0">
-                <a:cs typeface="Calibri Light"/>
-              </a:rPr>
-              <a:t/>
-            </a:r>
-            <a:br>
-              <a:rPr lang="en-GB" dirty="0">
-                <a:cs typeface="Calibri Light"/>
-              </a:rPr>
-            </a:br>
-            <a:r>
-              <a:rPr lang="en-GB" sz="3200" dirty="0">
-                <a:cs typeface="Calibri Light"/>
-              </a:rPr>
-              <a:t>What is ROS ? </a:t>
-            </a:r>
-            <a:endParaRPr lang="en-US" sz="3200" dirty="0"/>
-          </a:p>
-        </p:txBody>
-      </p:sp>
-      <p:sp>
-        <p:nvSpPr>
-          <p:cNvPr id="6" name="Content Placeholder 5">
-            <a:extLst>
-              <a:ext uri="{FF2B5EF4-FFF2-40B4-BE49-F238E27FC236}">
-                <a16:creationId xmlns:a16="http://schemas.microsoft.com/office/drawing/2014/main" id="{47227B2F-15FA-2B44-AB08-0F64387B6B11}"/>
-              </a:ext>
-            </a:extLst>
-          </p:cNvPr>
-          <p:cNvSpPr>
-            <a:spLocks noGrp="1"/>
-          </p:cNvSpPr>
-          <p:nvPr>
-            <p:ph idx="4294967295"/>
-          </p:nvPr>
-        </p:nvSpPr>
-        <p:spPr>
-          <a:xfrm>
-            <a:off x="838200" y="1825625"/>
-            <a:ext cx="10515600" cy="4351338"/>
-          </a:xfrm>
-        </p:spPr>
-        <p:txBody>
-          <a:bodyPr vert="horz" lIns="91440" tIns="45720" rIns="91440" bIns="45720" rtlCol="0" anchor="t">
-            <a:normAutofit/>
-          </a:bodyPr>
-          <a:lstStyle/>
-          <a:p>
-            <a:pPr marL="0" indent="0">
-              <a:buNone/>
-            </a:pPr>
-            <a:endParaRPr lang="en-GB" dirty="0"/>
-          </a:p>
-          <a:p>
-            <a:pPr marL="0" indent="0">
-              <a:buNone/>
-            </a:pPr>
-            <a:endParaRPr lang="en-GB" dirty="0"/>
-          </a:p>
-          <a:p>
-            <a:pPr marL="0" indent="0">
-              <a:buNone/>
-            </a:pPr>
-            <a:endParaRPr lang="en-GB" dirty="0"/>
-          </a:p>
-          <a:p>
-            <a:pPr marL="0" indent="0">
-              <a:buNone/>
-            </a:pPr>
-            <a:endParaRPr lang="en-GB" dirty="0"/>
-          </a:p>
-          <a:p>
-            <a:pPr marL="0" indent="0">
-              <a:buNone/>
-            </a:pPr>
-            <a:endParaRPr lang="en-GB" dirty="0"/>
-          </a:p>
-          <a:p>
-            <a:pPr marL="0" indent="0">
-              <a:buNone/>
-            </a:pPr>
-            <a:endParaRPr lang="en-GB" dirty="0"/>
-          </a:p>
-          <a:p>
-            <a:pPr marL="0" indent="0" algn="ctr">
-              <a:buNone/>
-            </a:pPr>
-            <a:r>
-              <a:rPr lang="en-GB" dirty="0"/>
-              <a:t>“ROS is an open-source framework that helps researchers and developers build and reuse code between robotics applications”</a:t>
-            </a:r>
-            <a:endParaRPr lang="en-US" dirty="0">
-              <a:cs typeface="Calibri" panose="020F0502020204030204"/>
-            </a:endParaRPr>
-          </a:p>
-        </p:txBody>
-      </p:sp>
-      <p:pic>
-        <p:nvPicPr>
-          <p:cNvPr id="5" name="Picture 4" descr="Graphical user interface, icon&#10;&#10;Description automatically generated">
-            <a:extLst>
-              <a:ext uri="{FF2B5EF4-FFF2-40B4-BE49-F238E27FC236}">
-                <a16:creationId xmlns:a16="http://schemas.microsoft.com/office/drawing/2014/main" id="{CECFE693-6764-074A-B39A-CE8E5F0D9D87}"/>
-              </a:ext>
-            </a:extLst>
-          </p:cNvPr>
-          <p:cNvPicPr>
-            <a:picLocks noChangeAspect="1"/>
-          </p:cNvPicPr>
-          <p:nvPr/>
-        </p:nvPicPr>
-        <p:blipFill>
-          <a:blip r:embed="rId3">
-            <a:extLst>
-              <a:ext uri="{28A0092B-C50C-407E-A947-70E740481C1C}">
-                <a14:useLocalDpi xmlns:a14="http://schemas.microsoft.com/office/drawing/2010/main" val="0"/>
-              </a:ext>
-            </a:extLst>
-          </a:blip>
-          <a:stretch>
-            <a:fillRect/>
-          </a:stretch>
-        </p:blipFill>
-        <p:spPr>
-          <a:xfrm>
-            <a:off x="3246120" y="1825625"/>
-            <a:ext cx="5044440" cy="2674592"/>
-          </a:xfrm>
-          <a:prstGeom prst="rect">
-            <a:avLst/>
-          </a:prstGeom>
-          <a:effectLst>
-            <a:softEdge rad="0"/>
-          </a:effectLst>
-        </p:spPr>
-      </p:pic>
-    </p:spTree>
-    <p:extLst>
-      <p:ext uri="{BB962C8B-B14F-4D97-AF65-F5344CB8AC3E}">
-        <p14:creationId xmlns:p14="http://schemas.microsoft.com/office/powerpoint/2010/main" val="3963220823"/>
-      </p:ext>
-    </p:extLst>
-  </p:cSld>
-  <p:clrMapOvr>
-    <a:masterClrMapping/>
-  </p:clrMapOvr>
-  <mc:AlternateContent xmlns:mc="http://schemas.openxmlformats.org/markup-compatibility/2006" xmlns:p14="http://schemas.microsoft.com/office/powerpoint/2010/main">
-    <mc:Choice Requires="p14">
-      <p:transition spd="slow" p14:dur="2000" advTm="268"/>
-    </mc:Choice>
-    <mc:Fallback xmlns="">
-      <p:transition spd="slow" advTm="268"/>
-    </mc:Fallback>
-  </mc:AlternateContent>
-</p:sld>
-</file>
-
-<file path=ppt/slides/slide30.xml><?xml version="1.0" encoding="utf-8"?>
+<file path=ppt/slides/slide28.xml><?xml version="1.0" encoding="utf-8"?>
 <p:sld xmlns:a="http://schemas.openxmlformats.org/drawingml/2006/main" xmlns:r="http://schemas.openxmlformats.org/officeDocument/2006/relationships" xmlns:p="http://schemas.openxmlformats.org/presentationml/2006/main">
   <p:cSld>
     <p:spTree>
@@ -21609,7 +19013,7 @@
 </p:sld>
 </file>
 
-<file path=ppt/slides/slide31.xml><?xml version="1.0" encoding="utf-8"?>
+<file path=ppt/slides/slide29.xml><?xml version="1.0" encoding="utf-8"?>
 <p:sld xmlns:a="http://schemas.openxmlformats.org/drawingml/2006/main" xmlns:r="http://schemas.openxmlformats.org/officeDocument/2006/relationships" xmlns:p="http://schemas.openxmlformats.org/presentationml/2006/main">
   <p:cSld>
     <p:spTree>
@@ -22031,7 +19435,1316 @@
 </p:sld>
 </file>
 
-<file path=ppt/slides/slide32.xml><?xml version="1.0" encoding="utf-8"?>
+<file path=ppt/slides/slide3.xml><?xml version="1.0" encoding="utf-8"?>
+<p:sld xmlns:a="http://schemas.openxmlformats.org/drawingml/2006/main" xmlns:r="http://schemas.openxmlformats.org/officeDocument/2006/relationships" xmlns:p="http://schemas.openxmlformats.org/presentationml/2006/main">
+  <p:cSld>
+    <p:spTree>
+      <p:nvGrpSpPr>
+        <p:cNvPr id="1" name=""/>
+        <p:cNvGrpSpPr/>
+        <p:nvPr/>
+      </p:nvGrpSpPr>
+      <p:grpSpPr>
+        <a:xfrm>
+          <a:off x="0" y="0"/>
+          <a:ext cx="0" cy="0"/>
+          <a:chOff x="0" y="0"/>
+          <a:chExt cx="0" cy="0"/>
+        </a:xfrm>
+      </p:grpSpPr>
+      <p:sp>
+        <p:nvSpPr>
+          <p:cNvPr id="2" name="Title 1" descr=" 2">
+            <a:extLst>
+              <a:ext uri="{FF2B5EF4-FFF2-40B4-BE49-F238E27FC236}">
+                <a16:creationId xmlns:a16="http://schemas.microsoft.com/office/drawing/2014/main" id="{60CDB095-FD61-4A4F-B76A-B2853B40D820}"/>
+              </a:ext>
+            </a:extLst>
+          </p:cNvPr>
+          <p:cNvSpPr>
+            <a:spLocks noGrp="1"/>
+          </p:cNvSpPr>
+          <p:nvPr>
+            <p:ph type="title"/>
+          </p:nvPr>
+        </p:nvSpPr>
+        <p:spPr>
+          <a:xfrm>
+            <a:off x="1597152" y="365125"/>
+            <a:ext cx="7656576" cy="1325563"/>
+          </a:xfrm>
+        </p:spPr>
+        <p:txBody>
+          <a:bodyPr>
+            <a:normAutofit/>
+          </a:bodyPr>
+          <a:lstStyle/>
+          <a:p>
+            <a:r>
+              <a:rPr lang="en-GB" dirty="0">
+                <a:ea typeface="+mj-lt"/>
+                <a:cs typeface="+mj-lt"/>
+              </a:rPr>
+              <a:t>ROS basics</a:t>
+            </a:r>
+            <a:r>
+              <a:rPr lang="en-GB" dirty="0">
+                <a:cs typeface="Calibri Light"/>
+              </a:rPr>
+              <a:t/>
+            </a:r>
+            <a:br>
+              <a:rPr lang="en-GB" dirty="0">
+                <a:cs typeface="Calibri Light"/>
+              </a:rPr>
+            </a:br>
+            <a:r>
+              <a:rPr lang="en-GB" sz="3200" dirty="0">
+                <a:cs typeface="Calibri Light"/>
+              </a:rPr>
+              <a:t>The conceptual idea behind ROS</a:t>
+            </a:r>
+            <a:endParaRPr lang="en-US" dirty="0"/>
+          </a:p>
+        </p:txBody>
+      </p:sp>
+      <p:sp>
+        <p:nvSpPr>
+          <p:cNvPr id="4" name="Rounded Rectangle 3" descr=" 4">
+            <a:extLst>
+              <a:ext uri="{FF2B5EF4-FFF2-40B4-BE49-F238E27FC236}">
+                <a16:creationId xmlns:a16="http://schemas.microsoft.com/office/drawing/2014/main" id="{75FC25EE-0C4F-AF4D-AA33-3D6BC10D091A}"/>
+              </a:ext>
+            </a:extLst>
+          </p:cNvPr>
+          <p:cNvSpPr/>
+          <p:nvPr/>
+        </p:nvSpPr>
+        <p:spPr>
+          <a:xfrm>
+            <a:off x="703386" y="2321171"/>
+            <a:ext cx="10395816" cy="3323494"/>
+          </a:xfrm>
+          <a:prstGeom prst="roundRect">
+            <a:avLst/>
+          </a:prstGeom>
+          <a:noFill/>
+          <a:ln w="50800">
+            <a:solidFill>
+              <a:srgbClr val="7030A0"/>
+            </a:solidFill>
+          </a:ln>
+        </p:spPr>
+        <p:style>
+          <a:lnRef idx="2">
+            <a:schemeClr val="accent1">
+              <a:shade val="50000"/>
+            </a:schemeClr>
+          </a:lnRef>
+          <a:fillRef idx="1">
+            <a:schemeClr val="accent1"/>
+          </a:fillRef>
+          <a:effectRef idx="0">
+            <a:schemeClr val="accent1"/>
+          </a:effectRef>
+          <a:fontRef idx="minor">
+            <a:schemeClr val="lt1"/>
+          </a:fontRef>
+        </p:style>
+        <p:txBody>
+          <a:bodyPr rtlCol="0" anchor="ctr"/>
+          <a:lstStyle/>
+          <a:p>
+            <a:pPr algn="ctr"/>
+            <a:endParaRPr lang="en-US"/>
+          </a:p>
+        </p:txBody>
+      </p:sp>
+      <p:sp>
+        <p:nvSpPr>
+          <p:cNvPr id="5" name="TextBox 4" descr=" 5">
+            <a:extLst>
+              <a:ext uri="{FF2B5EF4-FFF2-40B4-BE49-F238E27FC236}">
+                <a16:creationId xmlns:a16="http://schemas.microsoft.com/office/drawing/2014/main" id="{02282D17-0656-AF45-8A3D-504F992B2C08}"/>
+              </a:ext>
+            </a:extLst>
+          </p:cNvPr>
+          <p:cNvSpPr txBox="1"/>
+          <p:nvPr/>
+        </p:nvSpPr>
+        <p:spPr>
+          <a:xfrm>
+            <a:off x="566521" y="1859506"/>
+            <a:ext cx="1867989" cy="461665"/>
+          </a:xfrm>
+          <a:prstGeom prst="rect">
+            <a:avLst/>
+          </a:prstGeom>
+          <a:noFill/>
+        </p:spPr>
+        <p:txBody>
+          <a:bodyPr wrap="square" rtlCol="0">
+            <a:spAutoFit/>
+          </a:bodyPr>
+          <a:lstStyle/>
+          <a:p>
+            <a:r>
+              <a:rPr lang="en-US" sz="2400" dirty="0">
+                <a:solidFill>
+                  <a:srgbClr val="7030A0"/>
+                </a:solidFill>
+              </a:rPr>
+              <a:t>University</a:t>
+            </a:r>
+          </a:p>
+        </p:txBody>
+      </p:sp>
+      <p:grpSp>
+        <p:nvGrpSpPr>
+          <p:cNvPr id="12" name="Group 11" descr=" 12">
+            <a:extLst>
+              <a:ext uri="{FF2B5EF4-FFF2-40B4-BE49-F238E27FC236}">
+                <a16:creationId xmlns:a16="http://schemas.microsoft.com/office/drawing/2014/main" id="{5B1F7083-C6FF-A74D-A12E-6C1885C0EDD2}"/>
+              </a:ext>
+            </a:extLst>
+          </p:cNvPr>
+          <p:cNvGrpSpPr/>
+          <p:nvPr/>
+        </p:nvGrpSpPr>
+        <p:grpSpPr>
+          <a:xfrm>
+            <a:off x="1092798" y="2917158"/>
+            <a:ext cx="4584319" cy="2055320"/>
+            <a:chOff x="2161916" y="2650339"/>
+            <a:chExt cx="4584319" cy="2055320"/>
+          </a:xfrm>
+        </p:grpSpPr>
+        <p:sp>
+          <p:nvSpPr>
+            <p:cNvPr id="7" name="TextBox 6">
+              <a:extLst>
+                <a:ext uri="{FF2B5EF4-FFF2-40B4-BE49-F238E27FC236}">
+                  <a16:creationId xmlns:a16="http://schemas.microsoft.com/office/drawing/2014/main" id="{6BD3E07E-5791-0449-964C-C42BC3F71587}"/>
+                </a:ext>
+              </a:extLst>
+            </p:cNvPr>
+            <p:cNvSpPr txBox="1"/>
+            <p:nvPr/>
+          </p:nvSpPr>
+          <p:spPr>
+            <a:xfrm rot="1821367">
+              <a:off x="4219146" y="2908115"/>
+              <a:ext cx="932841" cy="461665"/>
+            </a:xfrm>
+            <a:prstGeom prst="rect">
+              <a:avLst/>
+            </a:prstGeom>
+            <a:noFill/>
+          </p:spPr>
+          <p:txBody>
+            <a:bodyPr wrap="square" rtlCol="0">
+              <a:spAutoFit/>
+            </a:bodyPr>
+            <a:lstStyle/>
+            <a:p>
+              <a:r>
+                <a:rPr lang="en-US" sz="2400" dirty="0">
+                  <a:solidFill>
+                    <a:schemeClr val="accent1"/>
+                  </a:solidFill>
+                </a:rPr>
+                <a:t>/ROS</a:t>
+              </a:r>
+            </a:p>
+          </p:txBody>
+        </p:sp>
+        <p:grpSp>
+          <p:nvGrpSpPr>
+            <p:cNvPr id="3" name="Group 2">
+              <a:extLst>
+                <a:ext uri="{FF2B5EF4-FFF2-40B4-BE49-F238E27FC236}">
+                  <a16:creationId xmlns:a16="http://schemas.microsoft.com/office/drawing/2014/main" id="{3ABF2E92-AD0B-6949-857D-316468EAEB53}"/>
+                </a:ext>
+              </a:extLst>
+            </p:cNvPr>
+            <p:cNvGrpSpPr/>
+            <p:nvPr/>
+          </p:nvGrpSpPr>
+          <p:grpSpPr>
+            <a:xfrm>
+              <a:off x="2161916" y="2650339"/>
+              <a:ext cx="2056276" cy="936439"/>
+              <a:chOff x="2888668" y="3186131"/>
+              <a:chExt cx="1489734" cy="878299"/>
+            </a:xfrm>
+          </p:grpSpPr>
+          <p:sp>
+            <p:nvSpPr>
+              <p:cNvPr id="8" name="Rounded Rectangle 7">
+                <a:extLst>
+                  <a:ext uri="{FF2B5EF4-FFF2-40B4-BE49-F238E27FC236}">
+                    <a16:creationId xmlns:a16="http://schemas.microsoft.com/office/drawing/2014/main" id="{3AD8F85B-DE40-384C-9491-6ADD95FAC03A}"/>
+                  </a:ext>
+                </a:extLst>
+              </p:cNvPr>
+              <p:cNvSpPr/>
+              <p:nvPr/>
+            </p:nvSpPr>
+            <p:spPr>
+              <a:xfrm>
+                <a:off x="2888668" y="3186131"/>
+                <a:ext cx="1353324" cy="556271"/>
+              </a:xfrm>
+              <a:prstGeom prst="roundRect">
+                <a:avLst/>
+              </a:prstGeom>
+              <a:noFill/>
+              <a:ln w="50800">
+                <a:solidFill>
+                  <a:schemeClr val="accent6">
+                    <a:lumMod val="75000"/>
+                  </a:schemeClr>
+                </a:solidFill>
+              </a:ln>
+            </p:spPr>
+            <p:style>
+              <a:lnRef idx="2">
+                <a:schemeClr val="accent1">
+                  <a:shade val="50000"/>
+                </a:schemeClr>
+              </a:lnRef>
+              <a:fillRef idx="1">
+                <a:schemeClr val="accent1"/>
+              </a:fillRef>
+              <a:effectRef idx="0">
+                <a:schemeClr val="accent1"/>
+              </a:effectRef>
+              <a:fontRef idx="minor">
+                <a:schemeClr val="lt1"/>
+              </a:fontRef>
+            </p:style>
+            <p:txBody>
+              <a:bodyPr rtlCol="0" anchor="ctr"/>
+              <a:lstStyle/>
+              <a:p>
+                <a:pPr algn="ctr"/>
+                <a:endParaRPr lang="en-US"/>
+              </a:p>
+            </p:txBody>
+          </p:sp>
+          <p:sp>
+            <p:nvSpPr>
+              <p:cNvPr id="9" name="TextBox 8">
+                <a:extLst>
+                  <a:ext uri="{FF2B5EF4-FFF2-40B4-BE49-F238E27FC236}">
+                    <a16:creationId xmlns:a16="http://schemas.microsoft.com/office/drawing/2014/main" id="{4CDD2FE4-19F2-7F4F-9429-2E3B6E918AF0}"/>
+                  </a:ext>
+                </a:extLst>
+              </p:cNvPr>
+              <p:cNvSpPr txBox="1"/>
+              <p:nvPr/>
+            </p:nvSpPr>
+            <p:spPr>
+              <a:xfrm>
+                <a:off x="3045187" y="3233433"/>
+                <a:ext cx="1333215" cy="830997"/>
+              </a:xfrm>
+              <a:prstGeom prst="rect">
+                <a:avLst/>
+              </a:prstGeom>
+              <a:noFill/>
+            </p:spPr>
+            <p:txBody>
+              <a:bodyPr wrap="square" rtlCol="0">
+                <a:spAutoFit/>
+              </a:bodyPr>
+              <a:lstStyle/>
+              <a:p>
+                <a:r>
+                  <a:rPr lang="en-US" sz="2400" dirty="0">
+                    <a:solidFill>
+                      <a:schemeClr val="accent6"/>
+                    </a:solidFill>
+                  </a:rPr>
+                  <a:t>Teacher 1</a:t>
+                </a:r>
+              </a:p>
+            </p:txBody>
+          </p:sp>
+        </p:grpSp>
+        <p:sp>
+          <p:nvSpPr>
+            <p:cNvPr id="15" name="Rounded Rectangle 14">
+              <a:extLst>
+                <a:ext uri="{FF2B5EF4-FFF2-40B4-BE49-F238E27FC236}">
+                  <a16:creationId xmlns:a16="http://schemas.microsoft.com/office/drawing/2014/main" id="{BB8BE07B-D1BF-2342-864A-75502B671CB8}"/>
+                </a:ext>
+              </a:extLst>
+            </p:cNvPr>
+            <p:cNvSpPr/>
+            <p:nvPr/>
+          </p:nvSpPr>
+          <p:spPr>
+            <a:xfrm>
+              <a:off x="5094288" y="3290231"/>
+              <a:ext cx="1534709" cy="593094"/>
+            </a:xfrm>
+            <a:prstGeom prst="roundRect">
+              <a:avLst/>
+            </a:prstGeom>
+            <a:noFill/>
+            <a:ln w="50800">
+              <a:solidFill>
+                <a:schemeClr val="accent6">
+                  <a:lumMod val="75000"/>
+                </a:schemeClr>
+              </a:solidFill>
+            </a:ln>
+          </p:spPr>
+          <p:style>
+            <a:lnRef idx="2">
+              <a:schemeClr val="accent1">
+                <a:shade val="50000"/>
+              </a:schemeClr>
+            </a:lnRef>
+            <a:fillRef idx="1">
+              <a:schemeClr val="accent1"/>
+            </a:fillRef>
+            <a:effectRef idx="0">
+              <a:schemeClr val="accent1"/>
+            </a:effectRef>
+            <a:fontRef idx="minor">
+              <a:schemeClr val="lt1"/>
+            </a:fontRef>
+          </p:style>
+          <p:txBody>
+            <a:bodyPr rtlCol="0" anchor="ctr"/>
+            <a:lstStyle/>
+            <a:p>
+              <a:pPr algn="ctr"/>
+              <a:endParaRPr lang="en-US" dirty="0"/>
+            </a:p>
+          </p:txBody>
+        </p:sp>
+        <p:sp>
+          <p:nvSpPr>
+            <p:cNvPr id="16" name="Rounded Rectangle 15">
+              <a:extLst>
+                <a:ext uri="{FF2B5EF4-FFF2-40B4-BE49-F238E27FC236}">
+                  <a16:creationId xmlns:a16="http://schemas.microsoft.com/office/drawing/2014/main" id="{B7A787B3-60B1-4F4C-96B6-D58B6A2EA5C4}"/>
+                </a:ext>
+              </a:extLst>
+            </p:cNvPr>
+            <p:cNvSpPr/>
+            <p:nvPr/>
+          </p:nvSpPr>
+          <p:spPr>
+            <a:xfrm>
+              <a:off x="3124627" y="4112565"/>
+              <a:ext cx="1573437" cy="593094"/>
+            </a:xfrm>
+            <a:prstGeom prst="roundRect">
+              <a:avLst/>
+            </a:prstGeom>
+            <a:noFill/>
+            <a:ln w="50800">
+              <a:solidFill>
+                <a:schemeClr val="accent6">
+                  <a:lumMod val="75000"/>
+                </a:schemeClr>
+              </a:solidFill>
+            </a:ln>
+          </p:spPr>
+          <p:style>
+            <a:lnRef idx="2">
+              <a:schemeClr val="accent1">
+                <a:shade val="50000"/>
+              </a:schemeClr>
+            </a:lnRef>
+            <a:fillRef idx="1">
+              <a:schemeClr val="accent1"/>
+            </a:fillRef>
+            <a:effectRef idx="0">
+              <a:schemeClr val="accent1"/>
+            </a:effectRef>
+            <a:fontRef idx="minor">
+              <a:schemeClr val="lt1"/>
+            </a:fontRef>
+          </p:style>
+          <p:txBody>
+            <a:bodyPr rtlCol="0" anchor="ctr"/>
+            <a:lstStyle/>
+            <a:p>
+              <a:pPr algn="ctr"/>
+              <a:endParaRPr lang="en-US"/>
+            </a:p>
+          </p:txBody>
+        </p:sp>
+        <p:sp>
+          <p:nvSpPr>
+            <p:cNvPr id="18" name="TextBox 17">
+              <a:extLst>
+                <a:ext uri="{FF2B5EF4-FFF2-40B4-BE49-F238E27FC236}">
+                  <a16:creationId xmlns:a16="http://schemas.microsoft.com/office/drawing/2014/main" id="{1A84D435-2585-974E-ADF2-EE199E4F8D53}"/>
+                </a:ext>
+              </a:extLst>
+            </p:cNvPr>
+            <p:cNvSpPr txBox="1"/>
+            <p:nvPr/>
+          </p:nvSpPr>
+          <p:spPr>
+            <a:xfrm>
+              <a:off x="3219473" y="4195357"/>
+              <a:ext cx="1429463" cy="461665"/>
+            </a:xfrm>
+            <a:prstGeom prst="rect">
+              <a:avLst/>
+            </a:prstGeom>
+            <a:noFill/>
+          </p:spPr>
+          <p:txBody>
+            <a:bodyPr wrap="square" rtlCol="0">
+              <a:spAutoFit/>
+            </a:bodyPr>
+            <a:lstStyle/>
+            <a:p>
+              <a:r>
+                <a:rPr lang="en-US" sz="2400" dirty="0">
+                  <a:solidFill>
+                    <a:schemeClr val="accent6"/>
+                  </a:solidFill>
+                </a:rPr>
+                <a:t>Student A</a:t>
+              </a:r>
+            </a:p>
+          </p:txBody>
+        </p:sp>
+        <p:sp>
+          <p:nvSpPr>
+            <p:cNvPr id="19" name="TextBox 18">
+              <a:extLst>
+                <a:ext uri="{FF2B5EF4-FFF2-40B4-BE49-F238E27FC236}">
+                  <a16:creationId xmlns:a16="http://schemas.microsoft.com/office/drawing/2014/main" id="{E43B8824-9266-DB47-9EC1-9D32B689B335}"/>
+                </a:ext>
+              </a:extLst>
+            </p:cNvPr>
+            <p:cNvSpPr txBox="1"/>
+            <p:nvPr/>
+          </p:nvSpPr>
+          <p:spPr>
+            <a:xfrm>
+              <a:off x="5211526" y="3339922"/>
+              <a:ext cx="1534709" cy="461665"/>
+            </a:xfrm>
+            <a:prstGeom prst="rect">
+              <a:avLst/>
+            </a:prstGeom>
+            <a:noFill/>
+          </p:spPr>
+          <p:txBody>
+            <a:bodyPr wrap="square" rtlCol="0">
+              <a:spAutoFit/>
+            </a:bodyPr>
+            <a:lstStyle/>
+            <a:p>
+              <a:r>
+                <a:rPr lang="en-US" sz="2400" dirty="0">
+                  <a:solidFill>
+                    <a:schemeClr val="accent6"/>
+                  </a:solidFill>
+                </a:rPr>
+                <a:t>Student B</a:t>
+              </a:r>
+            </a:p>
+          </p:txBody>
+        </p:sp>
+        <p:cxnSp>
+          <p:nvCxnSpPr>
+            <p:cNvPr id="21" name="Straight Arrow Connector 20">
+              <a:extLst>
+                <a:ext uri="{FF2B5EF4-FFF2-40B4-BE49-F238E27FC236}">
+                  <a16:creationId xmlns:a16="http://schemas.microsoft.com/office/drawing/2014/main" id="{9D909277-53FC-7240-BAD7-D7B139AD3746}"/>
+                </a:ext>
+              </a:extLst>
+            </p:cNvPr>
+            <p:cNvCxnSpPr>
+              <a:cxnSpLocks/>
+              <a:stCxn id="8" idx="2"/>
+              <a:endCxn id="16" idx="0"/>
+            </p:cNvCxnSpPr>
+            <p:nvPr/>
+          </p:nvCxnSpPr>
+          <p:spPr>
+            <a:xfrm>
+              <a:off x="3095911" y="3243433"/>
+              <a:ext cx="815435" cy="869132"/>
+            </a:xfrm>
+            <a:prstGeom prst="straightConnector1">
+              <a:avLst/>
+            </a:prstGeom>
+            <a:ln w="50800">
+              <a:tailEnd type="triangle"/>
+            </a:ln>
+          </p:spPr>
+          <p:style>
+            <a:lnRef idx="1">
+              <a:schemeClr val="accent1"/>
+            </a:lnRef>
+            <a:fillRef idx="0">
+              <a:schemeClr val="accent1"/>
+            </a:fillRef>
+            <a:effectRef idx="0">
+              <a:schemeClr val="accent1"/>
+            </a:effectRef>
+            <a:fontRef idx="minor">
+              <a:schemeClr val="tx1"/>
+            </a:fontRef>
+          </p:style>
+        </p:cxnSp>
+        <p:cxnSp>
+          <p:nvCxnSpPr>
+            <p:cNvPr id="23" name="Straight Arrow Connector 22">
+              <a:extLst>
+                <a:ext uri="{FF2B5EF4-FFF2-40B4-BE49-F238E27FC236}">
+                  <a16:creationId xmlns:a16="http://schemas.microsoft.com/office/drawing/2014/main" id="{FE4E5EA7-F886-7C40-88FB-9EEDE0ACF55B}"/>
+                </a:ext>
+              </a:extLst>
+            </p:cNvPr>
+            <p:cNvCxnSpPr>
+              <a:cxnSpLocks/>
+              <a:stCxn id="8" idx="3"/>
+              <a:endCxn id="15" idx="1"/>
+            </p:cNvCxnSpPr>
+            <p:nvPr/>
+          </p:nvCxnSpPr>
+          <p:spPr>
+            <a:xfrm>
+              <a:off x="4029906" y="2946886"/>
+              <a:ext cx="1064382" cy="639892"/>
+            </a:xfrm>
+            <a:prstGeom prst="straightConnector1">
+              <a:avLst/>
+            </a:prstGeom>
+            <a:ln w="50800">
+              <a:tailEnd type="triangle"/>
+            </a:ln>
+          </p:spPr>
+          <p:style>
+            <a:lnRef idx="1">
+              <a:schemeClr val="accent1"/>
+            </a:lnRef>
+            <a:fillRef idx="0">
+              <a:schemeClr val="accent1"/>
+            </a:fillRef>
+            <a:effectRef idx="0">
+              <a:schemeClr val="accent1"/>
+            </a:effectRef>
+            <a:fontRef idx="minor">
+              <a:schemeClr val="tx1"/>
+            </a:fontRef>
+          </p:style>
+        </p:cxnSp>
+      </p:grpSp>
+      <p:sp>
+        <p:nvSpPr>
+          <p:cNvPr id="22" name="TextBox 21" descr=" 22">
+            <a:extLst>
+              <a:ext uri="{FF2B5EF4-FFF2-40B4-BE49-F238E27FC236}">
+                <a16:creationId xmlns:a16="http://schemas.microsoft.com/office/drawing/2014/main" id="{47647D09-0CC8-F140-A603-6BFD92E3D3F5}"/>
+              </a:ext>
+            </a:extLst>
+          </p:cNvPr>
+          <p:cNvSpPr txBox="1"/>
+          <p:nvPr/>
+        </p:nvSpPr>
+        <p:spPr>
+          <a:xfrm rot="2788859">
+            <a:off x="2208742" y="3685697"/>
+            <a:ext cx="927271" cy="461665"/>
+          </a:xfrm>
+          <a:prstGeom prst="rect">
+            <a:avLst/>
+          </a:prstGeom>
+          <a:noFill/>
+        </p:spPr>
+        <p:txBody>
+          <a:bodyPr wrap="square" rtlCol="0">
+            <a:spAutoFit/>
+          </a:bodyPr>
+          <a:lstStyle/>
+          <a:p>
+            <a:r>
+              <a:rPr lang="en-US" sz="2400" dirty="0">
+                <a:solidFill>
+                  <a:schemeClr val="accent1"/>
+                </a:solidFill>
+              </a:rPr>
+              <a:t>/ROS</a:t>
+            </a:r>
+          </a:p>
+        </p:txBody>
+      </p:sp>
+      <p:grpSp>
+        <p:nvGrpSpPr>
+          <p:cNvPr id="27" name="Group 26" descr=" 27">
+            <a:extLst>
+              <a:ext uri="{FF2B5EF4-FFF2-40B4-BE49-F238E27FC236}">
+                <a16:creationId xmlns:a16="http://schemas.microsoft.com/office/drawing/2014/main" id="{E925F692-01A6-0244-9622-8AA196A54AE3}"/>
+              </a:ext>
+            </a:extLst>
+          </p:cNvPr>
+          <p:cNvGrpSpPr/>
+          <p:nvPr/>
+        </p:nvGrpSpPr>
+        <p:grpSpPr>
+          <a:xfrm>
+            <a:off x="6123869" y="2917158"/>
+            <a:ext cx="4664568" cy="2351867"/>
+            <a:chOff x="2161916" y="2650339"/>
+            <a:chExt cx="4664568" cy="2351867"/>
+          </a:xfrm>
+        </p:grpSpPr>
+        <p:sp>
+          <p:nvSpPr>
+            <p:cNvPr id="28" name="TextBox 27">
+              <a:extLst>
+                <a:ext uri="{FF2B5EF4-FFF2-40B4-BE49-F238E27FC236}">
+                  <a16:creationId xmlns:a16="http://schemas.microsoft.com/office/drawing/2014/main" id="{B8CACF7E-C07D-FC40-832A-6ECD88653813}"/>
+                </a:ext>
+              </a:extLst>
+            </p:cNvPr>
+            <p:cNvSpPr txBox="1"/>
+            <p:nvPr/>
+          </p:nvSpPr>
+          <p:spPr>
+            <a:xfrm rot="2193342">
+              <a:off x="4084280" y="3038765"/>
+              <a:ext cx="1309705" cy="461665"/>
+            </a:xfrm>
+            <a:prstGeom prst="rect">
+              <a:avLst/>
+            </a:prstGeom>
+            <a:noFill/>
+          </p:spPr>
+          <p:txBody>
+            <a:bodyPr wrap="square" rtlCol="0">
+              <a:spAutoFit/>
+            </a:bodyPr>
+            <a:lstStyle/>
+            <a:p>
+              <a:r>
+                <a:rPr lang="en-US" sz="2400" dirty="0">
+                  <a:solidFill>
+                    <a:schemeClr val="accent1"/>
+                  </a:solidFill>
+                </a:rPr>
+                <a:t>/Control</a:t>
+              </a:r>
+            </a:p>
+          </p:txBody>
+        </p:sp>
+        <p:grpSp>
+          <p:nvGrpSpPr>
+            <p:cNvPr id="29" name="Group 28">
+              <a:extLst>
+                <a:ext uri="{FF2B5EF4-FFF2-40B4-BE49-F238E27FC236}">
+                  <a16:creationId xmlns:a16="http://schemas.microsoft.com/office/drawing/2014/main" id="{00F1E0CA-5A0F-6346-9832-11D74DF901C1}"/>
+                </a:ext>
+              </a:extLst>
+            </p:cNvPr>
+            <p:cNvGrpSpPr/>
+            <p:nvPr/>
+          </p:nvGrpSpPr>
+          <p:grpSpPr>
+            <a:xfrm>
+              <a:off x="2161916" y="2650339"/>
+              <a:ext cx="2056276" cy="593094"/>
+              <a:chOff x="2888668" y="3186131"/>
+              <a:chExt cx="1489734" cy="556271"/>
+            </a:xfrm>
+          </p:grpSpPr>
+          <p:sp>
+            <p:nvSpPr>
+              <p:cNvPr id="36" name="Rounded Rectangle 35">
+                <a:extLst>
+                  <a:ext uri="{FF2B5EF4-FFF2-40B4-BE49-F238E27FC236}">
+                    <a16:creationId xmlns:a16="http://schemas.microsoft.com/office/drawing/2014/main" id="{7023C32C-E858-9846-AD2B-C8B1967CA8D8}"/>
+                  </a:ext>
+                </a:extLst>
+              </p:cNvPr>
+              <p:cNvSpPr/>
+              <p:nvPr/>
+            </p:nvSpPr>
+            <p:spPr>
+              <a:xfrm>
+                <a:off x="2888668" y="3186131"/>
+                <a:ext cx="1353324" cy="556271"/>
+              </a:xfrm>
+              <a:prstGeom prst="roundRect">
+                <a:avLst/>
+              </a:prstGeom>
+              <a:noFill/>
+              <a:ln w="50800">
+                <a:solidFill>
+                  <a:schemeClr val="accent6">
+                    <a:lumMod val="75000"/>
+                  </a:schemeClr>
+                </a:solidFill>
+              </a:ln>
+            </p:spPr>
+            <p:style>
+              <a:lnRef idx="2">
+                <a:schemeClr val="accent1">
+                  <a:shade val="50000"/>
+                </a:schemeClr>
+              </a:lnRef>
+              <a:fillRef idx="1">
+                <a:schemeClr val="accent1"/>
+              </a:fillRef>
+              <a:effectRef idx="0">
+                <a:schemeClr val="accent1"/>
+              </a:effectRef>
+              <a:fontRef idx="minor">
+                <a:schemeClr val="lt1"/>
+              </a:fontRef>
+            </p:style>
+            <p:txBody>
+              <a:bodyPr rtlCol="0" anchor="ctr"/>
+              <a:lstStyle/>
+              <a:p>
+                <a:pPr algn="ctr"/>
+                <a:endParaRPr lang="en-US"/>
+              </a:p>
+            </p:txBody>
+          </p:sp>
+          <p:sp>
+            <p:nvSpPr>
+              <p:cNvPr id="37" name="TextBox 36">
+                <a:extLst>
+                  <a:ext uri="{FF2B5EF4-FFF2-40B4-BE49-F238E27FC236}">
+                    <a16:creationId xmlns:a16="http://schemas.microsoft.com/office/drawing/2014/main" id="{6370AA26-91D6-8140-A92F-AC31F9D93FB4}"/>
+                  </a:ext>
+                </a:extLst>
+              </p:cNvPr>
+              <p:cNvSpPr txBox="1"/>
+              <p:nvPr/>
+            </p:nvSpPr>
+            <p:spPr>
+              <a:xfrm>
+                <a:off x="3045187" y="3233433"/>
+                <a:ext cx="1333215" cy="433002"/>
+              </a:xfrm>
+              <a:prstGeom prst="rect">
+                <a:avLst/>
+              </a:prstGeom>
+              <a:noFill/>
+            </p:spPr>
+            <p:txBody>
+              <a:bodyPr wrap="square" rtlCol="0">
+                <a:spAutoFit/>
+              </a:bodyPr>
+              <a:lstStyle/>
+              <a:p>
+                <a:r>
+                  <a:rPr lang="en-US" sz="2400" dirty="0">
+                    <a:solidFill>
+                      <a:schemeClr val="accent6"/>
+                    </a:solidFill>
+                  </a:rPr>
+                  <a:t>Teacher 2</a:t>
+                </a:r>
+              </a:p>
+            </p:txBody>
+          </p:sp>
+        </p:grpSp>
+        <p:sp>
+          <p:nvSpPr>
+            <p:cNvPr id="30" name="Rounded Rectangle 29">
+              <a:extLst>
+                <a:ext uri="{FF2B5EF4-FFF2-40B4-BE49-F238E27FC236}">
+                  <a16:creationId xmlns:a16="http://schemas.microsoft.com/office/drawing/2014/main" id="{AFA179D7-AF01-EC4C-9103-C8EBF96B7149}"/>
+                </a:ext>
+              </a:extLst>
+            </p:cNvPr>
+            <p:cNvSpPr/>
+            <p:nvPr/>
+          </p:nvSpPr>
+          <p:spPr>
+            <a:xfrm>
+              <a:off x="5219779" y="3519471"/>
+              <a:ext cx="1534709" cy="593094"/>
+            </a:xfrm>
+            <a:prstGeom prst="roundRect">
+              <a:avLst/>
+            </a:prstGeom>
+            <a:noFill/>
+            <a:ln w="50800">
+              <a:solidFill>
+                <a:schemeClr val="accent6">
+                  <a:lumMod val="75000"/>
+                </a:schemeClr>
+              </a:solidFill>
+            </a:ln>
+          </p:spPr>
+          <p:style>
+            <a:lnRef idx="2">
+              <a:schemeClr val="accent1">
+                <a:shade val="50000"/>
+              </a:schemeClr>
+            </a:lnRef>
+            <a:fillRef idx="1">
+              <a:schemeClr val="accent1"/>
+            </a:fillRef>
+            <a:effectRef idx="0">
+              <a:schemeClr val="accent1"/>
+            </a:effectRef>
+            <a:fontRef idx="minor">
+              <a:schemeClr val="lt1"/>
+            </a:fontRef>
+          </p:style>
+          <p:txBody>
+            <a:bodyPr rtlCol="0" anchor="ctr"/>
+            <a:lstStyle/>
+            <a:p>
+              <a:pPr algn="ctr"/>
+              <a:endParaRPr lang="en-US" dirty="0"/>
+            </a:p>
+          </p:txBody>
+        </p:sp>
+        <p:sp>
+          <p:nvSpPr>
+            <p:cNvPr id="31" name="Rounded Rectangle 30">
+              <a:extLst>
+                <a:ext uri="{FF2B5EF4-FFF2-40B4-BE49-F238E27FC236}">
+                  <a16:creationId xmlns:a16="http://schemas.microsoft.com/office/drawing/2014/main" id="{9C358FEF-7DDF-0445-BFF0-C35D03F84CF7}"/>
+                </a:ext>
+              </a:extLst>
+            </p:cNvPr>
+            <p:cNvSpPr/>
+            <p:nvPr/>
+          </p:nvSpPr>
+          <p:spPr>
+            <a:xfrm>
+              <a:off x="3272507" y="4409112"/>
+              <a:ext cx="1573437" cy="593094"/>
+            </a:xfrm>
+            <a:prstGeom prst="roundRect">
+              <a:avLst/>
+            </a:prstGeom>
+            <a:noFill/>
+            <a:ln w="50800">
+              <a:solidFill>
+                <a:schemeClr val="accent6">
+                  <a:lumMod val="75000"/>
+                </a:schemeClr>
+              </a:solidFill>
+            </a:ln>
+          </p:spPr>
+          <p:style>
+            <a:lnRef idx="2">
+              <a:schemeClr val="accent1">
+                <a:shade val="50000"/>
+              </a:schemeClr>
+            </a:lnRef>
+            <a:fillRef idx="1">
+              <a:schemeClr val="accent1"/>
+            </a:fillRef>
+            <a:effectRef idx="0">
+              <a:schemeClr val="accent1"/>
+            </a:effectRef>
+            <a:fontRef idx="minor">
+              <a:schemeClr val="lt1"/>
+            </a:fontRef>
+          </p:style>
+          <p:txBody>
+            <a:bodyPr rtlCol="0" anchor="ctr"/>
+            <a:lstStyle/>
+            <a:p>
+              <a:pPr algn="ctr"/>
+              <a:endParaRPr lang="en-US"/>
+            </a:p>
+          </p:txBody>
+        </p:sp>
+        <p:sp>
+          <p:nvSpPr>
+            <p:cNvPr id="32" name="TextBox 31">
+              <a:extLst>
+                <a:ext uri="{FF2B5EF4-FFF2-40B4-BE49-F238E27FC236}">
+                  <a16:creationId xmlns:a16="http://schemas.microsoft.com/office/drawing/2014/main" id="{F2267488-82EB-7C4F-9634-67CF86C816B9}"/>
+                </a:ext>
+              </a:extLst>
+            </p:cNvPr>
+            <p:cNvSpPr txBox="1"/>
+            <p:nvPr/>
+          </p:nvSpPr>
+          <p:spPr>
+            <a:xfrm>
+              <a:off x="3354547" y="4474826"/>
+              <a:ext cx="1429463" cy="461665"/>
+            </a:xfrm>
+            <a:prstGeom prst="rect">
+              <a:avLst/>
+            </a:prstGeom>
+            <a:noFill/>
+          </p:spPr>
+          <p:txBody>
+            <a:bodyPr wrap="square" rtlCol="0">
+              <a:spAutoFit/>
+            </a:bodyPr>
+            <a:lstStyle/>
+            <a:p>
+              <a:r>
+                <a:rPr lang="en-US" sz="2400" dirty="0">
+                  <a:solidFill>
+                    <a:schemeClr val="accent6"/>
+                  </a:solidFill>
+                </a:rPr>
+                <a:t>Student D</a:t>
+              </a:r>
+            </a:p>
+          </p:txBody>
+        </p:sp>
+        <p:sp>
+          <p:nvSpPr>
+            <p:cNvPr id="33" name="TextBox 32">
+              <a:extLst>
+                <a:ext uri="{FF2B5EF4-FFF2-40B4-BE49-F238E27FC236}">
+                  <a16:creationId xmlns:a16="http://schemas.microsoft.com/office/drawing/2014/main" id="{C260AD28-4E66-3B4C-8C69-5FF6EEAB710B}"/>
+                </a:ext>
+              </a:extLst>
+            </p:cNvPr>
+            <p:cNvSpPr txBox="1"/>
+            <p:nvPr/>
+          </p:nvSpPr>
+          <p:spPr>
+            <a:xfrm>
+              <a:off x="5291775" y="3575643"/>
+              <a:ext cx="1534709" cy="461665"/>
+            </a:xfrm>
+            <a:prstGeom prst="rect">
+              <a:avLst/>
+            </a:prstGeom>
+            <a:noFill/>
+          </p:spPr>
+          <p:txBody>
+            <a:bodyPr wrap="square" rtlCol="0">
+              <a:spAutoFit/>
+            </a:bodyPr>
+            <a:lstStyle/>
+            <a:p>
+              <a:r>
+                <a:rPr lang="en-US" sz="2400" dirty="0">
+                  <a:solidFill>
+                    <a:schemeClr val="accent6"/>
+                  </a:solidFill>
+                </a:rPr>
+                <a:t>Student C</a:t>
+              </a:r>
+            </a:p>
+          </p:txBody>
+        </p:sp>
+        <p:cxnSp>
+          <p:nvCxnSpPr>
+            <p:cNvPr id="34" name="Straight Arrow Connector 33">
+              <a:extLst>
+                <a:ext uri="{FF2B5EF4-FFF2-40B4-BE49-F238E27FC236}">
+                  <a16:creationId xmlns:a16="http://schemas.microsoft.com/office/drawing/2014/main" id="{5419884D-A44E-9A4F-89E1-E4A813612004}"/>
+                </a:ext>
+              </a:extLst>
+            </p:cNvPr>
+            <p:cNvCxnSpPr>
+              <a:cxnSpLocks/>
+              <a:stCxn id="36" idx="2"/>
+              <a:endCxn id="31" idx="0"/>
+            </p:cNvCxnSpPr>
+            <p:nvPr/>
+          </p:nvCxnSpPr>
+          <p:spPr>
+            <a:xfrm>
+              <a:off x="3095911" y="3243433"/>
+              <a:ext cx="963315" cy="1165679"/>
+            </a:xfrm>
+            <a:prstGeom prst="straightConnector1">
+              <a:avLst/>
+            </a:prstGeom>
+            <a:ln w="50800">
+              <a:tailEnd type="triangle"/>
+            </a:ln>
+          </p:spPr>
+          <p:style>
+            <a:lnRef idx="1">
+              <a:schemeClr val="accent1"/>
+            </a:lnRef>
+            <a:fillRef idx="0">
+              <a:schemeClr val="accent1"/>
+            </a:fillRef>
+            <a:effectRef idx="0">
+              <a:schemeClr val="accent1"/>
+            </a:effectRef>
+            <a:fontRef idx="minor">
+              <a:schemeClr val="tx1"/>
+            </a:fontRef>
+          </p:style>
+        </p:cxnSp>
+        <p:cxnSp>
+          <p:nvCxnSpPr>
+            <p:cNvPr id="35" name="Straight Arrow Connector 34">
+              <a:extLst>
+                <a:ext uri="{FF2B5EF4-FFF2-40B4-BE49-F238E27FC236}">
+                  <a16:creationId xmlns:a16="http://schemas.microsoft.com/office/drawing/2014/main" id="{7C42D223-CF94-9649-9160-E76AF64CC5BF}"/>
+                </a:ext>
+              </a:extLst>
+            </p:cNvPr>
+            <p:cNvCxnSpPr>
+              <a:cxnSpLocks/>
+              <a:stCxn id="36" idx="3"/>
+              <a:endCxn id="30" idx="1"/>
+            </p:cNvCxnSpPr>
+            <p:nvPr/>
+          </p:nvCxnSpPr>
+          <p:spPr>
+            <a:xfrm>
+              <a:off x="4029906" y="2946886"/>
+              <a:ext cx="1189873" cy="869132"/>
+            </a:xfrm>
+            <a:prstGeom prst="straightConnector1">
+              <a:avLst/>
+            </a:prstGeom>
+            <a:ln w="50800">
+              <a:tailEnd type="triangle"/>
+            </a:ln>
+          </p:spPr>
+          <p:style>
+            <a:lnRef idx="1">
+              <a:schemeClr val="accent1"/>
+            </a:lnRef>
+            <a:fillRef idx="0">
+              <a:schemeClr val="accent1"/>
+            </a:fillRef>
+            <a:effectRef idx="0">
+              <a:schemeClr val="accent1"/>
+            </a:effectRef>
+            <a:fontRef idx="minor">
+              <a:schemeClr val="tx1"/>
+            </a:fontRef>
+          </p:style>
+        </p:cxnSp>
+      </p:grpSp>
+      <p:sp>
+        <p:nvSpPr>
+          <p:cNvPr id="38" name="TextBox 37" descr=" 38">
+            <a:extLst>
+              <a:ext uri="{FF2B5EF4-FFF2-40B4-BE49-F238E27FC236}">
+                <a16:creationId xmlns:a16="http://schemas.microsoft.com/office/drawing/2014/main" id="{CE8AEDA9-1BDD-2F47-B9F0-40B2BC70FE96}"/>
+              </a:ext>
+            </a:extLst>
+          </p:cNvPr>
+          <p:cNvSpPr txBox="1"/>
+          <p:nvPr/>
+        </p:nvSpPr>
+        <p:spPr>
+          <a:xfrm rot="3053232">
+            <a:off x="7090347" y="3842099"/>
+            <a:ext cx="1331907" cy="461665"/>
+          </a:xfrm>
+          <a:prstGeom prst="rect">
+            <a:avLst/>
+          </a:prstGeom>
+          <a:noFill/>
+        </p:spPr>
+        <p:txBody>
+          <a:bodyPr wrap="square" rtlCol="0">
+            <a:spAutoFit/>
+          </a:bodyPr>
+          <a:lstStyle/>
+          <a:p>
+            <a:r>
+              <a:rPr lang="en-US" sz="2400" dirty="0">
+                <a:solidFill>
+                  <a:schemeClr val="accent1"/>
+                </a:solidFill>
+              </a:rPr>
+              <a:t>/Control</a:t>
+            </a:r>
+          </a:p>
+        </p:txBody>
+      </p:sp>
+      <p:cxnSp>
+        <p:nvCxnSpPr>
+          <p:cNvPr id="39" name="Straight Arrow Connector 38" descr=" 43">
+            <a:extLst>
+              <a:ext uri="{FF2B5EF4-FFF2-40B4-BE49-F238E27FC236}">
+                <a16:creationId xmlns:a16="http://schemas.microsoft.com/office/drawing/2014/main" id="{7D96E16E-19E0-4742-84D6-65869481DB99}"/>
+              </a:ext>
+            </a:extLst>
+          </p:cNvPr>
+          <p:cNvCxnSpPr>
+            <a:cxnSpLocks/>
+          </p:cNvCxnSpPr>
+          <p:nvPr/>
+        </p:nvCxnSpPr>
+        <p:spPr>
+          <a:xfrm>
+            <a:off x="5610941" y="3672539"/>
+            <a:ext cx="1574391" cy="1165714"/>
+          </a:xfrm>
+          <a:prstGeom prst="straightConnector1">
+            <a:avLst/>
+          </a:prstGeom>
+          <a:ln w="50800">
+            <a:headEnd type="none"/>
+            <a:tailEnd type="triangle"/>
+          </a:ln>
+        </p:spPr>
+        <p:style>
+          <a:lnRef idx="1">
+            <a:schemeClr val="accent1"/>
+          </a:lnRef>
+          <a:fillRef idx="0">
+            <a:schemeClr val="accent1"/>
+          </a:fillRef>
+          <a:effectRef idx="0">
+            <a:schemeClr val="accent1"/>
+          </a:effectRef>
+          <a:fontRef idx="minor">
+            <a:schemeClr val="tx1"/>
+          </a:fontRef>
+        </p:style>
+      </p:cxnSp>
+      <p:sp>
+        <p:nvSpPr>
+          <p:cNvPr id="40" name="TextBox 39" descr=" 45">
+            <a:extLst>
+              <a:ext uri="{FF2B5EF4-FFF2-40B4-BE49-F238E27FC236}">
+                <a16:creationId xmlns:a16="http://schemas.microsoft.com/office/drawing/2014/main" id="{63E9AF6A-B289-A84C-B715-E19CAB967EA2}"/>
+              </a:ext>
+            </a:extLst>
+          </p:cNvPr>
+          <p:cNvSpPr txBox="1"/>
+          <p:nvPr/>
+        </p:nvSpPr>
+        <p:spPr>
+          <a:xfrm rot="2210617">
+            <a:off x="5780128" y="3881291"/>
+            <a:ext cx="1507479" cy="461665"/>
+          </a:xfrm>
+          <a:prstGeom prst="rect">
+            <a:avLst/>
+          </a:prstGeom>
+          <a:noFill/>
+        </p:spPr>
+        <p:txBody>
+          <a:bodyPr wrap="square" rtlCol="0">
+            <a:spAutoFit/>
+          </a:bodyPr>
+          <a:lstStyle/>
+          <a:p>
+            <a:r>
+              <a:rPr lang="en-US" sz="2400" dirty="0">
+                <a:solidFill>
+                  <a:schemeClr val="accent1"/>
+                </a:solidFill>
+              </a:rPr>
+              <a:t>/Weekend</a:t>
+            </a:r>
+          </a:p>
+        </p:txBody>
+      </p:sp>
+      <p:cxnSp>
+        <p:nvCxnSpPr>
+          <p:cNvPr id="41" name="Straight Arrow Connector 40" descr=" 46">
+            <a:extLst>
+              <a:ext uri="{FF2B5EF4-FFF2-40B4-BE49-F238E27FC236}">
+                <a16:creationId xmlns:a16="http://schemas.microsoft.com/office/drawing/2014/main" id="{D648CCE2-A53C-7E4C-AF3E-EA85A58D1C6A}"/>
+              </a:ext>
+            </a:extLst>
+          </p:cNvPr>
+          <p:cNvCxnSpPr>
+            <a:cxnSpLocks/>
+          </p:cNvCxnSpPr>
+          <p:nvPr/>
+        </p:nvCxnSpPr>
+        <p:spPr>
+          <a:xfrm>
+            <a:off x="5582689" y="3895067"/>
+            <a:ext cx="1574391" cy="1165714"/>
+          </a:xfrm>
+          <a:prstGeom prst="straightConnector1">
+            <a:avLst/>
+          </a:prstGeom>
+          <a:ln w="50800">
+            <a:headEnd type="triangle"/>
+            <a:tailEnd type="none"/>
+          </a:ln>
+        </p:spPr>
+        <p:style>
+          <a:lnRef idx="1">
+            <a:schemeClr val="accent1"/>
+          </a:lnRef>
+          <a:fillRef idx="0">
+            <a:schemeClr val="accent1"/>
+          </a:fillRef>
+          <a:effectRef idx="0">
+            <a:schemeClr val="accent1"/>
+          </a:effectRef>
+          <a:fontRef idx="minor">
+            <a:schemeClr val="tx1"/>
+          </a:fontRef>
+        </p:style>
+      </p:cxnSp>
+      <p:sp>
+        <p:nvSpPr>
+          <p:cNvPr id="42" name="TextBox 41" descr=" 47">
+            <a:extLst>
+              <a:ext uri="{FF2B5EF4-FFF2-40B4-BE49-F238E27FC236}">
+                <a16:creationId xmlns:a16="http://schemas.microsoft.com/office/drawing/2014/main" id="{81E2B179-CB3F-7F46-BB11-A23D42F62946}"/>
+              </a:ext>
+            </a:extLst>
+          </p:cNvPr>
+          <p:cNvSpPr txBox="1"/>
+          <p:nvPr/>
+        </p:nvSpPr>
+        <p:spPr>
+          <a:xfrm rot="2210617">
+            <a:off x="5748907" y="4396265"/>
+            <a:ext cx="1012560" cy="461665"/>
+          </a:xfrm>
+          <a:prstGeom prst="rect">
+            <a:avLst/>
+          </a:prstGeom>
+          <a:noFill/>
+        </p:spPr>
+        <p:txBody>
+          <a:bodyPr wrap="square" rtlCol="0">
+            <a:spAutoFit/>
+          </a:bodyPr>
+          <a:lstStyle/>
+          <a:p>
+            <a:r>
+              <a:rPr lang="en-US" sz="2400" dirty="0">
+                <a:solidFill>
+                  <a:schemeClr val="accent1"/>
+                </a:solidFill>
+              </a:rPr>
+              <a:t>/Party</a:t>
+            </a:r>
+          </a:p>
+        </p:txBody>
+      </p:sp>
+    </p:spTree>
+    <p:extLst>
+      <p:ext uri="{BB962C8B-B14F-4D97-AF65-F5344CB8AC3E}">
+        <p14:creationId xmlns:p14="http://schemas.microsoft.com/office/powerpoint/2010/main" val="3411038288"/>
+      </p:ext>
+    </p:extLst>
+  </p:cSld>
+  <p:clrMapOvr>
+    <a:masterClrMapping/>
+  </p:clrMapOvr>
+</p:sld>
+</file>
+
+<file path=ppt/slides/slide30.xml><?xml version="1.0" encoding="utf-8"?>
 <p:sld xmlns:a="http://schemas.openxmlformats.org/drawingml/2006/main" xmlns:r="http://schemas.openxmlformats.org/officeDocument/2006/relationships" xmlns:p="http://schemas.openxmlformats.org/presentationml/2006/main">
   <p:cSld>
     <p:spTree>
@@ -22835,1315 +21548,6 @@
 </file>
 
 <file path=ppt/slides/slide4.xml><?xml version="1.0" encoding="utf-8"?>
-<p:sld xmlns:a="http://schemas.openxmlformats.org/drawingml/2006/main" xmlns:r="http://schemas.openxmlformats.org/officeDocument/2006/relationships" xmlns:p="http://schemas.openxmlformats.org/presentationml/2006/main">
-  <p:cSld>
-    <p:spTree>
-      <p:nvGrpSpPr>
-        <p:cNvPr id="1" name=""/>
-        <p:cNvGrpSpPr/>
-        <p:nvPr/>
-      </p:nvGrpSpPr>
-      <p:grpSpPr>
-        <a:xfrm>
-          <a:off x="0" y="0"/>
-          <a:ext cx="0" cy="0"/>
-          <a:chOff x="0" y="0"/>
-          <a:chExt cx="0" cy="0"/>
-        </a:xfrm>
-      </p:grpSpPr>
-      <p:sp>
-        <p:nvSpPr>
-          <p:cNvPr id="2" name="Title 1" descr=" 2">
-            <a:extLst>
-              <a:ext uri="{FF2B5EF4-FFF2-40B4-BE49-F238E27FC236}">
-                <a16:creationId xmlns:a16="http://schemas.microsoft.com/office/drawing/2014/main" id="{60CDB095-FD61-4A4F-B76A-B2853B40D820}"/>
-              </a:ext>
-            </a:extLst>
-          </p:cNvPr>
-          <p:cNvSpPr>
-            <a:spLocks noGrp="1"/>
-          </p:cNvSpPr>
-          <p:nvPr>
-            <p:ph type="title"/>
-          </p:nvPr>
-        </p:nvSpPr>
-        <p:spPr>
-          <a:xfrm>
-            <a:off x="1597152" y="365125"/>
-            <a:ext cx="7656576" cy="1325563"/>
-          </a:xfrm>
-        </p:spPr>
-        <p:txBody>
-          <a:bodyPr>
-            <a:normAutofit/>
-          </a:bodyPr>
-          <a:lstStyle/>
-          <a:p>
-            <a:r>
-              <a:rPr lang="en-GB" dirty="0">
-                <a:ea typeface="+mj-lt"/>
-                <a:cs typeface="+mj-lt"/>
-              </a:rPr>
-              <a:t>ROS basics</a:t>
-            </a:r>
-            <a:r>
-              <a:rPr lang="en-GB" dirty="0">
-                <a:cs typeface="Calibri Light"/>
-              </a:rPr>
-              <a:t/>
-            </a:r>
-            <a:br>
-              <a:rPr lang="en-GB" dirty="0">
-                <a:cs typeface="Calibri Light"/>
-              </a:rPr>
-            </a:br>
-            <a:r>
-              <a:rPr lang="en-GB" sz="3200" dirty="0">
-                <a:cs typeface="Calibri Light"/>
-              </a:rPr>
-              <a:t>The conceptual idea behind ROS</a:t>
-            </a:r>
-            <a:endParaRPr lang="en-US" dirty="0"/>
-          </a:p>
-        </p:txBody>
-      </p:sp>
-      <p:sp>
-        <p:nvSpPr>
-          <p:cNvPr id="4" name="Rounded Rectangle 3" descr=" 4">
-            <a:extLst>
-              <a:ext uri="{FF2B5EF4-FFF2-40B4-BE49-F238E27FC236}">
-                <a16:creationId xmlns:a16="http://schemas.microsoft.com/office/drawing/2014/main" id="{75FC25EE-0C4F-AF4D-AA33-3D6BC10D091A}"/>
-              </a:ext>
-            </a:extLst>
-          </p:cNvPr>
-          <p:cNvSpPr/>
-          <p:nvPr/>
-        </p:nvSpPr>
-        <p:spPr>
-          <a:xfrm>
-            <a:off x="703386" y="2321171"/>
-            <a:ext cx="10395816" cy="3323494"/>
-          </a:xfrm>
-          <a:prstGeom prst="roundRect">
-            <a:avLst/>
-          </a:prstGeom>
-          <a:noFill/>
-          <a:ln w="50800">
-            <a:solidFill>
-              <a:srgbClr val="7030A0"/>
-            </a:solidFill>
-          </a:ln>
-        </p:spPr>
-        <p:style>
-          <a:lnRef idx="2">
-            <a:schemeClr val="accent1">
-              <a:shade val="50000"/>
-            </a:schemeClr>
-          </a:lnRef>
-          <a:fillRef idx="1">
-            <a:schemeClr val="accent1"/>
-          </a:fillRef>
-          <a:effectRef idx="0">
-            <a:schemeClr val="accent1"/>
-          </a:effectRef>
-          <a:fontRef idx="minor">
-            <a:schemeClr val="lt1"/>
-          </a:fontRef>
-        </p:style>
-        <p:txBody>
-          <a:bodyPr rtlCol="0" anchor="ctr"/>
-          <a:lstStyle/>
-          <a:p>
-            <a:pPr algn="ctr"/>
-            <a:endParaRPr lang="en-US"/>
-          </a:p>
-        </p:txBody>
-      </p:sp>
-      <p:sp>
-        <p:nvSpPr>
-          <p:cNvPr id="5" name="TextBox 4" descr=" 5">
-            <a:extLst>
-              <a:ext uri="{FF2B5EF4-FFF2-40B4-BE49-F238E27FC236}">
-                <a16:creationId xmlns:a16="http://schemas.microsoft.com/office/drawing/2014/main" id="{02282D17-0656-AF45-8A3D-504F992B2C08}"/>
-              </a:ext>
-            </a:extLst>
-          </p:cNvPr>
-          <p:cNvSpPr txBox="1"/>
-          <p:nvPr/>
-        </p:nvSpPr>
-        <p:spPr>
-          <a:xfrm>
-            <a:off x="566521" y="1859506"/>
-            <a:ext cx="1867989" cy="461665"/>
-          </a:xfrm>
-          <a:prstGeom prst="rect">
-            <a:avLst/>
-          </a:prstGeom>
-          <a:noFill/>
-        </p:spPr>
-        <p:txBody>
-          <a:bodyPr wrap="square" rtlCol="0">
-            <a:spAutoFit/>
-          </a:bodyPr>
-          <a:lstStyle/>
-          <a:p>
-            <a:r>
-              <a:rPr lang="en-US" sz="2400" dirty="0">
-                <a:solidFill>
-                  <a:srgbClr val="7030A0"/>
-                </a:solidFill>
-              </a:rPr>
-              <a:t>University</a:t>
-            </a:r>
-          </a:p>
-        </p:txBody>
-      </p:sp>
-      <p:grpSp>
-        <p:nvGrpSpPr>
-          <p:cNvPr id="12" name="Group 11" descr=" 12">
-            <a:extLst>
-              <a:ext uri="{FF2B5EF4-FFF2-40B4-BE49-F238E27FC236}">
-                <a16:creationId xmlns:a16="http://schemas.microsoft.com/office/drawing/2014/main" id="{5B1F7083-C6FF-A74D-A12E-6C1885C0EDD2}"/>
-              </a:ext>
-            </a:extLst>
-          </p:cNvPr>
-          <p:cNvGrpSpPr/>
-          <p:nvPr/>
-        </p:nvGrpSpPr>
-        <p:grpSpPr>
-          <a:xfrm>
-            <a:off x="1092798" y="2917158"/>
-            <a:ext cx="4584319" cy="2055320"/>
-            <a:chOff x="2161916" y="2650339"/>
-            <a:chExt cx="4584319" cy="2055320"/>
-          </a:xfrm>
-        </p:grpSpPr>
-        <p:sp>
-          <p:nvSpPr>
-            <p:cNvPr id="7" name="TextBox 6">
-              <a:extLst>
-                <a:ext uri="{FF2B5EF4-FFF2-40B4-BE49-F238E27FC236}">
-                  <a16:creationId xmlns:a16="http://schemas.microsoft.com/office/drawing/2014/main" id="{6BD3E07E-5791-0449-964C-C42BC3F71587}"/>
-                </a:ext>
-              </a:extLst>
-            </p:cNvPr>
-            <p:cNvSpPr txBox="1"/>
-            <p:nvPr/>
-          </p:nvSpPr>
-          <p:spPr>
-            <a:xfrm rot="1821367">
-              <a:off x="4219146" y="2908115"/>
-              <a:ext cx="932841" cy="461665"/>
-            </a:xfrm>
-            <a:prstGeom prst="rect">
-              <a:avLst/>
-            </a:prstGeom>
-            <a:noFill/>
-          </p:spPr>
-          <p:txBody>
-            <a:bodyPr wrap="square" rtlCol="0">
-              <a:spAutoFit/>
-            </a:bodyPr>
-            <a:lstStyle/>
-            <a:p>
-              <a:r>
-                <a:rPr lang="en-US" sz="2400" dirty="0">
-                  <a:solidFill>
-                    <a:schemeClr val="accent1"/>
-                  </a:solidFill>
-                </a:rPr>
-                <a:t>/ROS</a:t>
-              </a:r>
-            </a:p>
-          </p:txBody>
-        </p:sp>
-        <p:grpSp>
-          <p:nvGrpSpPr>
-            <p:cNvPr id="3" name="Group 2">
-              <a:extLst>
-                <a:ext uri="{FF2B5EF4-FFF2-40B4-BE49-F238E27FC236}">
-                  <a16:creationId xmlns:a16="http://schemas.microsoft.com/office/drawing/2014/main" id="{3ABF2E92-AD0B-6949-857D-316468EAEB53}"/>
-                </a:ext>
-              </a:extLst>
-            </p:cNvPr>
-            <p:cNvGrpSpPr/>
-            <p:nvPr/>
-          </p:nvGrpSpPr>
-          <p:grpSpPr>
-            <a:xfrm>
-              <a:off x="2161916" y="2650339"/>
-              <a:ext cx="2056276" cy="936439"/>
-              <a:chOff x="2888668" y="3186131"/>
-              <a:chExt cx="1489734" cy="878299"/>
-            </a:xfrm>
-          </p:grpSpPr>
-          <p:sp>
-            <p:nvSpPr>
-              <p:cNvPr id="8" name="Rounded Rectangle 7">
-                <a:extLst>
-                  <a:ext uri="{FF2B5EF4-FFF2-40B4-BE49-F238E27FC236}">
-                    <a16:creationId xmlns:a16="http://schemas.microsoft.com/office/drawing/2014/main" id="{3AD8F85B-DE40-384C-9491-6ADD95FAC03A}"/>
-                  </a:ext>
-                </a:extLst>
-              </p:cNvPr>
-              <p:cNvSpPr/>
-              <p:nvPr/>
-            </p:nvSpPr>
-            <p:spPr>
-              <a:xfrm>
-                <a:off x="2888668" y="3186131"/>
-                <a:ext cx="1353324" cy="556271"/>
-              </a:xfrm>
-              <a:prstGeom prst="roundRect">
-                <a:avLst/>
-              </a:prstGeom>
-              <a:noFill/>
-              <a:ln w="50800">
-                <a:solidFill>
-                  <a:schemeClr val="accent6">
-                    <a:lumMod val="75000"/>
-                  </a:schemeClr>
-                </a:solidFill>
-              </a:ln>
-            </p:spPr>
-            <p:style>
-              <a:lnRef idx="2">
-                <a:schemeClr val="accent1">
-                  <a:shade val="50000"/>
-                </a:schemeClr>
-              </a:lnRef>
-              <a:fillRef idx="1">
-                <a:schemeClr val="accent1"/>
-              </a:fillRef>
-              <a:effectRef idx="0">
-                <a:schemeClr val="accent1"/>
-              </a:effectRef>
-              <a:fontRef idx="minor">
-                <a:schemeClr val="lt1"/>
-              </a:fontRef>
-            </p:style>
-            <p:txBody>
-              <a:bodyPr rtlCol="0" anchor="ctr"/>
-              <a:lstStyle/>
-              <a:p>
-                <a:pPr algn="ctr"/>
-                <a:endParaRPr lang="en-US"/>
-              </a:p>
-            </p:txBody>
-          </p:sp>
-          <p:sp>
-            <p:nvSpPr>
-              <p:cNvPr id="9" name="TextBox 8">
-                <a:extLst>
-                  <a:ext uri="{FF2B5EF4-FFF2-40B4-BE49-F238E27FC236}">
-                    <a16:creationId xmlns:a16="http://schemas.microsoft.com/office/drawing/2014/main" id="{4CDD2FE4-19F2-7F4F-9429-2E3B6E918AF0}"/>
-                  </a:ext>
-                </a:extLst>
-              </p:cNvPr>
-              <p:cNvSpPr txBox="1"/>
-              <p:nvPr/>
-            </p:nvSpPr>
-            <p:spPr>
-              <a:xfrm>
-                <a:off x="3045187" y="3233433"/>
-                <a:ext cx="1333215" cy="830997"/>
-              </a:xfrm>
-              <a:prstGeom prst="rect">
-                <a:avLst/>
-              </a:prstGeom>
-              <a:noFill/>
-            </p:spPr>
-            <p:txBody>
-              <a:bodyPr wrap="square" rtlCol="0">
-                <a:spAutoFit/>
-              </a:bodyPr>
-              <a:lstStyle/>
-              <a:p>
-                <a:r>
-                  <a:rPr lang="en-US" sz="2400" dirty="0">
-                    <a:solidFill>
-                      <a:schemeClr val="accent6"/>
-                    </a:solidFill>
-                  </a:rPr>
-                  <a:t>Teacher 1</a:t>
-                </a:r>
-              </a:p>
-            </p:txBody>
-          </p:sp>
-        </p:grpSp>
-        <p:sp>
-          <p:nvSpPr>
-            <p:cNvPr id="15" name="Rounded Rectangle 14">
-              <a:extLst>
-                <a:ext uri="{FF2B5EF4-FFF2-40B4-BE49-F238E27FC236}">
-                  <a16:creationId xmlns:a16="http://schemas.microsoft.com/office/drawing/2014/main" id="{BB8BE07B-D1BF-2342-864A-75502B671CB8}"/>
-                </a:ext>
-              </a:extLst>
-            </p:cNvPr>
-            <p:cNvSpPr/>
-            <p:nvPr/>
-          </p:nvSpPr>
-          <p:spPr>
-            <a:xfrm>
-              <a:off x="5094288" y="3290231"/>
-              <a:ext cx="1534709" cy="593094"/>
-            </a:xfrm>
-            <a:prstGeom prst="roundRect">
-              <a:avLst/>
-            </a:prstGeom>
-            <a:noFill/>
-            <a:ln w="50800">
-              <a:solidFill>
-                <a:schemeClr val="accent6">
-                  <a:lumMod val="75000"/>
-                </a:schemeClr>
-              </a:solidFill>
-            </a:ln>
-          </p:spPr>
-          <p:style>
-            <a:lnRef idx="2">
-              <a:schemeClr val="accent1">
-                <a:shade val="50000"/>
-              </a:schemeClr>
-            </a:lnRef>
-            <a:fillRef idx="1">
-              <a:schemeClr val="accent1"/>
-            </a:fillRef>
-            <a:effectRef idx="0">
-              <a:schemeClr val="accent1"/>
-            </a:effectRef>
-            <a:fontRef idx="minor">
-              <a:schemeClr val="lt1"/>
-            </a:fontRef>
-          </p:style>
-          <p:txBody>
-            <a:bodyPr rtlCol="0" anchor="ctr"/>
-            <a:lstStyle/>
-            <a:p>
-              <a:pPr algn="ctr"/>
-              <a:endParaRPr lang="en-US" dirty="0"/>
-            </a:p>
-          </p:txBody>
-        </p:sp>
-        <p:sp>
-          <p:nvSpPr>
-            <p:cNvPr id="16" name="Rounded Rectangle 15">
-              <a:extLst>
-                <a:ext uri="{FF2B5EF4-FFF2-40B4-BE49-F238E27FC236}">
-                  <a16:creationId xmlns:a16="http://schemas.microsoft.com/office/drawing/2014/main" id="{B7A787B3-60B1-4F4C-96B6-D58B6A2EA5C4}"/>
-                </a:ext>
-              </a:extLst>
-            </p:cNvPr>
-            <p:cNvSpPr/>
-            <p:nvPr/>
-          </p:nvSpPr>
-          <p:spPr>
-            <a:xfrm>
-              <a:off x="3124627" y="4112565"/>
-              <a:ext cx="1573437" cy="593094"/>
-            </a:xfrm>
-            <a:prstGeom prst="roundRect">
-              <a:avLst/>
-            </a:prstGeom>
-            <a:noFill/>
-            <a:ln w="50800">
-              <a:solidFill>
-                <a:schemeClr val="accent6">
-                  <a:lumMod val="75000"/>
-                </a:schemeClr>
-              </a:solidFill>
-            </a:ln>
-          </p:spPr>
-          <p:style>
-            <a:lnRef idx="2">
-              <a:schemeClr val="accent1">
-                <a:shade val="50000"/>
-              </a:schemeClr>
-            </a:lnRef>
-            <a:fillRef idx="1">
-              <a:schemeClr val="accent1"/>
-            </a:fillRef>
-            <a:effectRef idx="0">
-              <a:schemeClr val="accent1"/>
-            </a:effectRef>
-            <a:fontRef idx="minor">
-              <a:schemeClr val="lt1"/>
-            </a:fontRef>
-          </p:style>
-          <p:txBody>
-            <a:bodyPr rtlCol="0" anchor="ctr"/>
-            <a:lstStyle/>
-            <a:p>
-              <a:pPr algn="ctr"/>
-              <a:endParaRPr lang="en-US"/>
-            </a:p>
-          </p:txBody>
-        </p:sp>
-        <p:sp>
-          <p:nvSpPr>
-            <p:cNvPr id="18" name="TextBox 17">
-              <a:extLst>
-                <a:ext uri="{FF2B5EF4-FFF2-40B4-BE49-F238E27FC236}">
-                  <a16:creationId xmlns:a16="http://schemas.microsoft.com/office/drawing/2014/main" id="{1A84D435-2585-974E-ADF2-EE199E4F8D53}"/>
-                </a:ext>
-              </a:extLst>
-            </p:cNvPr>
-            <p:cNvSpPr txBox="1"/>
-            <p:nvPr/>
-          </p:nvSpPr>
-          <p:spPr>
-            <a:xfrm>
-              <a:off x="3219473" y="4195357"/>
-              <a:ext cx="1429463" cy="461665"/>
-            </a:xfrm>
-            <a:prstGeom prst="rect">
-              <a:avLst/>
-            </a:prstGeom>
-            <a:noFill/>
-          </p:spPr>
-          <p:txBody>
-            <a:bodyPr wrap="square" rtlCol="0">
-              <a:spAutoFit/>
-            </a:bodyPr>
-            <a:lstStyle/>
-            <a:p>
-              <a:r>
-                <a:rPr lang="en-US" sz="2400" dirty="0">
-                  <a:solidFill>
-                    <a:schemeClr val="accent6"/>
-                  </a:solidFill>
-                </a:rPr>
-                <a:t>Student A</a:t>
-              </a:r>
-            </a:p>
-          </p:txBody>
-        </p:sp>
-        <p:sp>
-          <p:nvSpPr>
-            <p:cNvPr id="19" name="TextBox 18">
-              <a:extLst>
-                <a:ext uri="{FF2B5EF4-FFF2-40B4-BE49-F238E27FC236}">
-                  <a16:creationId xmlns:a16="http://schemas.microsoft.com/office/drawing/2014/main" id="{E43B8824-9266-DB47-9EC1-9D32B689B335}"/>
-                </a:ext>
-              </a:extLst>
-            </p:cNvPr>
-            <p:cNvSpPr txBox="1"/>
-            <p:nvPr/>
-          </p:nvSpPr>
-          <p:spPr>
-            <a:xfrm>
-              <a:off x="5211526" y="3339922"/>
-              <a:ext cx="1534709" cy="461665"/>
-            </a:xfrm>
-            <a:prstGeom prst="rect">
-              <a:avLst/>
-            </a:prstGeom>
-            <a:noFill/>
-          </p:spPr>
-          <p:txBody>
-            <a:bodyPr wrap="square" rtlCol="0">
-              <a:spAutoFit/>
-            </a:bodyPr>
-            <a:lstStyle/>
-            <a:p>
-              <a:r>
-                <a:rPr lang="en-US" sz="2400" dirty="0">
-                  <a:solidFill>
-                    <a:schemeClr val="accent6"/>
-                  </a:solidFill>
-                </a:rPr>
-                <a:t>Student B</a:t>
-              </a:r>
-            </a:p>
-          </p:txBody>
-        </p:sp>
-        <p:cxnSp>
-          <p:nvCxnSpPr>
-            <p:cNvPr id="21" name="Straight Arrow Connector 20">
-              <a:extLst>
-                <a:ext uri="{FF2B5EF4-FFF2-40B4-BE49-F238E27FC236}">
-                  <a16:creationId xmlns:a16="http://schemas.microsoft.com/office/drawing/2014/main" id="{9D909277-53FC-7240-BAD7-D7B139AD3746}"/>
-                </a:ext>
-              </a:extLst>
-            </p:cNvPr>
-            <p:cNvCxnSpPr>
-              <a:cxnSpLocks/>
-              <a:stCxn id="8" idx="2"/>
-              <a:endCxn id="16" idx="0"/>
-            </p:cNvCxnSpPr>
-            <p:nvPr/>
-          </p:nvCxnSpPr>
-          <p:spPr>
-            <a:xfrm>
-              <a:off x="3095911" y="3243433"/>
-              <a:ext cx="815435" cy="869132"/>
-            </a:xfrm>
-            <a:prstGeom prst="straightConnector1">
-              <a:avLst/>
-            </a:prstGeom>
-            <a:ln w="50800">
-              <a:tailEnd type="triangle"/>
-            </a:ln>
-          </p:spPr>
-          <p:style>
-            <a:lnRef idx="1">
-              <a:schemeClr val="accent1"/>
-            </a:lnRef>
-            <a:fillRef idx="0">
-              <a:schemeClr val="accent1"/>
-            </a:fillRef>
-            <a:effectRef idx="0">
-              <a:schemeClr val="accent1"/>
-            </a:effectRef>
-            <a:fontRef idx="minor">
-              <a:schemeClr val="tx1"/>
-            </a:fontRef>
-          </p:style>
-        </p:cxnSp>
-        <p:cxnSp>
-          <p:nvCxnSpPr>
-            <p:cNvPr id="23" name="Straight Arrow Connector 22">
-              <a:extLst>
-                <a:ext uri="{FF2B5EF4-FFF2-40B4-BE49-F238E27FC236}">
-                  <a16:creationId xmlns:a16="http://schemas.microsoft.com/office/drawing/2014/main" id="{FE4E5EA7-F886-7C40-88FB-9EEDE0ACF55B}"/>
-                </a:ext>
-              </a:extLst>
-            </p:cNvPr>
-            <p:cNvCxnSpPr>
-              <a:cxnSpLocks/>
-              <a:stCxn id="8" idx="3"/>
-              <a:endCxn id="15" idx="1"/>
-            </p:cNvCxnSpPr>
-            <p:nvPr/>
-          </p:nvCxnSpPr>
-          <p:spPr>
-            <a:xfrm>
-              <a:off x="4029906" y="2946886"/>
-              <a:ext cx="1064382" cy="639892"/>
-            </a:xfrm>
-            <a:prstGeom prst="straightConnector1">
-              <a:avLst/>
-            </a:prstGeom>
-            <a:ln w="50800">
-              <a:tailEnd type="triangle"/>
-            </a:ln>
-          </p:spPr>
-          <p:style>
-            <a:lnRef idx="1">
-              <a:schemeClr val="accent1"/>
-            </a:lnRef>
-            <a:fillRef idx="0">
-              <a:schemeClr val="accent1"/>
-            </a:fillRef>
-            <a:effectRef idx="0">
-              <a:schemeClr val="accent1"/>
-            </a:effectRef>
-            <a:fontRef idx="minor">
-              <a:schemeClr val="tx1"/>
-            </a:fontRef>
-          </p:style>
-        </p:cxnSp>
-      </p:grpSp>
-      <p:sp>
-        <p:nvSpPr>
-          <p:cNvPr id="22" name="TextBox 21" descr=" 22">
-            <a:extLst>
-              <a:ext uri="{FF2B5EF4-FFF2-40B4-BE49-F238E27FC236}">
-                <a16:creationId xmlns:a16="http://schemas.microsoft.com/office/drawing/2014/main" id="{47647D09-0CC8-F140-A603-6BFD92E3D3F5}"/>
-              </a:ext>
-            </a:extLst>
-          </p:cNvPr>
-          <p:cNvSpPr txBox="1"/>
-          <p:nvPr/>
-        </p:nvSpPr>
-        <p:spPr>
-          <a:xfrm rot="2788859">
-            <a:off x="2208742" y="3685697"/>
-            <a:ext cx="927271" cy="461665"/>
-          </a:xfrm>
-          <a:prstGeom prst="rect">
-            <a:avLst/>
-          </a:prstGeom>
-          <a:noFill/>
-        </p:spPr>
-        <p:txBody>
-          <a:bodyPr wrap="square" rtlCol="0">
-            <a:spAutoFit/>
-          </a:bodyPr>
-          <a:lstStyle/>
-          <a:p>
-            <a:r>
-              <a:rPr lang="en-US" sz="2400" dirty="0">
-                <a:solidFill>
-                  <a:schemeClr val="accent1"/>
-                </a:solidFill>
-              </a:rPr>
-              <a:t>/ROS</a:t>
-            </a:r>
-          </a:p>
-        </p:txBody>
-      </p:sp>
-      <p:grpSp>
-        <p:nvGrpSpPr>
-          <p:cNvPr id="27" name="Group 26" descr=" 27">
-            <a:extLst>
-              <a:ext uri="{FF2B5EF4-FFF2-40B4-BE49-F238E27FC236}">
-                <a16:creationId xmlns:a16="http://schemas.microsoft.com/office/drawing/2014/main" id="{E925F692-01A6-0244-9622-8AA196A54AE3}"/>
-              </a:ext>
-            </a:extLst>
-          </p:cNvPr>
-          <p:cNvGrpSpPr/>
-          <p:nvPr/>
-        </p:nvGrpSpPr>
-        <p:grpSpPr>
-          <a:xfrm>
-            <a:off x="6123869" y="2917158"/>
-            <a:ext cx="4664568" cy="2351867"/>
-            <a:chOff x="2161916" y="2650339"/>
-            <a:chExt cx="4664568" cy="2351867"/>
-          </a:xfrm>
-        </p:grpSpPr>
-        <p:sp>
-          <p:nvSpPr>
-            <p:cNvPr id="28" name="TextBox 27">
-              <a:extLst>
-                <a:ext uri="{FF2B5EF4-FFF2-40B4-BE49-F238E27FC236}">
-                  <a16:creationId xmlns:a16="http://schemas.microsoft.com/office/drawing/2014/main" id="{B8CACF7E-C07D-FC40-832A-6ECD88653813}"/>
-                </a:ext>
-              </a:extLst>
-            </p:cNvPr>
-            <p:cNvSpPr txBox="1"/>
-            <p:nvPr/>
-          </p:nvSpPr>
-          <p:spPr>
-            <a:xfrm rot="2193342">
-              <a:off x="4084280" y="3038765"/>
-              <a:ext cx="1309705" cy="461665"/>
-            </a:xfrm>
-            <a:prstGeom prst="rect">
-              <a:avLst/>
-            </a:prstGeom>
-            <a:noFill/>
-          </p:spPr>
-          <p:txBody>
-            <a:bodyPr wrap="square" rtlCol="0">
-              <a:spAutoFit/>
-            </a:bodyPr>
-            <a:lstStyle/>
-            <a:p>
-              <a:r>
-                <a:rPr lang="en-US" sz="2400" dirty="0">
-                  <a:solidFill>
-                    <a:schemeClr val="accent1"/>
-                  </a:solidFill>
-                </a:rPr>
-                <a:t>/Control</a:t>
-              </a:r>
-            </a:p>
-          </p:txBody>
-        </p:sp>
-        <p:grpSp>
-          <p:nvGrpSpPr>
-            <p:cNvPr id="29" name="Group 28">
-              <a:extLst>
-                <a:ext uri="{FF2B5EF4-FFF2-40B4-BE49-F238E27FC236}">
-                  <a16:creationId xmlns:a16="http://schemas.microsoft.com/office/drawing/2014/main" id="{00F1E0CA-5A0F-6346-9832-11D74DF901C1}"/>
-                </a:ext>
-              </a:extLst>
-            </p:cNvPr>
-            <p:cNvGrpSpPr/>
-            <p:nvPr/>
-          </p:nvGrpSpPr>
-          <p:grpSpPr>
-            <a:xfrm>
-              <a:off x="2161916" y="2650339"/>
-              <a:ext cx="2056276" cy="593094"/>
-              <a:chOff x="2888668" y="3186131"/>
-              <a:chExt cx="1489734" cy="556271"/>
-            </a:xfrm>
-          </p:grpSpPr>
-          <p:sp>
-            <p:nvSpPr>
-              <p:cNvPr id="36" name="Rounded Rectangle 35">
-                <a:extLst>
-                  <a:ext uri="{FF2B5EF4-FFF2-40B4-BE49-F238E27FC236}">
-                    <a16:creationId xmlns:a16="http://schemas.microsoft.com/office/drawing/2014/main" id="{7023C32C-E858-9846-AD2B-C8B1967CA8D8}"/>
-                  </a:ext>
-                </a:extLst>
-              </p:cNvPr>
-              <p:cNvSpPr/>
-              <p:nvPr/>
-            </p:nvSpPr>
-            <p:spPr>
-              <a:xfrm>
-                <a:off x="2888668" y="3186131"/>
-                <a:ext cx="1353324" cy="556271"/>
-              </a:xfrm>
-              <a:prstGeom prst="roundRect">
-                <a:avLst/>
-              </a:prstGeom>
-              <a:noFill/>
-              <a:ln w="50800">
-                <a:solidFill>
-                  <a:schemeClr val="accent6">
-                    <a:lumMod val="75000"/>
-                  </a:schemeClr>
-                </a:solidFill>
-              </a:ln>
-            </p:spPr>
-            <p:style>
-              <a:lnRef idx="2">
-                <a:schemeClr val="accent1">
-                  <a:shade val="50000"/>
-                </a:schemeClr>
-              </a:lnRef>
-              <a:fillRef idx="1">
-                <a:schemeClr val="accent1"/>
-              </a:fillRef>
-              <a:effectRef idx="0">
-                <a:schemeClr val="accent1"/>
-              </a:effectRef>
-              <a:fontRef idx="minor">
-                <a:schemeClr val="lt1"/>
-              </a:fontRef>
-            </p:style>
-            <p:txBody>
-              <a:bodyPr rtlCol="0" anchor="ctr"/>
-              <a:lstStyle/>
-              <a:p>
-                <a:pPr algn="ctr"/>
-                <a:endParaRPr lang="en-US"/>
-              </a:p>
-            </p:txBody>
-          </p:sp>
-          <p:sp>
-            <p:nvSpPr>
-              <p:cNvPr id="37" name="TextBox 36">
-                <a:extLst>
-                  <a:ext uri="{FF2B5EF4-FFF2-40B4-BE49-F238E27FC236}">
-                    <a16:creationId xmlns:a16="http://schemas.microsoft.com/office/drawing/2014/main" id="{6370AA26-91D6-8140-A92F-AC31F9D93FB4}"/>
-                  </a:ext>
-                </a:extLst>
-              </p:cNvPr>
-              <p:cNvSpPr txBox="1"/>
-              <p:nvPr/>
-            </p:nvSpPr>
-            <p:spPr>
-              <a:xfrm>
-                <a:off x="3045187" y="3233433"/>
-                <a:ext cx="1333215" cy="433002"/>
-              </a:xfrm>
-              <a:prstGeom prst="rect">
-                <a:avLst/>
-              </a:prstGeom>
-              <a:noFill/>
-            </p:spPr>
-            <p:txBody>
-              <a:bodyPr wrap="square" rtlCol="0">
-                <a:spAutoFit/>
-              </a:bodyPr>
-              <a:lstStyle/>
-              <a:p>
-                <a:r>
-                  <a:rPr lang="en-US" sz="2400" dirty="0">
-                    <a:solidFill>
-                      <a:schemeClr val="accent6"/>
-                    </a:solidFill>
-                  </a:rPr>
-                  <a:t>Teacher 2</a:t>
-                </a:r>
-              </a:p>
-            </p:txBody>
-          </p:sp>
-        </p:grpSp>
-        <p:sp>
-          <p:nvSpPr>
-            <p:cNvPr id="30" name="Rounded Rectangle 29">
-              <a:extLst>
-                <a:ext uri="{FF2B5EF4-FFF2-40B4-BE49-F238E27FC236}">
-                  <a16:creationId xmlns:a16="http://schemas.microsoft.com/office/drawing/2014/main" id="{AFA179D7-AF01-EC4C-9103-C8EBF96B7149}"/>
-                </a:ext>
-              </a:extLst>
-            </p:cNvPr>
-            <p:cNvSpPr/>
-            <p:nvPr/>
-          </p:nvSpPr>
-          <p:spPr>
-            <a:xfrm>
-              <a:off x="5219779" y="3519471"/>
-              <a:ext cx="1534709" cy="593094"/>
-            </a:xfrm>
-            <a:prstGeom prst="roundRect">
-              <a:avLst/>
-            </a:prstGeom>
-            <a:noFill/>
-            <a:ln w="50800">
-              <a:solidFill>
-                <a:schemeClr val="accent6">
-                  <a:lumMod val="75000"/>
-                </a:schemeClr>
-              </a:solidFill>
-            </a:ln>
-          </p:spPr>
-          <p:style>
-            <a:lnRef idx="2">
-              <a:schemeClr val="accent1">
-                <a:shade val="50000"/>
-              </a:schemeClr>
-            </a:lnRef>
-            <a:fillRef idx="1">
-              <a:schemeClr val="accent1"/>
-            </a:fillRef>
-            <a:effectRef idx="0">
-              <a:schemeClr val="accent1"/>
-            </a:effectRef>
-            <a:fontRef idx="minor">
-              <a:schemeClr val="lt1"/>
-            </a:fontRef>
-          </p:style>
-          <p:txBody>
-            <a:bodyPr rtlCol="0" anchor="ctr"/>
-            <a:lstStyle/>
-            <a:p>
-              <a:pPr algn="ctr"/>
-              <a:endParaRPr lang="en-US" dirty="0"/>
-            </a:p>
-          </p:txBody>
-        </p:sp>
-        <p:sp>
-          <p:nvSpPr>
-            <p:cNvPr id="31" name="Rounded Rectangle 30">
-              <a:extLst>
-                <a:ext uri="{FF2B5EF4-FFF2-40B4-BE49-F238E27FC236}">
-                  <a16:creationId xmlns:a16="http://schemas.microsoft.com/office/drawing/2014/main" id="{9C358FEF-7DDF-0445-BFF0-C35D03F84CF7}"/>
-                </a:ext>
-              </a:extLst>
-            </p:cNvPr>
-            <p:cNvSpPr/>
-            <p:nvPr/>
-          </p:nvSpPr>
-          <p:spPr>
-            <a:xfrm>
-              <a:off x="3272507" y="4409112"/>
-              <a:ext cx="1573437" cy="593094"/>
-            </a:xfrm>
-            <a:prstGeom prst="roundRect">
-              <a:avLst/>
-            </a:prstGeom>
-            <a:noFill/>
-            <a:ln w="50800">
-              <a:solidFill>
-                <a:schemeClr val="accent6">
-                  <a:lumMod val="75000"/>
-                </a:schemeClr>
-              </a:solidFill>
-            </a:ln>
-          </p:spPr>
-          <p:style>
-            <a:lnRef idx="2">
-              <a:schemeClr val="accent1">
-                <a:shade val="50000"/>
-              </a:schemeClr>
-            </a:lnRef>
-            <a:fillRef idx="1">
-              <a:schemeClr val="accent1"/>
-            </a:fillRef>
-            <a:effectRef idx="0">
-              <a:schemeClr val="accent1"/>
-            </a:effectRef>
-            <a:fontRef idx="minor">
-              <a:schemeClr val="lt1"/>
-            </a:fontRef>
-          </p:style>
-          <p:txBody>
-            <a:bodyPr rtlCol="0" anchor="ctr"/>
-            <a:lstStyle/>
-            <a:p>
-              <a:pPr algn="ctr"/>
-              <a:endParaRPr lang="en-US"/>
-            </a:p>
-          </p:txBody>
-        </p:sp>
-        <p:sp>
-          <p:nvSpPr>
-            <p:cNvPr id="32" name="TextBox 31">
-              <a:extLst>
-                <a:ext uri="{FF2B5EF4-FFF2-40B4-BE49-F238E27FC236}">
-                  <a16:creationId xmlns:a16="http://schemas.microsoft.com/office/drawing/2014/main" id="{F2267488-82EB-7C4F-9634-67CF86C816B9}"/>
-                </a:ext>
-              </a:extLst>
-            </p:cNvPr>
-            <p:cNvSpPr txBox="1"/>
-            <p:nvPr/>
-          </p:nvSpPr>
-          <p:spPr>
-            <a:xfrm>
-              <a:off x="3354547" y="4474826"/>
-              <a:ext cx="1429463" cy="461665"/>
-            </a:xfrm>
-            <a:prstGeom prst="rect">
-              <a:avLst/>
-            </a:prstGeom>
-            <a:noFill/>
-          </p:spPr>
-          <p:txBody>
-            <a:bodyPr wrap="square" rtlCol="0">
-              <a:spAutoFit/>
-            </a:bodyPr>
-            <a:lstStyle/>
-            <a:p>
-              <a:r>
-                <a:rPr lang="en-US" sz="2400" dirty="0">
-                  <a:solidFill>
-                    <a:schemeClr val="accent6"/>
-                  </a:solidFill>
-                </a:rPr>
-                <a:t>Student D</a:t>
-              </a:r>
-            </a:p>
-          </p:txBody>
-        </p:sp>
-        <p:sp>
-          <p:nvSpPr>
-            <p:cNvPr id="33" name="TextBox 32">
-              <a:extLst>
-                <a:ext uri="{FF2B5EF4-FFF2-40B4-BE49-F238E27FC236}">
-                  <a16:creationId xmlns:a16="http://schemas.microsoft.com/office/drawing/2014/main" id="{C260AD28-4E66-3B4C-8C69-5FF6EEAB710B}"/>
-                </a:ext>
-              </a:extLst>
-            </p:cNvPr>
-            <p:cNvSpPr txBox="1"/>
-            <p:nvPr/>
-          </p:nvSpPr>
-          <p:spPr>
-            <a:xfrm>
-              <a:off x="5291775" y="3575643"/>
-              <a:ext cx="1534709" cy="461665"/>
-            </a:xfrm>
-            <a:prstGeom prst="rect">
-              <a:avLst/>
-            </a:prstGeom>
-            <a:noFill/>
-          </p:spPr>
-          <p:txBody>
-            <a:bodyPr wrap="square" rtlCol="0">
-              <a:spAutoFit/>
-            </a:bodyPr>
-            <a:lstStyle/>
-            <a:p>
-              <a:r>
-                <a:rPr lang="en-US" sz="2400" dirty="0">
-                  <a:solidFill>
-                    <a:schemeClr val="accent6"/>
-                  </a:solidFill>
-                </a:rPr>
-                <a:t>Student C</a:t>
-              </a:r>
-            </a:p>
-          </p:txBody>
-        </p:sp>
-        <p:cxnSp>
-          <p:nvCxnSpPr>
-            <p:cNvPr id="34" name="Straight Arrow Connector 33">
-              <a:extLst>
-                <a:ext uri="{FF2B5EF4-FFF2-40B4-BE49-F238E27FC236}">
-                  <a16:creationId xmlns:a16="http://schemas.microsoft.com/office/drawing/2014/main" id="{5419884D-A44E-9A4F-89E1-E4A813612004}"/>
-                </a:ext>
-              </a:extLst>
-            </p:cNvPr>
-            <p:cNvCxnSpPr>
-              <a:cxnSpLocks/>
-              <a:stCxn id="36" idx="2"/>
-              <a:endCxn id="31" idx="0"/>
-            </p:cNvCxnSpPr>
-            <p:nvPr/>
-          </p:nvCxnSpPr>
-          <p:spPr>
-            <a:xfrm>
-              <a:off x="3095911" y="3243433"/>
-              <a:ext cx="963315" cy="1165679"/>
-            </a:xfrm>
-            <a:prstGeom prst="straightConnector1">
-              <a:avLst/>
-            </a:prstGeom>
-            <a:ln w="50800">
-              <a:tailEnd type="triangle"/>
-            </a:ln>
-          </p:spPr>
-          <p:style>
-            <a:lnRef idx="1">
-              <a:schemeClr val="accent1"/>
-            </a:lnRef>
-            <a:fillRef idx="0">
-              <a:schemeClr val="accent1"/>
-            </a:fillRef>
-            <a:effectRef idx="0">
-              <a:schemeClr val="accent1"/>
-            </a:effectRef>
-            <a:fontRef idx="minor">
-              <a:schemeClr val="tx1"/>
-            </a:fontRef>
-          </p:style>
-        </p:cxnSp>
-        <p:cxnSp>
-          <p:nvCxnSpPr>
-            <p:cNvPr id="35" name="Straight Arrow Connector 34">
-              <a:extLst>
-                <a:ext uri="{FF2B5EF4-FFF2-40B4-BE49-F238E27FC236}">
-                  <a16:creationId xmlns:a16="http://schemas.microsoft.com/office/drawing/2014/main" id="{7C42D223-CF94-9649-9160-E76AF64CC5BF}"/>
-                </a:ext>
-              </a:extLst>
-            </p:cNvPr>
-            <p:cNvCxnSpPr>
-              <a:cxnSpLocks/>
-              <a:stCxn id="36" idx="3"/>
-              <a:endCxn id="30" idx="1"/>
-            </p:cNvCxnSpPr>
-            <p:nvPr/>
-          </p:nvCxnSpPr>
-          <p:spPr>
-            <a:xfrm>
-              <a:off x="4029906" y="2946886"/>
-              <a:ext cx="1189873" cy="869132"/>
-            </a:xfrm>
-            <a:prstGeom prst="straightConnector1">
-              <a:avLst/>
-            </a:prstGeom>
-            <a:ln w="50800">
-              <a:tailEnd type="triangle"/>
-            </a:ln>
-          </p:spPr>
-          <p:style>
-            <a:lnRef idx="1">
-              <a:schemeClr val="accent1"/>
-            </a:lnRef>
-            <a:fillRef idx="0">
-              <a:schemeClr val="accent1"/>
-            </a:fillRef>
-            <a:effectRef idx="0">
-              <a:schemeClr val="accent1"/>
-            </a:effectRef>
-            <a:fontRef idx="minor">
-              <a:schemeClr val="tx1"/>
-            </a:fontRef>
-          </p:style>
-        </p:cxnSp>
-      </p:grpSp>
-      <p:sp>
-        <p:nvSpPr>
-          <p:cNvPr id="38" name="TextBox 37" descr=" 38">
-            <a:extLst>
-              <a:ext uri="{FF2B5EF4-FFF2-40B4-BE49-F238E27FC236}">
-                <a16:creationId xmlns:a16="http://schemas.microsoft.com/office/drawing/2014/main" id="{CE8AEDA9-1BDD-2F47-B9F0-40B2BC70FE96}"/>
-              </a:ext>
-            </a:extLst>
-          </p:cNvPr>
-          <p:cNvSpPr txBox="1"/>
-          <p:nvPr/>
-        </p:nvSpPr>
-        <p:spPr>
-          <a:xfrm rot="3053232">
-            <a:off x="7090347" y="3842099"/>
-            <a:ext cx="1331907" cy="461665"/>
-          </a:xfrm>
-          <a:prstGeom prst="rect">
-            <a:avLst/>
-          </a:prstGeom>
-          <a:noFill/>
-        </p:spPr>
-        <p:txBody>
-          <a:bodyPr wrap="square" rtlCol="0">
-            <a:spAutoFit/>
-          </a:bodyPr>
-          <a:lstStyle/>
-          <a:p>
-            <a:r>
-              <a:rPr lang="en-US" sz="2400" dirty="0">
-                <a:solidFill>
-                  <a:schemeClr val="accent1"/>
-                </a:solidFill>
-              </a:rPr>
-              <a:t>/Control</a:t>
-            </a:r>
-          </a:p>
-        </p:txBody>
-      </p:sp>
-      <p:cxnSp>
-        <p:nvCxnSpPr>
-          <p:cNvPr id="39" name="Straight Arrow Connector 38" descr=" 43">
-            <a:extLst>
-              <a:ext uri="{FF2B5EF4-FFF2-40B4-BE49-F238E27FC236}">
-                <a16:creationId xmlns:a16="http://schemas.microsoft.com/office/drawing/2014/main" id="{7D96E16E-19E0-4742-84D6-65869481DB99}"/>
-              </a:ext>
-            </a:extLst>
-          </p:cNvPr>
-          <p:cNvCxnSpPr>
-            <a:cxnSpLocks/>
-          </p:cNvCxnSpPr>
-          <p:nvPr/>
-        </p:nvCxnSpPr>
-        <p:spPr>
-          <a:xfrm>
-            <a:off x="5610941" y="3672539"/>
-            <a:ext cx="1574391" cy="1165714"/>
-          </a:xfrm>
-          <a:prstGeom prst="straightConnector1">
-            <a:avLst/>
-          </a:prstGeom>
-          <a:ln w="50800">
-            <a:headEnd type="none"/>
-            <a:tailEnd type="triangle"/>
-          </a:ln>
-        </p:spPr>
-        <p:style>
-          <a:lnRef idx="1">
-            <a:schemeClr val="accent1"/>
-          </a:lnRef>
-          <a:fillRef idx="0">
-            <a:schemeClr val="accent1"/>
-          </a:fillRef>
-          <a:effectRef idx="0">
-            <a:schemeClr val="accent1"/>
-          </a:effectRef>
-          <a:fontRef idx="minor">
-            <a:schemeClr val="tx1"/>
-          </a:fontRef>
-        </p:style>
-      </p:cxnSp>
-      <p:sp>
-        <p:nvSpPr>
-          <p:cNvPr id="40" name="TextBox 39" descr=" 45">
-            <a:extLst>
-              <a:ext uri="{FF2B5EF4-FFF2-40B4-BE49-F238E27FC236}">
-                <a16:creationId xmlns:a16="http://schemas.microsoft.com/office/drawing/2014/main" id="{63E9AF6A-B289-A84C-B715-E19CAB967EA2}"/>
-              </a:ext>
-            </a:extLst>
-          </p:cNvPr>
-          <p:cNvSpPr txBox="1"/>
-          <p:nvPr/>
-        </p:nvSpPr>
-        <p:spPr>
-          <a:xfrm rot="2210617">
-            <a:off x="5780128" y="3881291"/>
-            <a:ext cx="1507479" cy="461665"/>
-          </a:xfrm>
-          <a:prstGeom prst="rect">
-            <a:avLst/>
-          </a:prstGeom>
-          <a:noFill/>
-        </p:spPr>
-        <p:txBody>
-          <a:bodyPr wrap="square" rtlCol="0">
-            <a:spAutoFit/>
-          </a:bodyPr>
-          <a:lstStyle/>
-          <a:p>
-            <a:r>
-              <a:rPr lang="en-US" sz="2400" dirty="0">
-                <a:solidFill>
-                  <a:schemeClr val="accent1"/>
-                </a:solidFill>
-              </a:rPr>
-              <a:t>/Weekend</a:t>
-            </a:r>
-          </a:p>
-        </p:txBody>
-      </p:sp>
-      <p:cxnSp>
-        <p:nvCxnSpPr>
-          <p:cNvPr id="41" name="Straight Arrow Connector 40" descr=" 46">
-            <a:extLst>
-              <a:ext uri="{FF2B5EF4-FFF2-40B4-BE49-F238E27FC236}">
-                <a16:creationId xmlns:a16="http://schemas.microsoft.com/office/drawing/2014/main" id="{D648CCE2-A53C-7E4C-AF3E-EA85A58D1C6A}"/>
-              </a:ext>
-            </a:extLst>
-          </p:cNvPr>
-          <p:cNvCxnSpPr>
-            <a:cxnSpLocks/>
-          </p:cNvCxnSpPr>
-          <p:nvPr/>
-        </p:nvCxnSpPr>
-        <p:spPr>
-          <a:xfrm>
-            <a:off x="5582689" y="3895067"/>
-            <a:ext cx="1574391" cy="1165714"/>
-          </a:xfrm>
-          <a:prstGeom prst="straightConnector1">
-            <a:avLst/>
-          </a:prstGeom>
-          <a:ln w="50800">
-            <a:headEnd type="triangle"/>
-            <a:tailEnd type="none"/>
-          </a:ln>
-        </p:spPr>
-        <p:style>
-          <a:lnRef idx="1">
-            <a:schemeClr val="accent1"/>
-          </a:lnRef>
-          <a:fillRef idx="0">
-            <a:schemeClr val="accent1"/>
-          </a:fillRef>
-          <a:effectRef idx="0">
-            <a:schemeClr val="accent1"/>
-          </a:effectRef>
-          <a:fontRef idx="minor">
-            <a:schemeClr val="tx1"/>
-          </a:fontRef>
-        </p:style>
-      </p:cxnSp>
-      <p:sp>
-        <p:nvSpPr>
-          <p:cNvPr id="42" name="TextBox 41" descr=" 47">
-            <a:extLst>
-              <a:ext uri="{FF2B5EF4-FFF2-40B4-BE49-F238E27FC236}">
-                <a16:creationId xmlns:a16="http://schemas.microsoft.com/office/drawing/2014/main" id="{81E2B179-CB3F-7F46-BB11-A23D42F62946}"/>
-              </a:ext>
-            </a:extLst>
-          </p:cNvPr>
-          <p:cNvSpPr txBox="1"/>
-          <p:nvPr/>
-        </p:nvSpPr>
-        <p:spPr>
-          <a:xfrm rot="2210617">
-            <a:off x="5748907" y="4396265"/>
-            <a:ext cx="1012560" cy="461665"/>
-          </a:xfrm>
-          <a:prstGeom prst="rect">
-            <a:avLst/>
-          </a:prstGeom>
-          <a:noFill/>
-        </p:spPr>
-        <p:txBody>
-          <a:bodyPr wrap="square" rtlCol="0">
-            <a:spAutoFit/>
-          </a:bodyPr>
-          <a:lstStyle/>
-          <a:p>
-            <a:r>
-              <a:rPr lang="en-US" sz="2400" dirty="0">
-                <a:solidFill>
-                  <a:schemeClr val="accent1"/>
-                </a:solidFill>
-              </a:rPr>
-              <a:t>/Party</a:t>
-            </a:r>
-          </a:p>
-        </p:txBody>
-      </p:sp>
-    </p:spTree>
-    <p:extLst>
-      <p:ext uri="{BB962C8B-B14F-4D97-AF65-F5344CB8AC3E}">
-        <p14:creationId xmlns:p14="http://schemas.microsoft.com/office/powerpoint/2010/main" val="3411038288"/>
-      </p:ext>
-    </p:extLst>
-  </p:cSld>
-  <p:clrMapOvr>
-    <a:masterClrMapping/>
-  </p:clrMapOvr>
-</p:sld>
-</file>
-
-<file path=ppt/slides/slide5.xml><?xml version="1.0" encoding="utf-8"?>
 <p:sld xmlns:a="http://schemas.openxmlformats.org/drawingml/2006/main" xmlns:r="http://schemas.openxmlformats.org/officeDocument/2006/relationships" xmlns:p="http://schemas.openxmlformats.org/presentationml/2006/main">
   <p:cSld>
     <p:spTree>
@@ -25255,7 +22659,7 @@
 </p:sld>
 </file>
 
-<file path=ppt/slides/slide6.xml><?xml version="1.0" encoding="utf-8"?>
+<file path=ppt/slides/slide5.xml><?xml version="1.0" encoding="utf-8"?>
 <p:sld xmlns:a="http://schemas.openxmlformats.org/drawingml/2006/main" xmlns:r="http://schemas.openxmlformats.org/officeDocument/2006/relationships" xmlns:p="http://schemas.openxmlformats.org/presentationml/2006/main">
   <p:cSld>
     <p:spTree>
@@ -25325,8 +22729,8 @@
               <a:t>ROS </a:t>
             </a:r>
             <a:r>
-              <a:rPr lang="en-US" sz="3200" dirty="0"/>
-              <a:t>versions and installation </a:t>
+              <a:rPr lang="en-US" sz="3200" dirty="0" smtClean="0"/>
+              <a:t>versions</a:t>
             </a:r>
             <a:endParaRPr lang="en-US" dirty="0"/>
           </a:p>
@@ -25400,7 +22804,7 @@
 </p:sld>
 </file>
 
-<file path=ppt/slides/slide7.xml><?xml version="1.0" encoding="utf-8"?>
+<file path=ppt/slides/slide6.xml><?xml version="1.0" encoding="utf-8"?>
 <p:sld xmlns:a="http://schemas.openxmlformats.org/drawingml/2006/main" xmlns:r="http://schemas.openxmlformats.org/officeDocument/2006/relationships" xmlns:p="http://schemas.openxmlformats.org/presentationml/2006/main">
   <p:cSld>
     <p:spTree>
@@ -26251,7 +23655,7 @@
 </p:sld>
 </file>
 
-<file path=ppt/slides/slide8.xml><?xml version="1.0" encoding="utf-8"?>
+<file path=ppt/slides/slide7.xml><?xml version="1.0" encoding="utf-8"?>
 <p:sld xmlns:a="http://schemas.openxmlformats.org/drawingml/2006/main" xmlns:r="http://schemas.openxmlformats.org/officeDocument/2006/relationships" xmlns:p="http://schemas.openxmlformats.org/presentationml/2006/main">
   <p:cSld>
     <p:spTree>
@@ -27334,7 +24738,7 @@
 </p:sld>
 </file>
 
-<file path=ppt/slides/slide9.xml><?xml version="1.0" encoding="utf-8"?>
+<file path=ppt/slides/slide8.xml><?xml version="1.0" encoding="utf-8"?>
 <p:sld xmlns:a="http://schemas.openxmlformats.org/drawingml/2006/main" xmlns:r="http://schemas.openxmlformats.org/officeDocument/2006/relationships" xmlns:p="http://schemas.openxmlformats.org/presentationml/2006/main">
   <p:cSld>
     <p:spTree>
@@ -28047,6 +25451,1887 @@
     </mc:Choice>
     <mc:Fallback xmlns="">
       <p:transition spd="slow" advTm="168"/>
+    </mc:Fallback>
+  </mc:AlternateContent>
+</p:sld>
+</file>
+
+<file path=ppt/slides/slide9.xml><?xml version="1.0" encoding="utf-8"?>
+<p:sld xmlns:a="http://schemas.openxmlformats.org/drawingml/2006/main" xmlns:r="http://schemas.openxmlformats.org/officeDocument/2006/relationships" xmlns:p="http://schemas.openxmlformats.org/presentationml/2006/main">
+  <p:cSld>
+    <p:spTree>
+      <p:nvGrpSpPr>
+        <p:cNvPr id="1" name=""/>
+        <p:cNvGrpSpPr/>
+        <p:nvPr/>
+      </p:nvGrpSpPr>
+      <p:grpSpPr>
+        <a:xfrm>
+          <a:off x="0" y="0"/>
+          <a:ext cx="0" cy="0"/>
+          <a:chOff x="0" y="0"/>
+          <a:chExt cx="0" cy="0"/>
+        </a:xfrm>
+      </p:grpSpPr>
+      <p:sp>
+        <p:nvSpPr>
+          <p:cNvPr id="2" name="Title 1">
+            <a:extLst>
+              <a:ext uri="{FF2B5EF4-FFF2-40B4-BE49-F238E27FC236}">
+                <a16:creationId xmlns:a16="http://schemas.microsoft.com/office/drawing/2014/main" id="{AF234254-0368-464F-8D9A-ED6EBA58F0FC}"/>
+              </a:ext>
+            </a:extLst>
+          </p:cNvPr>
+          <p:cNvSpPr>
+            <a:spLocks noGrp="1"/>
+          </p:cNvSpPr>
+          <p:nvPr>
+            <p:ph type="title"/>
+          </p:nvPr>
+        </p:nvSpPr>
+        <p:spPr>
+          <a:xfrm>
+            <a:off x="1597152" y="365125"/>
+            <a:ext cx="7656576" cy="1325563"/>
+          </a:xfrm>
+        </p:spPr>
+        <p:txBody>
+          <a:bodyPr/>
+          <a:lstStyle/>
+          <a:p>
+            <a:r>
+              <a:rPr lang="en-US" sz="4000" dirty="0"/>
+              <a:t>ROS Architecture </a:t>
+            </a:r>
+            <a:r>
+              <a:rPr lang="en-US" dirty="0"/>
+              <a:t/>
+            </a:r>
+            <a:br>
+              <a:rPr lang="en-US" dirty="0"/>
+            </a:br>
+            <a:r>
+              <a:rPr lang="en-US" sz="3200" dirty="0"/>
+              <a:t>Services and actions </a:t>
+            </a:r>
+            <a:endParaRPr lang="en-US" dirty="0"/>
+          </a:p>
+        </p:txBody>
+      </p:sp>
+      <p:sp>
+        <p:nvSpPr>
+          <p:cNvPr id="3" name="Content Placeholder 2">
+            <a:extLst>
+              <a:ext uri="{FF2B5EF4-FFF2-40B4-BE49-F238E27FC236}">
+                <a16:creationId xmlns:a16="http://schemas.microsoft.com/office/drawing/2014/main" id="{2E7659E1-7643-F447-B62C-C7F715E39CE6}"/>
+              </a:ext>
+            </a:extLst>
+          </p:cNvPr>
+          <p:cNvSpPr>
+            <a:spLocks noGrp="1"/>
+          </p:cNvSpPr>
+          <p:nvPr>
+            <p:ph idx="4294967295"/>
+          </p:nvPr>
+        </p:nvSpPr>
+        <p:spPr>
+          <a:xfrm>
+            <a:off x="838200" y="1863802"/>
+            <a:ext cx="10515600" cy="1502089"/>
+          </a:xfrm>
+        </p:spPr>
+        <p:txBody>
+          <a:bodyPr vert="horz" lIns="91440" tIns="45720" rIns="91440" bIns="45720" rtlCol="0" anchor="t">
+            <a:normAutofit lnSpcReduction="10000"/>
+          </a:bodyPr>
+          <a:lstStyle/>
+          <a:p>
+            <a:r>
+              <a:rPr lang="en-US" sz="2400" dirty="0"/>
+              <a:t>While topics are one way communication, services and actions allow feedback and prevent unnecessary load in the network. </a:t>
+            </a:r>
+          </a:p>
+          <a:p>
+            <a:r>
+              <a:rPr lang="en-US" sz="2400" dirty="0"/>
+              <a:t>Services follow a question-answer structure, while actions are designed to execute a task and give feedback during the process. </a:t>
+            </a:r>
+          </a:p>
+        </p:txBody>
+      </p:sp>
+      <p:sp>
+        <p:nvSpPr>
+          <p:cNvPr id="27" name="Rounded Rectangle 26">
+            <a:extLst>
+              <a:ext uri="{FF2B5EF4-FFF2-40B4-BE49-F238E27FC236}">
+                <a16:creationId xmlns:a16="http://schemas.microsoft.com/office/drawing/2014/main" id="{5EF908F8-EF46-7644-9E4D-BA411CF86F44}"/>
+              </a:ext>
+            </a:extLst>
+          </p:cNvPr>
+          <p:cNvSpPr/>
+          <p:nvPr/>
+        </p:nvSpPr>
+        <p:spPr>
+          <a:xfrm>
+            <a:off x="1706136" y="3320052"/>
+            <a:ext cx="3579541" cy="2813122"/>
+          </a:xfrm>
+          <a:prstGeom prst="roundRect">
+            <a:avLst/>
+          </a:prstGeom>
+          <a:noFill/>
+          <a:ln w="50800">
+            <a:solidFill>
+              <a:schemeClr val="accent2"/>
+            </a:solidFill>
+          </a:ln>
+        </p:spPr>
+        <p:style>
+          <a:lnRef idx="2">
+            <a:schemeClr val="accent1">
+              <a:shade val="50000"/>
+            </a:schemeClr>
+          </a:lnRef>
+          <a:fillRef idx="1">
+            <a:schemeClr val="accent1"/>
+          </a:fillRef>
+          <a:effectRef idx="0">
+            <a:schemeClr val="accent1"/>
+          </a:effectRef>
+          <a:fontRef idx="minor">
+            <a:schemeClr val="lt1"/>
+          </a:fontRef>
+        </p:style>
+        <p:txBody>
+          <a:bodyPr rtlCol="0" anchor="ctr"/>
+          <a:lstStyle/>
+          <a:p>
+            <a:pPr algn="ctr"/>
+            <a:endParaRPr lang="en-US">
+              <a:solidFill>
+                <a:schemeClr val="accent6"/>
+              </a:solidFill>
+            </a:endParaRPr>
+          </a:p>
+        </p:txBody>
+      </p:sp>
+      <p:sp>
+        <p:nvSpPr>
+          <p:cNvPr id="31" name="Content Placeholder 3">
+            <a:extLst>
+              <a:ext uri="{FF2B5EF4-FFF2-40B4-BE49-F238E27FC236}">
+                <a16:creationId xmlns:a16="http://schemas.microsoft.com/office/drawing/2014/main" id="{D18E5307-4D13-1B49-9B2F-12669DF1FBB3}"/>
+              </a:ext>
+            </a:extLst>
+          </p:cNvPr>
+          <p:cNvSpPr txBox="1">
+            <a:spLocks/>
+          </p:cNvSpPr>
+          <p:nvPr/>
+        </p:nvSpPr>
+        <p:spPr>
+          <a:xfrm>
+            <a:off x="1056411" y="3976513"/>
+            <a:ext cx="2478610" cy="1983178"/>
+          </a:xfrm>
+          <a:prstGeom prst="rect">
+            <a:avLst/>
+          </a:prstGeom>
+        </p:spPr>
+        <p:txBody>
+          <a:bodyPr vert="horz" lIns="91440" tIns="45720" rIns="91440" bIns="45720" rtlCol="0">
+            <a:normAutofit/>
+          </a:bodyPr>
+          <a:lstStyle>
+            <a:lvl1pPr marL="228600" indent="-228600" algn="l" defTabSz="914400" rtl="0" eaLnBrk="1" latinLnBrk="0" hangingPunct="1">
+              <a:lnSpc>
+                <a:spcPct val="90000"/>
+              </a:lnSpc>
+              <a:spcBef>
+                <a:spcPts val="1000"/>
+              </a:spcBef>
+              <a:buFont typeface="Arial" panose="020B0604020202020204" pitchFamily="34" charset="0"/>
+              <a:buChar char="•"/>
+              <a:defRPr sz="2800" kern="1200">
+                <a:solidFill>
+                  <a:schemeClr val="tx1"/>
+                </a:solidFill>
+                <a:latin typeface="+mn-lt"/>
+                <a:ea typeface="+mn-ea"/>
+                <a:cs typeface="+mn-cs"/>
+              </a:defRPr>
+            </a:lvl1pPr>
+            <a:lvl2pPr marL="685800" indent="-228600" algn="l" defTabSz="914400" rtl="0" eaLnBrk="1" latinLnBrk="0" hangingPunct="1">
+              <a:lnSpc>
+                <a:spcPct val="90000"/>
+              </a:lnSpc>
+              <a:spcBef>
+                <a:spcPts val="500"/>
+              </a:spcBef>
+              <a:buFont typeface="Arial" panose="020B0604020202020204" pitchFamily="34" charset="0"/>
+              <a:buChar char="•"/>
+              <a:defRPr sz="2400" kern="1200">
+                <a:solidFill>
+                  <a:schemeClr val="tx1"/>
+                </a:solidFill>
+                <a:latin typeface="+mn-lt"/>
+                <a:ea typeface="+mn-ea"/>
+                <a:cs typeface="+mn-cs"/>
+              </a:defRPr>
+            </a:lvl2pPr>
+            <a:lvl3pPr marL="1143000" indent="-228600" algn="l" defTabSz="914400" rtl="0" eaLnBrk="1" latinLnBrk="0" hangingPunct="1">
+              <a:lnSpc>
+                <a:spcPct val="90000"/>
+              </a:lnSpc>
+              <a:spcBef>
+                <a:spcPts val="500"/>
+              </a:spcBef>
+              <a:buFont typeface="Arial" panose="020B0604020202020204" pitchFamily="34" charset="0"/>
+              <a:buChar char="•"/>
+              <a:defRPr sz="2000" kern="1200">
+                <a:solidFill>
+                  <a:schemeClr val="tx1"/>
+                </a:solidFill>
+                <a:latin typeface="+mn-lt"/>
+                <a:ea typeface="+mn-ea"/>
+                <a:cs typeface="+mn-cs"/>
+              </a:defRPr>
+            </a:lvl3pPr>
+            <a:lvl4pPr marL="1600200" indent="-228600" algn="l" defTabSz="914400" rtl="0" eaLnBrk="1" latinLnBrk="0" hangingPunct="1">
+              <a:lnSpc>
+                <a:spcPct val="90000"/>
+              </a:lnSpc>
+              <a:spcBef>
+                <a:spcPts val="500"/>
+              </a:spcBef>
+              <a:buFont typeface="Arial" panose="020B0604020202020204" pitchFamily="34" charset="0"/>
+              <a:buChar char="•"/>
+              <a:defRPr sz="1800" kern="1200">
+                <a:solidFill>
+                  <a:schemeClr val="tx1"/>
+                </a:solidFill>
+                <a:latin typeface="+mn-lt"/>
+                <a:ea typeface="+mn-ea"/>
+                <a:cs typeface="+mn-cs"/>
+              </a:defRPr>
+            </a:lvl4pPr>
+            <a:lvl5pPr marL="2057400" indent="-228600" algn="l" defTabSz="914400" rtl="0" eaLnBrk="1" latinLnBrk="0" hangingPunct="1">
+              <a:lnSpc>
+                <a:spcPct val="90000"/>
+              </a:lnSpc>
+              <a:spcBef>
+                <a:spcPts val="500"/>
+              </a:spcBef>
+              <a:buFont typeface="Arial" panose="020B0604020202020204" pitchFamily="34" charset="0"/>
+              <a:buChar char="•"/>
+              <a:defRPr sz="1800" kern="1200">
+                <a:solidFill>
+                  <a:schemeClr val="tx1"/>
+                </a:solidFill>
+                <a:latin typeface="+mn-lt"/>
+                <a:ea typeface="+mn-ea"/>
+                <a:cs typeface="+mn-cs"/>
+              </a:defRPr>
+            </a:lvl5pPr>
+            <a:lvl6pPr marL="2514600" indent="-228600" algn="l" defTabSz="914400" rtl="0" eaLnBrk="1" latinLnBrk="0" hangingPunct="1">
+              <a:lnSpc>
+                <a:spcPct val="90000"/>
+              </a:lnSpc>
+              <a:spcBef>
+                <a:spcPts val="500"/>
+              </a:spcBef>
+              <a:buFont typeface="Arial" panose="020B0604020202020204" pitchFamily="34" charset="0"/>
+              <a:buChar char="•"/>
+              <a:defRPr sz="1800" kern="1200">
+                <a:solidFill>
+                  <a:schemeClr val="tx1"/>
+                </a:solidFill>
+                <a:latin typeface="+mn-lt"/>
+                <a:ea typeface="+mn-ea"/>
+                <a:cs typeface="+mn-cs"/>
+              </a:defRPr>
+            </a:lvl6pPr>
+            <a:lvl7pPr marL="2971800" indent="-228600" algn="l" defTabSz="914400" rtl="0" eaLnBrk="1" latinLnBrk="0" hangingPunct="1">
+              <a:lnSpc>
+                <a:spcPct val="90000"/>
+              </a:lnSpc>
+              <a:spcBef>
+                <a:spcPts val="500"/>
+              </a:spcBef>
+              <a:buFont typeface="Arial" panose="020B0604020202020204" pitchFamily="34" charset="0"/>
+              <a:buChar char="•"/>
+              <a:defRPr sz="1800" kern="1200">
+                <a:solidFill>
+                  <a:schemeClr val="tx1"/>
+                </a:solidFill>
+                <a:latin typeface="+mn-lt"/>
+                <a:ea typeface="+mn-ea"/>
+                <a:cs typeface="+mn-cs"/>
+              </a:defRPr>
+            </a:lvl7pPr>
+            <a:lvl8pPr marL="3429000" indent="-228600" algn="l" defTabSz="914400" rtl="0" eaLnBrk="1" latinLnBrk="0" hangingPunct="1">
+              <a:lnSpc>
+                <a:spcPct val="90000"/>
+              </a:lnSpc>
+              <a:spcBef>
+                <a:spcPts val="500"/>
+              </a:spcBef>
+              <a:buFont typeface="Arial" panose="020B0604020202020204" pitchFamily="34" charset="0"/>
+              <a:buChar char="•"/>
+              <a:defRPr sz="1800" kern="1200">
+                <a:solidFill>
+                  <a:schemeClr val="tx1"/>
+                </a:solidFill>
+                <a:latin typeface="+mn-lt"/>
+                <a:ea typeface="+mn-ea"/>
+                <a:cs typeface="+mn-cs"/>
+              </a:defRPr>
+            </a:lvl8pPr>
+            <a:lvl9pPr marL="3886200" indent="-228600" algn="l" defTabSz="914400" rtl="0" eaLnBrk="1" latinLnBrk="0" hangingPunct="1">
+              <a:lnSpc>
+                <a:spcPct val="90000"/>
+              </a:lnSpc>
+              <a:spcBef>
+                <a:spcPts val="500"/>
+              </a:spcBef>
+              <a:buFont typeface="Arial" panose="020B0604020202020204" pitchFamily="34" charset="0"/>
+              <a:buChar char="•"/>
+              <a:defRPr sz="1800" kern="1200">
+                <a:solidFill>
+                  <a:schemeClr val="tx1"/>
+                </a:solidFill>
+                <a:latin typeface="+mn-lt"/>
+                <a:ea typeface="+mn-ea"/>
+                <a:cs typeface="+mn-cs"/>
+              </a:defRPr>
+            </a:lvl9pPr>
+          </a:lstStyle>
+          <a:p>
+            <a:pPr lvl="1" algn="just"/>
+            <a:endParaRPr lang="en-GB" dirty="0"/>
+          </a:p>
+          <a:p>
+            <a:pPr marL="457200" lvl="1" indent="0" algn="just">
+              <a:buFont typeface="Arial" panose="020B0604020202020204" pitchFamily="34" charset="0"/>
+              <a:buNone/>
+            </a:pPr>
+            <a:endParaRPr lang="en-GB" dirty="0"/>
+          </a:p>
+        </p:txBody>
+      </p:sp>
+      <p:grpSp>
+        <p:nvGrpSpPr>
+          <p:cNvPr id="52" name="Group 51">
+            <a:extLst>
+              <a:ext uri="{FF2B5EF4-FFF2-40B4-BE49-F238E27FC236}">
+                <a16:creationId xmlns:a16="http://schemas.microsoft.com/office/drawing/2014/main" id="{75810BBA-4F2C-3140-811E-DEE6B7B5A606}"/>
+              </a:ext>
+            </a:extLst>
+          </p:cNvPr>
+          <p:cNvGrpSpPr/>
+          <p:nvPr/>
+        </p:nvGrpSpPr>
+        <p:grpSpPr>
+          <a:xfrm>
+            <a:off x="2001227" y="5420493"/>
+            <a:ext cx="3067587" cy="552311"/>
+            <a:chOff x="9547211" y="5613235"/>
+            <a:chExt cx="1301780" cy="655021"/>
+          </a:xfrm>
+        </p:grpSpPr>
+        <p:sp>
+          <p:nvSpPr>
+            <p:cNvPr id="54" name="TextBox 53">
+              <a:extLst>
+                <a:ext uri="{FF2B5EF4-FFF2-40B4-BE49-F238E27FC236}">
+                  <a16:creationId xmlns:a16="http://schemas.microsoft.com/office/drawing/2014/main" id="{D9C97181-E83A-AD4C-82C5-F1BD840B22AD}"/>
+                </a:ext>
+              </a:extLst>
+            </p:cNvPr>
+            <p:cNvSpPr txBox="1"/>
+            <p:nvPr/>
+          </p:nvSpPr>
+          <p:spPr>
+            <a:xfrm>
+              <a:off x="9574927" y="5714425"/>
+              <a:ext cx="1274064" cy="421619"/>
+            </a:xfrm>
+            <a:prstGeom prst="rect">
+              <a:avLst/>
+            </a:prstGeom>
+            <a:noFill/>
+          </p:spPr>
+          <p:txBody>
+            <a:bodyPr wrap="square" rtlCol="0">
+              <a:spAutoFit/>
+            </a:bodyPr>
+            <a:lstStyle/>
+            <a:p>
+              <a:pPr algn="ctr"/>
+              <a:r>
+                <a:rPr lang="en-US" dirty="0"/>
+                <a:t>Planning Node</a:t>
+              </a:r>
+            </a:p>
+          </p:txBody>
+        </p:sp>
+        <p:sp>
+          <p:nvSpPr>
+            <p:cNvPr id="55" name="Rounded Rectangle 54">
+              <a:extLst>
+                <a:ext uri="{FF2B5EF4-FFF2-40B4-BE49-F238E27FC236}">
+                  <a16:creationId xmlns:a16="http://schemas.microsoft.com/office/drawing/2014/main" id="{8F9123D0-5587-934B-BE54-ECDEF81AC63E}"/>
+                </a:ext>
+              </a:extLst>
+            </p:cNvPr>
+            <p:cNvSpPr/>
+            <p:nvPr/>
+          </p:nvSpPr>
+          <p:spPr>
+            <a:xfrm>
+              <a:off x="9547211" y="5613235"/>
+              <a:ext cx="1274064" cy="655021"/>
+            </a:xfrm>
+            <a:prstGeom prst="roundRect">
+              <a:avLst/>
+            </a:prstGeom>
+            <a:noFill/>
+            <a:ln w="50800">
+              <a:solidFill>
+                <a:schemeClr val="accent6"/>
+              </a:solidFill>
+            </a:ln>
+          </p:spPr>
+          <p:style>
+            <a:lnRef idx="2">
+              <a:schemeClr val="accent1">
+                <a:shade val="50000"/>
+              </a:schemeClr>
+            </a:lnRef>
+            <a:fillRef idx="1">
+              <a:schemeClr val="accent1"/>
+            </a:fillRef>
+            <a:effectRef idx="0">
+              <a:schemeClr val="accent1"/>
+            </a:effectRef>
+            <a:fontRef idx="minor">
+              <a:schemeClr val="lt1"/>
+            </a:fontRef>
+          </p:style>
+          <p:txBody>
+            <a:bodyPr rtlCol="0" anchor="ctr"/>
+            <a:lstStyle/>
+            <a:p>
+              <a:pPr algn="ctr"/>
+              <a:endParaRPr lang="en-US"/>
+            </a:p>
+          </p:txBody>
+        </p:sp>
+      </p:grpSp>
+      <p:grpSp>
+        <p:nvGrpSpPr>
+          <p:cNvPr id="56" name="Group 55">
+            <a:extLst>
+              <a:ext uri="{FF2B5EF4-FFF2-40B4-BE49-F238E27FC236}">
+                <a16:creationId xmlns:a16="http://schemas.microsoft.com/office/drawing/2014/main" id="{9802CD4B-F6AA-A54D-A13F-16CF059A0F77}"/>
+              </a:ext>
+            </a:extLst>
+          </p:cNvPr>
+          <p:cNvGrpSpPr/>
+          <p:nvPr/>
+        </p:nvGrpSpPr>
+        <p:grpSpPr>
+          <a:xfrm>
+            <a:off x="1940645" y="3451364"/>
+            <a:ext cx="3128149" cy="508802"/>
+            <a:chOff x="9547211" y="5613235"/>
+            <a:chExt cx="1301780" cy="655021"/>
+          </a:xfrm>
+        </p:grpSpPr>
+        <p:sp>
+          <p:nvSpPr>
+            <p:cNvPr id="57" name="TextBox 56">
+              <a:extLst>
+                <a:ext uri="{FF2B5EF4-FFF2-40B4-BE49-F238E27FC236}">
+                  <a16:creationId xmlns:a16="http://schemas.microsoft.com/office/drawing/2014/main" id="{2D3BDE13-7DBE-3949-A7A4-C7578D4306CB}"/>
+                </a:ext>
+              </a:extLst>
+            </p:cNvPr>
+            <p:cNvSpPr txBox="1"/>
+            <p:nvPr/>
+          </p:nvSpPr>
+          <p:spPr>
+            <a:xfrm>
+              <a:off x="9574927" y="5714425"/>
+              <a:ext cx="1274064" cy="421619"/>
+            </a:xfrm>
+            <a:prstGeom prst="rect">
+              <a:avLst/>
+            </a:prstGeom>
+            <a:noFill/>
+          </p:spPr>
+          <p:txBody>
+            <a:bodyPr wrap="square" rtlCol="0">
+              <a:spAutoFit/>
+            </a:bodyPr>
+            <a:lstStyle/>
+            <a:p>
+              <a:pPr algn="ctr"/>
+              <a:r>
+                <a:rPr lang="en-US" dirty="0"/>
+                <a:t>Control Node</a:t>
+              </a:r>
+            </a:p>
+          </p:txBody>
+        </p:sp>
+        <p:sp>
+          <p:nvSpPr>
+            <p:cNvPr id="58" name="Rounded Rectangle 57">
+              <a:extLst>
+                <a:ext uri="{FF2B5EF4-FFF2-40B4-BE49-F238E27FC236}">
+                  <a16:creationId xmlns:a16="http://schemas.microsoft.com/office/drawing/2014/main" id="{42561184-D268-6A4F-9FE0-684511CD7FC2}"/>
+                </a:ext>
+              </a:extLst>
+            </p:cNvPr>
+            <p:cNvSpPr/>
+            <p:nvPr/>
+          </p:nvSpPr>
+          <p:spPr>
+            <a:xfrm>
+              <a:off x="9547211" y="5613235"/>
+              <a:ext cx="1274064" cy="655021"/>
+            </a:xfrm>
+            <a:prstGeom prst="roundRect">
+              <a:avLst/>
+            </a:prstGeom>
+            <a:noFill/>
+            <a:ln w="50800">
+              <a:solidFill>
+                <a:schemeClr val="accent6"/>
+              </a:solidFill>
+            </a:ln>
+          </p:spPr>
+          <p:style>
+            <a:lnRef idx="2">
+              <a:schemeClr val="accent1">
+                <a:shade val="50000"/>
+              </a:schemeClr>
+            </a:lnRef>
+            <a:fillRef idx="1">
+              <a:schemeClr val="accent1"/>
+            </a:fillRef>
+            <a:effectRef idx="0">
+              <a:schemeClr val="accent1"/>
+            </a:effectRef>
+            <a:fontRef idx="minor">
+              <a:schemeClr val="lt1"/>
+            </a:fontRef>
+          </p:style>
+          <p:txBody>
+            <a:bodyPr rtlCol="0" anchor="ctr"/>
+            <a:lstStyle/>
+            <a:p>
+              <a:pPr algn="ctr"/>
+              <a:endParaRPr lang="en-US"/>
+            </a:p>
+          </p:txBody>
+        </p:sp>
+      </p:grpSp>
+      <p:cxnSp>
+        <p:nvCxnSpPr>
+          <p:cNvPr id="59" name="Straight Arrow Connector 58">
+            <a:extLst>
+              <a:ext uri="{FF2B5EF4-FFF2-40B4-BE49-F238E27FC236}">
+                <a16:creationId xmlns:a16="http://schemas.microsoft.com/office/drawing/2014/main" id="{1C925B83-A8B7-1D45-9A52-7C6EDD8A7521}"/>
+              </a:ext>
+            </a:extLst>
+          </p:cNvPr>
+          <p:cNvCxnSpPr>
+            <a:cxnSpLocks/>
+          </p:cNvCxnSpPr>
+          <p:nvPr/>
+        </p:nvCxnSpPr>
+        <p:spPr>
+          <a:xfrm flipV="1">
+            <a:off x="2229705" y="4071647"/>
+            <a:ext cx="0" cy="1247488"/>
+          </a:xfrm>
+          <a:prstGeom prst="straightConnector1">
+            <a:avLst/>
+          </a:prstGeom>
+          <a:ln w="50800">
+            <a:headEnd type="triangle"/>
+            <a:tailEnd type="none"/>
+          </a:ln>
+        </p:spPr>
+        <p:style>
+          <a:lnRef idx="1">
+            <a:schemeClr val="accent1"/>
+          </a:lnRef>
+          <a:fillRef idx="0">
+            <a:schemeClr val="accent1"/>
+          </a:fillRef>
+          <a:effectRef idx="0">
+            <a:schemeClr val="accent1"/>
+          </a:effectRef>
+          <a:fontRef idx="minor">
+            <a:schemeClr val="tx1"/>
+          </a:fontRef>
+        </p:style>
+      </p:cxnSp>
+      <p:cxnSp>
+        <p:nvCxnSpPr>
+          <p:cNvPr id="61" name="Straight Arrow Connector 60">
+            <a:extLst>
+              <a:ext uri="{FF2B5EF4-FFF2-40B4-BE49-F238E27FC236}">
+                <a16:creationId xmlns:a16="http://schemas.microsoft.com/office/drawing/2014/main" id="{CB0D1198-97DB-1543-9507-A556C15DDE4E}"/>
+              </a:ext>
+            </a:extLst>
+          </p:cNvPr>
+          <p:cNvCxnSpPr>
+            <a:cxnSpLocks/>
+          </p:cNvCxnSpPr>
+          <p:nvPr/>
+        </p:nvCxnSpPr>
+        <p:spPr>
+          <a:xfrm flipV="1">
+            <a:off x="3642192" y="4053567"/>
+            <a:ext cx="0" cy="1265568"/>
+          </a:xfrm>
+          <a:prstGeom prst="straightConnector1">
+            <a:avLst/>
+          </a:prstGeom>
+          <a:ln w="50800">
+            <a:headEnd type="none"/>
+            <a:tailEnd type="triangle"/>
+          </a:ln>
+        </p:spPr>
+        <p:style>
+          <a:lnRef idx="1">
+            <a:schemeClr val="accent1"/>
+          </a:lnRef>
+          <a:fillRef idx="0">
+            <a:schemeClr val="accent1"/>
+          </a:fillRef>
+          <a:effectRef idx="0">
+            <a:schemeClr val="accent1"/>
+          </a:effectRef>
+          <a:fontRef idx="minor">
+            <a:schemeClr val="tx1"/>
+          </a:fontRef>
+        </p:style>
+      </p:cxnSp>
+      <p:sp>
+        <p:nvSpPr>
+          <p:cNvPr id="15" name="TextBox 14">
+            <a:extLst>
+              <a:ext uri="{FF2B5EF4-FFF2-40B4-BE49-F238E27FC236}">
+                <a16:creationId xmlns:a16="http://schemas.microsoft.com/office/drawing/2014/main" id="{9A2AB30C-D4F4-294A-B518-5BBE03635B64}"/>
+              </a:ext>
+            </a:extLst>
+          </p:cNvPr>
+          <p:cNvSpPr txBox="1"/>
+          <p:nvPr/>
+        </p:nvSpPr>
+        <p:spPr>
+          <a:xfrm>
+            <a:off x="2327935" y="4187163"/>
+            <a:ext cx="1039731" cy="923330"/>
+          </a:xfrm>
+          <a:prstGeom prst="rect">
+            <a:avLst/>
+          </a:prstGeom>
+          <a:noFill/>
+        </p:spPr>
+        <p:txBody>
+          <a:bodyPr wrap="square" rtlCol="0">
+            <a:spAutoFit/>
+          </a:bodyPr>
+          <a:lstStyle/>
+          <a:p>
+            <a:pPr algn="just"/>
+            <a:r>
+              <a:rPr lang="en-US" dirty="0"/>
+              <a:t>Can you send me a path ?</a:t>
+            </a:r>
+          </a:p>
+        </p:txBody>
+      </p:sp>
+      <p:sp>
+        <p:nvSpPr>
+          <p:cNvPr id="62" name="TextBox 61">
+            <a:extLst>
+              <a:ext uri="{FF2B5EF4-FFF2-40B4-BE49-F238E27FC236}">
+                <a16:creationId xmlns:a16="http://schemas.microsoft.com/office/drawing/2014/main" id="{4F5AB742-2C45-594D-9453-400ACE7F81AD}"/>
+              </a:ext>
+            </a:extLst>
+          </p:cNvPr>
+          <p:cNvSpPr txBox="1"/>
+          <p:nvPr/>
+        </p:nvSpPr>
+        <p:spPr>
+          <a:xfrm>
+            <a:off x="3769904" y="4357997"/>
+            <a:ext cx="1039731" cy="646331"/>
+          </a:xfrm>
+          <a:prstGeom prst="rect">
+            <a:avLst/>
+          </a:prstGeom>
+          <a:noFill/>
+        </p:spPr>
+        <p:txBody>
+          <a:bodyPr wrap="square" rtlCol="0">
+            <a:spAutoFit/>
+          </a:bodyPr>
+          <a:lstStyle/>
+          <a:p>
+            <a:pPr algn="just"/>
+            <a:r>
+              <a:rPr lang="en-US" dirty="0"/>
+              <a:t>Updated path</a:t>
+            </a:r>
+          </a:p>
+        </p:txBody>
+      </p:sp>
+      <p:sp>
+        <p:nvSpPr>
+          <p:cNvPr id="63" name="Rounded Rectangle 62">
+            <a:extLst>
+              <a:ext uri="{FF2B5EF4-FFF2-40B4-BE49-F238E27FC236}">
+                <a16:creationId xmlns:a16="http://schemas.microsoft.com/office/drawing/2014/main" id="{DE7B3828-40E4-2C45-986E-691DBBDF40BE}"/>
+              </a:ext>
+            </a:extLst>
+          </p:cNvPr>
+          <p:cNvSpPr/>
+          <p:nvPr/>
+        </p:nvSpPr>
+        <p:spPr>
+          <a:xfrm>
+            <a:off x="2325840" y="4193118"/>
+            <a:ext cx="1039730" cy="923330"/>
+          </a:xfrm>
+          <a:prstGeom prst="roundRect">
+            <a:avLst/>
+          </a:prstGeom>
+          <a:noFill/>
+          <a:ln w="50800">
+            <a:solidFill>
+              <a:schemeClr val="accent1"/>
+            </a:solidFill>
+          </a:ln>
+        </p:spPr>
+        <p:style>
+          <a:lnRef idx="2">
+            <a:schemeClr val="accent1">
+              <a:shade val="50000"/>
+            </a:schemeClr>
+          </a:lnRef>
+          <a:fillRef idx="1">
+            <a:schemeClr val="accent1"/>
+          </a:fillRef>
+          <a:effectRef idx="0">
+            <a:schemeClr val="accent1"/>
+          </a:effectRef>
+          <a:fontRef idx="minor">
+            <a:schemeClr val="lt1"/>
+          </a:fontRef>
+        </p:style>
+        <p:txBody>
+          <a:bodyPr rtlCol="0" anchor="ctr"/>
+          <a:lstStyle/>
+          <a:p>
+            <a:pPr algn="ctr"/>
+            <a:endParaRPr lang="en-US">
+              <a:solidFill>
+                <a:schemeClr val="accent6"/>
+              </a:solidFill>
+            </a:endParaRPr>
+          </a:p>
+        </p:txBody>
+      </p:sp>
+      <p:sp>
+        <p:nvSpPr>
+          <p:cNvPr id="64" name="Rounded Rectangle 63">
+            <a:extLst>
+              <a:ext uri="{FF2B5EF4-FFF2-40B4-BE49-F238E27FC236}">
+                <a16:creationId xmlns:a16="http://schemas.microsoft.com/office/drawing/2014/main" id="{E7B2951C-2D93-0E41-975E-67659B5FD0FA}"/>
+              </a:ext>
+            </a:extLst>
+          </p:cNvPr>
+          <p:cNvSpPr/>
+          <p:nvPr/>
+        </p:nvSpPr>
+        <p:spPr>
+          <a:xfrm>
+            <a:off x="3769904" y="4357997"/>
+            <a:ext cx="958213" cy="702696"/>
+          </a:xfrm>
+          <a:prstGeom prst="roundRect">
+            <a:avLst/>
+          </a:prstGeom>
+          <a:noFill/>
+          <a:ln w="50800">
+            <a:solidFill>
+              <a:schemeClr val="accent1"/>
+            </a:solidFill>
+          </a:ln>
+        </p:spPr>
+        <p:style>
+          <a:lnRef idx="2">
+            <a:schemeClr val="accent1">
+              <a:shade val="50000"/>
+            </a:schemeClr>
+          </a:lnRef>
+          <a:fillRef idx="1">
+            <a:schemeClr val="accent1"/>
+          </a:fillRef>
+          <a:effectRef idx="0">
+            <a:schemeClr val="accent1"/>
+          </a:effectRef>
+          <a:fontRef idx="minor">
+            <a:schemeClr val="lt1"/>
+          </a:fontRef>
+        </p:style>
+        <p:txBody>
+          <a:bodyPr rtlCol="0" anchor="ctr"/>
+          <a:lstStyle/>
+          <a:p>
+            <a:pPr algn="ctr"/>
+            <a:endParaRPr lang="en-US">
+              <a:solidFill>
+                <a:schemeClr val="accent6"/>
+              </a:solidFill>
+            </a:endParaRPr>
+          </a:p>
+        </p:txBody>
+      </p:sp>
+      <p:sp>
+        <p:nvSpPr>
+          <p:cNvPr id="65" name="TextBox 64">
+            <a:extLst>
+              <a:ext uri="{FF2B5EF4-FFF2-40B4-BE49-F238E27FC236}">
+                <a16:creationId xmlns:a16="http://schemas.microsoft.com/office/drawing/2014/main" id="{F76293CF-3690-184B-A72C-4C5B24FEB2D5}"/>
+              </a:ext>
+            </a:extLst>
+          </p:cNvPr>
+          <p:cNvSpPr txBox="1"/>
+          <p:nvPr/>
+        </p:nvSpPr>
+        <p:spPr>
+          <a:xfrm>
+            <a:off x="1597152" y="6147423"/>
+            <a:ext cx="968298" cy="369332"/>
+          </a:xfrm>
+          <a:prstGeom prst="rect">
+            <a:avLst/>
+          </a:prstGeom>
+          <a:noFill/>
+        </p:spPr>
+        <p:txBody>
+          <a:bodyPr wrap="square" rtlCol="0">
+            <a:spAutoFit/>
+          </a:bodyPr>
+          <a:lstStyle/>
+          <a:p>
+            <a:pPr algn="ctr"/>
+            <a:r>
+              <a:rPr lang="en-US" dirty="0">
+                <a:solidFill>
+                  <a:schemeClr val="accent2"/>
+                </a:solidFill>
+              </a:rPr>
+              <a:t>Service</a:t>
+            </a:r>
+          </a:p>
+        </p:txBody>
+      </p:sp>
+      <p:sp>
+        <p:nvSpPr>
+          <p:cNvPr id="66" name="Rounded Rectangle 65">
+            <a:extLst>
+              <a:ext uri="{FF2B5EF4-FFF2-40B4-BE49-F238E27FC236}">
+                <a16:creationId xmlns:a16="http://schemas.microsoft.com/office/drawing/2014/main" id="{A7E4E844-6B84-E549-86D6-881D9DFE712D}"/>
+              </a:ext>
+            </a:extLst>
+          </p:cNvPr>
+          <p:cNvSpPr/>
+          <p:nvPr/>
+        </p:nvSpPr>
+        <p:spPr>
+          <a:xfrm>
+            <a:off x="5592362" y="3317244"/>
+            <a:ext cx="5761437" cy="2813122"/>
+          </a:xfrm>
+          <a:prstGeom prst="roundRect">
+            <a:avLst/>
+          </a:prstGeom>
+          <a:noFill/>
+          <a:ln w="50800">
+            <a:solidFill>
+              <a:schemeClr val="accent2"/>
+            </a:solidFill>
+          </a:ln>
+        </p:spPr>
+        <p:style>
+          <a:lnRef idx="2">
+            <a:schemeClr val="accent1">
+              <a:shade val="50000"/>
+            </a:schemeClr>
+          </a:lnRef>
+          <a:fillRef idx="1">
+            <a:schemeClr val="accent1"/>
+          </a:fillRef>
+          <a:effectRef idx="0">
+            <a:schemeClr val="accent1"/>
+          </a:effectRef>
+          <a:fontRef idx="minor">
+            <a:schemeClr val="lt1"/>
+          </a:fontRef>
+        </p:style>
+        <p:txBody>
+          <a:bodyPr rtlCol="0" anchor="ctr"/>
+          <a:lstStyle/>
+          <a:p>
+            <a:pPr algn="ctr"/>
+            <a:endParaRPr lang="en-US">
+              <a:solidFill>
+                <a:schemeClr val="accent6"/>
+              </a:solidFill>
+            </a:endParaRPr>
+          </a:p>
+        </p:txBody>
+      </p:sp>
+      <p:sp>
+        <p:nvSpPr>
+          <p:cNvPr id="67" name="Content Placeholder 3">
+            <a:extLst>
+              <a:ext uri="{FF2B5EF4-FFF2-40B4-BE49-F238E27FC236}">
+                <a16:creationId xmlns:a16="http://schemas.microsoft.com/office/drawing/2014/main" id="{FA89F8C8-72B0-354F-9608-D9CCF570DE94}"/>
+              </a:ext>
+            </a:extLst>
+          </p:cNvPr>
+          <p:cNvSpPr txBox="1">
+            <a:spLocks/>
+          </p:cNvSpPr>
+          <p:nvPr/>
+        </p:nvSpPr>
+        <p:spPr>
+          <a:xfrm>
+            <a:off x="6256600" y="3973705"/>
+            <a:ext cx="2478610" cy="1983178"/>
+          </a:xfrm>
+          <a:prstGeom prst="rect">
+            <a:avLst/>
+          </a:prstGeom>
+        </p:spPr>
+        <p:txBody>
+          <a:bodyPr vert="horz" lIns="91440" tIns="45720" rIns="91440" bIns="45720" rtlCol="0">
+            <a:normAutofit/>
+          </a:bodyPr>
+          <a:lstStyle>
+            <a:lvl1pPr marL="228600" indent="-228600" algn="l" defTabSz="914400" rtl="0" eaLnBrk="1" latinLnBrk="0" hangingPunct="1">
+              <a:lnSpc>
+                <a:spcPct val="90000"/>
+              </a:lnSpc>
+              <a:spcBef>
+                <a:spcPts val="1000"/>
+              </a:spcBef>
+              <a:buFont typeface="Arial" panose="020B0604020202020204" pitchFamily="34" charset="0"/>
+              <a:buChar char="•"/>
+              <a:defRPr sz="2800" kern="1200">
+                <a:solidFill>
+                  <a:schemeClr val="tx1"/>
+                </a:solidFill>
+                <a:latin typeface="+mn-lt"/>
+                <a:ea typeface="+mn-ea"/>
+                <a:cs typeface="+mn-cs"/>
+              </a:defRPr>
+            </a:lvl1pPr>
+            <a:lvl2pPr marL="685800" indent="-228600" algn="l" defTabSz="914400" rtl="0" eaLnBrk="1" latinLnBrk="0" hangingPunct="1">
+              <a:lnSpc>
+                <a:spcPct val="90000"/>
+              </a:lnSpc>
+              <a:spcBef>
+                <a:spcPts val="500"/>
+              </a:spcBef>
+              <a:buFont typeface="Arial" panose="020B0604020202020204" pitchFamily="34" charset="0"/>
+              <a:buChar char="•"/>
+              <a:defRPr sz="2400" kern="1200">
+                <a:solidFill>
+                  <a:schemeClr val="tx1"/>
+                </a:solidFill>
+                <a:latin typeface="+mn-lt"/>
+                <a:ea typeface="+mn-ea"/>
+                <a:cs typeface="+mn-cs"/>
+              </a:defRPr>
+            </a:lvl2pPr>
+            <a:lvl3pPr marL="1143000" indent="-228600" algn="l" defTabSz="914400" rtl="0" eaLnBrk="1" latinLnBrk="0" hangingPunct="1">
+              <a:lnSpc>
+                <a:spcPct val="90000"/>
+              </a:lnSpc>
+              <a:spcBef>
+                <a:spcPts val="500"/>
+              </a:spcBef>
+              <a:buFont typeface="Arial" panose="020B0604020202020204" pitchFamily="34" charset="0"/>
+              <a:buChar char="•"/>
+              <a:defRPr sz="2000" kern="1200">
+                <a:solidFill>
+                  <a:schemeClr val="tx1"/>
+                </a:solidFill>
+                <a:latin typeface="+mn-lt"/>
+                <a:ea typeface="+mn-ea"/>
+                <a:cs typeface="+mn-cs"/>
+              </a:defRPr>
+            </a:lvl3pPr>
+            <a:lvl4pPr marL="1600200" indent="-228600" algn="l" defTabSz="914400" rtl="0" eaLnBrk="1" latinLnBrk="0" hangingPunct="1">
+              <a:lnSpc>
+                <a:spcPct val="90000"/>
+              </a:lnSpc>
+              <a:spcBef>
+                <a:spcPts val="500"/>
+              </a:spcBef>
+              <a:buFont typeface="Arial" panose="020B0604020202020204" pitchFamily="34" charset="0"/>
+              <a:buChar char="•"/>
+              <a:defRPr sz="1800" kern="1200">
+                <a:solidFill>
+                  <a:schemeClr val="tx1"/>
+                </a:solidFill>
+                <a:latin typeface="+mn-lt"/>
+                <a:ea typeface="+mn-ea"/>
+                <a:cs typeface="+mn-cs"/>
+              </a:defRPr>
+            </a:lvl4pPr>
+            <a:lvl5pPr marL="2057400" indent="-228600" algn="l" defTabSz="914400" rtl="0" eaLnBrk="1" latinLnBrk="0" hangingPunct="1">
+              <a:lnSpc>
+                <a:spcPct val="90000"/>
+              </a:lnSpc>
+              <a:spcBef>
+                <a:spcPts val="500"/>
+              </a:spcBef>
+              <a:buFont typeface="Arial" panose="020B0604020202020204" pitchFamily="34" charset="0"/>
+              <a:buChar char="•"/>
+              <a:defRPr sz="1800" kern="1200">
+                <a:solidFill>
+                  <a:schemeClr val="tx1"/>
+                </a:solidFill>
+                <a:latin typeface="+mn-lt"/>
+                <a:ea typeface="+mn-ea"/>
+                <a:cs typeface="+mn-cs"/>
+              </a:defRPr>
+            </a:lvl5pPr>
+            <a:lvl6pPr marL="2514600" indent="-228600" algn="l" defTabSz="914400" rtl="0" eaLnBrk="1" latinLnBrk="0" hangingPunct="1">
+              <a:lnSpc>
+                <a:spcPct val="90000"/>
+              </a:lnSpc>
+              <a:spcBef>
+                <a:spcPts val="500"/>
+              </a:spcBef>
+              <a:buFont typeface="Arial" panose="020B0604020202020204" pitchFamily="34" charset="0"/>
+              <a:buChar char="•"/>
+              <a:defRPr sz="1800" kern="1200">
+                <a:solidFill>
+                  <a:schemeClr val="tx1"/>
+                </a:solidFill>
+                <a:latin typeface="+mn-lt"/>
+                <a:ea typeface="+mn-ea"/>
+                <a:cs typeface="+mn-cs"/>
+              </a:defRPr>
+            </a:lvl6pPr>
+            <a:lvl7pPr marL="2971800" indent="-228600" algn="l" defTabSz="914400" rtl="0" eaLnBrk="1" latinLnBrk="0" hangingPunct="1">
+              <a:lnSpc>
+                <a:spcPct val="90000"/>
+              </a:lnSpc>
+              <a:spcBef>
+                <a:spcPts val="500"/>
+              </a:spcBef>
+              <a:buFont typeface="Arial" panose="020B0604020202020204" pitchFamily="34" charset="0"/>
+              <a:buChar char="•"/>
+              <a:defRPr sz="1800" kern="1200">
+                <a:solidFill>
+                  <a:schemeClr val="tx1"/>
+                </a:solidFill>
+                <a:latin typeface="+mn-lt"/>
+                <a:ea typeface="+mn-ea"/>
+                <a:cs typeface="+mn-cs"/>
+              </a:defRPr>
+            </a:lvl7pPr>
+            <a:lvl8pPr marL="3429000" indent="-228600" algn="l" defTabSz="914400" rtl="0" eaLnBrk="1" latinLnBrk="0" hangingPunct="1">
+              <a:lnSpc>
+                <a:spcPct val="90000"/>
+              </a:lnSpc>
+              <a:spcBef>
+                <a:spcPts val="500"/>
+              </a:spcBef>
+              <a:buFont typeface="Arial" panose="020B0604020202020204" pitchFamily="34" charset="0"/>
+              <a:buChar char="•"/>
+              <a:defRPr sz="1800" kern="1200">
+                <a:solidFill>
+                  <a:schemeClr val="tx1"/>
+                </a:solidFill>
+                <a:latin typeface="+mn-lt"/>
+                <a:ea typeface="+mn-ea"/>
+                <a:cs typeface="+mn-cs"/>
+              </a:defRPr>
+            </a:lvl8pPr>
+            <a:lvl9pPr marL="3886200" indent="-228600" algn="l" defTabSz="914400" rtl="0" eaLnBrk="1" latinLnBrk="0" hangingPunct="1">
+              <a:lnSpc>
+                <a:spcPct val="90000"/>
+              </a:lnSpc>
+              <a:spcBef>
+                <a:spcPts val="500"/>
+              </a:spcBef>
+              <a:buFont typeface="Arial" panose="020B0604020202020204" pitchFamily="34" charset="0"/>
+              <a:buChar char="•"/>
+              <a:defRPr sz="1800" kern="1200">
+                <a:solidFill>
+                  <a:schemeClr val="tx1"/>
+                </a:solidFill>
+                <a:latin typeface="+mn-lt"/>
+                <a:ea typeface="+mn-ea"/>
+                <a:cs typeface="+mn-cs"/>
+              </a:defRPr>
+            </a:lvl9pPr>
+          </a:lstStyle>
+          <a:p>
+            <a:pPr lvl="1" algn="just"/>
+            <a:endParaRPr lang="en-GB" dirty="0"/>
+          </a:p>
+          <a:p>
+            <a:pPr marL="457200" lvl="1" indent="0" algn="just">
+              <a:buFont typeface="Arial" panose="020B0604020202020204" pitchFamily="34" charset="0"/>
+              <a:buNone/>
+            </a:pPr>
+            <a:endParaRPr lang="en-GB" dirty="0"/>
+          </a:p>
+        </p:txBody>
+      </p:sp>
+      <p:grpSp>
+        <p:nvGrpSpPr>
+          <p:cNvPr id="68" name="Group 67">
+            <a:extLst>
+              <a:ext uri="{FF2B5EF4-FFF2-40B4-BE49-F238E27FC236}">
+                <a16:creationId xmlns:a16="http://schemas.microsoft.com/office/drawing/2014/main" id="{EAE5171B-8C12-0E47-A087-1C57E20BE63A}"/>
+              </a:ext>
+            </a:extLst>
+          </p:cNvPr>
+          <p:cNvGrpSpPr/>
+          <p:nvPr/>
+        </p:nvGrpSpPr>
+        <p:grpSpPr>
+          <a:xfrm>
+            <a:off x="5935401" y="5417685"/>
+            <a:ext cx="4903563" cy="552311"/>
+            <a:chOff x="9547211" y="5613235"/>
+            <a:chExt cx="1301780" cy="655021"/>
+          </a:xfrm>
+        </p:grpSpPr>
+        <p:sp>
+          <p:nvSpPr>
+            <p:cNvPr id="69" name="TextBox 68">
+              <a:extLst>
+                <a:ext uri="{FF2B5EF4-FFF2-40B4-BE49-F238E27FC236}">
+                  <a16:creationId xmlns:a16="http://schemas.microsoft.com/office/drawing/2014/main" id="{7AFF8A2E-C2EF-9743-B6D8-CF2EFEF9CE93}"/>
+                </a:ext>
+              </a:extLst>
+            </p:cNvPr>
+            <p:cNvSpPr txBox="1"/>
+            <p:nvPr/>
+          </p:nvSpPr>
+          <p:spPr>
+            <a:xfrm>
+              <a:off x="9574927" y="5714425"/>
+              <a:ext cx="1274064" cy="438014"/>
+            </a:xfrm>
+            <a:prstGeom prst="rect">
+              <a:avLst/>
+            </a:prstGeom>
+            <a:noFill/>
+          </p:spPr>
+          <p:txBody>
+            <a:bodyPr wrap="square" rtlCol="0">
+              <a:spAutoFit/>
+            </a:bodyPr>
+            <a:lstStyle/>
+            <a:p>
+              <a:pPr algn="ctr"/>
+              <a:r>
+                <a:rPr lang="en-US" dirty="0"/>
+                <a:t>Control Node</a:t>
+              </a:r>
+            </a:p>
+          </p:txBody>
+        </p:sp>
+        <p:sp>
+          <p:nvSpPr>
+            <p:cNvPr id="70" name="Rounded Rectangle 69">
+              <a:extLst>
+                <a:ext uri="{FF2B5EF4-FFF2-40B4-BE49-F238E27FC236}">
+                  <a16:creationId xmlns:a16="http://schemas.microsoft.com/office/drawing/2014/main" id="{54F4CBAD-5313-0348-A5A6-A30E1192C7C5}"/>
+                </a:ext>
+              </a:extLst>
+            </p:cNvPr>
+            <p:cNvSpPr/>
+            <p:nvPr/>
+          </p:nvSpPr>
+          <p:spPr>
+            <a:xfrm>
+              <a:off x="9547211" y="5613235"/>
+              <a:ext cx="1274064" cy="655021"/>
+            </a:xfrm>
+            <a:prstGeom prst="roundRect">
+              <a:avLst/>
+            </a:prstGeom>
+            <a:noFill/>
+            <a:ln w="50800">
+              <a:solidFill>
+                <a:schemeClr val="accent6"/>
+              </a:solidFill>
+            </a:ln>
+          </p:spPr>
+          <p:style>
+            <a:lnRef idx="2">
+              <a:schemeClr val="accent1">
+                <a:shade val="50000"/>
+              </a:schemeClr>
+            </a:lnRef>
+            <a:fillRef idx="1">
+              <a:schemeClr val="accent1"/>
+            </a:fillRef>
+            <a:effectRef idx="0">
+              <a:schemeClr val="accent1"/>
+            </a:effectRef>
+            <a:fontRef idx="minor">
+              <a:schemeClr val="lt1"/>
+            </a:fontRef>
+          </p:style>
+          <p:txBody>
+            <a:bodyPr rtlCol="0" anchor="ctr"/>
+            <a:lstStyle/>
+            <a:p>
+              <a:pPr algn="ctr"/>
+              <a:endParaRPr lang="en-US"/>
+            </a:p>
+          </p:txBody>
+        </p:sp>
+      </p:grpSp>
+      <p:grpSp>
+        <p:nvGrpSpPr>
+          <p:cNvPr id="71" name="Group 70">
+            <a:extLst>
+              <a:ext uri="{FF2B5EF4-FFF2-40B4-BE49-F238E27FC236}">
+                <a16:creationId xmlns:a16="http://schemas.microsoft.com/office/drawing/2014/main" id="{30055E2F-2D1E-B44D-9CED-A2ADF1E3B77D}"/>
+              </a:ext>
+            </a:extLst>
+          </p:cNvPr>
+          <p:cNvGrpSpPr/>
+          <p:nvPr/>
+        </p:nvGrpSpPr>
+        <p:grpSpPr>
+          <a:xfrm>
+            <a:off x="5935402" y="3448556"/>
+            <a:ext cx="4903578" cy="508802"/>
+            <a:chOff x="9547211" y="5613235"/>
+            <a:chExt cx="1301780" cy="655021"/>
+          </a:xfrm>
+        </p:grpSpPr>
+        <p:sp>
+          <p:nvSpPr>
+            <p:cNvPr id="72" name="TextBox 71">
+              <a:extLst>
+                <a:ext uri="{FF2B5EF4-FFF2-40B4-BE49-F238E27FC236}">
+                  <a16:creationId xmlns:a16="http://schemas.microsoft.com/office/drawing/2014/main" id="{33C975B7-07C2-A84A-8401-8F4DC7D2F9E9}"/>
+                </a:ext>
+              </a:extLst>
+            </p:cNvPr>
+            <p:cNvSpPr txBox="1"/>
+            <p:nvPr/>
+          </p:nvSpPr>
+          <p:spPr>
+            <a:xfrm>
+              <a:off x="9574927" y="5714426"/>
+              <a:ext cx="1274064" cy="475470"/>
+            </a:xfrm>
+            <a:prstGeom prst="rect">
+              <a:avLst/>
+            </a:prstGeom>
+            <a:noFill/>
+          </p:spPr>
+          <p:txBody>
+            <a:bodyPr wrap="square" rtlCol="0">
+              <a:spAutoFit/>
+            </a:bodyPr>
+            <a:lstStyle/>
+            <a:p>
+              <a:pPr algn="ctr"/>
+              <a:r>
+                <a:rPr lang="en-US" dirty="0"/>
+                <a:t>User Input Node</a:t>
+              </a:r>
+            </a:p>
+          </p:txBody>
+        </p:sp>
+        <p:sp>
+          <p:nvSpPr>
+            <p:cNvPr id="73" name="Rounded Rectangle 72">
+              <a:extLst>
+                <a:ext uri="{FF2B5EF4-FFF2-40B4-BE49-F238E27FC236}">
+                  <a16:creationId xmlns:a16="http://schemas.microsoft.com/office/drawing/2014/main" id="{21BFC444-0535-3C48-BA58-0A107F9F976A}"/>
+                </a:ext>
+              </a:extLst>
+            </p:cNvPr>
+            <p:cNvSpPr/>
+            <p:nvPr/>
+          </p:nvSpPr>
+          <p:spPr>
+            <a:xfrm>
+              <a:off x="9547211" y="5613235"/>
+              <a:ext cx="1274064" cy="655021"/>
+            </a:xfrm>
+            <a:prstGeom prst="roundRect">
+              <a:avLst/>
+            </a:prstGeom>
+            <a:noFill/>
+            <a:ln w="50800">
+              <a:solidFill>
+                <a:schemeClr val="accent6"/>
+              </a:solidFill>
+            </a:ln>
+          </p:spPr>
+          <p:style>
+            <a:lnRef idx="2">
+              <a:schemeClr val="accent1">
+                <a:shade val="50000"/>
+              </a:schemeClr>
+            </a:lnRef>
+            <a:fillRef idx="1">
+              <a:schemeClr val="accent1"/>
+            </a:fillRef>
+            <a:effectRef idx="0">
+              <a:schemeClr val="accent1"/>
+            </a:effectRef>
+            <a:fontRef idx="minor">
+              <a:schemeClr val="lt1"/>
+            </a:fontRef>
+          </p:style>
+          <p:txBody>
+            <a:bodyPr rtlCol="0" anchor="ctr"/>
+            <a:lstStyle/>
+            <a:p>
+              <a:pPr algn="ctr"/>
+              <a:endParaRPr lang="en-US"/>
+            </a:p>
+          </p:txBody>
+        </p:sp>
+      </p:grpSp>
+      <p:cxnSp>
+        <p:nvCxnSpPr>
+          <p:cNvPr id="74" name="Straight Arrow Connector 73">
+            <a:extLst>
+              <a:ext uri="{FF2B5EF4-FFF2-40B4-BE49-F238E27FC236}">
+                <a16:creationId xmlns:a16="http://schemas.microsoft.com/office/drawing/2014/main" id="{D876E0C2-89BA-A948-9430-9C755911A593}"/>
+              </a:ext>
+            </a:extLst>
+          </p:cNvPr>
+          <p:cNvCxnSpPr>
+            <a:cxnSpLocks/>
+          </p:cNvCxnSpPr>
+          <p:nvPr/>
+        </p:nvCxnSpPr>
+        <p:spPr>
+          <a:xfrm flipV="1">
+            <a:off x="6125205" y="4068839"/>
+            <a:ext cx="0" cy="1247488"/>
+          </a:xfrm>
+          <a:prstGeom prst="straightConnector1">
+            <a:avLst/>
+          </a:prstGeom>
+          <a:ln w="50800">
+            <a:headEnd type="triangle"/>
+            <a:tailEnd type="none"/>
+          </a:ln>
+        </p:spPr>
+        <p:style>
+          <a:lnRef idx="1">
+            <a:schemeClr val="accent1"/>
+          </a:lnRef>
+          <a:fillRef idx="0">
+            <a:schemeClr val="accent1"/>
+          </a:fillRef>
+          <a:effectRef idx="0">
+            <a:schemeClr val="accent1"/>
+          </a:effectRef>
+          <a:fontRef idx="minor">
+            <a:schemeClr val="tx1"/>
+          </a:fontRef>
+        </p:style>
+      </p:cxnSp>
+      <p:cxnSp>
+        <p:nvCxnSpPr>
+          <p:cNvPr id="75" name="Straight Arrow Connector 74">
+            <a:extLst>
+              <a:ext uri="{FF2B5EF4-FFF2-40B4-BE49-F238E27FC236}">
+                <a16:creationId xmlns:a16="http://schemas.microsoft.com/office/drawing/2014/main" id="{AE0CD12E-14E2-C145-A4AA-81B94CD488A7}"/>
+              </a:ext>
+            </a:extLst>
+          </p:cNvPr>
+          <p:cNvCxnSpPr>
+            <a:cxnSpLocks/>
+          </p:cNvCxnSpPr>
+          <p:nvPr/>
+        </p:nvCxnSpPr>
+        <p:spPr>
+          <a:xfrm flipV="1">
+            <a:off x="10002103" y="4050759"/>
+            <a:ext cx="0" cy="1265568"/>
+          </a:xfrm>
+          <a:prstGeom prst="straightConnector1">
+            <a:avLst/>
+          </a:prstGeom>
+          <a:ln w="50800">
+            <a:headEnd type="none"/>
+            <a:tailEnd type="triangle"/>
+          </a:ln>
+        </p:spPr>
+        <p:style>
+          <a:lnRef idx="1">
+            <a:schemeClr val="accent1"/>
+          </a:lnRef>
+          <a:fillRef idx="0">
+            <a:schemeClr val="accent1"/>
+          </a:fillRef>
+          <a:effectRef idx="0">
+            <a:schemeClr val="accent1"/>
+          </a:effectRef>
+          <a:fontRef idx="minor">
+            <a:schemeClr val="tx1"/>
+          </a:fontRef>
+        </p:style>
+      </p:cxnSp>
+      <p:sp>
+        <p:nvSpPr>
+          <p:cNvPr id="76" name="TextBox 75">
+            <a:extLst>
+              <a:ext uri="{FF2B5EF4-FFF2-40B4-BE49-F238E27FC236}">
+                <a16:creationId xmlns:a16="http://schemas.microsoft.com/office/drawing/2014/main" id="{17BA2011-17B1-A14D-82D5-EAF0B00680E0}"/>
+              </a:ext>
+            </a:extLst>
+          </p:cNvPr>
+          <p:cNvSpPr txBox="1"/>
+          <p:nvPr/>
+        </p:nvSpPr>
+        <p:spPr>
+          <a:xfrm>
+            <a:off x="6232377" y="4296166"/>
+            <a:ext cx="1039731" cy="646331"/>
+          </a:xfrm>
+          <a:prstGeom prst="rect">
+            <a:avLst/>
+          </a:prstGeom>
+          <a:noFill/>
+        </p:spPr>
+        <p:txBody>
+          <a:bodyPr wrap="square" rtlCol="0">
+            <a:spAutoFit/>
+          </a:bodyPr>
+          <a:lstStyle/>
+          <a:p>
+            <a:pPr algn="just"/>
+            <a:r>
+              <a:rPr lang="en-US" dirty="0"/>
+              <a:t>Move to point A</a:t>
+            </a:r>
+          </a:p>
+        </p:txBody>
+      </p:sp>
+      <p:sp>
+        <p:nvSpPr>
+          <p:cNvPr id="77" name="TextBox 76">
+            <a:extLst>
+              <a:ext uri="{FF2B5EF4-FFF2-40B4-BE49-F238E27FC236}">
+                <a16:creationId xmlns:a16="http://schemas.microsoft.com/office/drawing/2014/main" id="{BA5D5898-4B00-B544-95DC-C5BCD400101F}"/>
+              </a:ext>
+            </a:extLst>
+          </p:cNvPr>
+          <p:cNvSpPr txBox="1"/>
+          <p:nvPr/>
+        </p:nvSpPr>
+        <p:spPr>
+          <a:xfrm>
+            <a:off x="10151134" y="4512687"/>
+            <a:ext cx="1043443" cy="369332"/>
+          </a:xfrm>
+          <a:prstGeom prst="rect">
+            <a:avLst/>
+          </a:prstGeom>
+          <a:noFill/>
+        </p:spPr>
+        <p:txBody>
+          <a:bodyPr wrap="square" rtlCol="0">
+            <a:spAutoFit/>
+          </a:bodyPr>
+          <a:lstStyle/>
+          <a:p>
+            <a:pPr algn="just"/>
+            <a:r>
+              <a:rPr lang="en-US" dirty="0"/>
+              <a:t>Success !</a:t>
+            </a:r>
+          </a:p>
+        </p:txBody>
+      </p:sp>
+      <p:sp>
+        <p:nvSpPr>
+          <p:cNvPr id="78" name="Rounded Rectangle 77">
+            <a:extLst>
+              <a:ext uri="{FF2B5EF4-FFF2-40B4-BE49-F238E27FC236}">
+                <a16:creationId xmlns:a16="http://schemas.microsoft.com/office/drawing/2014/main" id="{AEA1D338-6899-6F4B-9520-B984A8B03C63}"/>
+              </a:ext>
+            </a:extLst>
+          </p:cNvPr>
+          <p:cNvSpPr/>
+          <p:nvPr/>
+        </p:nvSpPr>
+        <p:spPr>
+          <a:xfrm>
+            <a:off x="6221340" y="4190310"/>
+            <a:ext cx="1039730" cy="923330"/>
+          </a:xfrm>
+          <a:prstGeom prst="roundRect">
+            <a:avLst/>
+          </a:prstGeom>
+          <a:noFill/>
+          <a:ln w="50800">
+            <a:solidFill>
+              <a:schemeClr val="accent1"/>
+            </a:solidFill>
+          </a:ln>
+        </p:spPr>
+        <p:style>
+          <a:lnRef idx="2">
+            <a:schemeClr val="accent1">
+              <a:shade val="50000"/>
+            </a:schemeClr>
+          </a:lnRef>
+          <a:fillRef idx="1">
+            <a:schemeClr val="accent1"/>
+          </a:fillRef>
+          <a:effectRef idx="0">
+            <a:schemeClr val="accent1"/>
+          </a:effectRef>
+          <a:fontRef idx="minor">
+            <a:schemeClr val="lt1"/>
+          </a:fontRef>
+        </p:style>
+        <p:txBody>
+          <a:bodyPr rtlCol="0" anchor="ctr"/>
+          <a:lstStyle/>
+          <a:p>
+            <a:pPr algn="ctr"/>
+            <a:endParaRPr lang="en-US">
+              <a:solidFill>
+                <a:schemeClr val="accent6"/>
+              </a:solidFill>
+            </a:endParaRPr>
+          </a:p>
+        </p:txBody>
+      </p:sp>
+      <p:sp>
+        <p:nvSpPr>
+          <p:cNvPr id="79" name="Rounded Rectangle 78">
+            <a:extLst>
+              <a:ext uri="{FF2B5EF4-FFF2-40B4-BE49-F238E27FC236}">
+                <a16:creationId xmlns:a16="http://schemas.microsoft.com/office/drawing/2014/main" id="{C4AC13D9-CCA7-8046-86F9-9B7EE27908AE}"/>
+              </a:ext>
+            </a:extLst>
+          </p:cNvPr>
+          <p:cNvSpPr/>
+          <p:nvPr/>
+        </p:nvSpPr>
+        <p:spPr>
+          <a:xfrm>
+            <a:off x="10131473" y="4502855"/>
+            <a:ext cx="1043433" cy="404645"/>
+          </a:xfrm>
+          <a:prstGeom prst="roundRect">
+            <a:avLst/>
+          </a:prstGeom>
+          <a:noFill/>
+          <a:ln w="50800">
+            <a:solidFill>
+              <a:schemeClr val="accent1"/>
+            </a:solidFill>
+          </a:ln>
+        </p:spPr>
+        <p:style>
+          <a:lnRef idx="2">
+            <a:schemeClr val="accent1">
+              <a:shade val="50000"/>
+            </a:schemeClr>
+          </a:lnRef>
+          <a:fillRef idx="1">
+            <a:schemeClr val="accent1"/>
+          </a:fillRef>
+          <a:effectRef idx="0">
+            <a:schemeClr val="accent1"/>
+          </a:effectRef>
+          <a:fontRef idx="minor">
+            <a:schemeClr val="lt1"/>
+          </a:fontRef>
+        </p:style>
+        <p:txBody>
+          <a:bodyPr rtlCol="0" anchor="ctr"/>
+          <a:lstStyle/>
+          <a:p>
+            <a:pPr algn="ctr"/>
+            <a:endParaRPr lang="en-US">
+              <a:solidFill>
+                <a:schemeClr val="accent6"/>
+              </a:solidFill>
+            </a:endParaRPr>
+          </a:p>
+        </p:txBody>
+      </p:sp>
+      <p:sp>
+        <p:nvSpPr>
+          <p:cNvPr id="80" name="TextBox 79">
+            <a:extLst>
+              <a:ext uri="{FF2B5EF4-FFF2-40B4-BE49-F238E27FC236}">
+                <a16:creationId xmlns:a16="http://schemas.microsoft.com/office/drawing/2014/main" id="{D3B3113B-CB93-4F4B-BC5A-CEE818BD062C}"/>
+              </a:ext>
+            </a:extLst>
+          </p:cNvPr>
+          <p:cNvSpPr txBox="1"/>
+          <p:nvPr/>
+        </p:nvSpPr>
+        <p:spPr>
+          <a:xfrm>
+            <a:off x="5592363" y="6155534"/>
+            <a:ext cx="968298" cy="369332"/>
+          </a:xfrm>
+          <a:prstGeom prst="rect">
+            <a:avLst/>
+          </a:prstGeom>
+          <a:noFill/>
+        </p:spPr>
+        <p:txBody>
+          <a:bodyPr wrap="square" rtlCol="0">
+            <a:spAutoFit/>
+          </a:bodyPr>
+          <a:lstStyle/>
+          <a:p>
+            <a:pPr algn="ctr"/>
+            <a:r>
+              <a:rPr lang="en-US" dirty="0">
+                <a:solidFill>
+                  <a:schemeClr val="accent2"/>
+                </a:solidFill>
+              </a:rPr>
+              <a:t>Action</a:t>
+            </a:r>
+          </a:p>
+        </p:txBody>
+      </p:sp>
+      <p:cxnSp>
+        <p:nvCxnSpPr>
+          <p:cNvPr id="81" name="Straight Arrow Connector 80">
+            <a:extLst>
+              <a:ext uri="{FF2B5EF4-FFF2-40B4-BE49-F238E27FC236}">
+                <a16:creationId xmlns:a16="http://schemas.microsoft.com/office/drawing/2014/main" id="{C57E7EB1-271A-834B-BBD5-BE8A1ECB3F93}"/>
+              </a:ext>
+            </a:extLst>
+          </p:cNvPr>
+          <p:cNvCxnSpPr>
+            <a:cxnSpLocks/>
+          </p:cNvCxnSpPr>
+          <p:nvPr/>
+        </p:nvCxnSpPr>
+        <p:spPr>
+          <a:xfrm flipV="1">
+            <a:off x="7545117" y="4050759"/>
+            <a:ext cx="0" cy="1265568"/>
+          </a:xfrm>
+          <a:prstGeom prst="straightConnector1">
+            <a:avLst/>
+          </a:prstGeom>
+          <a:ln w="50800">
+            <a:prstDash val="sysDot"/>
+            <a:headEnd type="none"/>
+            <a:tailEnd type="triangle"/>
+          </a:ln>
+        </p:spPr>
+        <p:style>
+          <a:lnRef idx="1">
+            <a:schemeClr val="accent1"/>
+          </a:lnRef>
+          <a:fillRef idx="0">
+            <a:schemeClr val="accent1"/>
+          </a:fillRef>
+          <a:effectRef idx="0">
+            <a:schemeClr val="accent1"/>
+          </a:effectRef>
+          <a:fontRef idx="minor">
+            <a:schemeClr val="tx1"/>
+          </a:fontRef>
+        </p:style>
+      </p:cxnSp>
+      <p:cxnSp>
+        <p:nvCxnSpPr>
+          <p:cNvPr id="82" name="Straight Arrow Connector 81">
+            <a:extLst>
+              <a:ext uri="{FF2B5EF4-FFF2-40B4-BE49-F238E27FC236}">
+                <a16:creationId xmlns:a16="http://schemas.microsoft.com/office/drawing/2014/main" id="{1EBEA9CF-47DE-A94E-B0C3-F9B38418C591}"/>
+              </a:ext>
+            </a:extLst>
+          </p:cNvPr>
+          <p:cNvCxnSpPr>
+            <a:cxnSpLocks/>
+          </p:cNvCxnSpPr>
+          <p:nvPr/>
+        </p:nvCxnSpPr>
+        <p:spPr>
+          <a:xfrm flipV="1">
+            <a:off x="9743293" y="4046537"/>
+            <a:ext cx="0" cy="1265568"/>
+          </a:xfrm>
+          <a:prstGeom prst="straightConnector1">
+            <a:avLst/>
+          </a:prstGeom>
+          <a:ln w="50800">
+            <a:prstDash val="sysDot"/>
+            <a:headEnd type="none"/>
+            <a:tailEnd type="triangle"/>
+          </a:ln>
+        </p:spPr>
+        <p:style>
+          <a:lnRef idx="1">
+            <a:schemeClr val="accent1"/>
+          </a:lnRef>
+          <a:fillRef idx="0">
+            <a:schemeClr val="accent1"/>
+          </a:fillRef>
+          <a:effectRef idx="0">
+            <a:schemeClr val="accent1"/>
+          </a:effectRef>
+          <a:fontRef idx="minor">
+            <a:schemeClr val="tx1"/>
+          </a:fontRef>
+        </p:style>
+      </p:cxnSp>
+      <p:sp>
+        <p:nvSpPr>
+          <p:cNvPr id="83" name="TextBox 82">
+            <a:extLst>
+              <a:ext uri="{FF2B5EF4-FFF2-40B4-BE49-F238E27FC236}">
+                <a16:creationId xmlns:a16="http://schemas.microsoft.com/office/drawing/2014/main" id="{586A4D33-6889-BF4A-B145-953D145D53AE}"/>
+              </a:ext>
+            </a:extLst>
+          </p:cNvPr>
+          <p:cNvSpPr txBox="1"/>
+          <p:nvPr/>
+        </p:nvSpPr>
+        <p:spPr>
+          <a:xfrm>
+            <a:off x="8025362" y="4395261"/>
+            <a:ext cx="1346095" cy="523220"/>
+          </a:xfrm>
+          <a:prstGeom prst="rect">
+            <a:avLst/>
+          </a:prstGeom>
+          <a:noFill/>
+        </p:spPr>
+        <p:txBody>
+          <a:bodyPr wrap="square" rtlCol="0">
+            <a:spAutoFit/>
+          </a:bodyPr>
+          <a:lstStyle/>
+          <a:p>
+            <a:pPr algn="ctr"/>
+            <a:r>
+              <a:rPr lang="en-US" sz="1400" dirty="0"/>
+              <a:t>Updates: </a:t>
+            </a:r>
+          </a:p>
+          <a:p>
+            <a:pPr algn="ctr"/>
+            <a:r>
+              <a:rPr lang="en-US" sz="1400" dirty="0"/>
+              <a:t>Current pose</a:t>
+            </a:r>
+          </a:p>
+        </p:txBody>
+      </p:sp>
+      <p:sp>
+        <p:nvSpPr>
+          <p:cNvPr id="85" name="Rounded Rectangle 84">
+            <a:extLst>
+              <a:ext uri="{FF2B5EF4-FFF2-40B4-BE49-F238E27FC236}">
+                <a16:creationId xmlns:a16="http://schemas.microsoft.com/office/drawing/2014/main" id="{F514710A-81E2-D447-81CB-E49BE9A2A702}"/>
+              </a:ext>
+            </a:extLst>
+          </p:cNvPr>
+          <p:cNvSpPr/>
+          <p:nvPr/>
+        </p:nvSpPr>
+        <p:spPr>
+          <a:xfrm>
+            <a:off x="7901683" y="4321968"/>
+            <a:ext cx="1580581" cy="682360"/>
+          </a:xfrm>
+          <a:prstGeom prst="roundRect">
+            <a:avLst/>
+          </a:prstGeom>
+          <a:noFill/>
+          <a:ln w="50800">
+            <a:solidFill>
+              <a:schemeClr val="accent1"/>
+            </a:solidFill>
+          </a:ln>
+        </p:spPr>
+        <p:style>
+          <a:lnRef idx="2">
+            <a:schemeClr val="accent1">
+              <a:shade val="50000"/>
+            </a:schemeClr>
+          </a:lnRef>
+          <a:fillRef idx="1">
+            <a:schemeClr val="accent1"/>
+          </a:fillRef>
+          <a:effectRef idx="0">
+            <a:schemeClr val="accent1"/>
+          </a:effectRef>
+          <a:fontRef idx="minor">
+            <a:schemeClr val="lt1"/>
+          </a:fontRef>
+        </p:style>
+        <p:txBody>
+          <a:bodyPr rtlCol="0" anchor="ctr"/>
+          <a:lstStyle/>
+          <a:p>
+            <a:pPr algn="ctr"/>
+            <a:endParaRPr lang="en-US">
+              <a:solidFill>
+                <a:schemeClr val="accent6"/>
+              </a:solidFill>
+            </a:endParaRPr>
+          </a:p>
+        </p:txBody>
+      </p:sp>
+    </p:spTree>
+    <p:extLst>
+      <p:ext uri="{BB962C8B-B14F-4D97-AF65-F5344CB8AC3E}">
+        <p14:creationId xmlns:p14="http://schemas.microsoft.com/office/powerpoint/2010/main" val="2103218346"/>
+      </p:ext>
+    </p:extLst>
+  </p:cSld>
+  <p:clrMapOvr>
+    <a:masterClrMapping/>
+  </p:clrMapOvr>
+  <mc:AlternateContent xmlns:mc="http://schemas.openxmlformats.org/markup-compatibility/2006" xmlns:p14="http://schemas.microsoft.com/office/powerpoint/2010/main">
+    <mc:Choice Requires="p14">
+      <p:transition spd="slow" p14:dur="2000" advTm="181"/>
+    </mc:Choice>
+    <mc:Fallback xmlns="">
+      <p:transition spd="slow" advTm="181"/>
     </mc:Fallback>
   </mc:AlternateContent>
 </p:sld>

--- a/17_02_2022/Introduction to ROS.pptx
+++ b/17_02_2022/Introduction to ROS.pptx
@@ -5,10 +5,10 @@
     <p:sldMasterId id="2147483829" r:id="rId1"/>
   </p:sldMasterIdLst>
   <p:notesMasterIdLst>
-    <p:notesMasterId r:id="rId32"/>
+    <p:notesMasterId r:id="rId36"/>
   </p:notesMasterIdLst>
   <p:handoutMasterIdLst>
-    <p:handoutMasterId r:id="rId33"/>
+    <p:handoutMasterId r:id="rId37"/>
   </p:handoutMasterIdLst>
   <p:sldIdLst>
     <p:sldId id="256" r:id="rId2"/>
@@ -30,17 +30,21 @@
     <p:sldId id="269" r:id="rId18"/>
     <p:sldId id="274" r:id="rId19"/>
     <p:sldId id="288" r:id="rId20"/>
-    <p:sldId id="290" r:id="rId21"/>
-    <p:sldId id="278" r:id="rId22"/>
-    <p:sldId id="310" r:id="rId23"/>
-    <p:sldId id="311" r:id="rId24"/>
-    <p:sldId id="313" r:id="rId25"/>
-    <p:sldId id="291" r:id="rId26"/>
-    <p:sldId id="273" r:id="rId27"/>
-    <p:sldId id="314" r:id="rId28"/>
-    <p:sldId id="276" r:id="rId29"/>
-    <p:sldId id="315" r:id="rId30"/>
-    <p:sldId id="277" r:id="rId31"/>
+    <p:sldId id="343" r:id="rId21"/>
+    <p:sldId id="344" r:id="rId22"/>
+    <p:sldId id="290" r:id="rId23"/>
+    <p:sldId id="278" r:id="rId24"/>
+    <p:sldId id="310" r:id="rId25"/>
+    <p:sldId id="311" r:id="rId26"/>
+    <p:sldId id="336" r:id="rId27"/>
+    <p:sldId id="342" r:id="rId28"/>
+    <p:sldId id="338" r:id="rId29"/>
+    <p:sldId id="340" r:id="rId30"/>
+    <p:sldId id="341" r:id="rId31"/>
+    <p:sldId id="314" r:id="rId32"/>
+    <p:sldId id="276" r:id="rId33"/>
+    <p:sldId id="315" r:id="rId34"/>
+    <p:sldId id="277" r:id="rId35"/>
   </p:sldIdLst>
   <p:sldSz cx="12192000" cy="6858000"/>
   <p:notesSz cx="6858000" cy="9144000"/>
@@ -244,7 +248,7 @@
           <a:p>
             <a:fld id="{CF6F16B0-1F2F-CF4F-BC53-96BB2AF3C68A}" type="datetimeFigureOut">
               <a:rPr lang="en-US" smtClean="0"/>
-              <a:t>2/17/2022</a:t>
+              <a:t>2/22/2022</a:t>
             </a:fld>
             <a:endParaRPr lang="en-US"/>
           </a:p>
@@ -337,60 +341,6 @@
   </p:cSld>
   <p:clrMap bg1="lt1" tx1="dk1" bg2="lt2" tx2="dk2" accent1="accent1" accent2="accent2" accent3="accent3" accent4="accent4" accent5="accent5" accent6="accent6" hlink="hlink" folHlink="folHlink"/>
 </p:handoutMaster>
-</file>
-
-<file path=ppt/ink/ink1.xml><?xml version="1.0" encoding="utf-8"?>
-<inkml:ink xmlns:inkml="http://www.w3.org/2003/InkML">
-  <inkml:definitions>
-    <inkml:context xml:id="ctx0">
-      <inkml:inkSource xml:id="inkSrc0">
-        <inkml:traceFormat>
-          <inkml:channel name="X" type="integer" min="-2.14748E9" max="2.14748E9" units="cm"/>
-          <inkml:channel name="Y" type="integer" min="-2.14748E9" max="2.14748E9" units="cm"/>
-          <inkml:channel name="F" type="integer" max="32767" units="dev"/>
-        </inkml:traceFormat>
-        <inkml:channelProperties>
-          <inkml:channelProperty channel="X" name="resolution" value="1000" units="1/cm"/>
-          <inkml:channelProperty channel="Y" name="resolution" value="1000" units="1/cm"/>
-          <inkml:channelProperty channel="F" name="resolution" value="0" units="1/dev"/>
-        </inkml:channelProperties>
-      </inkml:inkSource>
-      <inkml:timestamp xml:id="ts0" timeString="2021-12-13T12:29:44.467"/>
-    </inkml:context>
-    <inkml:brush xml:id="br0">
-      <inkml:brushProperty name="width" value="0.05" units="cm"/>
-      <inkml:brushProperty name="height" value="0.05" units="cm"/>
-    </inkml:brush>
-  </inkml:definitions>
-  <inkml:trace contextRef="#ctx0" brushRef="#br0">1 0 24575,'0'0'0</inkml:trace>
-</inkml:ink>
-</file>
-
-<file path=ppt/ink/ink2.xml><?xml version="1.0" encoding="utf-8"?>
-<inkml:ink xmlns:inkml="http://www.w3.org/2003/InkML">
-  <inkml:definitions>
-    <inkml:context xml:id="ctx0">
-      <inkml:inkSource xml:id="inkSrc0">
-        <inkml:traceFormat>
-          <inkml:channel name="X" type="integer" min="-2.14748E9" max="2.14748E9" units="cm"/>
-          <inkml:channel name="Y" type="integer" min="-2.14748E9" max="2.14748E9" units="cm"/>
-          <inkml:channel name="F" type="integer" max="32767" units="dev"/>
-        </inkml:traceFormat>
-        <inkml:channelProperties>
-          <inkml:channelProperty channel="X" name="resolution" value="1000" units="1/cm"/>
-          <inkml:channelProperty channel="Y" name="resolution" value="1000" units="1/cm"/>
-          <inkml:channelProperty channel="F" name="resolution" value="0" units="1/dev"/>
-        </inkml:channelProperties>
-      </inkml:inkSource>
-      <inkml:timestamp xml:id="ts0" timeString="2021-12-13T12:29:44.561"/>
-    </inkml:context>
-    <inkml:brush xml:id="br0">
-      <inkml:brushProperty name="width" value="0.05" units="cm"/>
-      <inkml:brushProperty name="height" value="0.05" units="cm"/>
-    </inkml:brush>
-  </inkml:definitions>
-  <inkml:trace contextRef="#ctx0" brushRef="#br0">1 0 24575,'0'0'0</inkml:trace>
-</inkml:ink>
 </file>
 
 <file path=ppt/notesMasters/notesMaster1.xml><?xml version="1.0" encoding="utf-8"?>
@@ -475,7 +425,7 @@
           <a:p>
             <a:fld id="{3673B0E3-79F5-7745-84FA-60F4FEA39356}" type="datetimeFigureOut">
               <a:rPr lang="en-US" smtClean="0"/>
-              <a:t>2/17/2022</a:t>
+              <a:t>2/22/2022</a:t>
             </a:fld>
             <a:endParaRPr lang="en-US"/>
           </a:p>
@@ -1239,7 +1189,7 @@
     </p:spTree>
     <p:extLst>
       <p:ext uri="{BB962C8B-B14F-4D97-AF65-F5344CB8AC3E}">
-        <p14:creationId xmlns:p14="http://schemas.microsoft.com/office/powerpoint/2010/main" val="3744358954"/>
+        <p14:creationId xmlns:p14="http://schemas.microsoft.com/office/powerpoint/2010/main" val="294865934"/>
       </p:ext>
     </p:extLst>
   </p:cSld>
@@ -1323,7 +1273,7 @@
     </p:spTree>
     <p:extLst>
       <p:ext uri="{BB962C8B-B14F-4D97-AF65-F5344CB8AC3E}">
-        <p14:creationId xmlns:p14="http://schemas.microsoft.com/office/powerpoint/2010/main" val="2588013675"/>
+        <p14:creationId xmlns:p14="http://schemas.microsoft.com/office/powerpoint/2010/main" val="1620869435"/>
       </p:ext>
     </p:extLst>
   </p:cSld>
@@ -1407,7 +1357,7 @@
     </p:spTree>
     <p:extLst>
       <p:ext uri="{BB962C8B-B14F-4D97-AF65-F5344CB8AC3E}">
-        <p14:creationId xmlns:p14="http://schemas.microsoft.com/office/powerpoint/2010/main" val="2787847230"/>
+        <p14:creationId xmlns:p14="http://schemas.microsoft.com/office/powerpoint/2010/main" val="3744358954"/>
       </p:ext>
     </p:extLst>
   </p:cSld>
@@ -1491,7 +1441,7 @@
     </p:spTree>
     <p:extLst>
       <p:ext uri="{BB962C8B-B14F-4D97-AF65-F5344CB8AC3E}">
-        <p14:creationId xmlns:p14="http://schemas.microsoft.com/office/powerpoint/2010/main" val="1617619749"/>
+        <p14:creationId xmlns:p14="http://schemas.microsoft.com/office/powerpoint/2010/main" val="2588013675"/>
       </p:ext>
     </p:extLst>
   </p:cSld>
@@ -1575,7 +1525,7 @@
     </p:spTree>
     <p:extLst>
       <p:ext uri="{BB962C8B-B14F-4D97-AF65-F5344CB8AC3E}">
-        <p14:creationId xmlns:p14="http://schemas.microsoft.com/office/powerpoint/2010/main" val="737491582"/>
+        <p14:creationId xmlns:p14="http://schemas.microsoft.com/office/powerpoint/2010/main" val="2787847230"/>
       </p:ext>
     </p:extLst>
   </p:cSld>
@@ -1659,7 +1609,7 @@
     </p:spTree>
     <p:extLst>
       <p:ext uri="{BB962C8B-B14F-4D97-AF65-F5344CB8AC3E}">
-        <p14:creationId xmlns:p14="http://schemas.microsoft.com/office/powerpoint/2010/main" val="814481092"/>
+        <p14:creationId xmlns:p14="http://schemas.microsoft.com/office/powerpoint/2010/main" val="1617619749"/>
       </p:ext>
     </p:extLst>
   </p:cSld>
@@ -1827,7 +1777,7 @@
     </p:spTree>
     <p:extLst>
       <p:ext uri="{BB962C8B-B14F-4D97-AF65-F5344CB8AC3E}">
-        <p14:creationId xmlns:p14="http://schemas.microsoft.com/office/powerpoint/2010/main" val="577893186"/>
+        <p14:creationId xmlns:p14="http://schemas.microsoft.com/office/powerpoint/2010/main" val="78860189"/>
       </p:ext>
     </p:extLst>
   </p:cSld>
@@ -1881,7 +1831,26 @@
           <a:bodyPr/>
           <a:lstStyle/>
           <a:p>
-            <a:endParaRPr lang="en-GB" dirty="0"/>
+            <a:r>
+              <a:rPr lang="en-GB" dirty="0"/>
+              <a:t>Add </a:t>
+            </a:r>
+            <a:r>
+              <a:rPr lang="en-GB" dirty="0" err="1"/>
+              <a:t>marcs</a:t>
+            </a:r>
+            <a:r>
+              <a:rPr lang="en-GB" dirty="0"/>
+              <a:t> image, and </a:t>
+            </a:r>
+            <a:r>
+              <a:rPr lang="en-GB" dirty="0" err="1"/>
+              <a:t>mario’s</a:t>
+            </a:r>
+            <a:r>
+              <a:rPr lang="en-GB" dirty="0"/>
+              <a:t> image</a:t>
+            </a:r>
           </a:p>
         </p:txBody>
       </p:sp>
@@ -1902,7 +1871,383 @@
           <a:p>
             <a:fld id="{E6263D67-EF4C-8247-91B6-64C2A295C9AC}" type="slidenum">
               <a:rPr lang="en-US" smtClean="0"/>
+              <a:t>27</a:t>
+            </a:fld>
+            <a:endParaRPr lang="en-US"/>
+          </a:p>
+        </p:txBody>
+      </p:sp>
+    </p:spTree>
+    <p:extLst>
+      <p:ext uri="{BB962C8B-B14F-4D97-AF65-F5344CB8AC3E}">
+        <p14:creationId xmlns:p14="http://schemas.microsoft.com/office/powerpoint/2010/main" val="3809340228"/>
+      </p:ext>
+    </p:extLst>
+  </p:cSld>
+  <p:clrMapOvr>
+    <a:masterClrMapping/>
+  </p:clrMapOvr>
+</p:notes>
+</file>
+
+<file path=ppt/notesSlides/notesSlide22.xml><?xml version="1.0" encoding="utf-8"?>
+<p:notes xmlns:a="http://schemas.openxmlformats.org/drawingml/2006/main" xmlns:r="http://schemas.openxmlformats.org/officeDocument/2006/relationships" xmlns:p="http://schemas.openxmlformats.org/presentationml/2006/main">
+  <p:cSld>
+    <p:spTree>
+      <p:nvGrpSpPr>
+        <p:cNvPr id="1" name=""/>
+        <p:cNvGrpSpPr/>
+        <p:nvPr/>
+      </p:nvGrpSpPr>
+      <p:grpSpPr>
+        <a:xfrm>
+          <a:off x="0" y="0"/>
+          <a:ext cx="0" cy="0"/>
+          <a:chOff x="0" y="0"/>
+          <a:chExt cx="0" cy="0"/>
+        </a:xfrm>
+      </p:grpSpPr>
+      <p:sp>
+        <p:nvSpPr>
+          <p:cNvPr id="2" name="Slide Image Placeholder 1"/>
+          <p:cNvSpPr>
+            <a:spLocks noGrp="1" noRot="1" noChangeAspect="1"/>
+          </p:cNvSpPr>
+          <p:nvPr>
+            <p:ph type="sldImg"/>
+          </p:nvPr>
+        </p:nvSpPr>
+        <p:spPr/>
+      </p:sp>
+      <p:sp>
+        <p:nvSpPr>
+          <p:cNvPr id="3" name="Notes Placeholder 2"/>
+          <p:cNvSpPr>
+            <a:spLocks noGrp="1"/>
+          </p:cNvSpPr>
+          <p:nvPr>
+            <p:ph type="body" idx="1"/>
+          </p:nvPr>
+        </p:nvSpPr>
+        <p:spPr/>
+        <p:txBody>
+          <a:bodyPr/>
+          <a:lstStyle/>
+          <a:p>
+            <a:pPr algn="just"/>
+            <a:r>
+              <a:rPr lang="en-US" sz="1200" dirty="0"/>
+              <a:t>Teacher shares screen and plots info from the robot, </a:t>
+            </a:r>
+            <a:r>
+              <a:rPr lang="en-US" sz="1200" dirty="0" err="1"/>
+              <a:t>f.e</a:t>
+            </a:r>
+            <a:r>
+              <a:rPr lang="en-US" sz="1200" dirty="0"/>
+              <a:t> setting a camera</a:t>
+            </a:r>
+          </a:p>
+        </p:txBody>
+      </p:sp>
+      <p:sp>
+        <p:nvSpPr>
+          <p:cNvPr id="4" name="Slide Number Placeholder 3"/>
+          <p:cNvSpPr>
+            <a:spLocks noGrp="1"/>
+          </p:cNvSpPr>
+          <p:nvPr>
+            <p:ph type="sldNum" sz="quarter" idx="5"/>
+          </p:nvPr>
+        </p:nvSpPr>
+        <p:spPr/>
+        <p:txBody>
+          <a:bodyPr/>
+          <a:lstStyle/>
+          <a:p>
+            <a:fld id="{E6263D67-EF4C-8247-91B6-64C2A295C9AC}" type="slidenum">
+              <a:rPr lang="en-US" smtClean="0"/>
+              <a:t>28</a:t>
+            </a:fld>
+            <a:endParaRPr lang="en-US"/>
+          </a:p>
+        </p:txBody>
+      </p:sp>
+    </p:spTree>
+    <p:extLst>
+      <p:ext uri="{BB962C8B-B14F-4D97-AF65-F5344CB8AC3E}">
+        <p14:creationId xmlns:p14="http://schemas.microsoft.com/office/powerpoint/2010/main" val="3149541385"/>
+      </p:ext>
+    </p:extLst>
+  </p:cSld>
+  <p:clrMapOvr>
+    <a:masterClrMapping/>
+  </p:clrMapOvr>
+</p:notes>
+</file>
+
+<file path=ppt/notesSlides/notesSlide23.xml><?xml version="1.0" encoding="utf-8"?>
+<p:notes xmlns:a="http://schemas.openxmlformats.org/drawingml/2006/main" xmlns:r="http://schemas.openxmlformats.org/officeDocument/2006/relationships" xmlns:p="http://schemas.openxmlformats.org/presentationml/2006/main">
+  <p:cSld>
+    <p:spTree>
+      <p:nvGrpSpPr>
+        <p:cNvPr id="1" name=""/>
+        <p:cNvGrpSpPr/>
+        <p:nvPr/>
+      </p:nvGrpSpPr>
+      <p:grpSpPr>
+        <a:xfrm>
+          <a:off x="0" y="0"/>
+          <a:ext cx="0" cy="0"/>
+          <a:chOff x="0" y="0"/>
+          <a:chExt cx="0" cy="0"/>
+        </a:xfrm>
+      </p:grpSpPr>
+      <p:sp>
+        <p:nvSpPr>
+          <p:cNvPr id="2" name="Slide Image Placeholder 1"/>
+          <p:cNvSpPr>
+            <a:spLocks noGrp="1" noRot="1" noChangeAspect="1"/>
+          </p:cNvSpPr>
+          <p:nvPr>
+            <p:ph type="sldImg"/>
+          </p:nvPr>
+        </p:nvSpPr>
+        <p:spPr/>
+      </p:sp>
+      <p:sp>
+        <p:nvSpPr>
+          <p:cNvPr id="3" name="Notes Placeholder 2"/>
+          <p:cNvSpPr>
+            <a:spLocks noGrp="1"/>
+          </p:cNvSpPr>
+          <p:nvPr>
+            <p:ph type="body" idx="1"/>
+          </p:nvPr>
+        </p:nvSpPr>
+        <p:spPr/>
+        <p:txBody>
+          <a:bodyPr/>
+          <a:lstStyle/>
+          <a:p>
+            <a:pPr algn="just"/>
+            <a:r>
+              <a:rPr lang="en-US" sz="1200" dirty="0"/>
+              <a:t>Teacher shares screen and plots info from the robot, </a:t>
+            </a:r>
+            <a:r>
+              <a:rPr lang="en-US" sz="1200" dirty="0" err="1"/>
+              <a:t>f.e</a:t>
+            </a:r>
+            <a:r>
+              <a:rPr lang="en-US" sz="1200" dirty="0"/>
+              <a:t> setting a camera</a:t>
+            </a:r>
+          </a:p>
+        </p:txBody>
+      </p:sp>
+      <p:sp>
+        <p:nvSpPr>
+          <p:cNvPr id="4" name="Slide Number Placeholder 3"/>
+          <p:cNvSpPr>
+            <a:spLocks noGrp="1"/>
+          </p:cNvSpPr>
+          <p:nvPr>
+            <p:ph type="sldNum" sz="quarter" idx="5"/>
+          </p:nvPr>
+        </p:nvSpPr>
+        <p:spPr/>
+        <p:txBody>
+          <a:bodyPr/>
+          <a:lstStyle/>
+          <a:p>
+            <a:fld id="{E6263D67-EF4C-8247-91B6-64C2A295C9AC}" type="slidenum">
+              <a:rPr lang="en-US" smtClean="0"/>
               <a:t>29</a:t>
+            </a:fld>
+            <a:endParaRPr lang="en-US"/>
+          </a:p>
+        </p:txBody>
+      </p:sp>
+    </p:spTree>
+    <p:extLst>
+      <p:ext uri="{BB962C8B-B14F-4D97-AF65-F5344CB8AC3E}">
+        <p14:creationId xmlns:p14="http://schemas.microsoft.com/office/powerpoint/2010/main" val="3413034072"/>
+      </p:ext>
+    </p:extLst>
+  </p:cSld>
+  <p:clrMapOvr>
+    <a:masterClrMapping/>
+  </p:clrMapOvr>
+</p:notes>
+</file>
+
+<file path=ppt/notesSlides/notesSlide24.xml><?xml version="1.0" encoding="utf-8"?>
+<p:notes xmlns:a="http://schemas.openxmlformats.org/drawingml/2006/main" xmlns:r="http://schemas.openxmlformats.org/officeDocument/2006/relationships" xmlns:p="http://schemas.openxmlformats.org/presentationml/2006/main">
+  <p:cSld>
+    <p:spTree>
+      <p:nvGrpSpPr>
+        <p:cNvPr id="1" name=""/>
+        <p:cNvGrpSpPr/>
+        <p:nvPr/>
+      </p:nvGrpSpPr>
+      <p:grpSpPr>
+        <a:xfrm>
+          <a:off x="0" y="0"/>
+          <a:ext cx="0" cy="0"/>
+          <a:chOff x="0" y="0"/>
+          <a:chExt cx="0" cy="0"/>
+        </a:xfrm>
+      </p:grpSpPr>
+      <p:sp>
+        <p:nvSpPr>
+          <p:cNvPr id="2" name="Slide Image Placeholder 1"/>
+          <p:cNvSpPr>
+            <a:spLocks noGrp="1" noRot="1" noChangeAspect="1"/>
+          </p:cNvSpPr>
+          <p:nvPr>
+            <p:ph type="sldImg"/>
+          </p:nvPr>
+        </p:nvSpPr>
+        <p:spPr/>
+      </p:sp>
+      <p:sp>
+        <p:nvSpPr>
+          <p:cNvPr id="3" name="Notes Placeholder 2"/>
+          <p:cNvSpPr>
+            <a:spLocks noGrp="1"/>
+          </p:cNvSpPr>
+          <p:nvPr>
+            <p:ph type="body" idx="1"/>
+          </p:nvPr>
+        </p:nvSpPr>
+        <p:spPr/>
+        <p:txBody>
+          <a:bodyPr/>
+          <a:lstStyle/>
+          <a:p>
+            <a:r>
+              <a:rPr lang="en-GB" dirty="0"/>
+              <a:t>Teacher make this steps sharing the screen, using the opportunity to show a </a:t>
+            </a:r>
+            <a:r>
+              <a:rPr lang="en-GB" dirty="0" err="1"/>
+              <a:t>Cmake</a:t>
+            </a:r>
+            <a:r>
+              <a:rPr lang="en-GB" dirty="0"/>
+              <a:t> List and a </a:t>
+            </a:r>
+            <a:r>
+              <a:rPr lang="en-GB" dirty="0" err="1"/>
+              <a:t>package.xml</a:t>
+            </a:r>
+            <a:endParaRPr lang="en-GB" dirty="0"/>
+          </a:p>
+        </p:txBody>
+      </p:sp>
+      <p:sp>
+        <p:nvSpPr>
+          <p:cNvPr id="4" name="Slide Number Placeholder 3"/>
+          <p:cNvSpPr>
+            <a:spLocks noGrp="1"/>
+          </p:cNvSpPr>
+          <p:nvPr>
+            <p:ph type="sldNum" sz="quarter" idx="5"/>
+          </p:nvPr>
+        </p:nvSpPr>
+        <p:spPr/>
+        <p:txBody>
+          <a:bodyPr/>
+          <a:lstStyle/>
+          <a:p>
+            <a:fld id="{E6263D67-EF4C-8247-91B6-64C2A295C9AC}" type="slidenum">
+              <a:rPr lang="en-US" smtClean="0"/>
+              <a:t>30</a:t>
+            </a:fld>
+            <a:endParaRPr lang="en-US"/>
+          </a:p>
+        </p:txBody>
+      </p:sp>
+    </p:spTree>
+    <p:extLst>
+      <p:ext uri="{BB962C8B-B14F-4D97-AF65-F5344CB8AC3E}">
+        <p14:creationId xmlns:p14="http://schemas.microsoft.com/office/powerpoint/2010/main" val="151973205"/>
+      </p:ext>
+    </p:extLst>
+  </p:cSld>
+  <p:clrMapOvr>
+    <a:masterClrMapping/>
+  </p:clrMapOvr>
+</p:notes>
+</file>
+
+<file path=ppt/notesSlides/notesSlide25.xml><?xml version="1.0" encoding="utf-8"?>
+<p:notes xmlns:a="http://schemas.openxmlformats.org/drawingml/2006/main" xmlns:r="http://schemas.openxmlformats.org/officeDocument/2006/relationships" xmlns:p="http://schemas.openxmlformats.org/presentationml/2006/main">
+  <p:cSld>
+    <p:spTree>
+      <p:nvGrpSpPr>
+        <p:cNvPr id="1" name=""/>
+        <p:cNvGrpSpPr/>
+        <p:nvPr/>
+      </p:nvGrpSpPr>
+      <p:grpSpPr>
+        <a:xfrm>
+          <a:off x="0" y="0"/>
+          <a:ext cx="0" cy="0"/>
+          <a:chOff x="0" y="0"/>
+          <a:chExt cx="0" cy="0"/>
+        </a:xfrm>
+      </p:grpSpPr>
+      <p:sp>
+        <p:nvSpPr>
+          <p:cNvPr id="2" name="Slide Image Placeholder 1"/>
+          <p:cNvSpPr>
+            <a:spLocks noGrp="1" noRot="1" noChangeAspect="1"/>
+          </p:cNvSpPr>
+          <p:nvPr>
+            <p:ph type="sldImg"/>
+          </p:nvPr>
+        </p:nvSpPr>
+        <p:spPr/>
+      </p:sp>
+      <p:sp>
+        <p:nvSpPr>
+          <p:cNvPr id="3" name="Notes Placeholder 2"/>
+          <p:cNvSpPr>
+            <a:spLocks noGrp="1"/>
+          </p:cNvSpPr>
+          <p:nvPr>
+            <p:ph type="body" idx="1"/>
+          </p:nvPr>
+        </p:nvSpPr>
+        <p:spPr/>
+        <p:txBody>
+          <a:bodyPr/>
+          <a:lstStyle/>
+          <a:p>
+            <a:endParaRPr lang="en-GB" dirty="0"/>
+          </a:p>
+        </p:txBody>
+      </p:sp>
+      <p:sp>
+        <p:nvSpPr>
+          <p:cNvPr id="4" name="Slide Number Placeholder 3"/>
+          <p:cNvSpPr>
+            <a:spLocks noGrp="1"/>
+          </p:cNvSpPr>
+          <p:nvPr>
+            <p:ph type="sldNum" sz="quarter" idx="5"/>
+          </p:nvPr>
+        </p:nvSpPr>
+        <p:spPr/>
+        <p:txBody>
+          <a:bodyPr/>
+          <a:lstStyle/>
+          <a:p>
+            <a:fld id="{E6263D67-EF4C-8247-91B6-64C2A295C9AC}" type="slidenum">
+              <a:rPr lang="en-US" smtClean="0"/>
+              <a:t>33</a:t>
             </a:fld>
             <a:endParaRPr lang="en-US"/>
           </a:p>
@@ -2660,7 +3005,7 @@
           <a:p>
             <a:fld id="{8C367D54-26AC-4AC2-B9E9-6058043B4D3D}" type="datetimeFigureOut">
               <a:rPr lang="en-GB" smtClean="0"/>
-              <a:t>17/02/2022</a:t>
+              <a:t>22/02/2022</a:t>
             </a:fld>
             <a:endParaRPr lang="en-GB"/>
           </a:p>
@@ -2860,7 +3205,7 @@
           <a:p>
             <a:fld id="{8C367D54-26AC-4AC2-B9E9-6058043B4D3D}" type="datetimeFigureOut">
               <a:rPr lang="en-GB" smtClean="0"/>
-              <a:t>17/02/2022</a:t>
+              <a:t>22/02/2022</a:t>
             </a:fld>
             <a:endParaRPr lang="en-GB"/>
           </a:p>
@@ -3070,7 +3415,7 @@
           <a:p>
             <a:fld id="{8C367D54-26AC-4AC2-B9E9-6058043B4D3D}" type="datetimeFigureOut">
               <a:rPr lang="en-GB" smtClean="0"/>
-              <a:t>17/02/2022</a:t>
+              <a:t>22/02/2022</a:t>
             </a:fld>
             <a:endParaRPr lang="en-GB"/>
           </a:p>
@@ -3285,7 +3630,7 @@
           <a:p>
             <a:fld id="{8C367D54-26AC-4AC2-B9E9-6058043B4D3D}" type="datetimeFigureOut">
               <a:rPr lang="en-GB" smtClean="0"/>
-              <a:t>17/02/2022</a:t>
+              <a:t>22/02/2022</a:t>
             </a:fld>
             <a:endParaRPr lang="en-GB"/>
           </a:p>
@@ -3681,7 +4026,7 @@
           <a:p>
             <a:fld id="{8C367D54-26AC-4AC2-B9E9-6058043B4D3D}" type="datetimeFigureOut">
               <a:rPr lang="en-GB" smtClean="0"/>
-              <a:t>17/02/2022</a:t>
+              <a:t>22/02/2022</a:t>
             </a:fld>
             <a:endParaRPr lang="en-GB"/>
           </a:p>
@@ -3949,7 +4294,7 @@
           <a:p>
             <a:fld id="{8C367D54-26AC-4AC2-B9E9-6058043B4D3D}" type="datetimeFigureOut">
               <a:rPr lang="en-GB" smtClean="0"/>
-              <a:t>17/02/2022</a:t>
+              <a:t>22/02/2022</a:t>
             </a:fld>
             <a:endParaRPr lang="en-GB"/>
           </a:p>
@@ -4364,7 +4709,7 @@
           <a:p>
             <a:fld id="{8C367D54-26AC-4AC2-B9E9-6058043B4D3D}" type="datetimeFigureOut">
               <a:rPr lang="en-GB" smtClean="0"/>
-              <a:t>17/02/2022</a:t>
+              <a:t>22/02/2022</a:t>
             </a:fld>
             <a:endParaRPr lang="en-GB"/>
           </a:p>
@@ -4506,7 +4851,7 @@
           <a:p>
             <a:fld id="{8C367D54-26AC-4AC2-B9E9-6058043B4D3D}" type="datetimeFigureOut">
               <a:rPr lang="en-GB" smtClean="0"/>
-              <a:t>17/02/2022</a:t>
+              <a:t>22/02/2022</a:t>
             </a:fld>
             <a:endParaRPr lang="en-GB"/>
           </a:p>
@@ -4619,7 +4964,7 @@
           <a:p>
             <a:fld id="{8C367D54-26AC-4AC2-B9E9-6058043B4D3D}" type="datetimeFigureOut">
               <a:rPr lang="en-GB" smtClean="0"/>
-              <a:t>17/02/2022</a:t>
+              <a:t>22/02/2022</a:t>
             </a:fld>
             <a:endParaRPr lang="en-GB"/>
           </a:p>
@@ -4932,7 +5277,7 @@
           <a:p>
             <a:fld id="{8C367D54-26AC-4AC2-B9E9-6058043B4D3D}" type="datetimeFigureOut">
               <a:rPr lang="en-GB" smtClean="0"/>
-              <a:t>17/02/2022</a:t>
+              <a:t>22/02/2022</a:t>
             </a:fld>
             <a:endParaRPr lang="en-GB"/>
           </a:p>
@@ -5221,7 +5566,7 @@
           <a:p>
             <a:fld id="{8C367D54-26AC-4AC2-B9E9-6058043B4D3D}" type="datetimeFigureOut">
               <a:rPr lang="en-GB" smtClean="0"/>
-              <a:t>17/02/2022</a:t>
+              <a:t>22/02/2022</a:t>
             </a:fld>
             <a:endParaRPr lang="en-GB"/>
           </a:p>
@@ -5464,7 +5809,7 @@
           <a:p>
             <a:fld id="{8C367D54-26AC-4AC2-B9E9-6058043B4D3D}" type="datetimeFigureOut">
               <a:rPr lang="en-GB" smtClean="0"/>
-              <a:t>17/02/2022</a:t>
+              <a:t>22/02/2022</a:t>
             </a:fld>
             <a:endParaRPr lang="en-GB"/>
           </a:p>
@@ -14124,6 +14469,733 @@
           <p:cNvPr id="2" name="Title 1">
             <a:extLst>
               <a:ext uri="{FF2B5EF4-FFF2-40B4-BE49-F238E27FC236}">
+                <a16:creationId xmlns:a16="http://schemas.microsoft.com/office/drawing/2014/main" id="{AF234254-0368-464F-8D9A-ED6EBA58F0FC}"/>
+              </a:ext>
+            </a:extLst>
+          </p:cNvPr>
+          <p:cNvSpPr>
+            <a:spLocks noGrp="1"/>
+          </p:cNvSpPr>
+          <p:nvPr>
+            <p:ph type="title"/>
+          </p:nvPr>
+        </p:nvSpPr>
+        <p:spPr/>
+        <p:txBody>
+          <a:bodyPr/>
+          <a:lstStyle/>
+          <a:p>
+            <a:r>
+              <a:rPr lang="en-US" sz="4000" dirty="0"/>
+              <a:t>ROS Tools</a:t>
+            </a:r>
+            <a:r>
+              <a:rPr lang="en-US" dirty="0"/>
+              <a:t/>
+            </a:r>
+            <a:br>
+              <a:rPr lang="en-US" dirty="0"/>
+            </a:br>
+            <a:r>
+              <a:rPr lang="en-US" sz="3200" dirty="0"/>
+              <a:t>ROS File structure</a:t>
+            </a:r>
+          </a:p>
+        </p:txBody>
+      </p:sp>
+      <p:sp>
+        <p:nvSpPr>
+          <p:cNvPr id="3" name="Content Placeholder 2">
+            <a:extLst>
+              <a:ext uri="{FF2B5EF4-FFF2-40B4-BE49-F238E27FC236}">
+                <a16:creationId xmlns:a16="http://schemas.microsoft.com/office/drawing/2014/main" id="{2E7659E1-7643-F447-B62C-C7F715E39CE6}"/>
+              </a:ext>
+            </a:extLst>
+          </p:cNvPr>
+          <p:cNvSpPr>
+            <a:spLocks noGrp="1"/>
+          </p:cNvSpPr>
+          <p:nvPr>
+            <p:ph idx="1"/>
+          </p:nvPr>
+        </p:nvSpPr>
+        <p:spPr/>
+        <p:txBody>
+          <a:bodyPr>
+            <a:normAutofit/>
+          </a:bodyPr>
+          <a:lstStyle/>
+          <a:p>
+            <a:pPr algn="just"/>
+            <a:r>
+              <a:rPr lang="en-US" sz="2400" dirty="0"/>
+              <a:t>ROS projects are organized using workspaces, which are a collection of grouped codes called packages. </a:t>
+            </a:r>
+          </a:p>
+          <a:p>
+            <a:pPr algn="just"/>
+            <a:r>
+              <a:rPr lang="en-US" sz="2400" dirty="0"/>
+              <a:t>Instructions for the compiler need to be allocated in .</a:t>
+            </a:r>
+            <a:r>
+              <a:rPr lang="en-US" sz="2400" dirty="0" err="1"/>
+              <a:t>cmake</a:t>
+            </a:r>
+            <a:r>
+              <a:rPr lang="en-US" sz="2400" dirty="0"/>
+              <a:t> and package files </a:t>
+            </a:r>
+          </a:p>
+        </p:txBody>
+      </p:sp>
+      <p:sp>
+        <p:nvSpPr>
+          <p:cNvPr id="7" name="TextBox 6">
+            <a:extLst>
+              <a:ext uri="{FF2B5EF4-FFF2-40B4-BE49-F238E27FC236}">
+                <a16:creationId xmlns:a16="http://schemas.microsoft.com/office/drawing/2014/main" id="{94E9A6E3-BD38-7B42-8093-D99DA4C98EC9}"/>
+              </a:ext>
+            </a:extLst>
+          </p:cNvPr>
+          <p:cNvSpPr txBox="1"/>
+          <p:nvPr/>
+        </p:nvSpPr>
+        <p:spPr>
+          <a:xfrm>
+            <a:off x="6424090" y="3264912"/>
+            <a:ext cx="4312920" cy="3046988"/>
+          </a:xfrm>
+          <a:prstGeom prst="rect">
+            <a:avLst/>
+          </a:prstGeom>
+          <a:noFill/>
+        </p:spPr>
+        <p:txBody>
+          <a:bodyPr wrap="square" rtlCol="0">
+            <a:spAutoFit/>
+          </a:bodyPr>
+          <a:lstStyle/>
+          <a:p>
+            <a:pPr marL="285750" indent="-285750">
+              <a:buFont typeface="Arial" panose="020B0604020202020204" pitchFamily="34" charset="0"/>
+              <a:buChar char="•"/>
+            </a:pPr>
+            <a:r>
+              <a:rPr lang="en-US" sz="2400" dirty="0">
+                <a:solidFill>
+                  <a:schemeClr val="accent6"/>
+                </a:solidFill>
+              </a:rPr>
+              <a:t>Package files are exportable between projects</a:t>
+            </a:r>
+          </a:p>
+          <a:p>
+            <a:pPr marL="285750" indent="-285750">
+              <a:buFont typeface="Arial" panose="020B0604020202020204" pitchFamily="34" charset="0"/>
+              <a:buChar char="•"/>
+            </a:pPr>
+            <a:r>
+              <a:rPr lang="en-US" sz="2400" dirty="0">
+                <a:solidFill>
+                  <a:srgbClr val="C00000"/>
+                </a:solidFill>
+              </a:rPr>
+              <a:t>Configuration files used to stablish code dependencies</a:t>
+            </a:r>
+          </a:p>
+          <a:p>
+            <a:pPr marL="285750" indent="-285750">
+              <a:buFont typeface="Arial" panose="020B0604020202020204" pitchFamily="34" charset="0"/>
+              <a:buChar char="•"/>
+            </a:pPr>
+            <a:r>
+              <a:rPr lang="en-US" sz="2400" dirty="0">
+                <a:solidFill>
+                  <a:schemeClr val="accent1"/>
+                </a:solidFill>
+              </a:rPr>
+              <a:t>Code that we will execute</a:t>
+            </a:r>
+          </a:p>
+          <a:p>
+            <a:pPr marL="285750" indent="-285750">
+              <a:buFont typeface="Arial" panose="020B0604020202020204" pitchFamily="34" charset="0"/>
+              <a:buChar char="•"/>
+            </a:pPr>
+            <a:r>
+              <a:rPr lang="en-US" sz="2400" dirty="0" err="1"/>
+              <a:t>Catkin_make</a:t>
+            </a:r>
+            <a:r>
+              <a:rPr lang="en-US" sz="2400" dirty="0"/>
+              <a:t> will generate ‘</a:t>
+            </a:r>
+            <a:r>
+              <a:rPr lang="en-US" sz="2400" dirty="0" err="1"/>
+              <a:t>src</a:t>
+            </a:r>
+            <a:r>
+              <a:rPr lang="en-US" sz="2400" dirty="0"/>
+              <a:t>’ and ‘</a:t>
+            </a:r>
+            <a:r>
+              <a:rPr lang="en-US" sz="2400" dirty="0" err="1"/>
+              <a:t>devel</a:t>
+            </a:r>
+            <a:r>
+              <a:rPr lang="en-US" sz="2400" dirty="0"/>
+              <a:t>’ for you when compiling the workspace</a:t>
+            </a:r>
+            <a:endParaRPr lang="en-US" dirty="0"/>
+          </a:p>
+        </p:txBody>
+      </p:sp>
+      <p:pic>
+        <p:nvPicPr>
+          <p:cNvPr id="4" name="Picture 3">
+            <a:extLst>
+              <a:ext uri="{FF2B5EF4-FFF2-40B4-BE49-F238E27FC236}">
+                <a16:creationId xmlns:a16="http://schemas.microsoft.com/office/drawing/2014/main" id="{A912BADB-0E5B-9A43-86E9-0F1D76B554C9}"/>
+              </a:ext>
+            </a:extLst>
+          </p:cNvPr>
+          <p:cNvPicPr>
+            <a:picLocks noChangeAspect="1"/>
+          </p:cNvPicPr>
+          <p:nvPr/>
+        </p:nvPicPr>
+        <p:blipFill>
+          <a:blip r:embed="rId3"/>
+          <a:stretch>
+            <a:fillRect/>
+          </a:stretch>
+        </p:blipFill>
+        <p:spPr>
+          <a:xfrm>
+            <a:off x="1901536" y="3036755"/>
+            <a:ext cx="3241964" cy="3451731"/>
+          </a:xfrm>
+          <a:prstGeom prst="rect">
+            <a:avLst/>
+          </a:prstGeom>
+        </p:spPr>
+      </p:pic>
+      <p:sp>
+        <p:nvSpPr>
+          <p:cNvPr id="11" name="Rectangle 10">
+            <a:extLst>
+              <a:ext uri="{FF2B5EF4-FFF2-40B4-BE49-F238E27FC236}">
+                <a16:creationId xmlns:a16="http://schemas.microsoft.com/office/drawing/2014/main" id="{311A4DDB-F8D2-9143-ADDD-36492BDFA9AB}"/>
+              </a:ext>
+            </a:extLst>
+          </p:cNvPr>
+          <p:cNvSpPr/>
+          <p:nvPr/>
+        </p:nvSpPr>
+        <p:spPr>
+          <a:xfrm>
+            <a:off x="2770909" y="4109017"/>
+            <a:ext cx="2019301" cy="1076047"/>
+          </a:xfrm>
+          <a:prstGeom prst="rect">
+            <a:avLst/>
+          </a:prstGeom>
+          <a:noFill/>
+          <a:ln w="34925">
+            <a:solidFill>
+              <a:schemeClr val="accent6"/>
+            </a:solidFill>
+          </a:ln>
+        </p:spPr>
+        <p:style>
+          <a:lnRef idx="2">
+            <a:schemeClr val="accent1">
+              <a:shade val="50000"/>
+            </a:schemeClr>
+          </a:lnRef>
+          <a:fillRef idx="1">
+            <a:schemeClr val="accent1"/>
+          </a:fillRef>
+          <a:effectRef idx="0">
+            <a:schemeClr val="accent1"/>
+          </a:effectRef>
+          <a:fontRef idx="minor">
+            <a:schemeClr val="lt1"/>
+          </a:fontRef>
+        </p:style>
+        <p:txBody>
+          <a:bodyPr rtlCol="0" anchor="ctr"/>
+          <a:lstStyle/>
+          <a:p>
+            <a:pPr algn="ctr"/>
+            <a:endParaRPr lang="en-US" dirty="0"/>
+          </a:p>
+        </p:txBody>
+      </p:sp>
+      <p:sp>
+        <p:nvSpPr>
+          <p:cNvPr id="15" name="Rectangle 14">
+            <a:extLst>
+              <a:ext uri="{FF2B5EF4-FFF2-40B4-BE49-F238E27FC236}">
+                <a16:creationId xmlns:a16="http://schemas.microsoft.com/office/drawing/2014/main" id="{17A6C7C8-34AF-FB4C-9B63-81D299C6501E}"/>
+              </a:ext>
+            </a:extLst>
+          </p:cNvPr>
+          <p:cNvSpPr/>
+          <p:nvPr/>
+        </p:nvSpPr>
+        <p:spPr>
+          <a:xfrm>
+            <a:off x="3200399" y="5392738"/>
+            <a:ext cx="1558638" cy="488517"/>
+          </a:xfrm>
+          <a:prstGeom prst="rect">
+            <a:avLst/>
+          </a:prstGeom>
+          <a:noFill/>
+          <a:ln w="34925">
+            <a:solidFill>
+              <a:srgbClr val="C00000"/>
+            </a:solidFill>
+          </a:ln>
+        </p:spPr>
+        <p:style>
+          <a:lnRef idx="2">
+            <a:schemeClr val="accent1">
+              <a:shade val="50000"/>
+            </a:schemeClr>
+          </a:lnRef>
+          <a:fillRef idx="1">
+            <a:schemeClr val="accent1"/>
+          </a:fillRef>
+          <a:effectRef idx="0">
+            <a:schemeClr val="accent1"/>
+          </a:effectRef>
+          <a:fontRef idx="minor">
+            <a:schemeClr val="lt1"/>
+          </a:fontRef>
+        </p:style>
+        <p:txBody>
+          <a:bodyPr rtlCol="0" anchor="ctr"/>
+          <a:lstStyle/>
+          <a:p>
+            <a:pPr algn="ctr"/>
+            <a:endParaRPr lang="en-US" dirty="0"/>
+          </a:p>
+        </p:txBody>
+      </p:sp>
+      <p:sp>
+        <p:nvSpPr>
+          <p:cNvPr id="6" name="Rectangle 5">
+            <a:extLst>
+              <a:ext uri="{FF2B5EF4-FFF2-40B4-BE49-F238E27FC236}">
+                <a16:creationId xmlns:a16="http://schemas.microsoft.com/office/drawing/2014/main" id="{44452F51-9FFF-DF48-8FAE-F7DD06126DC1}"/>
+              </a:ext>
+            </a:extLst>
+          </p:cNvPr>
+          <p:cNvSpPr/>
+          <p:nvPr/>
+        </p:nvSpPr>
+        <p:spPr>
+          <a:xfrm>
+            <a:off x="3148445" y="4748647"/>
+            <a:ext cx="1641765" cy="426026"/>
+          </a:xfrm>
+          <a:prstGeom prst="rect">
+            <a:avLst/>
+          </a:prstGeom>
+          <a:noFill/>
+          <a:ln w="34925"/>
+        </p:spPr>
+        <p:style>
+          <a:lnRef idx="2">
+            <a:schemeClr val="accent1">
+              <a:shade val="50000"/>
+            </a:schemeClr>
+          </a:lnRef>
+          <a:fillRef idx="1">
+            <a:schemeClr val="accent1"/>
+          </a:fillRef>
+          <a:effectRef idx="0">
+            <a:schemeClr val="accent1"/>
+          </a:effectRef>
+          <a:fontRef idx="minor">
+            <a:schemeClr val="lt1"/>
+          </a:fontRef>
+        </p:style>
+        <p:txBody>
+          <a:bodyPr rtlCol="0" anchor="ctr"/>
+          <a:lstStyle/>
+          <a:p>
+            <a:pPr algn="ctr"/>
+            <a:endParaRPr lang="en-US" dirty="0"/>
+          </a:p>
+        </p:txBody>
+      </p:sp>
+    </p:spTree>
+    <p:extLst>
+      <p:ext uri="{BB962C8B-B14F-4D97-AF65-F5344CB8AC3E}">
+        <p14:creationId xmlns:p14="http://schemas.microsoft.com/office/powerpoint/2010/main" val="2328386916"/>
+      </p:ext>
+    </p:extLst>
+  </p:cSld>
+  <p:clrMapOvr>
+    <a:masterClrMapping/>
+  </p:clrMapOvr>
+  <mc:AlternateContent xmlns:mc="http://schemas.openxmlformats.org/markup-compatibility/2006" xmlns:p14="http://schemas.microsoft.com/office/powerpoint/2010/main">
+    <mc:Choice Requires="p14">
+      <p:transition spd="slow" p14:dur="2000" advTm="170"/>
+    </mc:Choice>
+    <mc:Fallback xmlns="">
+      <p:transition spd="slow" advTm="170"/>
+    </mc:Fallback>
+  </mc:AlternateContent>
+</p:sld>
+</file>
+
+<file path=ppt/slides/slide21.xml><?xml version="1.0" encoding="utf-8"?>
+<p:sld xmlns:a="http://schemas.openxmlformats.org/drawingml/2006/main" xmlns:r="http://schemas.openxmlformats.org/officeDocument/2006/relationships" xmlns:p="http://schemas.openxmlformats.org/presentationml/2006/main">
+  <p:cSld>
+    <p:spTree>
+      <p:nvGrpSpPr>
+        <p:cNvPr id="1" name=""/>
+        <p:cNvGrpSpPr/>
+        <p:nvPr/>
+      </p:nvGrpSpPr>
+      <p:grpSpPr>
+        <a:xfrm>
+          <a:off x="0" y="0"/>
+          <a:ext cx="0" cy="0"/>
+          <a:chOff x="0" y="0"/>
+          <a:chExt cx="0" cy="0"/>
+        </a:xfrm>
+      </p:grpSpPr>
+      <p:sp>
+        <p:nvSpPr>
+          <p:cNvPr id="2" name="Title 1">
+            <a:extLst>
+              <a:ext uri="{FF2B5EF4-FFF2-40B4-BE49-F238E27FC236}">
+                <a16:creationId xmlns:a16="http://schemas.microsoft.com/office/drawing/2014/main" id="{E986AE5C-10A6-C94C-9D95-8E1504BFCC57}"/>
+              </a:ext>
+            </a:extLst>
+          </p:cNvPr>
+          <p:cNvSpPr>
+            <a:spLocks noGrp="1"/>
+          </p:cNvSpPr>
+          <p:nvPr>
+            <p:ph type="title"/>
+          </p:nvPr>
+        </p:nvSpPr>
+        <p:spPr>
+          <a:xfrm>
+            <a:off x="1597152" y="365125"/>
+            <a:ext cx="7656576" cy="1325563"/>
+          </a:xfrm>
+        </p:spPr>
+        <p:txBody>
+          <a:bodyPr/>
+          <a:lstStyle/>
+          <a:p>
+            <a:r>
+              <a:rPr lang="en-US" sz="4000" dirty="0">
+                <a:solidFill>
+                  <a:prstClr val="black"/>
+                </a:solidFill>
+              </a:rPr>
+              <a:t>ROS Tools</a:t>
+            </a:r>
+            <a:r>
+              <a:rPr lang="en-US" dirty="0">
+                <a:solidFill>
+                  <a:prstClr val="black"/>
+                </a:solidFill>
+              </a:rPr>
+              <a:t/>
+            </a:r>
+            <a:br>
+              <a:rPr lang="en-US" dirty="0">
+                <a:solidFill>
+                  <a:prstClr val="black"/>
+                </a:solidFill>
+              </a:rPr>
+            </a:br>
+            <a:r>
+              <a:rPr lang="en-US" sz="3200" dirty="0">
+                <a:solidFill>
+                  <a:prstClr val="black"/>
+                </a:solidFill>
+              </a:rPr>
+              <a:t>ROS Compilation tools </a:t>
+            </a:r>
+            <a:endParaRPr lang="en-US" dirty="0">
+              <a:latin typeface="Consolas" panose="020B0609020204030204" pitchFamily="49" charset="0"/>
+            </a:endParaRPr>
+          </a:p>
+        </p:txBody>
+      </p:sp>
+      <p:sp>
+        <p:nvSpPr>
+          <p:cNvPr id="3" name="Content Placeholder 2">
+            <a:extLst>
+              <a:ext uri="{FF2B5EF4-FFF2-40B4-BE49-F238E27FC236}">
+                <a16:creationId xmlns:a16="http://schemas.microsoft.com/office/drawing/2014/main" id="{D0758F30-D0DF-8346-B9E4-1362F60347F8}"/>
+              </a:ext>
+            </a:extLst>
+          </p:cNvPr>
+          <p:cNvSpPr>
+            <a:spLocks noGrp="1"/>
+          </p:cNvSpPr>
+          <p:nvPr>
+            <p:ph idx="4294967295"/>
+          </p:nvPr>
+        </p:nvSpPr>
+        <p:spPr>
+          <a:xfrm>
+            <a:off x="838200" y="1825625"/>
+            <a:ext cx="10515600" cy="4351338"/>
+          </a:xfrm>
+        </p:spPr>
+        <p:txBody>
+          <a:bodyPr>
+            <a:normAutofit lnSpcReduction="10000"/>
+          </a:bodyPr>
+          <a:lstStyle/>
+          <a:p>
+            <a:pPr algn="just"/>
+            <a:r>
+              <a:rPr lang="en-US" sz="2400" dirty="0"/>
+              <a:t>ROS requires to compile each package, generating dependencies related with other packages, external libraries or custom messages, services and actions.</a:t>
+            </a:r>
+          </a:p>
+          <a:p>
+            <a:pPr algn="just"/>
+            <a:r>
+              <a:rPr lang="en-US" sz="2400" dirty="0"/>
+              <a:t>The preferred compilation tool is known as </a:t>
+            </a:r>
+            <a:r>
+              <a:rPr lang="en-US" sz="2000" dirty="0">
+                <a:latin typeface="Consolas" panose="020B0609020204030204" pitchFamily="49" charset="0"/>
+                <a:cs typeface="Consolas" panose="020B0609020204030204" pitchFamily="49" charset="0"/>
+              </a:rPr>
+              <a:t>catkin</a:t>
+            </a:r>
+            <a:r>
+              <a:rPr lang="en-US" sz="2400" dirty="0"/>
+              <a:t> and uses two separated files, </a:t>
+            </a:r>
+            <a:r>
+              <a:rPr lang="en-US" sz="2000" dirty="0" err="1">
+                <a:latin typeface="Consolas" panose="020B0609020204030204" pitchFamily="49" charset="0"/>
+                <a:cs typeface="Consolas" panose="020B0609020204030204" pitchFamily="49" charset="0"/>
+              </a:rPr>
+              <a:t>package.xml</a:t>
+            </a:r>
+            <a:r>
+              <a:rPr lang="en-US" sz="2000" dirty="0">
+                <a:latin typeface="Consolas" panose="020B0609020204030204" pitchFamily="49" charset="0"/>
+                <a:cs typeface="Consolas" panose="020B0609020204030204" pitchFamily="49" charset="0"/>
+              </a:rPr>
+              <a:t> </a:t>
+            </a:r>
+            <a:r>
+              <a:rPr lang="en-US" sz="2400" dirty="0"/>
+              <a:t>and </a:t>
+            </a:r>
+            <a:r>
+              <a:rPr lang="en-US" sz="2000" dirty="0" err="1">
+                <a:latin typeface="Consolas" panose="020B0609020204030204" pitchFamily="49" charset="0"/>
+                <a:cs typeface="Consolas" panose="020B0609020204030204" pitchFamily="49" charset="0"/>
+              </a:rPr>
+              <a:t>CMakeLists.txt</a:t>
+            </a:r>
+            <a:r>
+              <a:rPr lang="en-US" sz="2000" dirty="0">
+                <a:latin typeface="Consolas" panose="020B0609020204030204" pitchFamily="49" charset="0"/>
+                <a:cs typeface="Consolas" panose="020B0609020204030204" pitchFamily="49" charset="0"/>
+              </a:rPr>
+              <a:t>. </a:t>
+            </a:r>
+          </a:p>
+          <a:p>
+            <a:pPr algn="just"/>
+            <a:r>
+              <a:rPr lang="en-US" sz="2400" dirty="0"/>
+              <a:t>A useful command to create packages is:</a:t>
+            </a:r>
+          </a:p>
+          <a:p>
+            <a:pPr marL="457200" lvl="1" indent="0" algn="just">
+              <a:buNone/>
+            </a:pPr>
+            <a:r>
+              <a:rPr lang="en-GB" sz="2000" dirty="0">
+                <a:latin typeface="Consolas" panose="020B0609020204030204" pitchFamily="49" charset="0"/>
+                <a:cs typeface="Consolas" panose="020B0609020204030204" pitchFamily="49" charset="0"/>
+              </a:rPr>
+              <a:t> </a:t>
+            </a:r>
+            <a:r>
+              <a:rPr lang="en-GB" sz="2000" dirty="0" err="1">
+                <a:latin typeface="Consolas" panose="020B0609020204030204" pitchFamily="49" charset="0"/>
+                <a:cs typeface="Consolas" panose="020B0609020204030204" pitchFamily="49" charset="0"/>
+              </a:rPr>
+              <a:t>catkin_create_pkg</a:t>
+            </a:r>
+            <a:r>
+              <a:rPr lang="en-GB" sz="2000" dirty="0">
+                <a:latin typeface="Consolas" panose="020B0609020204030204" pitchFamily="49" charset="0"/>
+                <a:cs typeface="Consolas" panose="020B0609020204030204" pitchFamily="49" charset="0"/>
+              </a:rPr>
+              <a:t> [name] [list of dependencies]</a:t>
+            </a:r>
+            <a:endParaRPr lang="en-US" sz="2000" dirty="0">
+              <a:latin typeface="Consolas" panose="020B0609020204030204" pitchFamily="49" charset="0"/>
+              <a:cs typeface="Consolas" panose="020B0609020204030204" pitchFamily="49" charset="0"/>
+            </a:endParaRPr>
+          </a:p>
+          <a:p>
+            <a:pPr algn="just"/>
+            <a:r>
+              <a:rPr lang="en-US" sz="2400" dirty="0"/>
+              <a:t>Which generates an empty package and templates of both </a:t>
+            </a:r>
+            <a:r>
+              <a:rPr lang="en-US" sz="2400" dirty="0" err="1"/>
+              <a:t>CMakeLists</a:t>
+            </a:r>
+            <a:r>
+              <a:rPr lang="en-US" sz="2400" dirty="0"/>
+              <a:t> and package files. </a:t>
+            </a:r>
+          </a:p>
+          <a:p>
+            <a:pPr algn="just"/>
+            <a:r>
+              <a:rPr lang="en-GB" sz="2400" dirty="0"/>
+              <a:t>More information about the syntaxis of this files can be found In </a:t>
+            </a:r>
+            <a:r>
+              <a:rPr lang="en-GB" sz="2400" dirty="0">
+                <a:hlinkClick r:id="rId4"/>
+              </a:rPr>
+              <a:t>http://wiki.ros.org/ROS/Tutorials/CreatingPackage</a:t>
+            </a:r>
+            <a:endParaRPr lang="en-GB" sz="2400" dirty="0"/>
+          </a:p>
+          <a:p>
+            <a:pPr algn="just"/>
+            <a:r>
+              <a:rPr lang="en-GB" sz="2400" dirty="0"/>
+              <a:t>Projects are compiled with the instruction </a:t>
+            </a:r>
+            <a:r>
+              <a:rPr lang="en-GB" sz="2000" dirty="0" err="1">
+                <a:latin typeface="Consolas" panose="020B0609020204030204" pitchFamily="49" charset="0"/>
+                <a:cs typeface="Consolas" panose="020B0609020204030204" pitchFamily="49" charset="0"/>
+              </a:rPr>
+              <a:t>catkin_make</a:t>
+            </a:r>
+            <a:r>
+              <a:rPr lang="en-GB" sz="2000" dirty="0">
+                <a:latin typeface="Consolas" panose="020B0609020204030204" pitchFamily="49" charset="0"/>
+                <a:cs typeface="Consolas" panose="020B0609020204030204" pitchFamily="49" charset="0"/>
+              </a:rPr>
+              <a:t> </a:t>
+            </a:r>
+            <a:r>
+              <a:rPr lang="en-GB" sz="2400" dirty="0"/>
+              <a:t>and the instruction </a:t>
+            </a:r>
+            <a:r>
+              <a:rPr lang="en-GB" sz="2000" dirty="0">
+                <a:latin typeface="Consolas" panose="020B0609020204030204" pitchFamily="49" charset="0"/>
+                <a:cs typeface="Consolas" panose="020B0609020204030204" pitchFamily="49" charset="0"/>
+              </a:rPr>
+              <a:t>source [project]/</a:t>
+            </a:r>
+            <a:r>
+              <a:rPr lang="en-GB" sz="2000" dirty="0" err="1">
+                <a:latin typeface="Consolas" panose="020B0609020204030204" pitchFamily="49" charset="0"/>
+                <a:cs typeface="Consolas" panose="020B0609020204030204" pitchFamily="49" charset="0"/>
+              </a:rPr>
+              <a:t>devel</a:t>
+            </a:r>
+            <a:r>
+              <a:rPr lang="en-GB" sz="2000" dirty="0">
+                <a:latin typeface="Consolas" panose="020B0609020204030204" pitchFamily="49" charset="0"/>
+                <a:cs typeface="Consolas" panose="020B0609020204030204" pitchFamily="49" charset="0"/>
+              </a:rPr>
+              <a:t>/</a:t>
+            </a:r>
+            <a:r>
+              <a:rPr lang="en-GB" sz="2000" dirty="0" err="1">
+                <a:latin typeface="Consolas" panose="020B0609020204030204" pitchFamily="49" charset="0"/>
+                <a:cs typeface="Consolas" panose="020B0609020204030204" pitchFamily="49" charset="0"/>
+              </a:rPr>
+              <a:t>setup.bash</a:t>
+            </a:r>
+            <a:r>
+              <a:rPr lang="en-GB" sz="2000" dirty="0">
+                <a:latin typeface="Consolas" panose="020B0609020204030204" pitchFamily="49" charset="0"/>
+                <a:cs typeface="Consolas" panose="020B0609020204030204" pitchFamily="49" charset="0"/>
+              </a:rPr>
+              <a:t> </a:t>
+            </a:r>
+            <a:r>
+              <a:rPr lang="en-GB" sz="2400" dirty="0"/>
+              <a:t>needs to be executed to load the changes.</a:t>
+            </a:r>
+          </a:p>
+        </p:txBody>
+      </p:sp>
+    </p:spTree>
+    <p:custDataLst>
+      <p:tags r:id="rId1"/>
+    </p:custDataLst>
+    <p:extLst>
+      <p:ext uri="{BB962C8B-B14F-4D97-AF65-F5344CB8AC3E}">
+        <p14:creationId xmlns:p14="http://schemas.microsoft.com/office/powerpoint/2010/main" val="2883070497"/>
+      </p:ext>
+    </p:extLst>
+  </p:cSld>
+  <p:clrMapOvr>
+    <a:masterClrMapping/>
+  </p:clrMapOvr>
+  <mc:AlternateContent xmlns:mc="http://schemas.openxmlformats.org/markup-compatibility/2006" xmlns:p14="http://schemas.microsoft.com/office/powerpoint/2010/main">
+    <mc:Choice Requires="p14">
+      <p:transition spd="slow" p14:dur="2000" advTm="1047"/>
+    </mc:Choice>
+    <mc:Fallback xmlns="">
+      <p:transition spd="slow" advTm="1047"/>
+    </mc:Fallback>
+  </mc:AlternateContent>
+</p:sld>
+</file>
+
+<file path=ppt/slides/slide22.xml><?xml version="1.0" encoding="utf-8"?>
+<p:sld xmlns:a="http://schemas.openxmlformats.org/drawingml/2006/main" xmlns:r="http://schemas.openxmlformats.org/officeDocument/2006/relationships" xmlns:p="http://schemas.openxmlformats.org/presentationml/2006/main">
+  <p:cSld>
+    <p:spTree>
+      <p:nvGrpSpPr>
+        <p:cNvPr id="1" name=""/>
+        <p:cNvGrpSpPr/>
+        <p:nvPr/>
+      </p:nvGrpSpPr>
+      <p:grpSpPr>
+        <a:xfrm>
+          <a:off x="0" y="0"/>
+          <a:ext cx="0" cy="0"/>
+          <a:chOff x="0" y="0"/>
+          <a:chExt cx="0" cy="0"/>
+        </a:xfrm>
+      </p:grpSpPr>
+      <p:sp>
+        <p:nvSpPr>
+          <p:cNvPr id="2" name="Title 1">
+            <a:extLst>
+              <a:ext uri="{FF2B5EF4-FFF2-40B4-BE49-F238E27FC236}">
                 <a16:creationId xmlns:a16="http://schemas.microsoft.com/office/drawing/2014/main" id="{E986AE5C-10A6-C94C-9D95-8E1504BFCC57}"/>
               </a:ext>
             </a:extLst>
@@ -14908,7 +15980,7 @@
 </p:sld>
 </file>
 
-<file path=ppt/slides/slide21.xml><?xml version="1.0" encoding="utf-8"?>
+<file path=ppt/slides/slide23.xml><?xml version="1.0" encoding="utf-8"?>
 <p:sld xmlns:a="http://schemas.openxmlformats.org/drawingml/2006/main" xmlns:r="http://schemas.openxmlformats.org/officeDocument/2006/relationships" xmlns:p="http://schemas.openxmlformats.org/presentationml/2006/main">
   <p:cSld>
     <p:spTree>
@@ -15472,7 +16544,7 @@
 </p:sld>
 </file>
 
-<file path=ppt/slides/slide22.xml><?xml version="1.0" encoding="utf-8"?>
+<file path=ppt/slides/slide24.xml><?xml version="1.0" encoding="utf-8"?>
 <p:sld xmlns:a="http://schemas.openxmlformats.org/drawingml/2006/main" xmlns:r="http://schemas.openxmlformats.org/officeDocument/2006/relationships" xmlns:p="http://schemas.openxmlformats.org/presentationml/2006/main">
   <p:cSld>
     <p:spTree>
@@ -15716,861 +16788,6 @@
 </p:sld>
 </file>
 
-<file path=ppt/slides/slide23.xml><?xml version="1.0" encoding="utf-8"?>
-<p:sld xmlns:a="http://schemas.openxmlformats.org/drawingml/2006/main" xmlns:r="http://schemas.openxmlformats.org/officeDocument/2006/relationships" xmlns:p="http://schemas.openxmlformats.org/presentationml/2006/main">
-  <p:cSld>
-    <p:spTree>
-      <p:nvGrpSpPr>
-        <p:cNvPr id="1" name=""/>
-        <p:cNvGrpSpPr/>
-        <p:nvPr/>
-      </p:nvGrpSpPr>
-      <p:grpSpPr>
-        <a:xfrm>
-          <a:off x="0" y="0"/>
-          <a:ext cx="0" cy="0"/>
-          <a:chOff x="0" y="0"/>
-          <a:chExt cx="0" cy="0"/>
-        </a:xfrm>
-      </p:grpSpPr>
-      <p:sp>
-        <p:nvSpPr>
-          <p:cNvPr id="2" name="Title 1">
-            <a:extLst>
-              <a:ext uri="{FF2B5EF4-FFF2-40B4-BE49-F238E27FC236}">
-                <a16:creationId xmlns:a16="http://schemas.microsoft.com/office/drawing/2014/main" id="{E986AE5C-10A6-C94C-9D95-8E1504BFCC57}"/>
-              </a:ext>
-            </a:extLst>
-          </p:cNvPr>
-          <p:cNvSpPr>
-            <a:spLocks noGrp="1"/>
-          </p:cNvSpPr>
-          <p:nvPr>
-            <p:ph type="title"/>
-          </p:nvPr>
-        </p:nvSpPr>
-        <p:spPr>
-          <a:xfrm>
-            <a:off x="1597152" y="365125"/>
-            <a:ext cx="7656576" cy="1325563"/>
-          </a:xfrm>
-        </p:spPr>
-        <p:txBody>
-          <a:bodyPr>
-            <a:normAutofit/>
-          </a:bodyPr>
-          <a:lstStyle/>
-          <a:p>
-            <a:r>
-              <a:rPr lang="en-US" sz="4000" dirty="0"/>
-              <a:t>ROS Tools</a:t>
-            </a:r>
-            <a:r>
-              <a:rPr lang="en-US" dirty="0"/>
-              <a:t/>
-            </a:r>
-            <a:br>
-              <a:rPr lang="en-US" dirty="0"/>
-            </a:br>
-            <a:r>
-              <a:rPr lang="en-US" sz="3200" dirty="0"/>
-              <a:t>ROS Launch code tools</a:t>
-            </a:r>
-            <a:endParaRPr lang="en-US" dirty="0">
-              <a:latin typeface="Consolas" panose="020B0609020204030204" pitchFamily="49" charset="0"/>
-            </a:endParaRPr>
-          </a:p>
-        </p:txBody>
-      </p:sp>
-      <p:sp>
-        <p:nvSpPr>
-          <p:cNvPr id="7" name="Content Placeholder 2">
-            <a:extLst>
-              <a:ext uri="{FF2B5EF4-FFF2-40B4-BE49-F238E27FC236}">
-                <a16:creationId xmlns:a16="http://schemas.microsoft.com/office/drawing/2014/main" id="{83325263-BC60-2C45-A687-164DA9EC6910}"/>
-              </a:ext>
-            </a:extLst>
-          </p:cNvPr>
-          <p:cNvSpPr>
-            <a:spLocks noGrp="1"/>
-          </p:cNvSpPr>
-          <p:nvPr>
-            <p:ph idx="4294967295"/>
-          </p:nvPr>
-        </p:nvSpPr>
-        <p:spPr>
-          <a:xfrm>
-            <a:off x="838200" y="1986047"/>
-            <a:ext cx="10515600" cy="4506827"/>
-          </a:xfrm>
-        </p:spPr>
-        <p:txBody>
-          <a:bodyPr vert="horz" lIns="91440" tIns="45720" rIns="91440" bIns="45720" rtlCol="0" anchor="t">
-            <a:normAutofit/>
-          </a:bodyPr>
-          <a:lstStyle/>
-          <a:p>
-            <a:pPr algn="just"/>
-            <a:r>
-              <a:rPr lang="en-US" sz="2400" dirty="0"/>
-              <a:t>Running a node</a:t>
-            </a:r>
-          </a:p>
-          <a:p>
-            <a:pPr marL="457200" lvl="1" indent="0" algn="just">
-              <a:buNone/>
-            </a:pPr>
-            <a:r>
-              <a:rPr lang="en-GB" sz="2000" dirty="0">
-                <a:solidFill>
-                  <a:srgbClr val="808080"/>
-                </a:solidFill>
-                <a:latin typeface="Consolas" panose="020B0609020204030204" pitchFamily="49" charset="0"/>
-              </a:rPr>
-              <a:t>&lt;node name=“listener” </a:t>
-            </a:r>
-            <a:r>
-              <a:rPr lang="en-GB" sz="2000" dirty="0" err="1">
-                <a:solidFill>
-                  <a:srgbClr val="808080"/>
-                </a:solidFill>
-                <a:latin typeface="Consolas" panose="020B0609020204030204" pitchFamily="49" charset="0"/>
-              </a:rPr>
-              <a:t>pkg</a:t>
-            </a:r>
-            <a:r>
-              <a:rPr lang="en-GB" sz="2000" dirty="0">
-                <a:solidFill>
-                  <a:srgbClr val="808080"/>
-                </a:solidFill>
-                <a:latin typeface="Consolas" panose="020B0609020204030204" pitchFamily="49" charset="0"/>
-              </a:rPr>
-              <a:t>=“</a:t>
-            </a:r>
-            <a:r>
-              <a:rPr lang="en-GB" sz="2000" dirty="0" err="1">
-                <a:solidFill>
-                  <a:srgbClr val="808080"/>
-                </a:solidFill>
-                <a:latin typeface="Consolas" panose="020B0609020204030204" pitchFamily="49" charset="0"/>
-              </a:rPr>
-              <a:t>basic_comms</a:t>
-            </a:r>
-            <a:r>
-              <a:rPr lang="en-GB" sz="2000" dirty="0">
-                <a:solidFill>
-                  <a:srgbClr val="808080"/>
-                </a:solidFill>
-                <a:latin typeface="Consolas" panose="020B0609020204030204" pitchFamily="49" charset="0"/>
-              </a:rPr>
-              <a:t>” type=“</a:t>
-            </a:r>
-            <a:r>
-              <a:rPr lang="en-GB" sz="2000" dirty="0" err="1">
-                <a:solidFill>
-                  <a:srgbClr val="808080"/>
-                </a:solidFill>
-                <a:latin typeface="Consolas" panose="020B0609020204030204" pitchFamily="49" charset="0"/>
-              </a:rPr>
-              <a:t>listener.py</a:t>
-            </a:r>
-            <a:r>
-              <a:rPr lang="en-GB" sz="2000" dirty="0">
-                <a:solidFill>
-                  <a:srgbClr val="808080"/>
-                </a:solidFill>
-                <a:latin typeface="Consolas" panose="020B0609020204030204" pitchFamily="49" charset="0"/>
-              </a:rPr>
-              <a:t>” output=“screen”/&gt;</a:t>
-            </a:r>
-            <a:endParaRPr lang="en-US" sz="2000" dirty="0"/>
-          </a:p>
-          <a:p>
-            <a:pPr algn="just"/>
-            <a:r>
-              <a:rPr lang="en-US" sz="2400" dirty="0"/>
-              <a:t>Running another file or launch file  </a:t>
-            </a:r>
-          </a:p>
-          <a:p>
-            <a:pPr marL="457200" lvl="1" indent="0" algn="just">
-              <a:buNone/>
-            </a:pPr>
-            <a:r>
-              <a:rPr lang="en-GB" sz="2000" dirty="0">
-                <a:solidFill>
-                  <a:srgbClr val="808080"/>
-                </a:solidFill>
-                <a:latin typeface="Consolas" panose="020B0609020204030204" pitchFamily="49" charset="0"/>
-              </a:rPr>
-              <a:t>&lt;include file="$(</a:t>
-            </a:r>
-            <a:r>
-              <a:rPr lang="en-GB" sz="2000" dirty="0" err="1">
-                <a:solidFill>
-                  <a:srgbClr val="808080"/>
-                </a:solidFill>
-                <a:latin typeface="Consolas" panose="020B0609020204030204" pitchFamily="49" charset="0"/>
-              </a:rPr>
-              <a:t>dirname</a:t>
-            </a:r>
-            <a:r>
-              <a:rPr lang="en-GB" sz="2000" dirty="0">
-                <a:solidFill>
-                  <a:srgbClr val="808080"/>
-                </a:solidFill>
-                <a:latin typeface="Consolas" panose="020B0609020204030204" pitchFamily="49" charset="0"/>
-              </a:rPr>
-              <a:t>)/</a:t>
-            </a:r>
-            <a:r>
-              <a:rPr lang="en-GB" sz="2000" dirty="0" err="1">
-                <a:solidFill>
-                  <a:srgbClr val="808080"/>
-                </a:solidFill>
-                <a:latin typeface="Consolas" panose="020B0609020204030204" pitchFamily="49" charset="0"/>
-              </a:rPr>
-              <a:t>other.launch</a:t>
-            </a:r>
-            <a:r>
-              <a:rPr lang="en-GB" sz="2000" dirty="0">
-                <a:solidFill>
-                  <a:srgbClr val="808080"/>
-                </a:solidFill>
-                <a:latin typeface="Consolas" panose="020B0609020204030204" pitchFamily="49" charset="0"/>
-              </a:rPr>
-              <a:t>" /&gt;</a:t>
-            </a:r>
-          </a:p>
-          <a:p>
-            <a:pPr algn="just"/>
-            <a:r>
-              <a:rPr lang="en-GB" sz="2400" dirty="0"/>
-              <a:t>Set parameters </a:t>
-            </a:r>
-            <a:endParaRPr lang="en-GB" sz="2400" dirty="0">
-              <a:solidFill>
-                <a:srgbClr val="FF0000"/>
-              </a:solidFill>
-            </a:endParaRPr>
-          </a:p>
-          <a:p>
-            <a:pPr marL="457200" lvl="1" indent="0" algn="just">
-              <a:buNone/>
-            </a:pPr>
-            <a:r>
-              <a:rPr lang="en-GB" sz="2000" dirty="0">
-                <a:solidFill>
-                  <a:srgbClr val="808080"/>
-                </a:solidFill>
-                <a:latin typeface="Consolas" panose="020B0609020204030204" pitchFamily="49" charset="0"/>
-              </a:rPr>
-              <a:t>&lt;param name="</a:t>
-            </a:r>
-            <a:r>
-              <a:rPr lang="en-GB" sz="2000" dirty="0" err="1">
-                <a:solidFill>
-                  <a:srgbClr val="808080"/>
-                </a:solidFill>
-                <a:latin typeface="Consolas" panose="020B0609020204030204" pitchFamily="49" charset="0"/>
-              </a:rPr>
-              <a:t>publish_frequency</a:t>
-            </a:r>
-            <a:r>
-              <a:rPr lang="en-GB" sz="2000" dirty="0">
-                <a:solidFill>
-                  <a:srgbClr val="808080"/>
-                </a:solidFill>
-                <a:latin typeface="Consolas" panose="020B0609020204030204" pitchFamily="49" charset="0"/>
-              </a:rPr>
-              <a:t>" type="double" value="10.0" /&gt;</a:t>
-            </a:r>
-          </a:p>
-          <a:p>
-            <a:pPr algn="just"/>
-            <a:r>
-              <a:rPr lang="en-GB" sz="2400" dirty="0"/>
-              <a:t>Pass </a:t>
-            </a:r>
-            <a:r>
-              <a:rPr lang="en-GB" sz="2400" dirty="0" err="1"/>
-              <a:t>args</a:t>
-            </a:r>
-            <a:r>
-              <a:rPr lang="en-GB" sz="2400" dirty="0"/>
-              <a:t> to the launch file</a:t>
-            </a:r>
-          </a:p>
-          <a:p>
-            <a:pPr marL="457200" lvl="1" indent="0" algn="just">
-              <a:buNone/>
-            </a:pPr>
-            <a:r>
-              <a:rPr lang="en-GB" sz="2000" dirty="0">
-                <a:solidFill>
-                  <a:srgbClr val="808080"/>
-                </a:solidFill>
-                <a:latin typeface="Consolas" panose="020B0609020204030204" pitchFamily="49" charset="0"/>
-              </a:rPr>
-              <a:t>&lt;</a:t>
-            </a:r>
-            <a:r>
-              <a:rPr lang="en-GB" sz="2000" dirty="0" err="1">
-                <a:solidFill>
-                  <a:srgbClr val="808080"/>
-                </a:solidFill>
-                <a:latin typeface="Consolas" panose="020B0609020204030204" pitchFamily="49" charset="0"/>
-              </a:rPr>
-              <a:t>arg</a:t>
-            </a:r>
-            <a:r>
-              <a:rPr lang="en-GB" sz="2000" dirty="0">
-                <a:solidFill>
-                  <a:srgbClr val="808080"/>
-                </a:solidFill>
-                <a:latin typeface="Consolas" panose="020B0609020204030204" pitchFamily="49" charset="0"/>
-              </a:rPr>
-              <a:t> name=”</a:t>
-            </a:r>
-            <a:r>
-              <a:rPr lang="en-GB" sz="2000" dirty="0" err="1">
-                <a:solidFill>
-                  <a:srgbClr val="808080"/>
-                </a:solidFill>
-                <a:latin typeface="Consolas" panose="020B0609020204030204" pitchFamily="49" charset="0"/>
-              </a:rPr>
-              <a:t>camera_id</a:t>
-            </a:r>
-            <a:r>
-              <a:rPr lang="en-GB" sz="2000" dirty="0">
-                <a:solidFill>
-                  <a:srgbClr val="808080"/>
-                </a:solidFill>
-                <a:latin typeface="Consolas" panose="020B0609020204030204" pitchFamily="49" charset="0"/>
-              </a:rPr>
-              <a:t>" value=”cam_3" /&gt;</a:t>
-            </a:r>
-          </a:p>
-          <a:p>
-            <a:pPr algn="just"/>
-            <a:r>
-              <a:rPr lang="en-GB" sz="2400" dirty="0"/>
-              <a:t>Load files into the system</a:t>
-            </a:r>
-          </a:p>
-          <a:p>
-            <a:pPr marL="457200" lvl="1" indent="0" algn="just">
-              <a:buNone/>
-            </a:pPr>
-            <a:r>
-              <a:rPr lang="en-GB" sz="1800" dirty="0">
-                <a:solidFill>
-                  <a:srgbClr val="808080"/>
-                </a:solidFill>
-                <a:latin typeface="Consolas" panose="020B0609020204030204" pitchFamily="49" charset="0"/>
-              </a:rPr>
-              <a:t>&lt;</a:t>
-            </a:r>
-            <a:r>
-              <a:rPr lang="en-GB" sz="1800" dirty="0" err="1">
-                <a:solidFill>
-                  <a:srgbClr val="808080"/>
-                </a:solidFill>
-                <a:latin typeface="Consolas" panose="020B0609020204030204" pitchFamily="49" charset="0"/>
-              </a:rPr>
-              <a:t>rosparam</a:t>
-            </a:r>
-            <a:r>
-              <a:rPr lang="en-GB" sz="1800" dirty="0">
-                <a:solidFill>
-                  <a:srgbClr val="808080"/>
-                </a:solidFill>
-                <a:latin typeface="Consolas" panose="020B0609020204030204" pitchFamily="49" charset="0"/>
-              </a:rPr>
-              <a:t> command="load" file="$(find </a:t>
-            </a:r>
-            <a:r>
-              <a:rPr lang="en-GB" sz="1800" dirty="0" err="1">
-                <a:solidFill>
-                  <a:srgbClr val="808080"/>
-                </a:solidFill>
-                <a:latin typeface="Consolas" panose="020B0609020204030204" pitchFamily="49" charset="0"/>
-              </a:rPr>
-              <a:t>package_name</a:t>
-            </a:r>
-            <a:r>
-              <a:rPr lang="en-GB" sz="1800" dirty="0">
-                <a:solidFill>
-                  <a:srgbClr val="808080"/>
-                </a:solidFill>
-                <a:latin typeface="Consolas" panose="020B0609020204030204" pitchFamily="49" charset="0"/>
-              </a:rPr>
-              <a:t>)/config/</a:t>
-            </a:r>
-            <a:r>
-              <a:rPr lang="en-GB" sz="1800" dirty="0" err="1">
-                <a:solidFill>
-                  <a:srgbClr val="808080"/>
-                </a:solidFill>
-                <a:latin typeface="Consolas" panose="020B0609020204030204" pitchFamily="49" charset="0"/>
-              </a:rPr>
-              <a:t>file_name.yaml</a:t>
-            </a:r>
-            <a:r>
-              <a:rPr lang="en-GB" sz="1800" dirty="0">
-                <a:solidFill>
-                  <a:srgbClr val="808080"/>
-                </a:solidFill>
-                <a:latin typeface="Consolas" panose="020B0609020204030204" pitchFamily="49" charset="0"/>
-              </a:rPr>
-              <a:t>" /&gt;</a:t>
-            </a:r>
-            <a:endParaRPr lang="en-US" sz="1800" dirty="0">
-              <a:solidFill>
-                <a:srgbClr val="808080"/>
-              </a:solidFill>
-              <a:latin typeface="Consolas" panose="020B0609020204030204" pitchFamily="49" charset="0"/>
-            </a:endParaRPr>
-          </a:p>
-          <a:p>
-            <a:pPr marL="0" indent="0" algn="just">
-              <a:buNone/>
-            </a:pPr>
-            <a:endParaRPr lang="en-US" sz="2400" dirty="0"/>
-          </a:p>
-        </p:txBody>
-      </p:sp>
-    </p:spTree>
-    <p:custDataLst>
-      <p:tags r:id="rId1"/>
-    </p:custDataLst>
-    <p:extLst>
-      <p:ext uri="{BB962C8B-B14F-4D97-AF65-F5344CB8AC3E}">
-        <p14:creationId xmlns:p14="http://schemas.microsoft.com/office/powerpoint/2010/main" val="3215906873"/>
-      </p:ext>
-    </p:extLst>
-  </p:cSld>
-  <p:clrMapOvr>
-    <a:masterClrMapping/>
-  </p:clrMapOvr>
-  <mc:AlternateContent xmlns:mc="http://schemas.openxmlformats.org/markup-compatibility/2006" xmlns:p14="http://schemas.microsoft.com/office/powerpoint/2010/main">
-    <mc:Choice Requires="p14">
-      <p:transition spd="slow" p14:dur="2000" advTm="1047"/>
-    </mc:Choice>
-    <mc:Fallback xmlns="">
-      <p:transition spd="slow" advTm="1047"/>
-    </mc:Fallback>
-  </mc:AlternateContent>
-</p:sld>
-</file>
-
-<file path=ppt/slides/slide24.xml><?xml version="1.0" encoding="utf-8"?>
-<p:sld xmlns:a="http://schemas.openxmlformats.org/drawingml/2006/main" xmlns:r="http://schemas.openxmlformats.org/officeDocument/2006/relationships" xmlns:p="http://schemas.openxmlformats.org/presentationml/2006/main">
-  <p:cSld>
-    <p:spTree>
-      <p:nvGrpSpPr>
-        <p:cNvPr id="1" name=""/>
-        <p:cNvGrpSpPr/>
-        <p:nvPr/>
-      </p:nvGrpSpPr>
-      <p:grpSpPr>
-        <a:xfrm>
-          <a:off x="0" y="0"/>
-          <a:ext cx="0" cy="0"/>
-          <a:chOff x="0" y="0"/>
-          <a:chExt cx="0" cy="0"/>
-        </a:xfrm>
-      </p:grpSpPr>
-      <p:sp>
-        <p:nvSpPr>
-          <p:cNvPr id="2" name="Title 1">
-            <a:extLst>
-              <a:ext uri="{FF2B5EF4-FFF2-40B4-BE49-F238E27FC236}">
-                <a16:creationId xmlns:a16="http://schemas.microsoft.com/office/drawing/2014/main" id="{AF234254-0368-464F-8D9A-ED6EBA58F0FC}"/>
-              </a:ext>
-            </a:extLst>
-          </p:cNvPr>
-          <p:cNvSpPr>
-            <a:spLocks noGrp="1"/>
-          </p:cNvSpPr>
-          <p:nvPr>
-            <p:ph type="title"/>
-          </p:nvPr>
-        </p:nvSpPr>
-        <p:spPr/>
-        <p:txBody>
-          <a:bodyPr/>
-          <a:lstStyle/>
-          <a:p>
-            <a:r>
-              <a:rPr lang="en-US" sz="4000" dirty="0"/>
-              <a:t>ROS Tools</a:t>
-            </a:r>
-            <a:r>
-              <a:rPr lang="en-US" dirty="0"/>
-              <a:t/>
-            </a:r>
-            <a:br>
-              <a:rPr lang="en-US" dirty="0"/>
-            </a:br>
-            <a:r>
-              <a:rPr lang="en-US" sz="3200" dirty="0"/>
-              <a:t>ROS File structure</a:t>
-            </a:r>
-          </a:p>
-        </p:txBody>
-      </p:sp>
-      <p:sp>
-        <p:nvSpPr>
-          <p:cNvPr id="3" name="Content Placeholder 2">
-            <a:extLst>
-              <a:ext uri="{FF2B5EF4-FFF2-40B4-BE49-F238E27FC236}">
-                <a16:creationId xmlns:a16="http://schemas.microsoft.com/office/drawing/2014/main" id="{2E7659E1-7643-F447-B62C-C7F715E39CE6}"/>
-              </a:ext>
-            </a:extLst>
-          </p:cNvPr>
-          <p:cNvSpPr>
-            <a:spLocks noGrp="1"/>
-          </p:cNvSpPr>
-          <p:nvPr>
-            <p:ph idx="1"/>
-          </p:nvPr>
-        </p:nvSpPr>
-        <p:spPr/>
-        <p:txBody>
-          <a:bodyPr>
-            <a:normAutofit/>
-          </a:bodyPr>
-          <a:lstStyle/>
-          <a:p>
-            <a:pPr algn="just"/>
-            <a:r>
-              <a:rPr lang="en-US" sz="2400" dirty="0"/>
-              <a:t>ROS projects are organized using workspaces, which are a collection of grouped codes called packages. </a:t>
-            </a:r>
-          </a:p>
-          <a:p>
-            <a:pPr algn="just"/>
-            <a:r>
-              <a:rPr lang="en-US" sz="2400" dirty="0"/>
-              <a:t>Instructions for the compiler need to be allocated in .</a:t>
-            </a:r>
-            <a:r>
-              <a:rPr lang="en-US" sz="2400" dirty="0" err="1"/>
-              <a:t>cmake</a:t>
-            </a:r>
-            <a:r>
-              <a:rPr lang="en-US" sz="2400" dirty="0"/>
-              <a:t> and package files </a:t>
-            </a:r>
-          </a:p>
-        </p:txBody>
-      </p:sp>
-      <p:sp>
-        <p:nvSpPr>
-          <p:cNvPr id="7" name="TextBox 6">
-            <a:extLst>
-              <a:ext uri="{FF2B5EF4-FFF2-40B4-BE49-F238E27FC236}">
-                <a16:creationId xmlns:a16="http://schemas.microsoft.com/office/drawing/2014/main" id="{94E9A6E3-BD38-7B42-8093-D99DA4C98EC9}"/>
-              </a:ext>
-            </a:extLst>
-          </p:cNvPr>
-          <p:cNvSpPr txBox="1"/>
-          <p:nvPr/>
-        </p:nvSpPr>
-        <p:spPr>
-          <a:xfrm>
-            <a:off x="6424090" y="3264912"/>
-            <a:ext cx="4312920" cy="3046988"/>
-          </a:xfrm>
-          <a:prstGeom prst="rect">
-            <a:avLst/>
-          </a:prstGeom>
-          <a:noFill/>
-        </p:spPr>
-        <p:txBody>
-          <a:bodyPr wrap="square" rtlCol="0">
-            <a:spAutoFit/>
-          </a:bodyPr>
-          <a:lstStyle/>
-          <a:p>
-            <a:pPr marL="285750" indent="-285750">
-              <a:buFont typeface="Arial" panose="020B0604020202020204" pitchFamily="34" charset="0"/>
-              <a:buChar char="•"/>
-            </a:pPr>
-            <a:r>
-              <a:rPr lang="en-US" sz="2400" dirty="0">
-                <a:solidFill>
-                  <a:schemeClr val="accent6"/>
-                </a:solidFill>
-              </a:rPr>
-              <a:t>Package files are exportable between projects</a:t>
-            </a:r>
-          </a:p>
-          <a:p>
-            <a:pPr marL="285750" indent="-285750">
-              <a:buFont typeface="Arial" panose="020B0604020202020204" pitchFamily="34" charset="0"/>
-              <a:buChar char="•"/>
-            </a:pPr>
-            <a:r>
-              <a:rPr lang="en-US" sz="2400" dirty="0">
-                <a:solidFill>
-                  <a:srgbClr val="C00000"/>
-                </a:solidFill>
-              </a:rPr>
-              <a:t>Configuration files used to stablish code dependencies</a:t>
-            </a:r>
-          </a:p>
-          <a:p>
-            <a:pPr marL="285750" indent="-285750">
-              <a:buFont typeface="Arial" panose="020B0604020202020204" pitchFamily="34" charset="0"/>
-              <a:buChar char="•"/>
-            </a:pPr>
-            <a:r>
-              <a:rPr lang="en-US" sz="2400" dirty="0">
-                <a:solidFill>
-                  <a:schemeClr val="accent1"/>
-                </a:solidFill>
-              </a:rPr>
-              <a:t>Code that we will execute</a:t>
-            </a:r>
-          </a:p>
-          <a:p>
-            <a:pPr marL="285750" indent="-285750">
-              <a:buFont typeface="Arial" panose="020B0604020202020204" pitchFamily="34" charset="0"/>
-              <a:buChar char="•"/>
-            </a:pPr>
-            <a:r>
-              <a:rPr lang="en-US" sz="2400" dirty="0" err="1"/>
-              <a:t>Catkin_make</a:t>
-            </a:r>
-            <a:r>
-              <a:rPr lang="en-US" sz="2400" dirty="0"/>
-              <a:t> will generate ‘</a:t>
-            </a:r>
-            <a:r>
-              <a:rPr lang="en-US" sz="2400" dirty="0" err="1"/>
-              <a:t>src</a:t>
-            </a:r>
-            <a:r>
-              <a:rPr lang="en-US" sz="2400" dirty="0"/>
-              <a:t>’ and ‘</a:t>
-            </a:r>
-            <a:r>
-              <a:rPr lang="en-US" sz="2400" dirty="0" err="1"/>
-              <a:t>devel</a:t>
-            </a:r>
-            <a:r>
-              <a:rPr lang="en-US" sz="2400" dirty="0"/>
-              <a:t>’ for you when compiling the workspace</a:t>
-            </a:r>
-            <a:endParaRPr lang="en-US" dirty="0"/>
-          </a:p>
-        </p:txBody>
-      </p:sp>
-      <p:pic>
-        <p:nvPicPr>
-          <p:cNvPr id="4" name="Picture 3">
-            <a:extLst>
-              <a:ext uri="{FF2B5EF4-FFF2-40B4-BE49-F238E27FC236}">
-                <a16:creationId xmlns:a16="http://schemas.microsoft.com/office/drawing/2014/main" id="{A912BADB-0E5B-9A43-86E9-0F1D76B554C9}"/>
-              </a:ext>
-            </a:extLst>
-          </p:cNvPr>
-          <p:cNvPicPr>
-            <a:picLocks noChangeAspect="1"/>
-          </p:cNvPicPr>
-          <p:nvPr/>
-        </p:nvPicPr>
-        <p:blipFill>
-          <a:blip r:embed="rId3"/>
-          <a:stretch>
-            <a:fillRect/>
-          </a:stretch>
-        </p:blipFill>
-        <p:spPr>
-          <a:xfrm>
-            <a:off x="1901536" y="3036755"/>
-            <a:ext cx="3241964" cy="3451731"/>
-          </a:xfrm>
-          <a:prstGeom prst="rect">
-            <a:avLst/>
-          </a:prstGeom>
-        </p:spPr>
-      </p:pic>
-      <p:sp>
-        <p:nvSpPr>
-          <p:cNvPr id="11" name="Rectangle 10">
-            <a:extLst>
-              <a:ext uri="{FF2B5EF4-FFF2-40B4-BE49-F238E27FC236}">
-                <a16:creationId xmlns:a16="http://schemas.microsoft.com/office/drawing/2014/main" id="{311A4DDB-F8D2-9143-ADDD-36492BDFA9AB}"/>
-              </a:ext>
-            </a:extLst>
-          </p:cNvPr>
-          <p:cNvSpPr/>
-          <p:nvPr/>
-        </p:nvSpPr>
-        <p:spPr>
-          <a:xfrm>
-            <a:off x="2770909" y="4109017"/>
-            <a:ext cx="2019301" cy="1076047"/>
-          </a:xfrm>
-          <a:prstGeom prst="rect">
-            <a:avLst/>
-          </a:prstGeom>
-          <a:noFill/>
-          <a:ln w="34925">
-            <a:solidFill>
-              <a:schemeClr val="accent6"/>
-            </a:solidFill>
-          </a:ln>
-        </p:spPr>
-        <p:style>
-          <a:lnRef idx="2">
-            <a:schemeClr val="accent1">
-              <a:shade val="50000"/>
-            </a:schemeClr>
-          </a:lnRef>
-          <a:fillRef idx="1">
-            <a:schemeClr val="accent1"/>
-          </a:fillRef>
-          <a:effectRef idx="0">
-            <a:schemeClr val="accent1"/>
-          </a:effectRef>
-          <a:fontRef idx="minor">
-            <a:schemeClr val="lt1"/>
-          </a:fontRef>
-        </p:style>
-        <p:txBody>
-          <a:bodyPr rtlCol="0" anchor="ctr"/>
-          <a:lstStyle/>
-          <a:p>
-            <a:pPr algn="ctr"/>
-            <a:endParaRPr lang="en-US" dirty="0"/>
-          </a:p>
-        </p:txBody>
-      </p:sp>
-      <p:sp>
-        <p:nvSpPr>
-          <p:cNvPr id="15" name="Rectangle 14">
-            <a:extLst>
-              <a:ext uri="{FF2B5EF4-FFF2-40B4-BE49-F238E27FC236}">
-                <a16:creationId xmlns:a16="http://schemas.microsoft.com/office/drawing/2014/main" id="{17A6C7C8-34AF-FB4C-9B63-81D299C6501E}"/>
-              </a:ext>
-            </a:extLst>
-          </p:cNvPr>
-          <p:cNvSpPr/>
-          <p:nvPr/>
-        </p:nvSpPr>
-        <p:spPr>
-          <a:xfrm>
-            <a:off x="3200399" y="5392738"/>
-            <a:ext cx="1558638" cy="488517"/>
-          </a:xfrm>
-          <a:prstGeom prst="rect">
-            <a:avLst/>
-          </a:prstGeom>
-          <a:noFill/>
-          <a:ln w="34925">
-            <a:solidFill>
-              <a:srgbClr val="C00000"/>
-            </a:solidFill>
-          </a:ln>
-        </p:spPr>
-        <p:style>
-          <a:lnRef idx="2">
-            <a:schemeClr val="accent1">
-              <a:shade val="50000"/>
-            </a:schemeClr>
-          </a:lnRef>
-          <a:fillRef idx="1">
-            <a:schemeClr val="accent1"/>
-          </a:fillRef>
-          <a:effectRef idx="0">
-            <a:schemeClr val="accent1"/>
-          </a:effectRef>
-          <a:fontRef idx="minor">
-            <a:schemeClr val="lt1"/>
-          </a:fontRef>
-        </p:style>
-        <p:txBody>
-          <a:bodyPr rtlCol="0" anchor="ctr"/>
-          <a:lstStyle/>
-          <a:p>
-            <a:pPr algn="ctr"/>
-            <a:endParaRPr lang="en-US" dirty="0"/>
-          </a:p>
-        </p:txBody>
-      </p:sp>
-      <p:sp>
-        <p:nvSpPr>
-          <p:cNvPr id="6" name="Rectangle 5">
-            <a:extLst>
-              <a:ext uri="{FF2B5EF4-FFF2-40B4-BE49-F238E27FC236}">
-                <a16:creationId xmlns:a16="http://schemas.microsoft.com/office/drawing/2014/main" id="{44452F51-9FFF-DF48-8FAE-F7DD06126DC1}"/>
-              </a:ext>
-            </a:extLst>
-          </p:cNvPr>
-          <p:cNvSpPr/>
-          <p:nvPr/>
-        </p:nvSpPr>
-        <p:spPr>
-          <a:xfrm>
-            <a:off x="3148445" y="4748647"/>
-            <a:ext cx="1641765" cy="426026"/>
-          </a:xfrm>
-          <a:prstGeom prst="rect">
-            <a:avLst/>
-          </a:prstGeom>
-          <a:noFill/>
-          <a:ln w="34925"/>
-        </p:spPr>
-        <p:style>
-          <a:lnRef idx="2">
-            <a:schemeClr val="accent1">
-              <a:shade val="50000"/>
-            </a:schemeClr>
-          </a:lnRef>
-          <a:fillRef idx="1">
-            <a:schemeClr val="accent1"/>
-          </a:fillRef>
-          <a:effectRef idx="0">
-            <a:schemeClr val="accent1"/>
-          </a:effectRef>
-          <a:fontRef idx="minor">
-            <a:schemeClr val="lt1"/>
-          </a:fontRef>
-        </p:style>
-        <p:txBody>
-          <a:bodyPr rtlCol="0" anchor="ctr"/>
-          <a:lstStyle/>
-          <a:p>
-            <a:pPr algn="ctr"/>
-            <a:endParaRPr lang="en-US" dirty="0"/>
-          </a:p>
-        </p:txBody>
-      </p:sp>
-    </p:spTree>
-    <p:extLst>
-      <p:ext uri="{BB962C8B-B14F-4D97-AF65-F5344CB8AC3E}">
-        <p14:creationId xmlns:p14="http://schemas.microsoft.com/office/powerpoint/2010/main" val="1238070813"/>
-      </p:ext>
-    </p:extLst>
-  </p:cSld>
-  <p:clrMapOvr>
-    <a:masterClrMapping/>
-  </p:clrMapOvr>
-  <mc:AlternateContent xmlns:mc="http://schemas.openxmlformats.org/markup-compatibility/2006" xmlns:p14="http://schemas.microsoft.com/office/powerpoint/2010/main">
-    <mc:Choice Requires="p14">
-      <p:transition spd="slow" p14:dur="2000" advTm="170"/>
-    </mc:Choice>
-    <mc:Fallback xmlns="">
-      <p:transition spd="slow" advTm="170"/>
-    </mc:Fallback>
-  </mc:AlternateContent>
-</p:sld>
-</file>
-
 <file path=ppt/slides/slide25.xml><?xml version="1.0" encoding="utf-8"?>
 <p:sld xmlns:a="http://schemas.openxmlformats.org/drawingml/2006/main" xmlns:r="http://schemas.openxmlformats.org/officeDocument/2006/relationships" xmlns:p="http://schemas.openxmlformats.org/presentationml/2006/main">
   <p:cSld>
@@ -16611,39 +16828,25 @@
           </a:xfrm>
         </p:spPr>
         <p:txBody>
-          <a:bodyPr/>
+          <a:bodyPr>
+            <a:normAutofit/>
+          </a:bodyPr>
           <a:lstStyle/>
           <a:p>
             <a:r>
-              <a:rPr lang="en-US" sz="4000" dirty="0">
-                <a:solidFill>
-                  <a:prstClr val="black"/>
-                </a:solidFill>
-              </a:rPr>
+              <a:rPr lang="en-US" sz="4000" dirty="0"/>
               <a:t>ROS Tools</a:t>
             </a:r>
             <a:r>
-              <a:rPr lang="en-US" dirty="0">
-                <a:solidFill>
-                  <a:prstClr val="black"/>
-                </a:solidFill>
-              </a:rPr>
+              <a:rPr lang="en-US" dirty="0"/>
               <a:t/>
             </a:r>
             <a:br>
-              <a:rPr lang="en-US" dirty="0">
-                <a:solidFill>
-                  <a:prstClr val="black"/>
-                </a:solidFill>
-              </a:rPr>
+              <a:rPr lang="en-US" dirty="0"/>
             </a:br>
             <a:r>
-              <a:rPr lang="en-US" sz="3200" dirty="0">
-                <a:solidFill>
-                  <a:prstClr val="black"/>
-                </a:solidFill>
-              </a:rPr>
-              <a:t>ROS Compilation tools </a:t>
+              <a:rPr lang="en-US" sz="3200" dirty="0"/>
+              <a:t>ROS Launch code tools</a:t>
             </a:r>
             <a:endParaRPr lang="en-US" dirty="0">
               <a:latin typeface="Consolas" panose="020B0609020204030204" pitchFamily="49" charset="0"/>
@@ -16653,10 +16856,10 @@
       </p:sp>
       <p:sp>
         <p:nvSpPr>
-          <p:cNvPr id="3" name="Content Placeholder 2">
-            <a:extLst>
-              <a:ext uri="{FF2B5EF4-FFF2-40B4-BE49-F238E27FC236}">
-                <a16:creationId xmlns:a16="http://schemas.microsoft.com/office/drawing/2014/main" id="{D0758F30-D0DF-8346-B9E4-1362F60347F8}"/>
+          <p:cNvPr id="7" name="Content Placeholder 2">
+            <a:extLst>
+              <a:ext uri="{FF2B5EF4-FFF2-40B4-BE49-F238E27FC236}">
+                <a16:creationId xmlns:a16="http://schemas.microsoft.com/office/drawing/2014/main" id="{83325263-BC60-2C45-A687-164DA9EC6910}"/>
               </a:ext>
             </a:extLst>
           </p:cNvPr>
@@ -16669,77 +16872,20 @@
         </p:nvSpPr>
         <p:spPr>
           <a:xfrm>
-            <a:off x="838200" y="1825625"/>
-            <a:ext cx="10515600" cy="4351338"/>
+            <a:off x="838200" y="1986047"/>
+            <a:ext cx="10515600" cy="4506827"/>
           </a:xfrm>
         </p:spPr>
         <p:txBody>
-          <a:bodyPr>
-            <a:normAutofit lnSpcReduction="10000"/>
+          <a:bodyPr vert="horz" lIns="91440" tIns="45720" rIns="91440" bIns="45720" rtlCol="0" anchor="t">
+            <a:normAutofit/>
           </a:bodyPr>
           <a:lstStyle/>
           <a:p>
             <a:pPr algn="just"/>
             <a:r>
               <a:rPr lang="en-US" sz="2400" dirty="0"/>
-              <a:t>ROS requires to compile each package, generating dependencies related with other packages, external libraries or custom messages, services and actions.</a:t>
-            </a:r>
-          </a:p>
-          <a:p>
-            <a:pPr algn="just"/>
-            <a:r>
-              <a:rPr lang="en-US" sz="2400" dirty="0"/>
-              <a:t>The preferred compilation tool is known as </a:t>
-            </a:r>
-            <a:r>
-              <a:rPr lang="en-US" sz="2000" dirty="0">
-                <a:latin typeface="Consolas" panose="020B0609020204030204" pitchFamily="49" charset="0"/>
-                <a:cs typeface="Consolas" panose="020B0609020204030204" pitchFamily="49" charset="0"/>
-              </a:rPr>
-              <a:t>catkin</a:t>
-            </a:r>
-            <a:r>
-              <a:rPr lang="en-US" sz="2400" dirty="0"/>
-              <a:t> and uses two separated files, </a:t>
-            </a:r>
-            <a:r>
-              <a:rPr lang="en-US" sz="2000" dirty="0" err="1">
-                <a:latin typeface="Consolas" panose="020B0609020204030204" pitchFamily="49" charset="0"/>
-                <a:cs typeface="Consolas" panose="020B0609020204030204" pitchFamily="49" charset="0"/>
-              </a:rPr>
-              <a:t>package.xml</a:t>
-            </a:r>
-            <a:r>
-              <a:rPr lang="en-US" sz="2000" dirty="0">
-                <a:latin typeface="Consolas" panose="020B0609020204030204" pitchFamily="49" charset="0"/>
-                <a:cs typeface="Consolas" panose="020B0609020204030204" pitchFamily="49" charset="0"/>
-              </a:rPr>
-              <a:t> </a:t>
-            </a:r>
-            <a:r>
-              <a:rPr lang="en-US" sz="2400" dirty="0"/>
-              <a:t>and </a:t>
-            </a:r>
-            <a:r>
-              <a:rPr lang="en-US" sz="2000" dirty="0" err="1">
-                <a:latin typeface="Consolas" panose="020B0609020204030204" pitchFamily="49" charset="0"/>
-                <a:cs typeface="Consolas" panose="020B0609020204030204" pitchFamily="49" charset="0"/>
-              </a:rPr>
-              <a:t>CMakeLists.txt</a:t>
-            </a:r>
-            <a:r>
-              <a:rPr lang="en-US" sz="2000" dirty="0">
-                <a:latin typeface="Consolas" panose="020B0609020204030204" pitchFamily="49" charset="0"/>
-                <a:cs typeface="Consolas" panose="020B0609020204030204" pitchFamily="49" charset="0"/>
-              </a:rPr>
-              <a:t>. </a:t>
-            </a:r>
-          </a:p>
-          <a:p>
-            <a:pPr algn="just"/>
-            <a:r>
-              <a:rPr lang="en-US" sz="2400" dirty="0"/>
-              <a:t>A useful command to create packages is:</a:t>
+              <a:t>Running a node</a:t>
             </a:r>
           </a:p>
           <a:p>
@@ -16748,122 +16894,321 @@
             </a:pPr>
             <a:r>
               <a:rPr lang="en-GB" sz="2000" dirty="0">
+                <a:solidFill>
+                  <a:srgbClr val="808080"/>
+                </a:solidFill>
                 <a:latin typeface="Consolas" panose="020B0609020204030204" pitchFamily="49" charset="0"/>
-                <a:cs typeface="Consolas" panose="020B0609020204030204" pitchFamily="49" charset="0"/>
               </a:rPr>
-              <a:t> </a:t>
+              <a:t>&lt;node name=“listener” </a:t>
             </a:r>
             <a:r>
               <a:rPr lang="en-GB" sz="2000" dirty="0" err="1">
+                <a:solidFill>
+                  <a:srgbClr val="808080"/>
+                </a:solidFill>
                 <a:latin typeface="Consolas" panose="020B0609020204030204" pitchFamily="49" charset="0"/>
-                <a:cs typeface="Consolas" panose="020B0609020204030204" pitchFamily="49" charset="0"/>
               </a:rPr>
-              <a:t>catkin_create_pkg</a:t>
+              <a:t>pkg</a:t>
             </a:r>
             <a:r>
               <a:rPr lang="en-GB" sz="2000" dirty="0">
+                <a:solidFill>
+                  <a:srgbClr val="808080"/>
+                </a:solidFill>
                 <a:latin typeface="Consolas" panose="020B0609020204030204" pitchFamily="49" charset="0"/>
-                <a:cs typeface="Consolas" panose="020B0609020204030204" pitchFamily="49" charset="0"/>
               </a:rPr>
-              <a:t> [name] [list of dependencies]</a:t>
-            </a:r>
-            <a:endParaRPr lang="en-US" sz="2000" dirty="0">
+              <a:t>=“</a:t>
+            </a:r>
+            <a:r>
+              <a:rPr lang="en-GB" sz="2000" dirty="0" err="1">
+                <a:solidFill>
+                  <a:srgbClr val="808080"/>
+                </a:solidFill>
+                <a:latin typeface="Consolas" panose="020B0609020204030204" pitchFamily="49" charset="0"/>
+              </a:rPr>
+              <a:t>basic_comms</a:t>
+            </a:r>
+            <a:r>
+              <a:rPr lang="en-GB" sz="2000" dirty="0">
+                <a:solidFill>
+                  <a:srgbClr val="808080"/>
+                </a:solidFill>
+                <a:latin typeface="Consolas" panose="020B0609020204030204" pitchFamily="49" charset="0"/>
+              </a:rPr>
+              <a:t>” type=“</a:t>
+            </a:r>
+            <a:r>
+              <a:rPr lang="en-GB" sz="2000" dirty="0" err="1">
+                <a:solidFill>
+                  <a:srgbClr val="808080"/>
+                </a:solidFill>
+                <a:latin typeface="Consolas" panose="020B0609020204030204" pitchFamily="49" charset="0"/>
+              </a:rPr>
+              <a:t>listener.py</a:t>
+            </a:r>
+            <a:r>
+              <a:rPr lang="en-GB" sz="2000" dirty="0">
+                <a:solidFill>
+                  <a:srgbClr val="808080"/>
+                </a:solidFill>
+                <a:latin typeface="Consolas" panose="020B0609020204030204" pitchFamily="49" charset="0"/>
+              </a:rPr>
+              <a:t>” output=“screen”/&gt;</a:t>
+            </a:r>
+            <a:endParaRPr lang="en-US" sz="2000" dirty="0"/>
+          </a:p>
+          <a:p>
+            <a:pPr algn="just"/>
+            <a:r>
+              <a:rPr lang="en-US" sz="2400" dirty="0"/>
+              <a:t>Running another file or launch file  </a:t>
+            </a:r>
+          </a:p>
+          <a:p>
+            <a:pPr marL="457200" lvl="1" indent="0" algn="just">
+              <a:buNone/>
+            </a:pPr>
+            <a:r>
+              <a:rPr lang="en-GB" sz="2000" dirty="0">
+                <a:solidFill>
+                  <a:srgbClr val="808080"/>
+                </a:solidFill>
+                <a:latin typeface="Consolas" panose="020B0609020204030204" pitchFamily="49" charset="0"/>
+              </a:rPr>
+              <a:t>&lt;include file="$(</a:t>
+            </a:r>
+            <a:r>
+              <a:rPr lang="en-GB" sz="2000" dirty="0" err="1">
+                <a:solidFill>
+                  <a:srgbClr val="808080"/>
+                </a:solidFill>
+                <a:latin typeface="Consolas" panose="020B0609020204030204" pitchFamily="49" charset="0"/>
+              </a:rPr>
+              <a:t>dirname</a:t>
+            </a:r>
+            <a:r>
+              <a:rPr lang="en-GB" sz="2000" dirty="0">
+                <a:solidFill>
+                  <a:srgbClr val="808080"/>
+                </a:solidFill>
+                <a:latin typeface="Consolas" panose="020B0609020204030204" pitchFamily="49" charset="0"/>
+              </a:rPr>
+              <a:t>)/</a:t>
+            </a:r>
+            <a:r>
+              <a:rPr lang="en-GB" sz="2000" dirty="0" err="1">
+                <a:solidFill>
+                  <a:srgbClr val="808080"/>
+                </a:solidFill>
+                <a:latin typeface="Consolas" panose="020B0609020204030204" pitchFamily="49" charset="0"/>
+              </a:rPr>
+              <a:t>other.launch</a:t>
+            </a:r>
+            <a:r>
+              <a:rPr lang="en-GB" sz="2000" dirty="0">
+                <a:solidFill>
+                  <a:srgbClr val="808080"/>
+                </a:solidFill>
+                <a:latin typeface="Consolas" panose="020B0609020204030204" pitchFamily="49" charset="0"/>
+              </a:rPr>
+              <a:t>" /&gt;</a:t>
+            </a:r>
+          </a:p>
+          <a:p>
+            <a:pPr algn="just"/>
+            <a:r>
+              <a:rPr lang="en-GB" sz="2400" dirty="0"/>
+              <a:t>Set parameters </a:t>
+            </a:r>
+            <a:endParaRPr lang="en-GB" sz="2400" dirty="0">
+              <a:solidFill>
+                <a:srgbClr val="FF0000"/>
+              </a:solidFill>
+            </a:endParaRPr>
+          </a:p>
+          <a:p>
+            <a:pPr marL="457200" lvl="1" indent="0" algn="just">
+              <a:buNone/>
+            </a:pPr>
+            <a:r>
+              <a:rPr lang="en-GB" sz="2000" dirty="0">
+                <a:solidFill>
+                  <a:srgbClr val="808080"/>
+                </a:solidFill>
+                <a:latin typeface="Consolas" panose="020B0609020204030204" pitchFamily="49" charset="0"/>
+              </a:rPr>
+              <a:t>&lt;param name="</a:t>
+            </a:r>
+            <a:r>
+              <a:rPr lang="en-GB" sz="2000" dirty="0" err="1">
+                <a:solidFill>
+                  <a:srgbClr val="808080"/>
+                </a:solidFill>
+                <a:latin typeface="Consolas" panose="020B0609020204030204" pitchFamily="49" charset="0"/>
+              </a:rPr>
+              <a:t>publish_frequency</a:t>
+            </a:r>
+            <a:r>
+              <a:rPr lang="en-GB" sz="2000" dirty="0">
+                <a:solidFill>
+                  <a:srgbClr val="808080"/>
+                </a:solidFill>
+                <a:latin typeface="Consolas" panose="020B0609020204030204" pitchFamily="49" charset="0"/>
+              </a:rPr>
+              <a:t>" type="double" value="10.0" /&gt;</a:t>
+            </a:r>
+          </a:p>
+          <a:p>
+            <a:pPr algn="just"/>
+            <a:r>
+              <a:rPr lang="en-GB" sz="2400" dirty="0"/>
+              <a:t>Pass </a:t>
+            </a:r>
+            <a:r>
+              <a:rPr lang="en-GB" sz="2400" dirty="0" err="1"/>
+              <a:t>args</a:t>
+            </a:r>
+            <a:r>
+              <a:rPr lang="en-GB" sz="2400" dirty="0"/>
+              <a:t> to the launch file</a:t>
+            </a:r>
+          </a:p>
+          <a:p>
+            <a:pPr marL="457200" lvl="1" indent="0" algn="just">
+              <a:buNone/>
+            </a:pPr>
+            <a:r>
+              <a:rPr lang="en-GB" sz="2000" dirty="0">
+                <a:solidFill>
+                  <a:srgbClr val="808080"/>
+                </a:solidFill>
+                <a:latin typeface="Consolas" panose="020B0609020204030204" pitchFamily="49" charset="0"/>
+              </a:rPr>
+              <a:t>&lt;</a:t>
+            </a:r>
+            <a:r>
+              <a:rPr lang="en-GB" sz="2000" dirty="0" err="1">
+                <a:solidFill>
+                  <a:srgbClr val="808080"/>
+                </a:solidFill>
+                <a:latin typeface="Consolas" panose="020B0609020204030204" pitchFamily="49" charset="0"/>
+              </a:rPr>
+              <a:t>arg</a:t>
+            </a:r>
+            <a:r>
+              <a:rPr lang="en-GB" sz="2000" dirty="0">
+                <a:solidFill>
+                  <a:srgbClr val="808080"/>
+                </a:solidFill>
+                <a:latin typeface="Consolas" panose="020B0609020204030204" pitchFamily="49" charset="0"/>
+              </a:rPr>
+              <a:t> name=”</a:t>
+            </a:r>
+            <a:r>
+              <a:rPr lang="en-GB" sz="2000" dirty="0" err="1">
+                <a:solidFill>
+                  <a:srgbClr val="808080"/>
+                </a:solidFill>
+                <a:latin typeface="Consolas" panose="020B0609020204030204" pitchFamily="49" charset="0"/>
+              </a:rPr>
+              <a:t>camera_id</a:t>
+            </a:r>
+            <a:r>
+              <a:rPr lang="en-GB" sz="2000" dirty="0">
+                <a:solidFill>
+                  <a:srgbClr val="808080"/>
+                </a:solidFill>
+                <a:latin typeface="Consolas" panose="020B0609020204030204" pitchFamily="49" charset="0"/>
+              </a:rPr>
+              <a:t>" value=”cam_3" /&gt;</a:t>
+            </a:r>
+          </a:p>
+          <a:p>
+            <a:pPr algn="just"/>
+            <a:r>
+              <a:rPr lang="en-GB" sz="2400" dirty="0"/>
+              <a:t>Load files into the system</a:t>
+            </a:r>
+          </a:p>
+          <a:p>
+            <a:pPr marL="457200" lvl="1" indent="0" algn="just">
+              <a:buNone/>
+            </a:pPr>
+            <a:r>
+              <a:rPr lang="en-GB" sz="1800" dirty="0">
+                <a:solidFill>
+                  <a:srgbClr val="808080"/>
+                </a:solidFill>
+                <a:latin typeface="Consolas" panose="020B0609020204030204" pitchFamily="49" charset="0"/>
+              </a:rPr>
+              <a:t>&lt;</a:t>
+            </a:r>
+            <a:r>
+              <a:rPr lang="en-GB" sz="1800" dirty="0" err="1">
+                <a:solidFill>
+                  <a:srgbClr val="808080"/>
+                </a:solidFill>
+                <a:latin typeface="Consolas" panose="020B0609020204030204" pitchFamily="49" charset="0"/>
+              </a:rPr>
+              <a:t>rosparam</a:t>
+            </a:r>
+            <a:r>
+              <a:rPr lang="en-GB" sz="1800" dirty="0">
+                <a:solidFill>
+                  <a:srgbClr val="808080"/>
+                </a:solidFill>
+                <a:latin typeface="Consolas" panose="020B0609020204030204" pitchFamily="49" charset="0"/>
+              </a:rPr>
+              <a:t> command="load" file="$(find </a:t>
+            </a:r>
+            <a:r>
+              <a:rPr lang="en-GB" sz="1800" dirty="0" err="1">
+                <a:solidFill>
+                  <a:srgbClr val="808080"/>
+                </a:solidFill>
+                <a:latin typeface="Consolas" panose="020B0609020204030204" pitchFamily="49" charset="0"/>
+              </a:rPr>
+              <a:t>package_name</a:t>
+            </a:r>
+            <a:r>
+              <a:rPr lang="en-GB" sz="1800" dirty="0">
+                <a:solidFill>
+                  <a:srgbClr val="808080"/>
+                </a:solidFill>
+                <a:latin typeface="Consolas" panose="020B0609020204030204" pitchFamily="49" charset="0"/>
+              </a:rPr>
+              <a:t>)/config/</a:t>
+            </a:r>
+            <a:r>
+              <a:rPr lang="en-GB" sz="1800" dirty="0" err="1">
+                <a:solidFill>
+                  <a:srgbClr val="808080"/>
+                </a:solidFill>
+                <a:latin typeface="Consolas" panose="020B0609020204030204" pitchFamily="49" charset="0"/>
+              </a:rPr>
+              <a:t>file_name.yaml</a:t>
+            </a:r>
+            <a:r>
+              <a:rPr lang="en-GB" sz="1800" dirty="0">
+                <a:solidFill>
+                  <a:srgbClr val="808080"/>
+                </a:solidFill>
+                <a:latin typeface="Consolas" panose="020B0609020204030204" pitchFamily="49" charset="0"/>
+              </a:rPr>
+              <a:t>" /&gt;</a:t>
+            </a:r>
+            <a:endParaRPr lang="en-US" sz="1800" dirty="0">
+              <a:solidFill>
+                <a:srgbClr val="808080"/>
+              </a:solidFill>
               <a:latin typeface="Consolas" panose="020B0609020204030204" pitchFamily="49" charset="0"/>
-              <a:cs typeface="Consolas" panose="020B0609020204030204" pitchFamily="49" charset="0"/>
             </a:endParaRPr>
           </a:p>
           <a:p>
-            <a:pPr algn="just"/>
-            <a:r>
-              <a:rPr lang="en-US" sz="2400" dirty="0"/>
-              <a:t>Which generates an empty package and templates of both </a:t>
-            </a:r>
-            <a:r>
-              <a:rPr lang="en-US" sz="2400" dirty="0" err="1"/>
-              <a:t>CMakeLists</a:t>
-            </a:r>
-            <a:r>
-              <a:rPr lang="en-US" sz="2400" dirty="0"/>
-              <a:t> and package files. </a:t>
-            </a:r>
-          </a:p>
-          <a:p>
-            <a:pPr algn="just"/>
-            <a:r>
-              <a:rPr lang="en-GB" sz="2400" dirty="0"/>
-              <a:t>More information about the syntaxis of this files can be found In </a:t>
-            </a:r>
-            <a:r>
-              <a:rPr lang="en-GB" sz="2400" dirty="0">
-                <a:hlinkClick r:id="rId4"/>
-              </a:rPr>
-              <a:t>http://wiki.ros.org/ROS/Tutorials/CreatingPackage</a:t>
-            </a:r>
-            <a:endParaRPr lang="en-GB" sz="2400" dirty="0"/>
-          </a:p>
-          <a:p>
-            <a:pPr algn="just"/>
-            <a:r>
-              <a:rPr lang="en-GB" sz="2400" dirty="0"/>
-              <a:t>Projects are compiled with the instruction </a:t>
-            </a:r>
-            <a:r>
-              <a:rPr lang="en-GB" sz="2000" dirty="0" err="1">
-                <a:latin typeface="Consolas" panose="020B0609020204030204" pitchFamily="49" charset="0"/>
-                <a:cs typeface="Consolas" panose="020B0609020204030204" pitchFamily="49" charset="0"/>
-              </a:rPr>
-              <a:t>catkin_make</a:t>
-            </a:r>
-            <a:r>
-              <a:rPr lang="en-GB" sz="2000" dirty="0">
-                <a:latin typeface="Consolas" panose="020B0609020204030204" pitchFamily="49" charset="0"/>
-                <a:cs typeface="Consolas" panose="020B0609020204030204" pitchFamily="49" charset="0"/>
-              </a:rPr>
-              <a:t> </a:t>
-            </a:r>
-            <a:r>
-              <a:rPr lang="en-GB" sz="2400" dirty="0"/>
-              <a:t>and the instruction </a:t>
-            </a:r>
-            <a:r>
-              <a:rPr lang="en-GB" sz="2000" dirty="0">
-                <a:latin typeface="Consolas" panose="020B0609020204030204" pitchFamily="49" charset="0"/>
-                <a:cs typeface="Consolas" panose="020B0609020204030204" pitchFamily="49" charset="0"/>
-              </a:rPr>
-              <a:t>source [project]/</a:t>
-            </a:r>
-            <a:r>
-              <a:rPr lang="en-GB" sz="2000" dirty="0" err="1">
-                <a:latin typeface="Consolas" panose="020B0609020204030204" pitchFamily="49" charset="0"/>
-                <a:cs typeface="Consolas" panose="020B0609020204030204" pitchFamily="49" charset="0"/>
-              </a:rPr>
-              <a:t>devel</a:t>
-            </a:r>
-            <a:r>
-              <a:rPr lang="en-GB" sz="2000" dirty="0">
-                <a:latin typeface="Consolas" panose="020B0609020204030204" pitchFamily="49" charset="0"/>
-                <a:cs typeface="Consolas" panose="020B0609020204030204" pitchFamily="49" charset="0"/>
-              </a:rPr>
-              <a:t>/</a:t>
-            </a:r>
-            <a:r>
-              <a:rPr lang="en-GB" sz="2000" dirty="0" err="1">
-                <a:latin typeface="Consolas" panose="020B0609020204030204" pitchFamily="49" charset="0"/>
-                <a:cs typeface="Consolas" panose="020B0609020204030204" pitchFamily="49" charset="0"/>
-              </a:rPr>
-              <a:t>setup.bash</a:t>
-            </a:r>
-            <a:r>
-              <a:rPr lang="en-GB" sz="2000" dirty="0">
-                <a:latin typeface="Consolas" panose="020B0609020204030204" pitchFamily="49" charset="0"/>
-                <a:cs typeface="Consolas" panose="020B0609020204030204" pitchFamily="49" charset="0"/>
-              </a:rPr>
-              <a:t> </a:t>
-            </a:r>
-            <a:r>
-              <a:rPr lang="en-GB" sz="2400" dirty="0"/>
-              <a:t>needs to be executed to load the changes.</a:t>
-            </a:r>
+            <a:pPr marL="0" indent="0" algn="just">
+              <a:buNone/>
+            </a:pPr>
+            <a:endParaRPr lang="en-US" sz="2400" dirty="0"/>
           </a:p>
         </p:txBody>
       </p:sp>
@@ -16873,7 +17218,7 @@
     </p:custDataLst>
     <p:extLst>
       <p:ext uri="{BB962C8B-B14F-4D97-AF65-F5344CB8AC3E}">
-        <p14:creationId xmlns:p14="http://schemas.microsoft.com/office/powerpoint/2010/main" val="3480567281"/>
+        <p14:creationId xmlns:p14="http://schemas.microsoft.com/office/powerpoint/2010/main" val="3215906873"/>
       </p:ext>
     </p:extLst>
   </p:cSld>
@@ -16926,6 +17271,517 @@
         </p:nvSpPr>
         <p:spPr>
           <a:xfrm>
+            <a:off x="1597152" y="365125"/>
+            <a:ext cx="7656576" cy="1325563"/>
+          </a:xfrm>
+        </p:spPr>
+        <p:txBody>
+          <a:bodyPr/>
+          <a:lstStyle/>
+          <a:p>
+            <a:r>
+              <a:rPr lang="en-US" sz="4000" dirty="0"/>
+              <a:t>ROS tools </a:t>
+            </a:r>
+            <a:r>
+              <a:rPr lang="en-US" dirty="0"/>
+              <a:t/>
+            </a:r>
+            <a:br>
+              <a:rPr lang="en-US" dirty="0"/>
+            </a:br>
+            <a:r>
+              <a:rPr lang="en-US" sz="3200" dirty="0" err="1"/>
+              <a:t>Rviz</a:t>
+            </a:r>
+            <a:r>
+              <a:rPr lang="en-US" sz="3200" dirty="0"/>
+              <a:t> visualization tool</a:t>
+            </a:r>
+          </a:p>
+        </p:txBody>
+      </p:sp>
+      <p:sp>
+        <p:nvSpPr>
+          <p:cNvPr id="26" name="Content Placeholder 2">
+            <a:extLst>
+              <a:ext uri="{FF2B5EF4-FFF2-40B4-BE49-F238E27FC236}">
+                <a16:creationId xmlns:a16="http://schemas.microsoft.com/office/drawing/2014/main" id="{687CF686-F0E0-3E41-B210-18672B8C8AE6}"/>
+              </a:ext>
+            </a:extLst>
+          </p:cNvPr>
+          <p:cNvSpPr>
+            <a:spLocks noGrp="1"/>
+          </p:cNvSpPr>
+          <p:nvPr>
+            <p:ph idx="4294967295"/>
+          </p:nvPr>
+        </p:nvSpPr>
+        <p:spPr>
+          <a:xfrm>
+            <a:off x="838200" y="2172900"/>
+            <a:ext cx="10515600" cy="2512199"/>
+          </a:xfrm>
+        </p:spPr>
+        <p:txBody>
+          <a:bodyPr vert="horz" lIns="91440" tIns="45720" rIns="91440" bIns="45720" rtlCol="0" anchor="t">
+            <a:normAutofit/>
+          </a:bodyPr>
+          <a:lstStyle/>
+          <a:p>
+            <a:pPr algn="just"/>
+            <a:r>
+              <a:rPr lang="en-US" sz="2400" dirty="0" err="1"/>
+              <a:t>Rviz</a:t>
+            </a:r>
+            <a:r>
+              <a:rPr lang="en-US" sz="2400" dirty="0"/>
+              <a:t> is a program used to visualize 3D representations of any system simulated with ROS. </a:t>
+            </a:r>
+          </a:p>
+          <a:p>
+            <a:pPr algn="just"/>
+            <a:r>
+              <a:rPr lang="en-US" sz="2400" dirty="0"/>
+              <a:t>Is commonly used to represent sensor information, such as point clouds, spatial relationship between elements using transform frames or robots. </a:t>
+            </a:r>
+          </a:p>
+          <a:p>
+            <a:pPr algn="just"/>
+            <a:r>
+              <a:rPr lang="en-US" sz="2400" dirty="0"/>
+              <a:t>Remember that </a:t>
+            </a:r>
+            <a:r>
+              <a:rPr lang="en-US" sz="2400" dirty="0" err="1"/>
+              <a:t>Rviz</a:t>
+            </a:r>
+            <a:r>
+              <a:rPr lang="en-US" sz="2400" dirty="0"/>
+              <a:t> is only a visualization tool, it does not allow any kind of simulation. </a:t>
+            </a:r>
+          </a:p>
+        </p:txBody>
+      </p:sp>
+      <p:sp>
+        <p:nvSpPr>
+          <p:cNvPr id="5" name="Rounded Rectangle 4">
+            <a:extLst>
+              <a:ext uri="{FF2B5EF4-FFF2-40B4-BE49-F238E27FC236}">
+                <a16:creationId xmlns:a16="http://schemas.microsoft.com/office/drawing/2014/main" id="{2C9E6902-EFBF-4741-A839-64143B4E7579}"/>
+              </a:ext>
+            </a:extLst>
+          </p:cNvPr>
+          <p:cNvSpPr/>
+          <p:nvPr/>
+        </p:nvSpPr>
+        <p:spPr>
+          <a:xfrm>
+            <a:off x="2615056" y="4669601"/>
+            <a:ext cx="6133170" cy="1616269"/>
+          </a:xfrm>
+          <a:prstGeom prst="roundRect">
+            <a:avLst/>
+          </a:prstGeom>
+          <a:noFill/>
+          <a:ln w="50800">
+            <a:solidFill>
+              <a:schemeClr val="accent2"/>
+            </a:solidFill>
+          </a:ln>
+        </p:spPr>
+        <p:style>
+          <a:lnRef idx="2">
+            <a:schemeClr val="accent1">
+              <a:shade val="50000"/>
+            </a:schemeClr>
+          </a:lnRef>
+          <a:fillRef idx="1">
+            <a:schemeClr val="accent1"/>
+          </a:fillRef>
+          <a:effectRef idx="0">
+            <a:schemeClr val="accent1"/>
+          </a:effectRef>
+          <a:fontRef idx="minor">
+            <a:schemeClr val="lt1"/>
+          </a:fontRef>
+        </p:style>
+        <p:txBody>
+          <a:bodyPr rtlCol="0" anchor="ctr"/>
+          <a:lstStyle/>
+          <a:p>
+            <a:pPr algn="ctr"/>
+            <a:endParaRPr lang="en-US">
+              <a:solidFill>
+                <a:schemeClr val="accent4"/>
+              </a:solidFill>
+            </a:endParaRPr>
+          </a:p>
+        </p:txBody>
+      </p:sp>
+      <p:sp>
+        <p:nvSpPr>
+          <p:cNvPr id="6" name="TextBox 5">
+            <a:extLst>
+              <a:ext uri="{FF2B5EF4-FFF2-40B4-BE49-F238E27FC236}">
+                <a16:creationId xmlns:a16="http://schemas.microsoft.com/office/drawing/2014/main" id="{F1017D5F-1F1E-4145-B471-819240E5964D}"/>
+              </a:ext>
+            </a:extLst>
+          </p:cNvPr>
+          <p:cNvSpPr txBox="1"/>
+          <p:nvPr/>
+        </p:nvSpPr>
+        <p:spPr>
+          <a:xfrm>
+            <a:off x="6278823" y="5729893"/>
+            <a:ext cx="1992176" cy="355507"/>
+          </a:xfrm>
+          <a:prstGeom prst="rect">
+            <a:avLst/>
+          </a:prstGeom>
+          <a:noFill/>
+        </p:spPr>
+        <p:txBody>
+          <a:bodyPr wrap="square" rtlCol="0">
+            <a:spAutoFit/>
+          </a:bodyPr>
+          <a:lstStyle/>
+          <a:p>
+            <a:pPr algn="ctr"/>
+            <a:r>
+              <a:rPr lang="en-US" dirty="0"/>
+              <a:t>Planning Node</a:t>
+            </a:r>
+          </a:p>
+        </p:txBody>
+      </p:sp>
+      <p:sp>
+        <p:nvSpPr>
+          <p:cNvPr id="7" name="Rounded Rectangle 6">
+            <a:extLst>
+              <a:ext uri="{FF2B5EF4-FFF2-40B4-BE49-F238E27FC236}">
+                <a16:creationId xmlns:a16="http://schemas.microsoft.com/office/drawing/2014/main" id="{BBCADDED-5854-3F4E-9683-2C7CD57BA6F1}"/>
+              </a:ext>
+            </a:extLst>
+          </p:cNvPr>
+          <p:cNvSpPr/>
+          <p:nvPr/>
+        </p:nvSpPr>
+        <p:spPr>
+          <a:xfrm>
+            <a:off x="6235485" y="5644570"/>
+            <a:ext cx="1992176" cy="552311"/>
+          </a:xfrm>
+          <a:prstGeom prst="roundRect">
+            <a:avLst/>
+          </a:prstGeom>
+          <a:noFill/>
+          <a:ln w="50800">
+            <a:solidFill>
+              <a:schemeClr val="accent6"/>
+            </a:solidFill>
+          </a:ln>
+        </p:spPr>
+        <p:style>
+          <a:lnRef idx="2">
+            <a:schemeClr val="accent1">
+              <a:shade val="50000"/>
+            </a:schemeClr>
+          </a:lnRef>
+          <a:fillRef idx="1">
+            <a:schemeClr val="accent1"/>
+          </a:fillRef>
+          <a:effectRef idx="0">
+            <a:schemeClr val="accent1"/>
+          </a:effectRef>
+          <a:fontRef idx="minor">
+            <a:schemeClr val="lt1"/>
+          </a:fontRef>
+        </p:style>
+        <p:txBody>
+          <a:bodyPr rtlCol="0" anchor="ctr"/>
+          <a:lstStyle/>
+          <a:p>
+            <a:pPr algn="ctr"/>
+            <a:endParaRPr lang="en-US"/>
+          </a:p>
+        </p:txBody>
+      </p:sp>
+      <p:sp>
+        <p:nvSpPr>
+          <p:cNvPr id="8" name="TextBox 7">
+            <a:extLst>
+              <a:ext uri="{FF2B5EF4-FFF2-40B4-BE49-F238E27FC236}">
+                <a16:creationId xmlns:a16="http://schemas.microsoft.com/office/drawing/2014/main" id="{FA7C1185-463F-F845-ADA2-429853D532A2}"/>
+              </a:ext>
+            </a:extLst>
+          </p:cNvPr>
+          <p:cNvSpPr txBox="1"/>
+          <p:nvPr/>
+        </p:nvSpPr>
+        <p:spPr>
+          <a:xfrm>
+            <a:off x="6277901" y="4876593"/>
+            <a:ext cx="1949761" cy="327502"/>
+          </a:xfrm>
+          <a:prstGeom prst="rect">
+            <a:avLst/>
+          </a:prstGeom>
+          <a:noFill/>
+        </p:spPr>
+        <p:txBody>
+          <a:bodyPr wrap="square" rtlCol="0">
+            <a:spAutoFit/>
+          </a:bodyPr>
+          <a:lstStyle/>
+          <a:p>
+            <a:pPr algn="ctr"/>
+            <a:r>
+              <a:rPr lang="en-US" dirty="0"/>
+              <a:t>Control Node</a:t>
+            </a:r>
+          </a:p>
+        </p:txBody>
+      </p:sp>
+      <p:sp>
+        <p:nvSpPr>
+          <p:cNvPr id="9" name="Rounded Rectangle 8">
+            <a:extLst>
+              <a:ext uri="{FF2B5EF4-FFF2-40B4-BE49-F238E27FC236}">
+                <a16:creationId xmlns:a16="http://schemas.microsoft.com/office/drawing/2014/main" id="{DF7A7683-9DEC-5943-A64B-A586A15B095D}"/>
+              </a:ext>
+            </a:extLst>
+          </p:cNvPr>
+          <p:cNvSpPr/>
+          <p:nvPr/>
+        </p:nvSpPr>
+        <p:spPr>
+          <a:xfrm>
+            <a:off x="6235486" y="4797991"/>
+            <a:ext cx="1949761" cy="508802"/>
+          </a:xfrm>
+          <a:prstGeom prst="roundRect">
+            <a:avLst/>
+          </a:prstGeom>
+          <a:noFill/>
+          <a:ln w="50800">
+            <a:solidFill>
+              <a:schemeClr val="accent6"/>
+            </a:solidFill>
+          </a:ln>
+        </p:spPr>
+        <p:style>
+          <a:lnRef idx="2">
+            <a:schemeClr val="accent1">
+              <a:shade val="50000"/>
+            </a:schemeClr>
+          </a:lnRef>
+          <a:fillRef idx="1">
+            <a:schemeClr val="accent1"/>
+          </a:fillRef>
+          <a:effectRef idx="0">
+            <a:schemeClr val="accent1"/>
+          </a:effectRef>
+          <a:fontRef idx="minor">
+            <a:schemeClr val="lt1"/>
+          </a:fontRef>
+        </p:style>
+        <p:txBody>
+          <a:bodyPr rtlCol="0" anchor="ctr"/>
+          <a:lstStyle/>
+          <a:p>
+            <a:pPr algn="ctr"/>
+            <a:endParaRPr lang="en-US"/>
+          </a:p>
+        </p:txBody>
+      </p:sp>
+      <p:cxnSp>
+        <p:nvCxnSpPr>
+          <p:cNvPr id="10" name="Straight Arrow Connector 9">
+            <a:extLst>
+              <a:ext uri="{FF2B5EF4-FFF2-40B4-BE49-F238E27FC236}">
+                <a16:creationId xmlns:a16="http://schemas.microsoft.com/office/drawing/2014/main" id="{281BC3D1-1399-DE42-A0C3-6063C827B07B}"/>
+              </a:ext>
+            </a:extLst>
+          </p:cNvPr>
+          <p:cNvCxnSpPr>
+            <a:cxnSpLocks/>
+          </p:cNvCxnSpPr>
+          <p:nvPr/>
+        </p:nvCxnSpPr>
+        <p:spPr>
+          <a:xfrm flipH="1" flipV="1">
+            <a:off x="4347761" y="5488224"/>
+            <a:ext cx="1713022" cy="356615"/>
+          </a:xfrm>
+          <a:prstGeom prst="straightConnector1">
+            <a:avLst/>
+          </a:prstGeom>
+          <a:ln w="50800">
+            <a:headEnd type="none" w="sm" len="med"/>
+            <a:tailEnd type="triangle"/>
+          </a:ln>
+        </p:spPr>
+        <p:style>
+          <a:lnRef idx="1">
+            <a:schemeClr val="accent1"/>
+          </a:lnRef>
+          <a:fillRef idx="0">
+            <a:schemeClr val="accent1"/>
+          </a:fillRef>
+          <a:effectRef idx="0">
+            <a:schemeClr val="accent1"/>
+          </a:effectRef>
+          <a:fontRef idx="minor">
+            <a:schemeClr val="tx1"/>
+          </a:fontRef>
+        </p:style>
+      </p:cxnSp>
+      <p:cxnSp>
+        <p:nvCxnSpPr>
+          <p:cNvPr id="11" name="Straight Arrow Connector 10">
+            <a:extLst>
+              <a:ext uri="{FF2B5EF4-FFF2-40B4-BE49-F238E27FC236}">
+                <a16:creationId xmlns:a16="http://schemas.microsoft.com/office/drawing/2014/main" id="{AE17C1E4-07D7-4A4A-A477-ECAE4B5C9E2D}"/>
+              </a:ext>
+            </a:extLst>
+          </p:cNvPr>
+          <p:cNvCxnSpPr>
+            <a:cxnSpLocks/>
+          </p:cNvCxnSpPr>
+          <p:nvPr/>
+        </p:nvCxnSpPr>
+        <p:spPr>
+          <a:xfrm flipH="1">
+            <a:off x="4347761" y="5110630"/>
+            <a:ext cx="1713022" cy="377594"/>
+          </a:xfrm>
+          <a:prstGeom prst="straightConnector1">
+            <a:avLst/>
+          </a:prstGeom>
+          <a:ln w="50800">
+            <a:headEnd type="none"/>
+            <a:tailEnd type="triangle"/>
+          </a:ln>
+        </p:spPr>
+        <p:style>
+          <a:lnRef idx="1">
+            <a:schemeClr val="accent1"/>
+          </a:lnRef>
+          <a:fillRef idx="0">
+            <a:schemeClr val="accent1"/>
+          </a:fillRef>
+          <a:effectRef idx="0">
+            <a:schemeClr val="accent1"/>
+          </a:effectRef>
+          <a:fontRef idx="minor">
+            <a:schemeClr val="tx1"/>
+          </a:fontRef>
+        </p:style>
+      </p:cxnSp>
+      <p:pic>
+        <p:nvPicPr>
+          <p:cNvPr id="12" name="Picture 6" descr="GitHub - ros-visualization/rviz: ROS 3D Robot Visualizer">
+            <a:extLst>
+              <a:ext uri="{FF2B5EF4-FFF2-40B4-BE49-F238E27FC236}">
+                <a16:creationId xmlns:a16="http://schemas.microsoft.com/office/drawing/2014/main" id="{E569C2B7-C167-C144-819A-6FA89BB977EF}"/>
+              </a:ext>
+            </a:extLst>
+          </p:cNvPr>
+          <p:cNvPicPr>
+            <a:picLocks noChangeAspect="1" noChangeArrowheads="1"/>
+          </p:cNvPicPr>
+          <p:nvPr/>
+        </p:nvPicPr>
+        <p:blipFill>
+          <a:blip r:embed="rId3">
+            <a:extLst>
+              <a:ext uri="{28A0092B-C50C-407E-A947-70E740481C1C}">
+                <a14:useLocalDpi xmlns:a14="http://schemas.microsoft.com/office/drawing/2010/main" val="0"/>
+              </a:ext>
+            </a:extLst>
+          </a:blip>
+          <a:srcRect/>
+          <a:stretch>
+            <a:fillRect/>
+          </a:stretch>
+        </p:blipFill>
+        <p:spPr bwMode="auto">
+          <a:xfrm>
+            <a:off x="3043505" y="5121119"/>
+            <a:ext cx="1129553" cy="734209"/>
+          </a:xfrm>
+          <a:prstGeom prst="rect">
+            <a:avLst/>
+          </a:prstGeom>
+          <a:noFill/>
+          <a:extLst>
+            <a:ext uri="{909E8E84-426E-40DD-AFC4-6F175D3DCCD1}">
+              <a14:hiddenFill xmlns:a14="http://schemas.microsoft.com/office/drawing/2010/main">
+                <a:solidFill>
+                  <a:srgbClr val="FFFFFF"/>
+                </a:solidFill>
+              </a14:hiddenFill>
+            </a:ext>
+          </a:extLst>
+        </p:spPr>
+      </p:pic>
+    </p:spTree>
+    <p:extLst>
+      <p:ext uri="{BB962C8B-B14F-4D97-AF65-F5344CB8AC3E}">
+        <p14:creationId xmlns:p14="http://schemas.microsoft.com/office/powerpoint/2010/main" val="3588683406"/>
+      </p:ext>
+    </p:extLst>
+  </p:cSld>
+  <p:clrMapOvr>
+    <a:masterClrMapping/>
+  </p:clrMapOvr>
+  <mc:AlternateContent xmlns:mc="http://schemas.openxmlformats.org/markup-compatibility/2006" xmlns:p14="http://schemas.microsoft.com/office/powerpoint/2010/main">
+    <mc:Choice Requires="p14">
+      <p:transition spd="slow" p14:dur="2000" advTm="180"/>
+    </mc:Choice>
+    <mc:Fallback xmlns="">
+      <p:transition spd="slow" advTm="180"/>
+    </mc:Fallback>
+  </mc:AlternateContent>
+</p:sld>
+</file>
+
+<file path=ppt/slides/slide27.xml><?xml version="1.0" encoding="utf-8"?>
+<p:sld xmlns:a="http://schemas.openxmlformats.org/drawingml/2006/main" xmlns:r="http://schemas.openxmlformats.org/officeDocument/2006/relationships" xmlns:p="http://schemas.openxmlformats.org/presentationml/2006/main">
+  <p:cSld>
+    <p:spTree>
+      <p:nvGrpSpPr>
+        <p:cNvPr id="1" name=""/>
+        <p:cNvGrpSpPr/>
+        <p:nvPr/>
+      </p:nvGrpSpPr>
+      <p:grpSpPr>
+        <a:xfrm>
+          <a:off x="0" y="0"/>
+          <a:ext cx="0" cy="0"/>
+          <a:chOff x="0" y="0"/>
+          <a:chExt cx="0" cy="0"/>
+        </a:xfrm>
+      </p:grpSpPr>
+      <p:sp>
+        <p:nvSpPr>
+          <p:cNvPr id="2" name="Title 1">
+            <a:extLst>
+              <a:ext uri="{FF2B5EF4-FFF2-40B4-BE49-F238E27FC236}">
+                <a16:creationId xmlns:a16="http://schemas.microsoft.com/office/drawing/2014/main" id="{E986AE5C-10A6-C94C-9D95-8E1504BFCC57}"/>
+              </a:ext>
+            </a:extLst>
+          </p:cNvPr>
+          <p:cNvSpPr>
+            <a:spLocks noGrp="1"/>
+          </p:cNvSpPr>
+          <p:nvPr>
+            <p:ph type="title"/>
+          </p:nvPr>
+        </p:nvSpPr>
+        <p:spPr>
+          <a:xfrm>
             <a:off x="1632663" y="193953"/>
             <a:ext cx="7656576" cy="1325563"/>
           </a:xfrm>
@@ -16935,8 +17791,8 @@
           <a:lstStyle/>
           <a:p>
             <a:r>
-              <a:rPr lang="en-US" sz="4000" dirty="0"/>
-              <a:t>Activity</a:t>
+              <a:rPr lang="en-US" sz="4000" dirty="0" smtClean="0"/>
+              <a:t>Example</a:t>
             </a:r>
             <a:r>
               <a:rPr lang="en-US" dirty="0"/>
@@ -16946,9 +17802,14 @@
               <a:rPr lang="en-US" dirty="0"/>
             </a:br>
             <a:r>
-              <a:rPr lang="en-US" sz="3200" dirty="0"/>
-              <a:t>Problem architecture</a:t>
-            </a:r>
+              <a:rPr lang="en-US" sz="3200" dirty="0" smtClean="0"/>
+              <a:t>Mobile robot </a:t>
+            </a:r>
+            <a:r>
+              <a:rPr lang="en-US" sz="3200" dirty="0" err="1" smtClean="0"/>
+              <a:t>visualisation</a:t>
+            </a:r>
+            <a:endParaRPr lang="en-US" sz="3200" dirty="0"/>
           </a:p>
         </p:txBody>
       </p:sp>
@@ -17717,173 +18578,6 @@
           </a:fontRef>
         </p:style>
       </p:cxnSp>
-      <p:sp>
-        <p:nvSpPr>
-          <p:cNvPr id="38" name="TextBox 37">
-            <a:extLst>
-              <a:ext uri="{FF2B5EF4-FFF2-40B4-BE49-F238E27FC236}">
-                <a16:creationId xmlns:a16="http://schemas.microsoft.com/office/drawing/2014/main" id="{F573366F-BBDB-AC42-923D-F807429802DC}"/>
-              </a:ext>
-            </a:extLst>
-          </p:cNvPr>
-          <p:cNvSpPr txBox="1"/>
-          <p:nvPr/>
-        </p:nvSpPr>
-        <p:spPr>
-          <a:xfrm>
-            <a:off x="1848738" y="2408220"/>
-            <a:ext cx="1111794" cy="338554"/>
-          </a:xfrm>
-          <a:prstGeom prst="rect">
-            <a:avLst/>
-          </a:prstGeom>
-          <a:noFill/>
-        </p:spPr>
-        <p:txBody>
-          <a:bodyPr wrap="square" rtlCol="0">
-            <a:spAutoFit/>
-          </a:bodyPr>
-          <a:lstStyle/>
-          <a:p>
-            <a:r>
-              <a:rPr lang="en-US" sz="1600" dirty="0">
-                <a:solidFill>
-                  <a:srgbClr val="C00000"/>
-                </a:solidFill>
-              </a:rPr>
-              <a:t>Task</a:t>
-            </a:r>
-            <a:endParaRPr lang="en-US" sz="2400" dirty="0">
-              <a:solidFill>
-                <a:srgbClr val="C00000"/>
-              </a:solidFill>
-            </a:endParaRPr>
-          </a:p>
-        </p:txBody>
-      </p:sp>
-      <p:grpSp>
-        <p:nvGrpSpPr>
-          <p:cNvPr id="10" name="Group 9">
-            <a:extLst>
-              <a:ext uri="{FF2B5EF4-FFF2-40B4-BE49-F238E27FC236}">
-                <a16:creationId xmlns:a16="http://schemas.microsoft.com/office/drawing/2014/main" id="{E37A6300-60D1-654A-8A1C-2DF00BF21725}"/>
-              </a:ext>
-            </a:extLst>
-          </p:cNvPr>
-          <p:cNvGrpSpPr/>
-          <p:nvPr/>
-        </p:nvGrpSpPr>
-        <p:grpSpPr>
-          <a:xfrm>
-            <a:off x="2379429" y="2580202"/>
-            <a:ext cx="360" cy="360"/>
-            <a:chOff x="2379429" y="2580202"/>
-            <a:chExt cx="360" cy="360"/>
-          </a:xfrm>
-        </p:grpSpPr>
-        <mc:AlternateContent xmlns:mc="http://schemas.openxmlformats.org/markup-compatibility/2006" xmlns:p14="http://schemas.microsoft.com/office/powerpoint/2010/main">
-          <mc:Choice Requires="p14">
-            <p:contentPart p14:bwMode="auto" r:id="rId3">
-              <p14:nvContentPartPr>
-                <p14:cNvPr id="4" name="Ink 3">
-                  <a:extLst>
-                    <a:ext uri="{FF2B5EF4-FFF2-40B4-BE49-F238E27FC236}">
-                      <a16:creationId xmlns:a16="http://schemas.microsoft.com/office/drawing/2014/main" id="{3A43E9CF-AC68-224F-A1AC-B4940C82B8C1}"/>
-                    </a:ext>
-                  </a:extLst>
-                </p14:cNvPr>
-                <p14:cNvContentPartPr/>
-                <p14:nvPr/>
-              </p14:nvContentPartPr>
-              <p14:xfrm>
-                <a:off x="2379429" y="2580202"/>
-                <a:ext cx="360" cy="360"/>
-              </p14:xfrm>
-            </p:contentPart>
-          </mc:Choice>
-          <mc:Fallback xmlns="">
-            <p:pic>
-              <p:nvPicPr>
-                <p:cNvPr id="4" name="Ink 3">
-                  <a:extLst>
-                    <a:ext uri="{FF2B5EF4-FFF2-40B4-BE49-F238E27FC236}">
-                      <a16:creationId xmlns:a16="http://schemas.microsoft.com/office/drawing/2014/main" id="{3A43E9CF-AC68-224F-A1AC-B4940C82B8C1}"/>
-                    </a:ext>
-                  </a:extLst>
-                </p:cNvPr>
-                <p:cNvPicPr/>
-                <p:nvPr/>
-              </p:nvPicPr>
-              <p:blipFill>
-                <a:blip r:embed="rId5"/>
-                <a:stretch>
-                  <a:fillRect/>
-                </a:stretch>
-              </p:blipFill>
-              <p:spPr>
-                <a:xfrm>
-                  <a:off x="2370789" y="2571202"/>
-                  <a:ext cx="18000" cy="18000"/>
-                </a:xfrm>
-                <a:prstGeom prst="rect">
-                  <a:avLst/>
-                </a:prstGeom>
-              </p:spPr>
-            </p:pic>
-          </mc:Fallback>
-        </mc:AlternateContent>
-        <mc:AlternateContent xmlns:mc="http://schemas.openxmlformats.org/markup-compatibility/2006" xmlns:p14="http://schemas.microsoft.com/office/powerpoint/2010/main">
-          <mc:Choice Requires="p14">
-            <p:contentPart p14:bwMode="auto" r:id="rId6">
-              <p14:nvContentPartPr>
-                <p14:cNvPr id="5" name="Ink 4">
-                  <a:extLst>
-                    <a:ext uri="{FF2B5EF4-FFF2-40B4-BE49-F238E27FC236}">
-                      <a16:creationId xmlns:a16="http://schemas.microsoft.com/office/drawing/2014/main" id="{BBFB044D-A491-BD40-A0D9-13FCB983BA78}"/>
-                    </a:ext>
-                  </a:extLst>
-                </p14:cNvPr>
-                <p14:cNvContentPartPr/>
-                <p14:nvPr/>
-              </p14:nvContentPartPr>
-              <p14:xfrm>
-                <a:off x="2379429" y="2580202"/>
-                <a:ext cx="360" cy="360"/>
-              </p14:xfrm>
-            </p:contentPart>
-          </mc:Choice>
-          <mc:Fallback xmlns="">
-            <p:pic>
-              <p:nvPicPr>
-                <p:cNvPr id="5" name="Ink 4">
-                  <a:extLst>
-                    <a:ext uri="{FF2B5EF4-FFF2-40B4-BE49-F238E27FC236}">
-                      <a16:creationId xmlns:a16="http://schemas.microsoft.com/office/drawing/2014/main" id="{BBFB044D-A491-BD40-A0D9-13FCB983BA78}"/>
-                    </a:ext>
-                  </a:extLst>
-                </p:cNvPr>
-                <p:cNvPicPr/>
-                <p:nvPr/>
-              </p:nvPicPr>
-              <p:blipFill>
-                <a:blip r:embed="rId5"/>
-                <a:stretch>
-                  <a:fillRect/>
-                </a:stretch>
-              </p:blipFill>
-              <p:spPr>
-                <a:xfrm>
-                  <a:off x="2370789" y="2571202"/>
-                  <a:ext cx="18000" cy="18000"/>
-                </a:xfrm>
-                <a:prstGeom prst="rect">
-                  <a:avLst/>
-                </a:prstGeom>
-              </p:spPr>
-            </p:pic>
-          </mc:Fallback>
-        </mc:AlternateContent>
-      </p:grpSp>
       <p:pic>
         <p:nvPicPr>
           <p:cNvPr id="25" name="Picture 6" descr="GitHub - ros-visualization/rviz: ROS 3D Robot Visualizer">
@@ -17899,7 +18593,7 @@
           <p:nvPr/>
         </p:nvPicPr>
         <p:blipFill>
-          <a:blip r:embed="rId7">
+          <a:blip r:embed="rId3">
             <a:extLst>
               <a:ext uri="{28A0092B-C50C-407E-A947-70E740481C1C}">
                 <a14:useLocalDpi xmlns:a14="http://schemas.microsoft.com/office/drawing/2010/main" val="0"/>
@@ -17934,7 +18628,7 @@
     </p:spTree>
     <p:extLst>
       <p:ext uri="{BB962C8B-B14F-4D97-AF65-F5344CB8AC3E}">
-        <p14:creationId xmlns:p14="http://schemas.microsoft.com/office/powerpoint/2010/main" val="3136168878"/>
+        <p14:creationId xmlns:p14="http://schemas.microsoft.com/office/powerpoint/2010/main" val="250618607"/>
       </p:ext>
     </p:extLst>
   </p:cSld>
@@ -17952,7 +18646,7 @@
 </p:sld>
 </file>
 
-<file path=ppt/slides/slide27.xml><?xml version="1.0" encoding="utf-8"?>
+<file path=ppt/slides/slide28.xml><?xml version="1.0" encoding="utf-8"?>
 <p:sld xmlns:a="http://schemas.openxmlformats.org/drawingml/2006/main" xmlns:r="http://schemas.openxmlformats.org/officeDocument/2006/relationships" xmlns:p="http://schemas.openxmlformats.org/presentationml/2006/main">
   <p:cSld>
     <p:spTree>
@@ -17985,14 +18679,25 @@
             <p:ph type="title"/>
           </p:nvPr>
         </p:nvSpPr>
-        <p:spPr/>
+        <p:spPr>
+          <a:xfrm>
+            <a:off x="1597152" y="365125"/>
+            <a:ext cx="7656576" cy="1325563"/>
+          </a:xfrm>
+        </p:spPr>
         <p:txBody>
-          <a:bodyPr/>
+          <a:bodyPr>
+            <a:normAutofit/>
+          </a:bodyPr>
           <a:lstStyle/>
           <a:p>
             <a:r>
+              <a:rPr lang="en-US" sz="4000" dirty="0" err="1"/>
+              <a:t>RViz</a:t>
+            </a:r>
+            <a:r>
               <a:rPr lang="en-US" sz="4000" dirty="0"/>
-              <a:t>Activity</a:t>
+              <a:t> Example</a:t>
             </a:r>
             <a:r>
               <a:rPr lang="en-US" dirty="0"/>
@@ -18002,57 +18707,112 @@
               <a:rPr lang="en-US" dirty="0"/>
             </a:br>
             <a:r>
-              <a:rPr lang="en-US" sz="3200" dirty="0"/>
-              <a:t>Teleoperate a PuzzleBot</a:t>
+              <a:rPr lang="en-US" sz="3600" dirty="0"/>
+              <a:t>Displaying information from a camera</a:t>
             </a:r>
           </a:p>
         </p:txBody>
       </p:sp>
       <p:sp>
         <p:nvSpPr>
-          <p:cNvPr id="7" name="TextBox 6">
-            <a:extLst>
-              <a:ext uri="{FF2B5EF4-FFF2-40B4-BE49-F238E27FC236}">
-                <a16:creationId xmlns:a16="http://schemas.microsoft.com/office/drawing/2014/main" id="{BD5B5BE3-1BCD-7645-B300-25181E0EEE98}"/>
-              </a:ext>
-            </a:extLst>
-          </p:cNvPr>
-          <p:cNvSpPr txBox="1"/>
-          <p:nvPr/>
+          <p:cNvPr id="26" name="Content Placeholder 2">
+            <a:extLst>
+              <a:ext uri="{FF2B5EF4-FFF2-40B4-BE49-F238E27FC236}">
+                <a16:creationId xmlns:a16="http://schemas.microsoft.com/office/drawing/2014/main" id="{687CF686-F0E0-3E41-B210-18672B8C8AE6}"/>
+              </a:ext>
+            </a:extLst>
+          </p:cNvPr>
+          <p:cNvSpPr>
+            <a:spLocks noGrp="1"/>
+          </p:cNvSpPr>
+          <p:nvPr>
+            <p:ph idx="4294967295"/>
+          </p:nvPr>
         </p:nvSpPr>
         <p:spPr>
           <a:xfrm>
-            <a:off x="1303112" y="1690688"/>
-            <a:ext cx="3035807" cy="523221"/>
+            <a:off x="838200" y="2172901"/>
+            <a:ext cx="10515600" cy="1159846"/>
+          </a:xfrm>
+        </p:spPr>
+        <p:txBody>
+          <a:bodyPr vert="horz" lIns="91440" tIns="45720" rIns="91440" bIns="45720" rtlCol="0" anchor="t">
+            <a:normAutofit/>
+          </a:bodyPr>
+          <a:lstStyle/>
+          <a:p>
+            <a:pPr marL="0" indent="0" algn="just">
+              <a:buNone/>
+            </a:pPr>
+            <a:r>
+              <a:rPr lang="en-US" sz="2400" dirty="0"/>
+              <a:t>In order to display information from a camera we need to follow these steps </a:t>
+            </a:r>
+          </a:p>
+          <a:p>
+            <a:pPr marL="914400" lvl="1" indent="-457200" algn="just">
+              <a:buFont typeface="+mj-lt"/>
+              <a:buAutoNum type="arabicPeriod"/>
+            </a:pPr>
+            <a:r>
+              <a:rPr lang="en-US" sz="2000" dirty="0"/>
+              <a:t>Set up a fixed frame that acts as the origin of our world</a:t>
+            </a:r>
+          </a:p>
+          <a:p>
+            <a:pPr marL="914400" lvl="1" indent="-457200" algn="just">
+              <a:buFont typeface="+mj-lt"/>
+              <a:buAutoNum type="arabicPeriod"/>
+            </a:pPr>
+            <a:r>
+              <a:rPr lang="en-US" sz="2000" dirty="0"/>
+              <a:t>Select a topic containing the images that we want to display </a:t>
+            </a:r>
+          </a:p>
+        </p:txBody>
+      </p:sp>
+      <p:pic>
+        <p:nvPicPr>
+          <p:cNvPr id="4" name="Picture 3" descr="A picture containing text, screenshot, computer&#10;&#10;Description automatically generated">
+            <a:extLst>
+              <a:ext uri="{FF2B5EF4-FFF2-40B4-BE49-F238E27FC236}">
+                <a16:creationId xmlns:a16="http://schemas.microsoft.com/office/drawing/2014/main" id="{2D652846-2EDF-7249-823A-24903D721479}"/>
+              </a:ext>
+            </a:extLst>
+          </p:cNvPr>
+          <p:cNvPicPr>
+            <a:picLocks noChangeAspect="1"/>
+          </p:cNvPicPr>
+          <p:nvPr/>
+        </p:nvPicPr>
+        <p:blipFill>
+          <a:blip r:embed="rId3">
+            <a:extLst>
+              <a:ext uri="{28A0092B-C50C-407E-A947-70E740481C1C}">
+                <a14:useLocalDpi xmlns:a14="http://schemas.microsoft.com/office/drawing/2010/main" val="0"/>
+              </a:ext>
+            </a:extLst>
+          </a:blip>
+          <a:stretch>
+            <a:fillRect/>
+          </a:stretch>
+        </p:blipFill>
+        <p:spPr>
+          <a:xfrm>
+            <a:off x="1406011" y="3429000"/>
+            <a:ext cx="5703119" cy="3208774"/>
           </a:xfrm>
           <a:prstGeom prst="rect">
             <a:avLst/>
           </a:prstGeom>
-          <a:noFill/>
         </p:spPr>
-        <p:txBody>
-          <a:bodyPr wrap="square" rtlCol="0">
-            <a:spAutoFit/>
-          </a:bodyPr>
-          <a:lstStyle/>
-          <a:p>
-            <a:r>
-              <a:rPr lang="en-US" sz="2800" dirty="0">
-                <a:solidFill>
-                  <a:srgbClr val="7030A0"/>
-                </a:solidFill>
-              </a:rPr>
-              <a:t>Teleoperation</a:t>
-            </a:r>
-          </a:p>
-        </p:txBody>
-      </p:sp>
-      <p:sp>
-        <p:nvSpPr>
-          <p:cNvPr id="13" name="Rounded Rectangle 12">
-            <a:extLst>
-              <a:ext uri="{FF2B5EF4-FFF2-40B4-BE49-F238E27FC236}">
-                <a16:creationId xmlns:a16="http://schemas.microsoft.com/office/drawing/2014/main" id="{7A755588-D7F0-5042-BEB6-5F52988A0CE8}"/>
+      </p:pic>
+      <p:sp>
+        <p:nvSpPr>
+          <p:cNvPr id="6" name="Rounded Rectangle 5">
+            <a:extLst>
+              <a:ext uri="{FF2B5EF4-FFF2-40B4-BE49-F238E27FC236}">
+                <a16:creationId xmlns:a16="http://schemas.microsoft.com/office/drawing/2014/main" id="{F8107CDC-B312-744D-B9A0-AFA36798A5DD}"/>
               </a:ext>
             </a:extLst>
           </p:cNvPr>
@@ -18061,16 +18821,18 @@
         </p:nvSpPr>
         <p:spPr>
           <a:xfrm>
-            <a:off x="1303111" y="2354163"/>
-            <a:ext cx="4470160" cy="3727087"/>
+            <a:off x="1345379" y="3616090"/>
+            <a:ext cx="1642533" cy="718844"/>
           </a:xfrm>
           <a:prstGeom prst="roundRect">
             <a:avLst/>
           </a:prstGeom>
           <a:noFill/>
-          <a:ln w="50800">
+          <a:ln w="31750">
             <a:solidFill>
-              <a:srgbClr val="7030A0"/>
+              <a:schemeClr val="accent6">
+                <a:lumMod val="75000"/>
+              </a:schemeClr>
             </a:solidFill>
           </a:ln>
         </p:spPr>
@@ -18101,103 +18863,28 @@
       </p:sp>
       <p:sp>
         <p:nvSpPr>
-          <p:cNvPr id="16" name="TextBox 15">
-            <a:extLst>
-              <a:ext uri="{FF2B5EF4-FFF2-40B4-BE49-F238E27FC236}">
-                <a16:creationId xmlns:a16="http://schemas.microsoft.com/office/drawing/2014/main" id="{D58120D5-C27D-1D47-A7D9-5728828DBA9C}"/>
-              </a:ext>
-            </a:extLst>
-          </p:cNvPr>
-          <p:cNvSpPr txBox="1"/>
+          <p:cNvPr id="7" name="Rounded Rectangle 6">
+            <a:extLst>
+              <a:ext uri="{FF2B5EF4-FFF2-40B4-BE49-F238E27FC236}">
+                <a16:creationId xmlns:a16="http://schemas.microsoft.com/office/drawing/2014/main" id="{26DACA1C-6F21-B643-A27C-E0C350745F29}"/>
+              </a:ext>
+            </a:extLst>
+          </p:cNvPr>
+          <p:cNvSpPr/>
           <p:nvPr/>
         </p:nvSpPr>
         <p:spPr>
           <a:xfrm>
-            <a:off x="6547458" y="1699656"/>
-            <a:ext cx="3035807" cy="523221"/>
-          </a:xfrm>
-          <a:prstGeom prst="rect">
-            <a:avLst/>
-          </a:prstGeom>
-          <a:noFill/>
-        </p:spPr>
-        <p:txBody>
-          <a:bodyPr wrap="square" rtlCol="0">
-            <a:spAutoFit/>
-          </a:bodyPr>
-          <a:lstStyle/>
-          <a:p>
-            <a:r>
-              <a:rPr lang="en-US" sz="2800" dirty="0">
-                <a:solidFill>
-                  <a:srgbClr val="7030A0"/>
-                </a:solidFill>
-              </a:rPr>
-              <a:t>Square</a:t>
-            </a:r>
-          </a:p>
-        </p:txBody>
-      </p:sp>
-      <p:sp>
-        <p:nvSpPr>
-          <p:cNvPr id="21" name="TextBox 20">
-            <a:extLst>
-              <a:ext uri="{FF2B5EF4-FFF2-40B4-BE49-F238E27FC236}">
-                <a16:creationId xmlns:a16="http://schemas.microsoft.com/office/drawing/2014/main" id="{BF53679A-7A33-D04D-99C9-F37A990795F2}"/>
-              </a:ext>
-            </a:extLst>
-          </p:cNvPr>
-          <p:cNvSpPr txBox="1"/>
-          <p:nvPr/>
-        </p:nvSpPr>
-        <p:spPr>
-          <a:xfrm>
-            <a:off x="1694964" y="4569228"/>
-            <a:ext cx="3686453" cy="1200329"/>
-          </a:xfrm>
-          <a:prstGeom prst="rect">
-            <a:avLst/>
-          </a:prstGeom>
-          <a:noFill/>
-        </p:spPr>
-        <p:txBody>
-          <a:bodyPr wrap="square">
-            <a:spAutoFit/>
-          </a:bodyPr>
-          <a:lstStyle/>
-          <a:p>
-            <a:pPr algn="just"/>
-            <a:r>
-              <a:rPr lang="en-US" sz="2400" dirty="0"/>
-              <a:t>Input in the terminal the commands to move the robot</a:t>
-            </a:r>
-          </a:p>
-        </p:txBody>
-      </p:sp>
-      <p:sp>
-        <p:nvSpPr>
-          <p:cNvPr id="22" name="Rounded Rectangle 21">
-            <a:extLst>
-              <a:ext uri="{FF2B5EF4-FFF2-40B4-BE49-F238E27FC236}">
-                <a16:creationId xmlns:a16="http://schemas.microsoft.com/office/drawing/2014/main" id="{167FA9E8-BF13-904F-9961-F9A9189F44D6}"/>
-              </a:ext>
-            </a:extLst>
-          </p:cNvPr>
-          <p:cNvSpPr/>
-          <p:nvPr/>
-        </p:nvSpPr>
-        <p:spPr>
-          <a:xfrm>
-            <a:off x="6547458" y="2354163"/>
-            <a:ext cx="4470160" cy="3727087"/>
+            <a:off x="3333135" y="3716595"/>
+            <a:ext cx="1789471" cy="2261418"/>
           </a:xfrm>
           <a:prstGeom prst="roundRect">
             <a:avLst/>
           </a:prstGeom>
           <a:noFill/>
-          <a:ln w="50800">
+          <a:ln w="31750">
             <a:solidFill>
-              <a:srgbClr val="7030A0"/>
+              <a:srgbClr val="C00000"/>
             </a:solidFill>
           </a:ln>
         </p:spPr>
@@ -18226,299 +18913,30 @@
           </a:p>
         </p:txBody>
       </p:sp>
-      <p:pic>
-        <p:nvPicPr>
-          <p:cNvPr id="24" name="Picture 23">
-            <a:extLst>
-              <a:ext uri="{FF2B5EF4-FFF2-40B4-BE49-F238E27FC236}">
-                <a16:creationId xmlns:a16="http://schemas.microsoft.com/office/drawing/2014/main" id="{F9DA5E9C-65D0-C94F-B594-61D6236A9731}"/>
-              </a:ext>
-            </a:extLst>
-          </p:cNvPr>
-          <p:cNvPicPr>
-            <a:picLocks noChangeAspect="1"/>
-          </p:cNvPicPr>
-          <p:nvPr/>
-        </p:nvPicPr>
-        <p:blipFill>
-          <a:blip r:embed="rId2">
-            <a:alphaModFix amt="72000"/>
-          </a:blip>
-          <a:stretch>
-            <a:fillRect/>
-          </a:stretch>
-        </p:blipFill>
-        <p:spPr>
-          <a:xfrm rot="16200000">
-            <a:off x="6937390" y="3587440"/>
-            <a:ext cx="1173476" cy="1082467"/>
-          </a:xfrm>
-          <a:prstGeom prst="rect">
-            <a:avLst/>
-          </a:prstGeom>
-        </p:spPr>
-      </p:pic>
-      <p:sp>
-        <p:nvSpPr>
-          <p:cNvPr id="25" name="TextBox 24">
-            <a:extLst>
-              <a:ext uri="{FF2B5EF4-FFF2-40B4-BE49-F238E27FC236}">
-                <a16:creationId xmlns:a16="http://schemas.microsoft.com/office/drawing/2014/main" id="{DE3DC5C2-CDD4-994C-A301-F6F8B29AD8B9}"/>
-              </a:ext>
-            </a:extLst>
-          </p:cNvPr>
-          <p:cNvSpPr txBox="1"/>
+      <p:sp>
+        <p:nvSpPr>
+          <p:cNvPr id="8" name="Rounded Rectangle 7">
+            <a:extLst>
+              <a:ext uri="{FF2B5EF4-FFF2-40B4-BE49-F238E27FC236}">
+                <a16:creationId xmlns:a16="http://schemas.microsoft.com/office/drawing/2014/main" id="{BB906F55-411A-5941-9214-A94BB3328C5D}"/>
+              </a:ext>
+            </a:extLst>
+          </p:cNvPr>
+          <p:cNvSpPr/>
           <p:nvPr/>
         </p:nvSpPr>
         <p:spPr>
           <a:xfrm>
-            <a:off x="6825265" y="4753893"/>
-            <a:ext cx="3949577" cy="830997"/>
-          </a:xfrm>
-          <a:prstGeom prst="rect">
-            <a:avLst/>
-          </a:prstGeom>
-          <a:noFill/>
-        </p:spPr>
-        <p:txBody>
-          <a:bodyPr wrap="square">
-            <a:spAutoFit/>
-          </a:bodyPr>
-          <a:lstStyle/>
-          <a:p>
-            <a:r>
-              <a:rPr lang="en-US" sz="2400" dirty="0"/>
-              <a:t>See how the robot traverses accordingly the environment.</a:t>
-            </a:r>
-          </a:p>
-        </p:txBody>
-      </p:sp>
-      <p:cxnSp>
-        <p:nvCxnSpPr>
-          <p:cNvPr id="6" name="Curved Connector 5">
-            <a:extLst>
-              <a:ext uri="{FF2B5EF4-FFF2-40B4-BE49-F238E27FC236}">
-                <a16:creationId xmlns:a16="http://schemas.microsoft.com/office/drawing/2014/main" id="{C326AD98-28D5-C045-96E9-D2E2DB2C999B}"/>
-              </a:ext>
-            </a:extLst>
-          </p:cNvPr>
-          <p:cNvCxnSpPr/>
-          <p:nvPr/>
-        </p:nvCxnSpPr>
-        <p:spPr>
-          <a:xfrm flipV="1">
-            <a:off x="8373640" y="3428694"/>
-            <a:ext cx="1517904" cy="661418"/>
-          </a:xfrm>
-          <a:prstGeom prst="curvedConnector3">
-            <a:avLst/>
-          </a:prstGeom>
-          <a:ln w="50800">
-            <a:tailEnd type="triangle"/>
-          </a:ln>
-        </p:spPr>
-        <p:style>
-          <a:lnRef idx="1">
-            <a:schemeClr val="accent1"/>
-          </a:lnRef>
-          <a:fillRef idx="0">
-            <a:schemeClr val="accent1"/>
-          </a:fillRef>
-          <a:effectRef idx="0">
-            <a:schemeClr val="accent1"/>
-          </a:effectRef>
-          <a:fontRef idx="minor">
-            <a:schemeClr val="tx1"/>
-          </a:fontRef>
-        </p:style>
-      </p:cxnSp>
-      <p:pic>
-        <p:nvPicPr>
-          <p:cNvPr id="1026" name="Picture 2" descr="Keyboard arrow keys stroke icon #AD , #Aff, #Aff, #arrow, #icon, #stroke, # Keyboard | Business card design creative, Key icon, Game logo design">
-            <a:extLst>
-              <a:ext uri="{FF2B5EF4-FFF2-40B4-BE49-F238E27FC236}">
-                <a16:creationId xmlns:a16="http://schemas.microsoft.com/office/drawing/2014/main" id="{D563858C-2060-D547-9D11-B0B7FE2C72E9}"/>
-              </a:ext>
-            </a:extLst>
-          </p:cNvPr>
-          <p:cNvPicPr>
-            <a:picLocks noChangeAspect="1" noChangeArrowheads="1"/>
-          </p:cNvPicPr>
-          <p:nvPr/>
-        </p:nvPicPr>
-        <p:blipFill>
-          <a:blip r:embed="rId3">
-            <a:extLst>
-              <a:ext uri="{28A0092B-C50C-407E-A947-70E740481C1C}">
-                <a14:useLocalDpi xmlns:a14="http://schemas.microsoft.com/office/drawing/2010/main" val="0"/>
-              </a:ext>
-            </a:extLst>
-          </a:blip>
-          <a:srcRect/>
-          <a:stretch>
-            <a:fillRect/>
-          </a:stretch>
-        </p:blipFill>
-        <p:spPr bwMode="auto">
-          <a:xfrm>
-            <a:off x="2300456" y="2392296"/>
-            <a:ext cx="2176932" cy="2176932"/>
-          </a:xfrm>
-          <a:prstGeom prst="rect">
-            <a:avLst/>
-          </a:prstGeom>
-          <a:noFill/>
-          <a:extLst>
-            <a:ext uri="{909E8E84-426E-40DD-AFC4-6F175D3DCCD1}">
-              <a14:hiddenFill xmlns:a14="http://schemas.microsoft.com/office/drawing/2010/main">
-                <a:solidFill>
-                  <a:srgbClr val="FFFFFF"/>
-                </a:solidFill>
-              </a14:hiddenFill>
-            </a:ext>
-          </a:extLst>
-        </p:spPr>
-      </p:pic>
-    </p:spTree>
-    <p:extLst>
-      <p:ext uri="{BB962C8B-B14F-4D97-AF65-F5344CB8AC3E}">
-        <p14:creationId xmlns:p14="http://schemas.microsoft.com/office/powerpoint/2010/main" val="208144505"/>
-      </p:ext>
-    </p:extLst>
-  </p:cSld>
-  <p:clrMapOvr>
-    <a:masterClrMapping/>
-  </p:clrMapOvr>
-  <mc:AlternateContent xmlns:mc="http://schemas.openxmlformats.org/markup-compatibility/2006" xmlns:p14="http://schemas.microsoft.com/office/powerpoint/2010/main">
-    <mc:Choice Requires="p14">
-      <p:transition spd="slow" p14:dur="2000" advTm="180"/>
-    </mc:Choice>
-    <mc:Fallback xmlns="">
-      <p:transition spd="slow" advTm="180"/>
-    </mc:Fallback>
-  </mc:AlternateContent>
-</p:sld>
-</file>
-
-<file path=ppt/slides/slide28.xml><?xml version="1.0" encoding="utf-8"?>
-<p:sld xmlns:a="http://schemas.openxmlformats.org/drawingml/2006/main" xmlns:r="http://schemas.openxmlformats.org/officeDocument/2006/relationships" xmlns:p="http://schemas.openxmlformats.org/presentationml/2006/main">
-  <p:cSld>
-    <p:spTree>
-      <p:nvGrpSpPr>
-        <p:cNvPr id="1" name=""/>
-        <p:cNvGrpSpPr/>
-        <p:nvPr/>
-      </p:nvGrpSpPr>
-      <p:grpSpPr>
-        <a:xfrm>
-          <a:off x="0" y="0"/>
-          <a:ext cx="0" cy="0"/>
-          <a:chOff x="0" y="0"/>
-          <a:chExt cx="0" cy="0"/>
-        </a:xfrm>
-      </p:grpSpPr>
-      <p:sp>
-        <p:nvSpPr>
-          <p:cNvPr id="2" name="Title 1">
-            <a:extLst>
-              <a:ext uri="{FF2B5EF4-FFF2-40B4-BE49-F238E27FC236}">
-                <a16:creationId xmlns:a16="http://schemas.microsoft.com/office/drawing/2014/main" id="{E986AE5C-10A6-C94C-9D95-8E1504BFCC57}"/>
-              </a:ext>
-            </a:extLst>
-          </p:cNvPr>
-          <p:cNvSpPr>
-            <a:spLocks noGrp="1"/>
-          </p:cNvSpPr>
-          <p:nvPr>
-            <p:ph type="title"/>
-          </p:nvPr>
-        </p:nvSpPr>
-        <p:spPr/>
-        <p:txBody>
-          <a:bodyPr/>
-          <a:lstStyle/>
-          <a:p>
-            <a:r>
-              <a:rPr lang="en-US" sz="4000" dirty="0"/>
-              <a:t>Activity</a:t>
-            </a:r>
-            <a:r>
-              <a:rPr lang="en-US" dirty="0"/>
-              <a:t/>
-            </a:r>
-            <a:br>
-              <a:rPr lang="en-US" dirty="0"/>
-            </a:br>
-            <a:r>
-              <a:rPr lang="en-US" sz="3200" dirty="0"/>
-              <a:t>Moving a PuzzleBot</a:t>
-            </a:r>
-          </a:p>
-        </p:txBody>
-      </p:sp>
-      <p:sp>
-        <p:nvSpPr>
-          <p:cNvPr id="7" name="TextBox 6">
-            <a:extLst>
-              <a:ext uri="{FF2B5EF4-FFF2-40B4-BE49-F238E27FC236}">
-                <a16:creationId xmlns:a16="http://schemas.microsoft.com/office/drawing/2014/main" id="{BD5B5BE3-1BCD-7645-B300-25181E0EEE98}"/>
-              </a:ext>
-            </a:extLst>
-          </p:cNvPr>
-          <p:cNvSpPr txBox="1"/>
-          <p:nvPr/>
-        </p:nvSpPr>
-        <p:spPr>
-          <a:xfrm>
-            <a:off x="1303112" y="1690688"/>
-            <a:ext cx="3035807" cy="523221"/>
-          </a:xfrm>
-          <a:prstGeom prst="rect">
-            <a:avLst/>
-          </a:prstGeom>
-          <a:noFill/>
-        </p:spPr>
-        <p:txBody>
-          <a:bodyPr wrap="square" rtlCol="0">
-            <a:spAutoFit/>
-          </a:bodyPr>
-          <a:lstStyle/>
-          <a:p>
-            <a:r>
-              <a:rPr lang="en-US" sz="2800" dirty="0">
-                <a:solidFill>
-                  <a:srgbClr val="7030A0"/>
-                </a:solidFill>
-              </a:rPr>
-              <a:t>Straight line</a:t>
-            </a:r>
-          </a:p>
-        </p:txBody>
-      </p:sp>
-      <p:sp>
-        <p:nvSpPr>
-          <p:cNvPr id="13" name="Rounded Rectangle 12">
-            <a:extLst>
-              <a:ext uri="{FF2B5EF4-FFF2-40B4-BE49-F238E27FC236}">
-                <a16:creationId xmlns:a16="http://schemas.microsoft.com/office/drawing/2014/main" id="{7A755588-D7F0-5042-BEB6-5F52988A0CE8}"/>
-              </a:ext>
-            </a:extLst>
-          </p:cNvPr>
-          <p:cNvSpPr/>
-          <p:nvPr/>
-        </p:nvSpPr>
-        <p:spPr>
-          <a:xfrm>
-            <a:off x="1303111" y="2354163"/>
-            <a:ext cx="4470160" cy="3727087"/>
+            <a:off x="1406011" y="6213985"/>
+            <a:ext cx="334299" cy="137653"/>
           </a:xfrm>
           <a:prstGeom prst="roundRect">
             <a:avLst/>
           </a:prstGeom>
           <a:noFill/>
-          <a:ln w="50800">
+          <a:ln w="31750">
             <a:solidFill>
-              <a:srgbClr val="7030A0"/>
+              <a:srgbClr val="C00000"/>
             </a:solidFill>
           </a:ln>
         </p:spPr>
@@ -18549,10 +18967,10 @@
       </p:sp>
       <p:sp>
         <p:nvSpPr>
-          <p:cNvPr id="16" name="TextBox 15">
-            <a:extLst>
-              <a:ext uri="{FF2B5EF4-FFF2-40B4-BE49-F238E27FC236}">
-                <a16:creationId xmlns:a16="http://schemas.microsoft.com/office/drawing/2014/main" id="{D58120D5-C27D-1D47-A7D9-5728828DBA9C}"/>
+          <p:cNvPr id="10" name="TextBox 9">
+            <a:extLst>
+              <a:ext uri="{FF2B5EF4-FFF2-40B4-BE49-F238E27FC236}">
+                <a16:creationId xmlns:a16="http://schemas.microsoft.com/office/drawing/2014/main" id="{DEEF0F4A-80D2-034C-988D-E63A79615D8C}"/>
               </a:ext>
             </a:extLst>
           </p:cNvPr>
@@ -18561,8 +18979,8 @@
         </p:nvSpPr>
         <p:spPr>
           <a:xfrm>
-            <a:off x="6547458" y="1699656"/>
-            <a:ext cx="3035807" cy="523221"/>
+            <a:off x="7161709" y="3812502"/>
+            <a:ext cx="3879917" cy="2308324"/>
           </a:xfrm>
           <a:prstGeom prst="rect">
             <a:avLst/>
@@ -18575,427 +18993,39 @@
           </a:bodyPr>
           <a:lstStyle/>
           <a:p>
-            <a:r>
-              <a:rPr lang="en-US" sz="2800" dirty="0">
+            <a:pPr marL="285750" indent="-285750" algn="just">
+              <a:buFont typeface="Arial" panose="020B0604020202020204" pitchFamily="34" charset="0"/>
+              <a:buChar char="•"/>
+            </a:pPr>
+            <a:r>
+              <a:rPr lang="en-US" sz="2400" dirty="0">
                 <a:solidFill>
-                  <a:srgbClr val="7030A0"/>
+                  <a:schemeClr val="accent6"/>
                 </a:solidFill>
               </a:rPr>
-              <a:t>Square</a:t>
+              <a:t>“Global options” allow to set up a common reference frame and background for all the objects visualized</a:t>
+            </a:r>
+          </a:p>
+          <a:p>
+            <a:pPr marL="285750" indent="-285750" algn="just">
+              <a:buFont typeface="Arial" panose="020B0604020202020204" pitchFamily="34" charset="0"/>
+              <a:buChar char="•"/>
+            </a:pPr>
+            <a:r>
+              <a:rPr lang="en-US" sz="2400" dirty="0">
+                <a:solidFill>
+                  <a:srgbClr val="C00000"/>
+                </a:solidFill>
+              </a:rPr>
+              <a:t>The ”add” tab is used to manage information </a:t>
             </a:r>
           </a:p>
         </p:txBody>
       </p:sp>
-      <p:cxnSp>
-        <p:nvCxnSpPr>
-          <p:cNvPr id="19" name="Straight Arrow Connector 18">
-            <a:extLst>
-              <a:ext uri="{FF2B5EF4-FFF2-40B4-BE49-F238E27FC236}">
-                <a16:creationId xmlns:a16="http://schemas.microsoft.com/office/drawing/2014/main" id="{B9810CB8-328C-B24C-9118-06AC162CE1BD}"/>
-              </a:ext>
-            </a:extLst>
-          </p:cNvPr>
-          <p:cNvCxnSpPr>
-            <a:cxnSpLocks/>
-          </p:cNvCxnSpPr>
-          <p:nvPr/>
-        </p:nvCxnSpPr>
-        <p:spPr>
-          <a:xfrm>
-            <a:off x="2699720" y="3681153"/>
-            <a:ext cx="2269147" cy="0"/>
-          </a:xfrm>
-          <a:prstGeom prst="straightConnector1">
-            <a:avLst/>
-          </a:prstGeom>
-          <a:ln w="66675" cap="rnd">
-            <a:solidFill>
-              <a:schemeClr val="accent6"/>
-            </a:solidFill>
-            <a:tailEnd type="triangle"/>
-          </a:ln>
-        </p:spPr>
-        <p:style>
-          <a:lnRef idx="1">
-            <a:schemeClr val="accent1"/>
-          </a:lnRef>
-          <a:fillRef idx="0">
-            <a:schemeClr val="accent1"/>
-          </a:fillRef>
-          <a:effectRef idx="0">
-            <a:schemeClr val="accent1"/>
-          </a:effectRef>
-          <a:fontRef idx="minor">
-            <a:schemeClr val="tx1"/>
-          </a:fontRef>
-        </p:style>
-      </p:cxnSp>
-      <p:pic>
-        <p:nvPicPr>
-          <p:cNvPr id="18" name="Picture 17">
-            <a:extLst>
-              <a:ext uri="{FF2B5EF4-FFF2-40B4-BE49-F238E27FC236}">
-                <a16:creationId xmlns:a16="http://schemas.microsoft.com/office/drawing/2014/main" id="{D26E68A6-C2CB-D346-91EC-72481EE1F3E3}"/>
-              </a:ext>
-            </a:extLst>
-          </p:cNvPr>
-          <p:cNvPicPr>
-            <a:picLocks noChangeAspect="1"/>
-          </p:cNvPicPr>
-          <p:nvPr/>
-        </p:nvPicPr>
-        <p:blipFill>
-          <a:blip r:embed="rId2">
-            <a:alphaModFix amt="67000"/>
-          </a:blip>
-          <a:stretch>
-            <a:fillRect/>
-          </a:stretch>
-        </p:blipFill>
-        <p:spPr>
-          <a:xfrm rot="16200000">
-            <a:off x="1680344" y="2921096"/>
-            <a:ext cx="1638759" cy="1511666"/>
-          </a:xfrm>
-          <a:prstGeom prst="rect">
-            <a:avLst/>
-          </a:prstGeom>
-        </p:spPr>
-      </p:pic>
-      <p:sp>
-        <p:nvSpPr>
-          <p:cNvPr id="21" name="TextBox 20">
-            <a:extLst>
-              <a:ext uri="{FF2B5EF4-FFF2-40B4-BE49-F238E27FC236}">
-                <a16:creationId xmlns:a16="http://schemas.microsoft.com/office/drawing/2014/main" id="{BF53679A-7A33-D04D-99C9-F37A990795F2}"/>
-              </a:ext>
-            </a:extLst>
-          </p:cNvPr>
-          <p:cNvSpPr txBox="1"/>
-          <p:nvPr/>
-        </p:nvSpPr>
-        <p:spPr>
-          <a:xfrm>
-            <a:off x="1694964" y="4569228"/>
-            <a:ext cx="3686453" cy="830997"/>
-          </a:xfrm>
-          <a:prstGeom prst="rect">
-            <a:avLst/>
-          </a:prstGeom>
-          <a:noFill/>
-        </p:spPr>
-        <p:txBody>
-          <a:bodyPr wrap="square">
-            <a:spAutoFit/>
-          </a:bodyPr>
-          <a:lstStyle/>
-          <a:p>
-            <a:r>
-              <a:rPr lang="en-US" sz="2400" dirty="0"/>
-              <a:t>Drive the robot in a straight line.</a:t>
-            </a:r>
-          </a:p>
-        </p:txBody>
-      </p:sp>
-      <p:sp>
-        <p:nvSpPr>
-          <p:cNvPr id="22" name="Rounded Rectangle 21">
-            <a:extLst>
-              <a:ext uri="{FF2B5EF4-FFF2-40B4-BE49-F238E27FC236}">
-                <a16:creationId xmlns:a16="http://schemas.microsoft.com/office/drawing/2014/main" id="{167FA9E8-BF13-904F-9961-F9A9189F44D6}"/>
-              </a:ext>
-            </a:extLst>
-          </p:cNvPr>
-          <p:cNvSpPr/>
-          <p:nvPr/>
-        </p:nvSpPr>
-        <p:spPr>
-          <a:xfrm>
-            <a:off x="6547458" y="2354163"/>
-            <a:ext cx="4470160" cy="3727087"/>
-          </a:xfrm>
-          <a:prstGeom prst="roundRect">
-            <a:avLst/>
-          </a:prstGeom>
-          <a:noFill/>
-          <a:ln w="50800">
-            <a:solidFill>
-              <a:srgbClr val="7030A0"/>
-            </a:solidFill>
-          </a:ln>
-        </p:spPr>
-        <p:style>
-          <a:lnRef idx="2">
-            <a:schemeClr val="accent1">
-              <a:shade val="50000"/>
-            </a:schemeClr>
-          </a:lnRef>
-          <a:fillRef idx="1">
-            <a:schemeClr val="accent1"/>
-          </a:fillRef>
-          <a:effectRef idx="0">
-            <a:schemeClr val="accent1"/>
-          </a:effectRef>
-          <a:fontRef idx="minor">
-            <a:schemeClr val="lt1"/>
-          </a:fontRef>
-        </p:style>
-        <p:txBody>
-          <a:bodyPr rtlCol="0" anchor="ctr"/>
-          <a:lstStyle/>
-          <a:p>
-            <a:pPr algn="ctr"/>
-            <a:endParaRPr lang="en-US"/>
-          </a:p>
-        </p:txBody>
-      </p:sp>
-      <p:cxnSp>
-        <p:nvCxnSpPr>
-          <p:cNvPr id="23" name="Straight Arrow Connector 22">
-            <a:extLst>
-              <a:ext uri="{FF2B5EF4-FFF2-40B4-BE49-F238E27FC236}">
-                <a16:creationId xmlns:a16="http://schemas.microsoft.com/office/drawing/2014/main" id="{5AFA5CE7-5342-5B46-9237-BE39B14D0743}"/>
-              </a:ext>
-            </a:extLst>
-          </p:cNvPr>
-          <p:cNvCxnSpPr>
-            <a:cxnSpLocks/>
-          </p:cNvCxnSpPr>
-          <p:nvPr/>
-        </p:nvCxnSpPr>
-        <p:spPr>
-          <a:xfrm>
-            <a:off x="8205575" y="2984593"/>
-            <a:ext cx="1393200" cy="0"/>
-          </a:xfrm>
-          <a:prstGeom prst="straightConnector1">
-            <a:avLst/>
-          </a:prstGeom>
-          <a:ln w="66675" cap="rnd">
-            <a:solidFill>
-              <a:schemeClr val="accent6"/>
-            </a:solidFill>
-            <a:tailEnd type="triangle"/>
-          </a:ln>
-        </p:spPr>
-        <p:style>
-          <a:lnRef idx="1">
-            <a:schemeClr val="accent1"/>
-          </a:lnRef>
-          <a:fillRef idx="0">
-            <a:schemeClr val="accent1"/>
-          </a:fillRef>
-          <a:effectRef idx="0">
-            <a:schemeClr val="accent1"/>
-          </a:effectRef>
-          <a:fontRef idx="minor">
-            <a:schemeClr val="tx1"/>
-          </a:fontRef>
-        </p:style>
-      </p:cxnSp>
-      <p:pic>
-        <p:nvPicPr>
-          <p:cNvPr id="24" name="Picture 23">
-            <a:extLst>
-              <a:ext uri="{FF2B5EF4-FFF2-40B4-BE49-F238E27FC236}">
-                <a16:creationId xmlns:a16="http://schemas.microsoft.com/office/drawing/2014/main" id="{F9DA5E9C-65D0-C94F-B594-61D6236A9731}"/>
-              </a:ext>
-            </a:extLst>
-          </p:cNvPr>
-          <p:cNvPicPr>
-            <a:picLocks noChangeAspect="1"/>
-          </p:cNvPicPr>
-          <p:nvPr/>
-        </p:nvPicPr>
-        <p:blipFill>
-          <a:blip r:embed="rId2">
-            <a:alphaModFix amt="72000"/>
-          </a:blip>
-          <a:stretch>
-            <a:fillRect/>
-          </a:stretch>
-        </p:blipFill>
-        <p:spPr>
-          <a:xfrm rot="16200000">
-            <a:off x="7683815" y="2629666"/>
-            <a:ext cx="839278" cy="774188"/>
-          </a:xfrm>
-          <a:prstGeom prst="rect">
-            <a:avLst/>
-          </a:prstGeom>
-        </p:spPr>
-      </p:pic>
-      <p:sp>
-        <p:nvSpPr>
-          <p:cNvPr id="25" name="TextBox 24">
-            <a:extLst>
-              <a:ext uri="{FF2B5EF4-FFF2-40B4-BE49-F238E27FC236}">
-                <a16:creationId xmlns:a16="http://schemas.microsoft.com/office/drawing/2014/main" id="{DE3DC5C2-CDD4-994C-A301-F6F8B29AD8B9}"/>
-              </a:ext>
-            </a:extLst>
-          </p:cNvPr>
-          <p:cNvSpPr txBox="1"/>
-          <p:nvPr/>
-        </p:nvSpPr>
-        <p:spPr>
-          <a:xfrm>
-            <a:off x="6939311" y="4569228"/>
-            <a:ext cx="3686453" cy="1200329"/>
-          </a:xfrm>
-          <a:prstGeom prst="rect">
-            <a:avLst/>
-          </a:prstGeom>
-          <a:noFill/>
-        </p:spPr>
-        <p:txBody>
-          <a:bodyPr wrap="square">
-            <a:spAutoFit/>
-          </a:bodyPr>
-          <a:lstStyle/>
-          <a:p>
-            <a:r>
-              <a:rPr lang="en-US" sz="2400" dirty="0"/>
-              <a:t>Drive the robot making a square with a side length of 1m.</a:t>
-            </a:r>
-          </a:p>
-        </p:txBody>
-      </p:sp>
-      <p:cxnSp>
-        <p:nvCxnSpPr>
-          <p:cNvPr id="27" name="Straight Arrow Connector 26">
-            <a:extLst>
-              <a:ext uri="{FF2B5EF4-FFF2-40B4-BE49-F238E27FC236}">
-                <a16:creationId xmlns:a16="http://schemas.microsoft.com/office/drawing/2014/main" id="{008E6470-6730-194D-AA3E-3326789FD69C}"/>
-              </a:ext>
-            </a:extLst>
-          </p:cNvPr>
-          <p:cNvCxnSpPr>
-            <a:cxnSpLocks/>
-          </p:cNvCxnSpPr>
-          <p:nvPr/>
-        </p:nvCxnSpPr>
-        <p:spPr>
-          <a:xfrm>
-            <a:off x="9560314" y="2984593"/>
-            <a:ext cx="0" cy="1393120"/>
-          </a:xfrm>
-          <a:prstGeom prst="straightConnector1">
-            <a:avLst/>
-          </a:prstGeom>
-          <a:ln w="66675" cap="rnd">
-            <a:solidFill>
-              <a:schemeClr val="accent6"/>
-            </a:solidFill>
-            <a:tailEnd type="triangle"/>
-          </a:ln>
-        </p:spPr>
-        <p:style>
-          <a:lnRef idx="1">
-            <a:schemeClr val="accent1"/>
-          </a:lnRef>
-          <a:fillRef idx="0">
-            <a:schemeClr val="accent1"/>
-          </a:fillRef>
-          <a:effectRef idx="0">
-            <a:schemeClr val="accent1"/>
-          </a:effectRef>
-          <a:fontRef idx="minor">
-            <a:schemeClr val="tx1"/>
-          </a:fontRef>
-        </p:style>
-      </p:cxnSp>
-      <p:cxnSp>
-        <p:nvCxnSpPr>
-          <p:cNvPr id="31" name="Straight Arrow Connector 30">
-            <a:extLst>
-              <a:ext uri="{FF2B5EF4-FFF2-40B4-BE49-F238E27FC236}">
-                <a16:creationId xmlns:a16="http://schemas.microsoft.com/office/drawing/2014/main" id="{E0103857-BE1B-454C-A73B-FB33DB3FD629}"/>
-              </a:ext>
-            </a:extLst>
-          </p:cNvPr>
-          <p:cNvCxnSpPr>
-            <a:cxnSpLocks/>
-          </p:cNvCxnSpPr>
-          <p:nvPr/>
-        </p:nvCxnSpPr>
-        <p:spPr>
-          <a:xfrm flipH="1">
-            <a:off x="8103454" y="4355949"/>
-            <a:ext cx="1393200" cy="0"/>
-          </a:xfrm>
-          <a:prstGeom prst="straightConnector1">
-            <a:avLst/>
-          </a:prstGeom>
-          <a:ln w="66675" cap="rnd">
-            <a:solidFill>
-              <a:schemeClr val="accent6"/>
-            </a:solidFill>
-            <a:tailEnd type="triangle"/>
-          </a:ln>
-        </p:spPr>
-        <p:style>
-          <a:lnRef idx="1">
-            <a:schemeClr val="accent1"/>
-          </a:lnRef>
-          <a:fillRef idx="0">
-            <a:schemeClr val="accent1"/>
-          </a:fillRef>
-          <a:effectRef idx="0">
-            <a:schemeClr val="accent1"/>
-          </a:effectRef>
-          <a:fontRef idx="minor">
-            <a:schemeClr val="tx1"/>
-          </a:fontRef>
-        </p:style>
-      </p:cxnSp>
-      <p:cxnSp>
-        <p:nvCxnSpPr>
-          <p:cNvPr id="33" name="Straight Arrow Connector 32">
-            <a:extLst>
-              <a:ext uri="{FF2B5EF4-FFF2-40B4-BE49-F238E27FC236}">
-                <a16:creationId xmlns:a16="http://schemas.microsoft.com/office/drawing/2014/main" id="{4542338C-6221-D14B-8904-53DF1EB88E1E}"/>
-              </a:ext>
-            </a:extLst>
-          </p:cNvPr>
-          <p:cNvCxnSpPr>
-            <a:cxnSpLocks/>
-          </p:cNvCxnSpPr>
-          <p:nvPr/>
-        </p:nvCxnSpPr>
-        <p:spPr>
-          <a:xfrm flipV="1">
-            <a:off x="8116356" y="2984593"/>
-            <a:ext cx="0" cy="1393200"/>
-          </a:xfrm>
-          <a:prstGeom prst="straightConnector1">
-            <a:avLst/>
-          </a:prstGeom>
-          <a:ln w="66675" cap="rnd">
-            <a:solidFill>
-              <a:schemeClr val="accent6"/>
-            </a:solidFill>
-            <a:tailEnd type="triangle"/>
-          </a:ln>
-        </p:spPr>
-        <p:style>
-          <a:lnRef idx="1">
-            <a:schemeClr val="accent1"/>
-          </a:lnRef>
-          <a:fillRef idx="0">
-            <a:schemeClr val="accent1"/>
-          </a:fillRef>
-          <a:effectRef idx="0">
-            <a:schemeClr val="accent1"/>
-          </a:effectRef>
-          <a:fontRef idx="minor">
-            <a:schemeClr val="tx1"/>
-          </a:fontRef>
-        </p:style>
-      </p:cxnSp>
     </p:spTree>
     <p:extLst>
       <p:ext uri="{BB962C8B-B14F-4D97-AF65-F5344CB8AC3E}">
-        <p14:creationId xmlns:p14="http://schemas.microsoft.com/office/powerpoint/2010/main" val="2554904641"/>
+        <p14:creationId xmlns:p14="http://schemas.microsoft.com/office/powerpoint/2010/main" val="3753927516"/>
       </p:ext>
     </p:extLst>
   </p:cSld>
@@ -19048,17 +19078,23 @@
         </p:nvSpPr>
         <p:spPr>
           <a:xfrm>
-            <a:off x="1632663" y="193953"/>
+            <a:off x="1597152" y="365125"/>
             <a:ext cx="7656576" cy="1325563"/>
           </a:xfrm>
         </p:spPr>
         <p:txBody>
-          <a:bodyPr/>
+          <a:bodyPr>
+            <a:normAutofit/>
+          </a:bodyPr>
           <a:lstStyle/>
           <a:p>
             <a:r>
+              <a:rPr lang="en-US" sz="4000" dirty="0" err="1"/>
+              <a:t>RViz</a:t>
+            </a:r>
+            <a:r>
               <a:rPr lang="en-US" sz="4000" dirty="0"/>
-              <a:t>Activity</a:t>
+              <a:t> Example</a:t>
             </a:r>
             <a:r>
               <a:rPr lang="en-US" dirty="0"/>
@@ -19068,356 +19104,346 @@
               <a:rPr lang="en-US" dirty="0"/>
             </a:br>
             <a:r>
-              <a:rPr lang="en-US" sz="3200" dirty="0"/>
-              <a:t>How is the robot modelled?</a:t>
+              <a:rPr lang="en-US" sz="3600" dirty="0"/>
+              <a:t>Loading and moving a robot in </a:t>
+            </a:r>
+            <a:r>
+              <a:rPr lang="en-US" sz="3600" dirty="0" err="1"/>
+              <a:t>Rviz</a:t>
+            </a:r>
+            <a:r>
+              <a:rPr lang="en-US" sz="3600" dirty="0"/>
+              <a:t> </a:t>
+            </a:r>
+          </a:p>
+        </p:txBody>
+      </p:sp>
+      <p:sp>
+        <p:nvSpPr>
+          <p:cNvPr id="26" name="Content Placeholder 2">
+            <a:extLst>
+              <a:ext uri="{FF2B5EF4-FFF2-40B4-BE49-F238E27FC236}">
+                <a16:creationId xmlns:a16="http://schemas.microsoft.com/office/drawing/2014/main" id="{687CF686-F0E0-3E41-B210-18672B8C8AE6}"/>
+              </a:ext>
+            </a:extLst>
+          </p:cNvPr>
+          <p:cNvSpPr>
+            <a:spLocks noGrp="1"/>
+          </p:cNvSpPr>
+          <p:nvPr>
+            <p:ph idx="4294967295"/>
+          </p:nvPr>
+        </p:nvSpPr>
+        <p:spPr>
+          <a:xfrm>
+            <a:off x="838200" y="1927095"/>
+            <a:ext cx="10515600" cy="1159846"/>
+          </a:xfrm>
+        </p:spPr>
+        <p:txBody>
+          <a:bodyPr vert="horz" lIns="91440" tIns="45720" rIns="91440" bIns="45720" rtlCol="0" anchor="t">
+            <a:normAutofit fontScale="92500" lnSpcReduction="20000"/>
+          </a:bodyPr>
+          <a:lstStyle/>
+          <a:p>
+            <a:pPr marL="0" indent="0" algn="just">
+              <a:buNone/>
+            </a:pPr>
+            <a:r>
+              <a:rPr lang="en-US" sz="2400" dirty="0"/>
+              <a:t>In order to display the movement of a robot in </a:t>
+            </a:r>
+            <a:r>
+              <a:rPr lang="en-US" sz="2400" dirty="0" err="1"/>
+              <a:t>Rviz</a:t>
+            </a:r>
+            <a:r>
+              <a:rPr lang="en-US" sz="2400" dirty="0"/>
+              <a:t> we need to follow these steps:</a:t>
+            </a:r>
+          </a:p>
+          <a:p>
+            <a:pPr marL="914400" lvl="1" indent="-457200" algn="just">
+              <a:buFont typeface="+mj-lt"/>
+              <a:buAutoNum type="arabicPeriod"/>
+            </a:pPr>
+            <a:r>
+              <a:rPr lang="en-US" sz="2000" dirty="0"/>
+              <a:t>Set up a fixed frame that acts as the origin of our world</a:t>
+            </a:r>
+          </a:p>
+          <a:p>
+            <a:pPr marL="914400" lvl="1" indent="-457200" algn="just">
+              <a:buFont typeface="+mj-lt"/>
+              <a:buAutoNum type="arabicPeriod"/>
+            </a:pPr>
+            <a:r>
+              <a:rPr lang="en-US" sz="2000" dirty="0"/>
+              <a:t>Add a robot object </a:t>
+            </a:r>
+          </a:p>
+          <a:p>
+            <a:pPr marL="914400" lvl="1" indent="-457200" algn="just">
+              <a:buFont typeface="+mj-lt"/>
+              <a:buAutoNum type="arabicPeriod"/>
+            </a:pPr>
+            <a:r>
+              <a:rPr lang="en-US" sz="2000" dirty="0"/>
+              <a:t>Link it to a 3D model and a topic describing its state </a:t>
             </a:r>
           </a:p>
         </p:txBody>
       </p:sp>
       <p:pic>
         <p:nvPicPr>
-          <p:cNvPr id="3" name="Picture 2">
-            <a:extLst>
-              <a:ext uri="{FF2B5EF4-FFF2-40B4-BE49-F238E27FC236}">
-                <a16:creationId xmlns:a16="http://schemas.microsoft.com/office/drawing/2014/main" id="{0ED81927-E515-814C-BBFD-DF4398288305}"/>
-              </a:ext>
-            </a:extLst>
-          </p:cNvPr>
-          <p:cNvPicPr/>
+          <p:cNvPr id="4" name="Picture 3">
+            <a:extLst>
+              <a:ext uri="{FF2B5EF4-FFF2-40B4-BE49-F238E27FC236}">
+                <a16:creationId xmlns:a16="http://schemas.microsoft.com/office/drawing/2014/main" id="{2D652846-2EDF-7249-823A-24903D721479}"/>
+              </a:ext>
+            </a:extLst>
+          </p:cNvPr>
+          <p:cNvPicPr>
+            <a:picLocks noChangeAspect="1"/>
+          </p:cNvPicPr>
           <p:nvPr/>
         </p:nvPicPr>
         <p:blipFill>
-          <a:blip r:embed="rId3" cstate="print"/>
+          <a:blip r:embed="rId3">
+            <a:extLst>
+              <a:ext uri="{28A0092B-C50C-407E-A947-70E740481C1C}">
+                <a14:useLocalDpi xmlns:a14="http://schemas.microsoft.com/office/drawing/2010/main" val="0"/>
+              </a:ext>
+            </a:extLst>
+          </a:blip>
           <a:srcRect/>
-          <a:stretch>
-            <a:fillRect/>
-          </a:stretch>
+          <a:stretch/>
         </p:blipFill>
-        <p:spPr bwMode="auto">
+        <p:spPr>
           <a:xfrm>
-            <a:off x="3677767" y="1387234"/>
-            <a:ext cx="3566367" cy="3302500"/>
+            <a:off x="1104817" y="3165987"/>
+            <a:ext cx="5861458" cy="3471787"/>
+          </a:xfrm>
+          <a:prstGeom prst="rect">
+            <a:avLst/>
+          </a:prstGeom>
+        </p:spPr>
+      </p:pic>
+      <p:sp>
+        <p:nvSpPr>
+          <p:cNvPr id="10" name="TextBox 9">
+            <a:extLst>
+              <a:ext uri="{FF2B5EF4-FFF2-40B4-BE49-F238E27FC236}">
+                <a16:creationId xmlns:a16="http://schemas.microsoft.com/office/drawing/2014/main" id="{DEEF0F4A-80D2-034C-988D-E63A79615D8C}"/>
+              </a:ext>
+            </a:extLst>
+          </p:cNvPr>
+          <p:cNvSpPr txBox="1"/>
+          <p:nvPr/>
+        </p:nvSpPr>
+        <p:spPr>
+          <a:xfrm>
+            <a:off x="7207266" y="3165987"/>
+            <a:ext cx="3879917" cy="1569660"/>
           </a:xfrm>
           <a:prstGeom prst="rect">
             <a:avLst/>
           </a:prstGeom>
           <a:noFill/>
-          <a:ln w="9525">
-            <a:noFill/>
-            <a:miter lim="800000"/>
-            <a:headEnd/>
-            <a:tailEnd/>
+        </p:spPr>
+        <p:txBody>
+          <a:bodyPr wrap="square" rtlCol="0">
+            <a:spAutoFit/>
+          </a:bodyPr>
+          <a:lstStyle/>
+          <a:p>
+            <a:pPr marL="285750" indent="-285750" algn="just">
+              <a:buFont typeface="Arial" panose="020B0604020202020204" pitchFamily="34" charset="0"/>
+              <a:buChar char="•"/>
+            </a:pPr>
+            <a:r>
+              <a:rPr lang="en-US" sz="2400" dirty="0">
+                <a:solidFill>
+                  <a:schemeClr val="accent6"/>
+                </a:solidFill>
+              </a:rPr>
+              <a:t>“Global options” allow to set up a common reference frame and background for all the objects visualized</a:t>
+            </a:r>
+          </a:p>
+        </p:txBody>
+      </p:sp>
+      <p:sp>
+        <p:nvSpPr>
+          <p:cNvPr id="9" name="Rounded Rectangle 8">
+            <a:extLst>
+              <a:ext uri="{FF2B5EF4-FFF2-40B4-BE49-F238E27FC236}">
+                <a16:creationId xmlns:a16="http://schemas.microsoft.com/office/drawing/2014/main" id="{F0A795C6-193E-7348-8B3D-7CCD1F8D8CD8}"/>
+              </a:ext>
+            </a:extLst>
+          </p:cNvPr>
+          <p:cNvSpPr/>
+          <p:nvPr/>
+        </p:nvSpPr>
+        <p:spPr>
+          <a:xfrm>
+            <a:off x="1104817" y="3453080"/>
+            <a:ext cx="1323751" cy="528985"/>
+          </a:xfrm>
+          <a:prstGeom prst="roundRect">
+            <a:avLst/>
+          </a:prstGeom>
+          <a:noFill/>
+          <a:ln w="31750">
+            <a:solidFill>
+              <a:schemeClr val="accent6">
+                <a:lumMod val="75000"/>
+              </a:schemeClr>
+            </a:solidFill>
           </a:ln>
         </p:spPr>
-      </p:pic>
-      <mc:AlternateContent xmlns:mc="http://schemas.openxmlformats.org/markup-compatibility/2006" xmlns:a14="http://schemas.microsoft.com/office/drawing/2010/main">
-        <mc:Choice Requires="a14">
-          <p:sp>
-            <p:nvSpPr>
-              <p:cNvPr id="4" name="Content Placeholder 2">
-                <a:extLst>
-                  <a:ext uri="{FF2B5EF4-FFF2-40B4-BE49-F238E27FC236}">
-                    <a16:creationId xmlns:a16="http://schemas.microsoft.com/office/drawing/2014/main" id="{8A68B413-6E36-9C4B-852D-5850CAB96AD2}"/>
-                  </a:ext>
-                </a:extLst>
-              </p:cNvPr>
-              <p:cNvSpPr>
-                <a:spLocks noGrp="1"/>
-              </p:cNvSpPr>
-              <p:nvPr>
-                <p:ph idx="1"/>
-              </p:nvPr>
-            </p:nvSpPr>
-            <p:spPr>
-              <a:xfrm>
-                <a:off x="2173203" y="4689734"/>
-                <a:ext cx="7845594" cy="1688123"/>
-              </a:xfrm>
-            </p:spPr>
-            <p:txBody>
-              <a:bodyPr>
-                <a:normAutofit/>
-              </a:bodyPr>
-              <a:lstStyle/>
-              <a:p>
-                <a:r>
-                  <a:rPr lang="en-GB" dirty="0"/>
-                  <a:t>The resultant forward velocity through </a:t>
-                </a:r>
-                <a14:m>
-                  <m:oMath xmlns:m="http://schemas.openxmlformats.org/officeDocument/2006/math">
-                    <m:r>
-                      <a:rPr lang="en-GB" i="1">
-                        <a:latin typeface="Cambria Math" panose="02040503050406030204" pitchFamily="18" charset="0"/>
-                      </a:rPr>
-                      <m:t>𝐶</m:t>
-                    </m:r>
-                  </m:oMath>
-                </a14:m>
-                <a:r>
-                  <a:rPr lang="en-GB" dirty="0"/>
-                  <a:t> (the centre of mass) is </a:t>
-                </a:r>
-                <a14:m>
-                  <m:oMath xmlns:m="http://schemas.openxmlformats.org/officeDocument/2006/math">
-                    <m:r>
-                      <a:rPr lang="en-GB" i="1">
-                        <a:latin typeface="Cambria Math" panose="02040503050406030204" pitchFamily="18" charset="0"/>
-                      </a:rPr>
-                      <m:t>𝑟</m:t>
-                    </m:r>
-                    <m:r>
-                      <a:rPr lang="en-GB" i="1">
-                        <a:latin typeface="Cambria Math" panose="02040503050406030204" pitchFamily="18" charset="0"/>
-                      </a:rPr>
-                      <m:t>(</m:t>
-                    </m:r>
-                    <m:f>
-                      <m:fPr>
-                        <m:ctrlPr>
-                          <a:rPr lang="en-GB" i="1">
-                            <a:latin typeface="Cambria Math" panose="02040503050406030204" pitchFamily="18" charset="0"/>
-                          </a:rPr>
-                        </m:ctrlPr>
-                      </m:fPr>
-                      <m:num>
-                        <m:sSub>
-                          <m:sSubPr>
-                            <m:ctrlPr>
-                              <a:rPr lang="en-GB" i="1">
-                                <a:latin typeface="Cambria Math" panose="02040503050406030204" pitchFamily="18" charset="0"/>
-                              </a:rPr>
-                            </m:ctrlPr>
-                          </m:sSubPr>
-                          <m:e>
-                            <m:r>
-                              <a:rPr lang="en-GB" i="1">
-                                <a:latin typeface="Cambria Math" panose="02040503050406030204" pitchFamily="18" charset="0"/>
-                              </a:rPr>
-                              <m:t>𝜔</m:t>
-                            </m:r>
-                          </m:e>
-                          <m:sub>
-                            <m:r>
-                              <a:rPr lang="en-GB" i="1">
-                                <a:latin typeface="Cambria Math" panose="02040503050406030204" pitchFamily="18" charset="0"/>
-                              </a:rPr>
-                              <m:t>𝑟</m:t>
-                            </m:r>
-                          </m:sub>
-                        </m:sSub>
-                        <m:r>
-                          <a:rPr lang="en-GB" i="1">
-                            <a:latin typeface="Cambria Math" panose="02040503050406030204" pitchFamily="18" charset="0"/>
-                          </a:rPr>
-                          <m:t>+</m:t>
-                        </m:r>
-                        <m:sSub>
-                          <m:sSubPr>
-                            <m:ctrlPr>
-                              <a:rPr lang="en-GB" i="1">
-                                <a:latin typeface="Cambria Math" panose="02040503050406030204" pitchFamily="18" charset="0"/>
-                              </a:rPr>
-                            </m:ctrlPr>
-                          </m:sSubPr>
-                          <m:e>
-                            <m:r>
-                              <a:rPr lang="en-GB" i="1">
-                                <a:latin typeface="Cambria Math" panose="02040503050406030204" pitchFamily="18" charset="0"/>
-                              </a:rPr>
-                              <m:t>𝜔</m:t>
-                            </m:r>
-                          </m:e>
-                          <m:sub>
-                            <m:r>
-                              <a:rPr lang="en-GB" i="1">
-                                <a:latin typeface="Cambria Math" panose="02040503050406030204" pitchFamily="18" charset="0"/>
-                              </a:rPr>
-                              <m:t>𝑙</m:t>
-                            </m:r>
-                          </m:sub>
-                        </m:sSub>
-                      </m:num>
-                      <m:den>
-                        <m:r>
-                          <a:rPr lang="en-GB" i="1">
-                            <a:latin typeface="Cambria Math" panose="02040503050406030204" pitchFamily="18" charset="0"/>
-                          </a:rPr>
-                          <m:t>2</m:t>
-                        </m:r>
-                      </m:den>
-                    </m:f>
-                    <m:r>
-                      <a:rPr lang="en-GB" i="1">
-                        <a:latin typeface="Cambria Math" panose="02040503050406030204" pitchFamily="18" charset="0"/>
-                      </a:rPr>
-                      <m:t>)</m:t>
-                    </m:r>
-                  </m:oMath>
-                </a14:m>
-                <a:r>
-                  <a:rPr lang="en-GB" dirty="0"/>
-                  <a:t>. </a:t>
-                </a:r>
-              </a:p>
-              <a:p>
-                <a:r>
-                  <a:rPr lang="en-GB" dirty="0"/>
-                  <a:t>The steering velocity is </a:t>
-                </a:r>
-                <a14:m>
-                  <m:oMath xmlns:m="http://schemas.openxmlformats.org/officeDocument/2006/math">
-                    <m:r>
-                      <a:rPr lang="en-GB" i="1">
-                        <a:latin typeface="Cambria Math" panose="02040503050406030204" pitchFamily="18" charset="0"/>
-                      </a:rPr>
-                      <m:t>𝑟</m:t>
-                    </m:r>
-                    <m:r>
-                      <a:rPr lang="en-GB" i="1">
-                        <a:latin typeface="Cambria Math" panose="02040503050406030204" pitchFamily="18" charset="0"/>
-                      </a:rPr>
-                      <m:t>(</m:t>
-                    </m:r>
-                    <m:f>
-                      <m:fPr>
-                        <m:ctrlPr>
-                          <a:rPr lang="en-GB" i="1">
-                            <a:latin typeface="Cambria Math" panose="02040503050406030204" pitchFamily="18" charset="0"/>
-                          </a:rPr>
-                        </m:ctrlPr>
-                      </m:fPr>
-                      <m:num>
-                        <m:sSub>
-                          <m:sSubPr>
-                            <m:ctrlPr>
-                              <a:rPr lang="en-GB" i="1">
-                                <a:latin typeface="Cambria Math" panose="02040503050406030204" pitchFamily="18" charset="0"/>
-                              </a:rPr>
-                            </m:ctrlPr>
-                          </m:sSubPr>
-                          <m:e>
-                            <m:r>
-                              <a:rPr lang="en-GB" i="1">
-                                <a:latin typeface="Cambria Math" panose="02040503050406030204" pitchFamily="18" charset="0"/>
-                              </a:rPr>
-                              <m:t>𝜔</m:t>
-                            </m:r>
-                          </m:e>
-                          <m:sub>
-                            <m:r>
-                              <a:rPr lang="en-GB" i="1">
-                                <a:latin typeface="Cambria Math" panose="02040503050406030204" pitchFamily="18" charset="0"/>
-                              </a:rPr>
-                              <m:t>𝑟</m:t>
-                            </m:r>
-                          </m:sub>
-                        </m:sSub>
-                        <m:r>
-                          <a:rPr lang="en-GB" i="1">
-                            <a:latin typeface="Cambria Math" panose="02040503050406030204" pitchFamily="18" charset="0"/>
-                          </a:rPr>
-                          <m:t>−</m:t>
-                        </m:r>
-                        <m:sSub>
-                          <m:sSubPr>
-                            <m:ctrlPr>
-                              <a:rPr lang="en-GB" i="1">
-                                <a:latin typeface="Cambria Math" panose="02040503050406030204" pitchFamily="18" charset="0"/>
-                              </a:rPr>
-                            </m:ctrlPr>
-                          </m:sSubPr>
-                          <m:e>
-                            <m:r>
-                              <a:rPr lang="en-GB" i="1">
-                                <a:latin typeface="Cambria Math" panose="02040503050406030204" pitchFamily="18" charset="0"/>
-                              </a:rPr>
-                              <m:t>𝜔</m:t>
-                            </m:r>
-                          </m:e>
-                          <m:sub>
-                            <m:r>
-                              <a:rPr lang="en-GB" i="1">
-                                <a:latin typeface="Cambria Math" panose="02040503050406030204" pitchFamily="18" charset="0"/>
-                              </a:rPr>
-                              <m:t>𝑙</m:t>
-                            </m:r>
-                          </m:sub>
-                        </m:sSub>
-                      </m:num>
-                      <m:den>
-                        <m:r>
-                          <a:rPr lang="en-GB" i="1">
-                            <a:latin typeface="Cambria Math" panose="02040503050406030204" pitchFamily="18" charset="0"/>
-                          </a:rPr>
-                          <m:t>𝑙</m:t>
-                        </m:r>
-                      </m:den>
-                    </m:f>
-                    <m:r>
-                      <a:rPr lang="en-GB" i="1">
-                        <a:latin typeface="Cambria Math" panose="02040503050406030204" pitchFamily="18" charset="0"/>
-                      </a:rPr>
-                      <m:t>)</m:t>
-                    </m:r>
-                  </m:oMath>
-                </a14:m>
-                <a:r>
-                  <a:rPr lang="en-GB" dirty="0"/>
-                  <a:t>.</a:t>
-                </a:r>
-              </a:p>
-            </p:txBody>
-          </p:sp>
-        </mc:Choice>
-        <mc:Fallback xmlns="">
-          <p:sp>
-            <p:nvSpPr>
-              <p:cNvPr id="4" name="Content Placeholder 2">
-                <a:extLst>
-                  <a:ext uri="{FF2B5EF4-FFF2-40B4-BE49-F238E27FC236}">
-                    <a16:creationId xmlns:a16="http://schemas.microsoft.com/office/drawing/2014/main" id="{8A68B413-6E36-9C4B-852D-5850CAB96AD2}"/>
-                  </a:ext>
-                </a:extLst>
-              </p:cNvPr>
-              <p:cNvSpPr>
-                <a:spLocks noGrp="1" noRot="1" noChangeAspect="1" noMove="1" noResize="1" noEditPoints="1" noAdjustHandles="1" noChangeArrowheads="1" noChangeShapeType="1" noTextEdit="1"/>
-              </p:cNvSpPr>
-              <p:nvPr>
-                <p:ph idx="1"/>
-              </p:nvPr>
-            </p:nvSpPr>
-            <p:spPr>
-              <a:xfrm>
-                <a:off x="2173203" y="4689734"/>
-                <a:ext cx="7845594" cy="1688123"/>
-              </a:xfrm>
-              <a:blipFill>
-                <a:blip r:embed="rId4"/>
-                <a:stretch>
-                  <a:fillRect l="-1290" t="-6716" b="-2239"/>
-                </a:stretch>
-              </a:blipFill>
-            </p:spPr>
-            <p:txBody>
-              <a:bodyPr/>
-              <a:lstStyle/>
-              <a:p>
-                <a:r>
-                  <a:rPr lang="en-US">
-                    <a:noFill/>
-                  </a:rPr>
-                  <a:t> </a:t>
-                </a:r>
-              </a:p>
-            </p:txBody>
-          </p:sp>
-        </mc:Fallback>
-      </mc:AlternateContent>
+        <p:style>
+          <a:lnRef idx="2">
+            <a:schemeClr val="accent1">
+              <a:shade val="50000"/>
+            </a:schemeClr>
+          </a:lnRef>
+          <a:fillRef idx="1">
+            <a:schemeClr val="accent1"/>
+          </a:fillRef>
+          <a:effectRef idx="0">
+            <a:schemeClr val="accent1"/>
+          </a:effectRef>
+          <a:fontRef idx="minor">
+            <a:schemeClr val="lt1"/>
+          </a:fontRef>
+        </p:style>
+        <p:txBody>
+          <a:bodyPr rtlCol="0" anchor="ctr"/>
+          <a:lstStyle/>
+          <a:p>
+            <a:pPr algn="ctr"/>
+            <a:endParaRPr lang="en-US"/>
+          </a:p>
+        </p:txBody>
+      </p:sp>
+      <p:sp>
+        <p:nvSpPr>
+          <p:cNvPr id="11" name="Rounded Rectangle 10">
+            <a:extLst>
+              <a:ext uri="{FF2B5EF4-FFF2-40B4-BE49-F238E27FC236}">
+                <a16:creationId xmlns:a16="http://schemas.microsoft.com/office/drawing/2014/main" id="{85A9ECA1-8E5F-D546-A9A1-F565BFC35D5A}"/>
+              </a:ext>
+            </a:extLst>
+          </p:cNvPr>
+          <p:cNvSpPr/>
+          <p:nvPr/>
+        </p:nvSpPr>
+        <p:spPr>
+          <a:xfrm>
+            <a:off x="1104817" y="4031615"/>
+            <a:ext cx="1323751" cy="658372"/>
+          </a:xfrm>
+          <a:prstGeom prst="roundRect">
+            <a:avLst/>
+          </a:prstGeom>
+          <a:noFill/>
+          <a:ln w="31750">
+            <a:solidFill>
+              <a:srgbClr val="C00000"/>
+            </a:solidFill>
+          </a:ln>
+        </p:spPr>
+        <p:style>
+          <a:lnRef idx="2">
+            <a:schemeClr val="accent1">
+              <a:shade val="50000"/>
+            </a:schemeClr>
+          </a:lnRef>
+          <a:fillRef idx="1">
+            <a:schemeClr val="accent1"/>
+          </a:fillRef>
+          <a:effectRef idx="0">
+            <a:schemeClr val="accent1"/>
+          </a:effectRef>
+          <a:fontRef idx="minor">
+            <a:schemeClr val="lt1"/>
+          </a:fontRef>
+        </p:style>
+        <p:txBody>
+          <a:bodyPr rtlCol="0" anchor="ctr"/>
+          <a:lstStyle/>
+          <a:p>
+            <a:pPr algn="ctr"/>
+            <a:endParaRPr lang="en-US"/>
+          </a:p>
+        </p:txBody>
+      </p:sp>
+      <p:sp>
+        <p:nvSpPr>
+          <p:cNvPr id="3" name="TextBox 2">
+            <a:extLst>
+              <a:ext uri="{FF2B5EF4-FFF2-40B4-BE49-F238E27FC236}">
+                <a16:creationId xmlns:a16="http://schemas.microsoft.com/office/drawing/2014/main" id="{7B769A0F-6499-AF4D-9F1C-F9A8611CCFE2}"/>
+              </a:ext>
+            </a:extLst>
+          </p:cNvPr>
+          <p:cNvSpPr txBox="1"/>
+          <p:nvPr/>
+        </p:nvSpPr>
+        <p:spPr>
+          <a:xfrm>
+            <a:off x="7207267" y="4814693"/>
+            <a:ext cx="3879916" cy="1846659"/>
+          </a:xfrm>
+          <a:prstGeom prst="rect">
+            <a:avLst/>
+          </a:prstGeom>
+          <a:noFill/>
+        </p:spPr>
+        <p:txBody>
+          <a:bodyPr wrap="square" rtlCol="0">
+            <a:spAutoFit/>
+          </a:bodyPr>
+          <a:lstStyle/>
+          <a:p>
+            <a:pPr marL="285750" indent="-285750" algn="just">
+              <a:buFont typeface="Arial" panose="020B0604020202020204" pitchFamily="34" charset="0"/>
+              <a:buChar char="•"/>
+            </a:pPr>
+            <a:r>
+              <a:rPr lang="en-US" sz="2400" dirty="0">
+                <a:solidFill>
+                  <a:srgbClr val="C00000"/>
+                </a:solidFill>
+              </a:rPr>
+              <a:t>The ”</a:t>
+            </a:r>
+            <a:r>
+              <a:rPr lang="en-US" sz="2400" dirty="0" err="1">
+                <a:solidFill>
+                  <a:srgbClr val="C00000"/>
+                </a:solidFill>
+              </a:rPr>
+              <a:t>RobotModel</a:t>
+            </a:r>
+            <a:r>
+              <a:rPr lang="en-US" sz="2400" dirty="0">
+                <a:solidFill>
+                  <a:srgbClr val="C00000"/>
+                </a:solidFill>
+              </a:rPr>
+              <a:t>” tab is used to link a robot model (Robot Descriptor) and position information (links) </a:t>
+            </a:r>
+          </a:p>
+          <a:p>
+            <a:endParaRPr lang="en-US" dirty="0"/>
+          </a:p>
+        </p:txBody>
+      </p:sp>
     </p:spTree>
     <p:extLst>
       <p:ext uri="{BB962C8B-B14F-4D97-AF65-F5344CB8AC3E}">
-        <p14:creationId xmlns:p14="http://schemas.microsoft.com/office/powerpoint/2010/main" val="1227113955"/>
+        <p14:creationId xmlns:p14="http://schemas.microsoft.com/office/powerpoint/2010/main" val="3310021358"/>
       </p:ext>
     </p:extLst>
   </p:cSld>
@@ -19426,10 +19452,10 @@
   </p:clrMapOvr>
   <mc:AlternateContent xmlns:mc="http://schemas.openxmlformats.org/markup-compatibility/2006" xmlns:p14="http://schemas.microsoft.com/office/powerpoint/2010/main">
     <mc:Choice Requires="p14">
-      <p:transition spd="slow" p14:dur="2000" advTm="172"/>
+      <p:transition spd="slow" p14:dur="2000" advTm="180"/>
     </mc:Choice>
     <mc:Fallback xmlns="">
-      <p:transition spd="slow" advTm="172"/>
+      <p:transition spd="slow" advTm="180"/>
     </mc:Fallback>
   </mc:AlternateContent>
 </p:sld>
@@ -20745,6 +20771,1792 @@
 </file>
 
 <file path=ppt/slides/slide30.xml><?xml version="1.0" encoding="utf-8"?>
+<p:sld xmlns:a="http://schemas.openxmlformats.org/drawingml/2006/main" xmlns:r="http://schemas.openxmlformats.org/officeDocument/2006/relationships" xmlns:p="http://schemas.openxmlformats.org/presentationml/2006/main">
+  <p:cSld>
+    <p:spTree>
+      <p:nvGrpSpPr>
+        <p:cNvPr id="1" name=""/>
+        <p:cNvGrpSpPr/>
+        <p:nvPr/>
+      </p:nvGrpSpPr>
+      <p:grpSpPr>
+        <a:xfrm>
+          <a:off x="0" y="0"/>
+          <a:ext cx="0" cy="0"/>
+          <a:chOff x="0" y="0"/>
+          <a:chExt cx="0" cy="0"/>
+        </a:xfrm>
+      </p:grpSpPr>
+      <p:sp>
+        <p:nvSpPr>
+          <p:cNvPr id="2" name="Title 1">
+            <a:extLst>
+              <a:ext uri="{FF2B5EF4-FFF2-40B4-BE49-F238E27FC236}">
+                <a16:creationId xmlns:a16="http://schemas.microsoft.com/office/drawing/2014/main" id="{E986AE5C-10A6-C94C-9D95-8E1504BFCC57}"/>
+              </a:ext>
+            </a:extLst>
+          </p:cNvPr>
+          <p:cNvSpPr>
+            <a:spLocks noGrp="1"/>
+          </p:cNvSpPr>
+          <p:nvPr>
+            <p:ph type="title"/>
+          </p:nvPr>
+        </p:nvSpPr>
+        <p:spPr>
+          <a:xfrm>
+            <a:off x="1597152" y="365125"/>
+            <a:ext cx="7656576" cy="1325563"/>
+          </a:xfrm>
+        </p:spPr>
+        <p:txBody>
+          <a:bodyPr>
+            <a:normAutofit/>
+          </a:bodyPr>
+          <a:lstStyle/>
+          <a:p>
+            <a:r>
+              <a:rPr lang="en-US" dirty="0"/>
+              <a:t>ROS tools</a:t>
+            </a:r>
+            <a:br>
+              <a:rPr lang="en-US" dirty="0"/>
+            </a:br>
+            <a:r>
+              <a:rPr lang="en-US" sz="3600" dirty="0"/>
+              <a:t>Saving and opening </a:t>
+            </a:r>
+            <a:r>
+              <a:rPr lang="en-US" sz="3600" dirty="0" err="1"/>
+              <a:t>Rviz</a:t>
+            </a:r>
+            <a:r>
+              <a:rPr lang="en-US" sz="3600" dirty="0"/>
+              <a:t> configurations</a:t>
+            </a:r>
+            <a:endParaRPr lang="en-US" sz="3600" dirty="0">
+              <a:solidFill>
+                <a:srgbClr val="C00000"/>
+              </a:solidFill>
+            </a:endParaRPr>
+          </a:p>
+        </p:txBody>
+      </p:sp>
+      <p:sp>
+        <p:nvSpPr>
+          <p:cNvPr id="26" name="Content Placeholder 2">
+            <a:extLst>
+              <a:ext uri="{FF2B5EF4-FFF2-40B4-BE49-F238E27FC236}">
+                <a16:creationId xmlns:a16="http://schemas.microsoft.com/office/drawing/2014/main" id="{687CF686-F0E0-3E41-B210-18672B8C8AE6}"/>
+              </a:ext>
+            </a:extLst>
+          </p:cNvPr>
+          <p:cNvSpPr>
+            <a:spLocks noGrp="1"/>
+          </p:cNvSpPr>
+          <p:nvPr>
+            <p:ph idx="4294967295"/>
+          </p:nvPr>
+        </p:nvSpPr>
+        <p:spPr>
+          <a:xfrm>
+            <a:off x="838200" y="2359707"/>
+            <a:ext cx="10515600" cy="3816503"/>
+          </a:xfrm>
+        </p:spPr>
+        <p:txBody>
+          <a:bodyPr vert="horz" lIns="91440" tIns="45720" rIns="91440" bIns="45720" rtlCol="0" anchor="t">
+            <a:normAutofit/>
+          </a:bodyPr>
+          <a:lstStyle/>
+          <a:p>
+            <a:pPr algn="just"/>
+            <a:r>
+              <a:rPr lang="en-US" sz="2400" dirty="0"/>
+              <a:t>Once your </a:t>
+            </a:r>
+            <a:r>
+              <a:rPr lang="en-US" sz="2400" dirty="0" err="1"/>
+              <a:t>Rviz</a:t>
+            </a:r>
+            <a:r>
+              <a:rPr lang="en-US" sz="2400" dirty="0"/>
+              <a:t> environment is properly set up you can save it using the tab</a:t>
+            </a:r>
+            <a:r>
+              <a:rPr lang="en-US" sz="2400" dirty="0">
+                <a:latin typeface="Consolas" panose="020B0609020204030204" pitchFamily="49" charset="0"/>
+                <a:cs typeface="Consolas" panose="020B0609020204030204" pitchFamily="49" charset="0"/>
+              </a:rPr>
+              <a:t> file -&gt; save, </a:t>
+            </a:r>
+            <a:r>
+              <a:rPr lang="en-US" sz="2400" dirty="0"/>
+              <a:t>this generates a .</a:t>
+            </a:r>
+            <a:r>
+              <a:rPr lang="en-US" sz="2400" dirty="0" err="1"/>
+              <a:t>rviz</a:t>
+            </a:r>
+            <a:r>
+              <a:rPr lang="en-US" sz="2400" dirty="0"/>
+              <a:t> file that can be launched within any </a:t>
+            </a:r>
+            <a:r>
+              <a:rPr lang="en-US" sz="2400" dirty="0" err="1"/>
+              <a:t>roslaunch</a:t>
+            </a:r>
+            <a:r>
+              <a:rPr lang="en-US" sz="2400" dirty="0"/>
+              <a:t> file. </a:t>
+            </a:r>
+          </a:p>
+          <a:p>
+            <a:pPr algn="just"/>
+            <a:r>
+              <a:rPr lang="en-US" sz="2400" dirty="0"/>
+              <a:t>The code used to do so is the following and can be added to any of the </a:t>
+            </a:r>
+            <a:r>
+              <a:rPr lang="en-US" sz="2400" dirty="0" err="1"/>
+              <a:t>ros</a:t>
+            </a:r>
+            <a:r>
+              <a:rPr lang="en-US" sz="2400" dirty="0"/>
+              <a:t> files</a:t>
+            </a:r>
+          </a:p>
+          <a:p>
+            <a:pPr marL="457200" lvl="1" indent="0" algn="just">
+              <a:buNone/>
+            </a:pPr>
+            <a:r>
+              <a:rPr lang="en-US" sz="2000" dirty="0">
+                <a:latin typeface="Consolas" panose="020B0609020204030204" pitchFamily="49" charset="0"/>
+                <a:cs typeface="Consolas" panose="020B0609020204030204" pitchFamily="49" charset="0"/>
+              </a:rPr>
+              <a:t>&lt;node name=”</a:t>
+            </a:r>
+            <a:r>
+              <a:rPr lang="en-US" sz="2000" dirty="0" err="1">
+                <a:latin typeface="Consolas" panose="020B0609020204030204" pitchFamily="49" charset="0"/>
+                <a:cs typeface="Consolas" panose="020B0609020204030204" pitchFamily="49" charset="0"/>
+              </a:rPr>
+              <a:t>rviz</a:t>
+            </a:r>
+            <a:r>
+              <a:rPr lang="en-US" sz="2000" dirty="0">
+                <a:latin typeface="Consolas" panose="020B0609020204030204" pitchFamily="49" charset="0"/>
+                <a:cs typeface="Consolas" panose="020B0609020204030204" pitchFamily="49" charset="0"/>
+              </a:rPr>
+              <a:t>” pkg=“</a:t>
+            </a:r>
+            <a:r>
+              <a:rPr lang="en-US" sz="2000" dirty="0" err="1">
+                <a:latin typeface="Consolas" panose="020B0609020204030204" pitchFamily="49" charset="0"/>
+                <a:cs typeface="Consolas" panose="020B0609020204030204" pitchFamily="49" charset="0"/>
+              </a:rPr>
+              <a:t>rviz</a:t>
+            </a:r>
+            <a:r>
+              <a:rPr lang="en-US" sz="2000" dirty="0">
+                <a:latin typeface="Consolas" panose="020B0609020204030204" pitchFamily="49" charset="0"/>
+                <a:cs typeface="Consolas" panose="020B0609020204030204" pitchFamily="49" charset="0"/>
+              </a:rPr>
+              <a:t>” </a:t>
+            </a:r>
+            <a:r>
+              <a:rPr lang="en-US" sz="2000" dirty="0" err="1">
+                <a:latin typeface="Consolas" panose="020B0609020204030204" pitchFamily="49" charset="0"/>
+                <a:cs typeface="Consolas" panose="020B0609020204030204" pitchFamily="49" charset="0"/>
+              </a:rPr>
+              <a:t>args</a:t>
+            </a:r>
+            <a:r>
+              <a:rPr lang="en-US" sz="2000" dirty="0">
+                <a:latin typeface="Consolas" panose="020B0609020204030204" pitchFamily="49" charset="0"/>
+                <a:cs typeface="Consolas" panose="020B0609020204030204" pitchFamily="49" charset="0"/>
+              </a:rPr>
+              <a:t>=“-d [file path]” required=”true” /&gt; </a:t>
+            </a:r>
+          </a:p>
+          <a:p>
+            <a:pPr algn="just"/>
+            <a:r>
+              <a:rPr lang="en-US" sz="2400" dirty="0"/>
+              <a:t>Remember that if your </a:t>
+            </a:r>
+            <a:r>
+              <a:rPr lang="en-US" sz="2400" dirty="0" err="1"/>
+              <a:t>rviz</a:t>
+            </a:r>
+            <a:r>
+              <a:rPr lang="en-US" sz="2400" dirty="0"/>
+              <a:t> required a robot model it need to be loaded into the system by adding:</a:t>
+            </a:r>
+          </a:p>
+          <a:p>
+            <a:pPr marL="457200" lvl="1" indent="0" algn="just">
+              <a:buNone/>
+            </a:pPr>
+            <a:r>
+              <a:rPr lang="en-US" sz="2000" dirty="0">
+                <a:latin typeface="Consolas" panose="020B0609020204030204" pitchFamily="49" charset="0"/>
+                <a:cs typeface="Consolas" panose="020B0609020204030204" pitchFamily="49" charset="0"/>
+              </a:rPr>
+              <a:t>&lt;param name=”</a:t>
+            </a:r>
+            <a:r>
+              <a:rPr lang="en-US" sz="2000" dirty="0" err="1">
+                <a:latin typeface="Consolas" panose="020B0609020204030204" pitchFamily="49" charset="0"/>
+                <a:cs typeface="Consolas" panose="020B0609020204030204" pitchFamily="49" charset="0"/>
+              </a:rPr>
+              <a:t>robot_description</a:t>
+            </a:r>
+            <a:r>
+              <a:rPr lang="en-US" sz="2000" dirty="0">
+                <a:latin typeface="Consolas" panose="020B0609020204030204" pitchFamily="49" charset="0"/>
+                <a:cs typeface="Consolas" panose="020B0609020204030204" pitchFamily="49" charset="0"/>
+              </a:rPr>
+              <a:t>” </a:t>
+            </a:r>
+            <a:r>
+              <a:rPr lang="en-US" sz="2000" dirty="0" err="1">
+                <a:latin typeface="Consolas" panose="020B0609020204030204" pitchFamily="49" charset="0"/>
+                <a:cs typeface="Consolas" panose="020B0609020204030204" pitchFamily="49" charset="0"/>
+              </a:rPr>
+              <a:t>coomand</a:t>
+            </a:r>
+            <a:r>
+              <a:rPr lang="en-US" sz="2000" dirty="0">
+                <a:latin typeface="Consolas" panose="020B0609020204030204" pitchFamily="49" charset="0"/>
+                <a:cs typeface="Consolas" panose="020B0609020204030204" pitchFamily="49" charset="0"/>
+              </a:rPr>
+              <a:t>=[model path]/&gt; </a:t>
+            </a:r>
+          </a:p>
+          <a:p>
+            <a:pPr algn="just"/>
+            <a:r>
+              <a:rPr lang="en-US" sz="2400" dirty="0"/>
+              <a:t>This will execute your code along with an </a:t>
+            </a:r>
+            <a:r>
+              <a:rPr lang="en-US" sz="2400" dirty="0" err="1"/>
+              <a:t>Rviz</a:t>
+            </a:r>
+            <a:r>
+              <a:rPr lang="en-US" sz="2400" dirty="0"/>
+              <a:t> window, allowing to display the information that you find relevant to your application</a:t>
+            </a:r>
+          </a:p>
+        </p:txBody>
+      </p:sp>
+    </p:spTree>
+    <p:extLst>
+      <p:ext uri="{BB962C8B-B14F-4D97-AF65-F5344CB8AC3E}">
+        <p14:creationId xmlns:p14="http://schemas.microsoft.com/office/powerpoint/2010/main" val="768029272"/>
+      </p:ext>
+    </p:extLst>
+  </p:cSld>
+  <p:clrMapOvr>
+    <a:masterClrMapping/>
+  </p:clrMapOvr>
+  <mc:AlternateContent xmlns:mc="http://schemas.openxmlformats.org/markup-compatibility/2006" xmlns:p14="http://schemas.microsoft.com/office/powerpoint/2010/main">
+    <mc:Choice Requires="p14">
+      <p:transition spd="slow" p14:dur="2000" advTm="180"/>
+    </mc:Choice>
+    <mc:Fallback xmlns="">
+      <p:transition spd="slow" advTm="180"/>
+    </mc:Fallback>
+  </mc:AlternateContent>
+</p:sld>
+</file>
+
+<file path=ppt/slides/slide31.xml><?xml version="1.0" encoding="utf-8"?>
+<p:sld xmlns:a="http://schemas.openxmlformats.org/drawingml/2006/main" xmlns:r="http://schemas.openxmlformats.org/officeDocument/2006/relationships" xmlns:p="http://schemas.openxmlformats.org/presentationml/2006/main">
+  <p:cSld>
+    <p:spTree>
+      <p:nvGrpSpPr>
+        <p:cNvPr id="1" name=""/>
+        <p:cNvGrpSpPr/>
+        <p:nvPr/>
+      </p:nvGrpSpPr>
+      <p:grpSpPr>
+        <a:xfrm>
+          <a:off x="0" y="0"/>
+          <a:ext cx="0" cy="0"/>
+          <a:chOff x="0" y="0"/>
+          <a:chExt cx="0" cy="0"/>
+        </a:xfrm>
+      </p:grpSpPr>
+      <p:sp>
+        <p:nvSpPr>
+          <p:cNvPr id="2" name="Title 1">
+            <a:extLst>
+              <a:ext uri="{FF2B5EF4-FFF2-40B4-BE49-F238E27FC236}">
+                <a16:creationId xmlns:a16="http://schemas.microsoft.com/office/drawing/2014/main" id="{E986AE5C-10A6-C94C-9D95-8E1504BFCC57}"/>
+              </a:ext>
+            </a:extLst>
+          </p:cNvPr>
+          <p:cNvSpPr>
+            <a:spLocks noGrp="1"/>
+          </p:cNvSpPr>
+          <p:nvPr>
+            <p:ph type="title"/>
+          </p:nvPr>
+        </p:nvSpPr>
+        <p:spPr/>
+        <p:txBody>
+          <a:bodyPr/>
+          <a:lstStyle/>
+          <a:p>
+            <a:r>
+              <a:rPr lang="en-US" sz="4000" dirty="0"/>
+              <a:t>Activity</a:t>
+            </a:r>
+            <a:r>
+              <a:rPr lang="en-US" dirty="0"/>
+              <a:t/>
+            </a:r>
+            <a:br>
+              <a:rPr lang="en-US" dirty="0"/>
+            </a:br>
+            <a:r>
+              <a:rPr lang="en-US" sz="3200" dirty="0"/>
+              <a:t>Teleoperate a PuzzleBot</a:t>
+            </a:r>
+          </a:p>
+        </p:txBody>
+      </p:sp>
+      <p:sp>
+        <p:nvSpPr>
+          <p:cNvPr id="7" name="TextBox 6">
+            <a:extLst>
+              <a:ext uri="{FF2B5EF4-FFF2-40B4-BE49-F238E27FC236}">
+                <a16:creationId xmlns:a16="http://schemas.microsoft.com/office/drawing/2014/main" id="{BD5B5BE3-1BCD-7645-B300-25181E0EEE98}"/>
+              </a:ext>
+            </a:extLst>
+          </p:cNvPr>
+          <p:cNvSpPr txBox="1"/>
+          <p:nvPr/>
+        </p:nvSpPr>
+        <p:spPr>
+          <a:xfrm>
+            <a:off x="1303112" y="1690688"/>
+            <a:ext cx="3035807" cy="523221"/>
+          </a:xfrm>
+          <a:prstGeom prst="rect">
+            <a:avLst/>
+          </a:prstGeom>
+          <a:noFill/>
+        </p:spPr>
+        <p:txBody>
+          <a:bodyPr wrap="square" rtlCol="0">
+            <a:spAutoFit/>
+          </a:bodyPr>
+          <a:lstStyle/>
+          <a:p>
+            <a:r>
+              <a:rPr lang="en-US" sz="2800" dirty="0">
+                <a:solidFill>
+                  <a:srgbClr val="7030A0"/>
+                </a:solidFill>
+              </a:rPr>
+              <a:t>Teleoperation</a:t>
+            </a:r>
+          </a:p>
+        </p:txBody>
+      </p:sp>
+      <p:sp>
+        <p:nvSpPr>
+          <p:cNvPr id="13" name="Rounded Rectangle 12">
+            <a:extLst>
+              <a:ext uri="{FF2B5EF4-FFF2-40B4-BE49-F238E27FC236}">
+                <a16:creationId xmlns:a16="http://schemas.microsoft.com/office/drawing/2014/main" id="{7A755588-D7F0-5042-BEB6-5F52988A0CE8}"/>
+              </a:ext>
+            </a:extLst>
+          </p:cNvPr>
+          <p:cNvSpPr/>
+          <p:nvPr/>
+        </p:nvSpPr>
+        <p:spPr>
+          <a:xfrm>
+            <a:off x="1303111" y="2354163"/>
+            <a:ext cx="4470160" cy="3727087"/>
+          </a:xfrm>
+          <a:prstGeom prst="roundRect">
+            <a:avLst/>
+          </a:prstGeom>
+          <a:noFill/>
+          <a:ln w="50800">
+            <a:solidFill>
+              <a:srgbClr val="7030A0"/>
+            </a:solidFill>
+          </a:ln>
+        </p:spPr>
+        <p:style>
+          <a:lnRef idx="2">
+            <a:schemeClr val="accent1">
+              <a:shade val="50000"/>
+            </a:schemeClr>
+          </a:lnRef>
+          <a:fillRef idx="1">
+            <a:schemeClr val="accent1"/>
+          </a:fillRef>
+          <a:effectRef idx="0">
+            <a:schemeClr val="accent1"/>
+          </a:effectRef>
+          <a:fontRef idx="minor">
+            <a:schemeClr val="lt1"/>
+          </a:fontRef>
+        </p:style>
+        <p:txBody>
+          <a:bodyPr rtlCol="0" anchor="ctr"/>
+          <a:lstStyle/>
+          <a:p>
+            <a:pPr algn="ctr"/>
+            <a:endParaRPr lang="en-US"/>
+          </a:p>
+        </p:txBody>
+      </p:sp>
+      <p:sp>
+        <p:nvSpPr>
+          <p:cNvPr id="16" name="TextBox 15">
+            <a:extLst>
+              <a:ext uri="{FF2B5EF4-FFF2-40B4-BE49-F238E27FC236}">
+                <a16:creationId xmlns:a16="http://schemas.microsoft.com/office/drawing/2014/main" id="{D58120D5-C27D-1D47-A7D9-5728828DBA9C}"/>
+              </a:ext>
+            </a:extLst>
+          </p:cNvPr>
+          <p:cNvSpPr txBox="1"/>
+          <p:nvPr/>
+        </p:nvSpPr>
+        <p:spPr>
+          <a:xfrm>
+            <a:off x="6547458" y="1699656"/>
+            <a:ext cx="3035807" cy="523221"/>
+          </a:xfrm>
+          <a:prstGeom prst="rect">
+            <a:avLst/>
+          </a:prstGeom>
+          <a:noFill/>
+        </p:spPr>
+        <p:txBody>
+          <a:bodyPr wrap="square" rtlCol="0">
+            <a:spAutoFit/>
+          </a:bodyPr>
+          <a:lstStyle/>
+          <a:p>
+            <a:r>
+              <a:rPr lang="en-US" sz="2800" dirty="0">
+                <a:solidFill>
+                  <a:srgbClr val="7030A0"/>
+                </a:solidFill>
+              </a:rPr>
+              <a:t>Square</a:t>
+            </a:r>
+          </a:p>
+        </p:txBody>
+      </p:sp>
+      <p:sp>
+        <p:nvSpPr>
+          <p:cNvPr id="21" name="TextBox 20">
+            <a:extLst>
+              <a:ext uri="{FF2B5EF4-FFF2-40B4-BE49-F238E27FC236}">
+                <a16:creationId xmlns:a16="http://schemas.microsoft.com/office/drawing/2014/main" id="{BF53679A-7A33-D04D-99C9-F37A990795F2}"/>
+              </a:ext>
+            </a:extLst>
+          </p:cNvPr>
+          <p:cNvSpPr txBox="1"/>
+          <p:nvPr/>
+        </p:nvSpPr>
+        <p:spPr>
+          <a:xfrm>
+            <a:off x="1694964" y="4569228"/>
+            <a:ext cx="3686453" cy="1200329"/>
+          </a:xfrm>
+          <a:prstGeom prst="rect">
+            <a:avLst/>
+          </a:prstGeom>
+          <a:noFill/>
+        </p:spPr>
+        <p:txBody>
+          <a:bodyPr wrap="square">
+            <a:spAutoFit/>
+          </a:bodyPr>
+          <a:lstStyle/>
+          <a:p>
+            <a:pPr algn="just"/>
+            <a:r>
+              <a:rPr lang="en-US" sz="2400" dirty="0"/>
+              <a:t>Input in the terminal the commands to move the robot</a:t>
+            </a:r>
+          </a:p>
+        </p:txBody>
+      </p:sp>
+      <p:sp>
+        <p:nvSpPr>
+          <p:cNvPr id="22" name="Rounded Rectangle 21">
+            <a:extLst>
+              <a:ext uri="{FF2B5EF4-FFF2-40B4-BE49-F238E27FC236}">
+                <a16:creationId xmlns:a16="http://schemas.microsoft.com/office/drawing/2014/main" id="{167FA9E8-BF13-904F-9961-F9A9189F44D6}"/>
+              </a:ext>
+            </a:extLst>
+          </p:cNvPr>
+          <p:cNvSpPr/>
+          <p:nvPr/>
+        </p:nvSpPr>
+        <p:spPr>
+          <a:xfrm>
+            <a:off x="6547458" y="2354163"/>
+            <a:ext cx="4470160" cy="3727087"/>
+          </a:xfrm>
+          <a:prstGeom prst="roundRect">
+            <a:avLst/>
+          </a:prstGeom>
+          <a:noFill/>
+          <a:ln w="50800">
+            <a:solidFill>
+              <a:srgbClr val="7030A0"/>
+            </a:solidFill>
+          </a:ln>
+        </p:spPr>
+        <p:style>
+          <a:lnRef idx="2">
+            <a:schemeClr val="accent1">
+              <a:shade val="50000"/>
+            </a:schemeClr>
+          </a:lnRef>
+          <a:fillRef idx="1">
+            <a:schemeClr val="accent1"/>
+          </a:fillRef>
+          <a:effectRef idx="0">
+            <a:schemeClr val="accent1"/>
+          </a:effectRef>
+          <a:fontRef idx="minor">
+            <a:schemeClr val="lt1"/>
+          </a:fontRef>
+        </p:style>
+        <p:txBody>
+          <a:bodyPr rtlCol="0" anchor="ctr"/>
+          <a:lstStyle/>
+          <a:p>
+            <a:pPr algn="ctr"/>
+            <a:endParaRPr lang="en-US"/>
+          </a:p>
+        </p:txBody>
+      </p:sp>
+      <p:pic>
+        <p:nvPicPr>
+          <p:cNvPr id="24" name="Picture 23">
+            <a:extLst>
+              <a:ext uri="{FF2B5EF4-FFF2-40B4-BE49-F238E27FC236}">
+                <a16:creationId xmlns:a16="http://schemas.microsoft.com/office/drawing/2014/main" id="{F9DA5E9C-65D0-C94F-B594-61D6236A9731}"/>
+              </a:ext>
+            </a:extLst>
+          </p:cNvPr>
+          <p:cNvPicPr>
+            <a:picLocks noChangeAspect="1"/>
+          </p:cNvPicPr>
+          <p:nvPr/>
+        </p:nvPicPr>
+        <p:blipFill>
+          <a:blip r:embed="rId2">
+            <a:alphaModFix amt="72000"/>
+          </a:blip>
+          <a:stretch>
+            <a:fillRect/>
+          </a:stretch>
+        </p:blipFill>
+        <p:spPr>
+          <a:xfrm rot="16200000">
+            <a:off x="6937390" y="3587440"/>
+            <a:ext cx="1173476" cy="1082467"/>
+          </a:xfrm>
+          <a:prstGeom prst="rect">
+            <a:avLst/>
+          </a:prstGeom>
+        </p:spPr>
+      </p:pic>
+      <p:sp>
+        <p:nvSpPr>
+          <p:cNvPr id="25" name="TextBox 24">
+            <a:extLst>
+              <a:ext uri="{FF2B5EF4-FFF2-40B4-BE49-F238E27FC236}">
+                <a16:creationId xmlns:a16="http://schemas.microsoft.com/office/drawing/2014/main" id="{DE3DC5C2-CDD4-994C-A301-F6F8B29AD8B9}"/>
+              </a:ext>
+            </a:extLst>
+          </p:cNvPr>
+          <p:cNvSpPr txBox="1"/>
+          <p:nvPr/>
+        </p:nvSpPr>
+        <p:spPr>
+          <a:xfrm>
+            <a:off x="6825265" y="4753893"/>
+            <a:ext cx="3949577" cy="830997"/>
+          </a:xfrm>
+          <a:prstGeom prst="rect">
+            <a:avLst/>
+          </a:prstGeom>
+          <a:noFill/>
+        </p:spPr>
+        <p:txBody>
+          <a:bodyPr wrap="square">
+            <a:spAutoFit/>
+          </a:bodyPr>
+          <a:lstStyle/>
+          <a:p>
+            <a:r>
+              <a:rPr lang="en-US" sz="2400" dirty="0"/>
+              <a:t>See how the robot traverses accordingly the environment.</a:t>
+            </a:r>
+          </a:p>
+        </p:txBody>
+      </p:sp>
+      <p:cxnSp>
+        <p:nvCxnSpPr>
+          <p:cNvPr id="6" name="Curved Connector 5">
+            <a:extLst>
+              <a:ext uri="{FF2B5EF4-FFF2-40B4-BE49-F238E27FC236}">
+                <a16:creationId xmlns:a16="http://schemas.microsoft.com/office/drawing/2014/main" id="{C326AD98-28D5-C045-96E9-D2E2DB2C999B}"/>
+              </a:ext>
+            </a:extLst>
+          </p:cNvPr>
+          <p:cNvCxnSpPr/>
+          <p:nvPr/>
+        </p:nvCxnSpPr>
+        <p:spPr>
+          <a:xfrm flipV="1">
+            <a:off x="8373640" y="3428694"/>
+            <a:ext cx="1517904" cy="661418"/>
+          </a:xfrm>
+          <a:prstGeom prst="curvedConnector3">
+            <a:avLst/>
+          </a:prstGeom>
+          <a:ln w="50800">
+            <a:tailEnd type="triangle"/>
+          </a:ln>
+        </p:spPr>
+        <p:style>
+          <a:lnRef idx="1">
+            <a:schemeClr val="accent1"/>
+          </a:lnRef>
+          <a:fillRef idx="0">
+            <a:schemeClr val="accent1"/>
+          </a:fillRef>
+          <a:effectRef idx="0">
+            <a:schemeClr val="accent1"/>
+          </a:effectRef>
+          <a:fontRef idx="minor">
+            <a:schemeClr val="tx1"/>
+          </a:fontRef>
+        </p:style>
+      </p:cxnSp>
+      <p:pic>
+        <p:nvPicPr>
+          <p:cNvPr id="1026" name="Picture 2" descr="Keyboard arrow keys stroke icon #AD , #Aff, #Aff, #arrow, #icon, #stroke, # Keyboard | Business card design creative, Key icon, Game logo design">
+            <a:extLst>
+              <a:ext uri="{FF2B5EF4-FFF2-40B4-BE49-F238E27FC236}">
+                <a16:creationId xmlns:a16="http://schemas.microsoft.com/office/drawing/2014/main" id="{D563858C-2060-D547-9D11-B0B7FE2C72E9}"/>
+              </a:ext>
+            </a:extLst>
+          </p:cNvPr>
+          <p:cNvPicPr>
+            <a:picLocks noChangeAspect="1" noChangeArrowheads="1"/>
+          </p:cNvPicPr>
+          <p:nvPr/>
+        </p:nvPicPr>
+        <p:blipFill>
+          <a:blip r:embed="rId3">
+            <a:extLst>
+              <a:ext uri="{28A0092B-C50C-407E-A947-70E740481C1C}">
+                <a14:useLocalDpi xmlns:a14="http://schemas.microsoft.com/office/drawing/2010/main" val="0"/>
+              </a:ext>
+            </a:extLst>
+          </a:blip>
+          <a:srcRect/>
+          <a:stretch>
+            <a:fillRect/>
+          </a:stretch>
+        </p:blipFill>
+        <p:spPr bwMode="auto">
+          <a:xfrm>
+            <a:off x="2300456" y="2392296"/>
+            <a:ext cx="2176932" cy="2176932"/>
+          </a:xfrm>
+          <a:prstGeom prst="rect">
+            <a:avLst/>
+          </a:prstGeom>
+          <a:noFill/>
+          <a:extLst>
+            <a:ext uri="{909E8E84-426E-40DD-AFC4-6F175D3DCCD1}">
+              <a14:hiddenFill xmlns:a14="http://schemas.microsoft.com/office/drawing/2010/main">
+                <a:solidFill>
+                  <a:srgbClr val="FFFFFF"/>
+                </a:solidFill>
+              </a14:hiddenFill>
+            </a:ext>
+          </a:extLst>
+        </p:spPr>
+      </p:pic>
+    </p:spTree>
+    <p:extLst>
+      <p:ext uri="{BB962C8B-B14F-4D97-AF65-F5344CB8AC3E}">
+        <p14:creationId xmlns:p14="http://schemas.microsoft.com/office/powerpoint/2010/main" val="208144505"/>
+      </p:ext>
+    </p:extLst>
+  </p:cSld>
+  <p:clrMapOvr>
+    <a:masterClrMapping/>
+  </p:clrMapOvr>
+  <mc:AlternateContent xmlns:mc="http://schemas.openxmlformats.org/markup-compatibility/2006" xmlns:p14="http://schemas.microsoft.com/office/powerpoint/2010/main">
+    <mc:Choice Requires="p14">
+      <p:transition spd="slow" p14:dur="2000" advTm="180"/>
+    </mc:Choice>
+    <mc:Fallback xmlns="">
+      <p:transition spd="slow" advTm="180"/>
+    </mc:Fallback>
+  </mc:AlternateContent>
+</p:sld>
+</file>
+
+<file path=ppt/slides/slide32.xml><?xml version="1.0" encoding="utf-8"?>
+<p:sld xmlns:a="http://schemas.openxmlformats.org/drawingml/2006/main" xmlns:r="http://schemas.openxmlformats.org/officeDocument/2006/relationships" xmlns:p="http://schemas.openxmlformats.org/presentationml/2006/main">
+  <p:cSld>
+    <p:spTree>
+      <p:nvGrpSpPr>
+        <p:cNvPr id="1" name=""/>
+        <p:cNvGrpSpPr/>
+        <p:nvPr/>
+      </p:nvGrpSpPr>
+      <p:grpSpPr>
+        <a:xfrm>
+          <a:off x="0" y="0"/>
+          <a:ext cx="0" cy="0"/>
+          <a:chOff x="0" y="0"/>
+          <a:chExt cx="0" cy="0"/>
+        </a:xfrm>
+      </p:grpSpPr>
+      <p:sp>
+        <p:nvSpPr>
+          <p:cNvPr id="2" name="Title 1">
+            <a:extLst>
+              <a:ext uri="{FF2B5EF4-FFF2-40B4-BE49-F238E27FC236}">
+                <a16:creationId xmlns:a16="http://schemas.microsoft.com/office/drawing/2014/main" id="{E986AE5C-10A6-C94C-9D95-8E1504BFCC57}"/>
+              </a:ext>
+            </a:extLst>
+          </p:cNvPr>
+          <p:cNvSpPr>
+            <a:spLocks noGrp="1"/>
+          </p:cNvSpPr>
+          <p:nvPr>
+            <p:ph type="title"/>
+          </p:nvPr>
+        </p:nvSpPr>
+        <p:spPr/>
+        <p:txBody>
+          <a:bodyPr/>
+          <a:lstStyle/>
+          <a:p>
+            <a:r>
+              <a:rPr lang="en-US" sz="4000" dirty="0"/>
+              <a:t>Activity</a:t>
+            </a:r>
+            <a:r>
+              <a:rPr lang="en-US" dirty="0"/>
+              <a:t/>
+            </a:r>
+            <a:br>
+              <a:rPr lang="en-US" dirty="0"/>
+            </a:br>
+            <a:r>
+              <a:rPr lang="en-US" sz="3200" dirty="0"/>
+              <a:t>Moving a PuzzleBot</a:t>
+            </a:r>
+          </a:p>
+        </p:txBody>
+      </p:sp>
+      <p:sp>
+        <p:nvSpPr>
+          <p:cNvPr id="7" name="TextBox 6">
+            <a:extLst>
+              <a:ext uri="{FF2B5EF4-FFF2-40B4-BE49-F238E27FC236}">
+                <a16:creationId xmlns:a16="http://schemas.microsoft.com/office/drawing/2014/main" id="{BD5B5BE3-1BCD-7645-B300-25181E0EEE98}"/>
+              </a:ext>
+            </a:extLst>
+          </p:cNvPr>
+          <p:cNvSpPr txBox="1"/>
+          <p:nvPr/>
+        </p:nvSpPr>
+        <p:spPr>
+          <a:xfrm>
+            <a:off x="1303112" y="1690688"/>
+            <a:ext cx="3035807" cy="523221"/>
+          </a:xfrm>
+          <a:prstGeom prst="rect">
+            <a:avLst/>
+          </a:prstGeom>
+          <a:noFill/>
+        </p:spPr>
+        <p:txBody>
+          <a:bodyPr wrap="square" rtlCol="0">
+            <a:spAutoFit/>
+          </a:bodyPr>
+          <a:lstStyle/>
+          <a:p>
+            <a:r>
+              <a:rPr lang="en-US" sz="2800" dirty="0">
+                <a:solidFill>
+                  <a:srgbClr val="7030A0"/>
+                </a:solidFill>
+              </a:rPr>
+              <a:t>Straight line</a:t>
+            </a:r>
+          </a:p>
+        </p:txBody>
+      </p:sp>
+      <p:sp>
+        <p:nvSpPr>
+          <p:cNvPr id="13" name="Rounded Rectangle 12">
+            <a:extLst>
+              <a:ext uri="{FF2B5EF4-FFF2-40B4-BE49-F238E27FC236}">
+                <a16:creationId xmlns:a16="http://schemas.microsoft.com/office/drawing/2014/main" id="{7A755588-D7F0-5042-BEB6-5F52988A0CE8}"/>
+              </a:ext>
+            </a:extLst>
+          </p:cNvPr>
+          <p:cNvSpPr/>
+          <p:nvPr/>
+        </p:nvSpPr>
+        <p:spPr>
+          <a:xfrm>
+            <a:off x="1303111" y="2354163"/>
+            <a:ext cx="4470160" cy="3727087"/>
+          </a:xfrm>
+          <a:prstGeom prst="roundRect">
+            <a:avLst/>
+          </a:prstGeom>
+          <a:noFill/>
+          <a:ln w="50800">
+            <a:solidFill>
+              <a:srgbClr val="7030A0"/>
+            </a:solidFill>
+          </a:ln>
+        </p:spPr>
+        <p:style>
+          <a:lnRef idx="2">
+            <a:schemeClr val="accent1">
+              <a:shade val="50000"/>
+            </a:schemeClr>
+          </a:lnRef>
+          <a:fillRef idx="1">
+            <a:schemeClr val="accent1"/>
+          </a:fillRef>
+          <a:effectRef idx="0">
+            <a:schemeClr val="accent1"/>
+          </a:effectRef>
+          <a:fontRef idx="minor">
+            <a:schemeClr val="lt1"/>
+          </a:fontRef>
+        </p:style>
+        <p:txBody>
+          <a:bodyPr rtlCol="0" anchor="ctr"/>
+          <a:lstStyle/>
+          <a:p>
+            <a:pPr algn="ctr"/>
+            <a:endParaRPr lang="en-US"/>
+          </a:p>
+        </p:txBody>
+      </p:sp>
+      <p:sp>
+        <p:nvSpPr>
+          <p:cNvPr id="16" name="TextBox 15">
+            <a:extLst>
+              <a:ext uri="{FF2B5EF4-FFF2-40B4-BE49-F238E27FC236}">
+                <a16:creationId xmlns:a16="http://schemas.microsoft.com/office/drawing/2014/main" id="{D58120D5-C27D-1D47-A7D9-5728828DBA9C}"/>
+              </a:ext>
+            </a:extLst>
+          </p:cNvPr>
+          <p:cNvSpPr txBox="1"/>
+          <p:nvPr/>
+        </p:nvSpPr>
+        <p:spPr>
+          <a:xfrm>
+            <a:off x="6547458" y="1699656"/>
+            <a:ext cx="3035807" cy="523221"/>
+          </a:xfrm>
+          <a:prstGeom prst="rect">
+            <a:avLst/>
+          </a:prstGeom>
+          <a:noFill/>
+        </p:spPr>
+        <p:txBody>
+          <a:bodyPr wrap="square" rtlCol="0">
+            <a:spAutoFit/>
+          </a:bodyPr>
+          <a:lstStyle/>
+          <a:p>
+            <a:r>
+              <a:rPr lang="en-US" sz="2800" dirty="0">
+                <a:solidFill>
+                  <a:srgbClr val="7030A0"/>
+                </a:solidFill>
+              </a:rPr>
+              <a:t>Square</a:t>
+            </a:r>
+          </a:p>
+        </p:txBody>
+      </p:sp>
+      <p:cxnSp>
+        <p:nvCxnSpPr>
+          <p:cNvPr id="19" name="Straight Arrow Connector 18">
+            <a:extLst>
+              <a:ext uri="{FF2B5EF4-FFF2-40B4-BE49-F238E27FC236}">
+                <a16:creationId xmlns:a16="http://schemas.microsoft.com/office/drawing/2014/main" id="{B9810CB8-328C-B24C-9118-06AC162CE1BD}"/>
+              </a:ext>
+            </a:extLst>
+          </p:cNvPr>
+          <p:cNvCxnSpPr>
+            <a:cxnSpLocks/>
+          </p:cNvCxnSpPr>
+          <p:nvPr/>
+        </p:nvCxnSpPr>
+        <p:spPr>
+          <a:xfrm>
+            <a:off x="2699720" y="3681153"/>
+            <a:ext cx="2269147" cy="0"/>
+          </a:xfrm>
+          <a:prstGeom prst="straightConnector1">
+            <a:avLst/>
+          </a:prstGeom>
+          <a:ln w="66675" cap="rnd">
+            <a:solidFill>
+              <a:schemeClr val="accent6"/>
+            </a:solidFill>
+            <a:tailEnd type="triangle"/>
+          </a:ln>
+        </p:spPr>
+        <p:style>
+          <a:lnRef idx="1">
+            <a:schemeClr val="accent1"/>
+          </a:lnRef>
+          <a:fillRef idx="0">
+            <a:schemeClr val="accent1"/>
+          </a:fillRef>
+          <a:effectRef idx="0">
+            <a:schemeClr val="accent1"/>
+          </a:effectRef>
+          <a:fontRef idx="minor">
+            <a:schemeClr val="tx1"/>
+          </a:fontRef>
+        </p:style>
+      </p:cxnSp>
+      <p:pic>
+        <p:nvPicPr>
+          <p:cNvPr id="18" name="Picture 17">
+            <a:extLst>
+              <a:ext uri="{FF2B5EF4-FFF2-40B4-BE49-F238E27FC236}">
+                <a16:creationId xmlns:a16="http://schemas.microsoft.com/office/drawing/2014/main" id="{D26E68A6-C2CB-D346-91EC-72481EE1F3E3}"/>
+              </a:ext>
+            </a:extLst>
+          </p:cNvPr>
+          <p:cNvPicPr>
+            <a:picLocks noChangeAspect="1"/>
+          </p:cNvPicPr>
+          <p:nvPr/>
+        </p:nvPicPr>
+        <p:blipFill>
+          <a:blip r:embed="rId2">
+            <a:alphaModFix amt="67000"/>
+          </a:blip>
+          <a:stretch>
+            <a:fillRect/>
+          </a:stretch>
+        </p:blipFill>
+        <p:spPr>
+          <a:xfrm rot="16200000">
+            <a:off x="1680344" y="2921096"/>
+            <a:ext cx="1638759" cy="1511666"/>
+          </a:xfrm>
+          <a:prstGeom prst="rect">
+            <a:avLst/>
+          </a:prstGeom>
+        </p:spPr>
+      </p:pic>
+      <p:sp>
+        <p:nvSpPr>
+          <p:cNvPr id="21" name="TextBox 20">
+            <a:extLst>
+              <a:ext uri="{FF2B5EF4-FFF2-40B4-BE49-F238E27FC236}">
+                <a16:creationId xmlns:a16="http://schemas.microsoft.com/office/drawing/2014/main" id="{BF53679A-7A33-D04D-99C9-F37A990795F2}"/>
+              </a:ext>
+            </a:extLst>
+          </p:cNvPr>
+          <p:cNvSpPr txBox="1"/>
+          <p:nvPr/>
+        </p:nvSpPr>
+        <p:spPr>
+          <a:xfrm>
+            <a:off x="1694964" y="4569228"/>
+            <a:ext cx="3686453" cy="830997"/>
+          </a:xfrm>
+          <a:prstGeom prst="rect">
+            <a:avLst/>
+          </a:prstGeom>
+          <a:noFill/>
+        </p:spPr>
+        <p:txBody>
+          <a:bodyPr wrap="square">
+            <a:spAutoFit/>
+          </a:bodyPr>
+          <a:lstStyle/>
+          <a:p>
+            <a:r>
+              <a:rPr lang="en-US" sz="2400" dirty="0"/>
+              <a:t>Drive the robot in a straight line.</a:t>
+            </a:r>
+          </a:p>
+        </p:txBody>
+      </p:sp>
+      <p:sp>
+        <p:nvSpPr>
+          <p:cNvPr id="22" name="Rounded Rectangle 21">
+            <a:extLst>
+              <a:ext uri="{FF2B5EF4-FFF2-40B4-BE49-F238E27FC236}">
+                <a16:creationId xmlns:a16="http://schemas.microsoft.com/office/drawing/2014/main" id="{167FA9E8-BF13-904F-9961-F9A9189F44D6}"/>
+              </a:ext>
+            </a:extLst>
+          </p:cNvPr>
+          <p:cNvSpPr/>
+          <p:nvPr/>
+        </p:nvSpPr>
+        <p:spPr>
+          <a:xfrm>
+            <a:off x="6547458" y="2354163"/>
+            <a:ext cx="4470160" cy="3727087"/>
+          </a:xfrm>
+          <a:prstGeom prst="roundRect">
+            <a:avLst/>
+          </a:prstGeom>
+          <a:noFill/>
+          <a:ln w="50800">
+            <a:solidFill>
+              <a:srgbClr val="7030A0"/>
+            </a:solidFill>
+          </a:ln>
+        </p:spPr>
+        <p:style>
+          <a:lnRef idx="2">
+            <a:schemeClr val="accent1">
+              <a:shade val="50000"/>
+            </a:schemeClr>
+          </a:lnRef>
+          <a:fillRef idx="1">
+            <a:schemeClr val="accent1"/>
+          </a:fillRef>
+          <a:effectRef idx="0">
+            <a:schemeClr val="accent1"/>
+          </a:effectRef>
+          <a:fontRef idx="minor">
+            <a:schemeClr val="lt1"/>
+          </a:fontRef>
+        </p:style>
+        <p:txBody>
+          <a:bodyPr rtlCol="0" anchor="ctr"/>
+          <a:lstStyle/>
+          <a:p>
+            <a:pPr algn="ctr"/>
+            <a:endParaRPr lang="en-US"/>
+          </a:p>
+        </p:txBody>
+      </p:sp>
+      <p:cxnSp>
+        <p:nvCxnSpPr>
+          <p:cNvPr id="23" name="Straight Arrow Connector 22">
+            <a:extLst>
+              <a:ext uri="{FF2B5EF4-FFF2-40B4-BE49-F238E27FC236}">
+                <a16:creationId xmlns:a16="http://schemas.microsoft.com/office/drawing/2014/main" id="{5AFA5CE7-5342-5B46-9237-BE39B14D0743}"/>
+              </a:ext>
+            </a:extLst>
+          </p:cNvPr>
+          <p:cNvCxnSpPr>
+            <a:cxnSpLocks/>
+          </p:cNvCxnSpPr>
+          <p:nvPr/>
+        </p:nvCxnSpPr>
+        <p:spPr>
+          <a:xfrm>
+            <a:off x="8205575" y="2984593"/>
+            <a:ext cx="1393200" cy="0"/>
+          </a:xfrm>
+          <a:prstGeom prst="straightConnector1">
+            <a:avLst/>
+          </a:prstGeom>
+          <a:ln w="66675" cap="rnd">
+            <a:solidFill>
+              <a:schemeClr val="accent6"/>
+            </a:solidFill>
+            <a:tailEnd type="triangle"/>
+          </a:ln>
+        </p:spPr>
+        <p:style>
+          <a:lnRef idx="1">
+            <a:schemeClr val="accent1"/>
+          </a:lnRef>
+          <a:fillRef idx="0">
+            <a:schemeClr val="accent1"/>
+          </a:fillRef>
+          <a:effectRef idx="0">
+            <a:schemeClr val="accent1"/>
+          </a:effectRef>
+          <a:fontRef idx="minor">
+            <a:schemeClr val="tx1"/>
+          </a:fontRef>
+        </p:style>
+      </p:cxnSp>
+      <p:pic>
+        <p:nvPicPr>
+          <p:cNvPr id="24" name="Picture 23">
+            <a:extLst>
+              <a:ext uri="{FF2B5EF4-FFF2-40B4-BE49-F238E27FC236}">
+                <a16:creationId xmlns:a16="http://schemas.microsoft.com/office/drawing/2014/main" id="{F9DA5E9C-65D0-C94F-B594-61D6236A9731}"/>
+              </a:ext>
+            </a:extLst>
+          </p:cNvPr>
+          <p:cNvPicPr>
+            <a:picLocks noChangeAspect="1"/>
+          </p:cNvPicPr>
+          <p:nvPr/>
+        </p:nvPicPr>
+        <p:blipFill>
+          <a:blip r:embed="rId2">
+            <a:alphaModFix amt="72000"/>
+          </a:blip>
+          <a:stretch>
+            <a:fillRect/>
+          </a:stretch>
+        </p:blipFill>
+        <p:spPr>
+          <a:xfrm rot="16200000">
+            <a:off x="7683815" y="2629666"/>
+            <a:ext cx="839278" cy="774188"/>
+          </a:xfrm>
+          <a:prstGeom prst="rect">
+            <a:avLst/>
+          </a:prstGeom>
+        </p:spPr>
+      </p:pic>
+      <p:sp>
+        <p:nvSpPr>
+          <p:cNvPr id="25" name="TextBox 24">
+            <a:extLst>
+              <a:ext uri="{FF2B5EF4-FFF2-40B4-BE49-F238E27FC236}">
+                <a16:creationId xmlns:a16="http://schemas.microsoft.com/office/drawing/2014/main" id="{DE3DC5C2-CDD4-994C-A301-F6F8B29AD8B9}"/>
+              </a:ext>
+            </a:extLst>
+          </p:cNvPr>
+          <p:cNvSpPr txBox="1"/>
+          <p:nvPr/>
+        </p:nvSpPr>
+        <p:spPr>
+          <a:xfrm>
+            <a:off x="6939311" y="4569228"/>
+            <a:ext cx="3686453" cy="1200329"/>
+          </a:xfrm>
+          <a:prstGeom prst="rect">
+            <a:avLst/>
+          </a:prstGeom>
+          <a:noFill/>
+        </p:spPr>
+        <p:txBody>
+          <a:bodyPr wrap="square">
+            <a:spAutoFit/>
+          </a:bodyPr>
+          <a:lstStyle/>
+          <a:p>
+            <a:r>
+              <a:rPr lang="en-US" sz="2400" dirty="0"/>
+              <a:t>Drive the robot making a square with a side length of 1m.</a:t>
+            </a:r>
+          </a:p>
+        </p:txBody>
+      </p:sp>
+      <p:cxnSp>
+        <p:nvCxnSpPr>
+          <p:cNvPr id="27" name="Straight Arrow Connector 26">
+            <a:extLst>
+              <a:ext uri="{FF2B5EF4-FFF2-40B4-BE49-F238E27FC236}">
+                <a16:creationId xmlns:a16="http://schemas.microsoft.com/office/drawing/2014/main" id="{008E6470-6730-194D-AA3E-3326789FD69C}"/>
+              </a:ext>
+            </a:extLst>
+          </p:cNvPr>
+          <p:cNvCxnSpPr>
+            <a:cxnSpLocks/>
+          </p:cNvCxnSpPr>
+          <p:nvPr/>
+        </p:nvCxnSpPr>
+        <p:spPr>
+          <a:xfrm>
+            <a:off x="9560314" y="2984593"/>
+            <a:ext cx="0" cy="1393120"/>
+          </a:xfrm>
+          <a:prstGeom prst="straightConnector1">
+            <a:avLst/>
+          </a:prstGeom>
+          <a:ln w="66675" cap="rnd">
+            <a:solidFill>
+              <a:schemeClr val="accent6"/>
+            </a:solidFill>
+            <a:tailEnd type="triangle"/>
+          </a:ln>
+        </p:spPr>
+        <p:style>
+          <a:lnRef idx="1">
+            <a:schemeClr val="accent1"/>
+          </a:lnRef>
+          <a:fillRef idx="0">
+            <a:schemeClr val="accent1"/>
+          </a:fillRef>
+          <a:effectRef idx="0">
+            <a:schemeClr val="accent1"/>
+          </a:effectRef>
+          <a:fontRef idx="minor">
+            <a:schemeClr val="tx1"/>
+          </a:fontRef>
+        </p:style>
+      </p:cxnSp>
+      <p:cxnSp>
+        <p:nvCxnSpPr>
+          <p:cNvPr id="31" name="Straight Arrow Connector 30">
+            <a:extLst>
+              <a:ext uri="{FF2B5EF4-FFF2-40B4-BE49-F238E27FC236}">
+                <a16:creationId xmlns:a16="http://schemas.microsoft.com/office/drawing/2014/main" id="{E0103857-BE1B-454C-A73B-FB33DB3FD629}"/>
+              </a:ext>
+            </a:extLst>
+          </p:cNvPr>
+          <p:cNvCxnSpPr>
+            <a:cxnSpLocks/>
+          </p:cNvCxnSpPr>
+          <p:nvPr/>
+        </p:nvCxnSpPr>
+        <p:spPr>
+          <a:xfrm flipH="1">
+            <a:off x="8103454" y="4355949"/>
+            <a:ext cx="1393200" cy="0"/>
+          </a:xfrm>
+          <a:prstGeom prst="straightConnector1">
+            <a:avLst/>
+          </a:prstGeom>
+          <a:ln w="66675" cap="rnd">
+            <a:solidFill>
+              <a:schemeClr val="accent6"/>
+            </a:solidFill>
+            <a:tailEnd type="triangle"/>
+          </a:ln>
+        </p:spPr>
+        <p:style>
+          <a:lnRef idx="1">
+            <a:schemeClr val="accent1"/>
+          </a:lnRef>
+          <a:fillRef idx="0">
+            <a:schemeClr val="accent1"/>
+          </a:fillRef>
+          <a:effectRef idx="0">
+            <a:schemeClr val="accent1"/>
+          </a:effectRef>
+          <a:fontRef idx="minor">
+            <a:schemeClr val="tx1"/>
+          </a:fontRef>
+        </p:style>
+      </p:cxnSp>
+      <p:cxnSp>
+        <p:nvCxnSpPr>
+          <p:cNvPr id="33" name="Straight Arrow Connector 32">
+            <a:extLst>
+              <a:ext uri="{FF2B5EF4-FFF2-40B4-BE49-F238E27FC236}">
+                <a16:creationId xmlns:a16="http://schemas.microsoft.com/office/drawing/2014/main" id="{4542338C-6221-D14B-8904-53DF1EB88E1E}"/>
+              </a:ext>
+            </a:extLst>
+          </p:cNvPr>
+          <p:cNvCxnSpPr>
+            <a:cxnSpLocks/>
+          </p:cNvCxnSpPr>
+          <p:nvPr/>
+        </p:nvCxnSpPr>
+        <p:spPr>
+          <a:xfrm flipV="1">
+            <a:off x="8116356" y="2984593"/>
+            <a:ext cx="0" cy="1393200"/>
+          </a:xfrm>
+          <a:prstGeom prst="straightConnector1">
+            <a:avLst/>
+          </a:prstGeom>
+          <a:ln w="66675" cap="rnd">
+            <a:solidFill>
+              <a:schemeClr val="accent6"/>
+            </a:solidFill>
+            <a:tailEnd type="triangle"/>
+          </a:ln>
+        </p:spPr>
+        <p:style>
+          <a:lnRef idx="1">
+            <a:schemeClr val="accent1"/>
+          </a:lnRef>
+          <a:fillRef idx="0">
+            <a:schemeClr val="accent1"/>
+          </a:fillRef>
+          <a:effectRef idx="0">
+            <a:schemeClr val="accent1"/>
+          </a:effectRef>
+          <a:fontRef idx="minor">
+            <a:schemeClr val="tx1"/>
+          </a:fontRef>
+        </p:style>
+      </p:cxnSp>
+    </p:spTree>
+    <p:extLst>
+      <p:ext uri="{BB962C8B-B14F-4D97-AF65-F5344CB8AC3E}">
+        <p14:creationId xmlns:p14="http://schemas.microsoft.com/office/powerpoint/2010/main" val="2554904641"/>
+      </p:ext>
+    </p:extLst>
+  </p:cSld>
+  <p:clrMapOvr>
+    <a:masterClrMapping/>
+  </p:clrMapOvr>
+  <mc:AlternateContent xmlns:mc="http://schemas.openxmlformats.org/markup-compatibility/2006" xmlns:p14="http://schemas.microsoft.com/office/powerpoint/2010/main">
+    <mc:Choice Requires="p14">
+      <p:transition spd="slow" p14:dur="2000" advTm="180"/>
+    </mc:Choice>
+    <mc:Fallback xmlns="">
+      <p:transition spd="slow" advTm="180"/>
+    </mc:Fallback>
+  </mc:AlternateContent>
+</p:sld>
+</file>
+
+<file path=ppt/slides/slide33.xml><?xml version="1.0" encoding="utf-8"?>
+<p:sld xmlns:a="http://schemas.openxmlformats.org/drawingml/2006/main" xmlns:r="http://schemas.openxmlformats.org/officeDocument/2006/relationships" xmlns:p="http://schemas.openxmlformats.org/presentationml/2006/main">
+  <p:cSld>
+    <p:spTree>
+      <p:nvGrpSpPr>
+        <p:cNvPr id="1" name=""/>
+        <p:cNvGrpSpPr/>
+        <p:nvPr/>
+      </p:nvGrpSpPr>
+      <p:grpSpPr>
+        <a:xfrm>
+          <a:off x="0" y="0"/>
+          <a:ext cx="0" cy="0"/>
+          <a:chOff x="0" y="0"/>
+          <a:chExt cx="0" cy="0"/>
+        </a:xfrm>
+      </p:grpSpPr>
+      <p:sp>
+        <p:nvSpPr>
+          <p:cNvPr id="2" name="Title 1">
+            <a:extLst>
+              <a:ext uri="{FF2B5EF4-FFF2-40B4-BE49-F238E27FC236}">
+                <a16:creationId xmlns:a16="http://schemas.microsoft.com/office/drawing/2014/main" id="{E986AE5C-10A6-C94C-9D95-8E1504BFCC57}"/>
+              </a:ext>
+            </a:extLst>
+          </p:cNvPr>
+          <p:cNvSpPr>
+            <a:spLocks noGrp="1"/>
+          </p:cNvSpPr>
+          <p:nvPr>
+            <p:ph type="title"/>
+          </p:nvPr>
+        </p:nvSpPr>
+        <p:spPr>
+          <a:xfrm>
+            <a:off x="1632663" y="193953"/>
+            <a:ext cx="7656576" cy="1325563"/>
+          </a:xfrm>
+        </p:spPr>
+        <p:txBody>
+          <a:bodyPr/>
+          <a:lstStyle/>
+          <a:p>
+            <a:r>
+              <a:rPr lang="en-US" sz="4000" dirty="0"/>
+              <a:t>Activity</a:t>
+            </a:r>
+            <a:r>
+              <a:rPr lang="en-US" dirty="0"/>
+              <a:t/>
+            </a:r>
+            <a:br>
+              <a:rPr lang="en-US" dirty="0"/>
+            </a:br>
+            <a:r>
+              <a:rPr lang="en-US" sz="3200" dirty="0"/>
+              <a:t>How is the robot modelled?</a:t>
+            </a:r>
+          </a:p>
+        </p:txBody>
+      </p:sp>
+      <p:pic>
+        <p:nvPicPr>
+          <p:cNvPr id="3" name="Picture 2">
+            <a:extLst>
+              <a:ext uri="{FF2B5EF4-FFF2-40B4-BE49-F238E27FC236}">
+                <a16:creationId xmlns:a16="http://schemas.microsoft.com/office/drawing/2014/main" id="{0ED81927-E515-814C-BBFD-DF4398288305}"/>
+              </a:ext>
+            </a:extLst>
+          </p:cNvPr>
+          <p:cNvPicPr/>
+          <p:nvPr/>
+        </p:nvPicPr>
+        <p:blipFill>
+          <a:blip r:embed="rId3" cstate="print"/>
+          <a:srcRect/>
+          <a:stretch>
+            <a:fillRect/>
+          </a:stretch>
+        </p:blipFill>
+        <p:spPr bwMode="auto">
+          <a:xfrm>
+            <a:off x="3677767" y="1387234"/>
+            <a:ext cx="3566367" cy="3302500"/>
+          </a:xfrm>
+          <a:prstGeom prst="rect">
+            <a:avLst/>
+          </a:prstGeom>
+          <a:noFill/>
+          <a:ln w="9525">
+            <a:noFill/>
+            <a:miter lim="800000"/>
+            <a:headEnd/>
+            <a:tailEnd/>
+          </a:ln>
+        </p:spPr>
+      </p:pic>
+      <mc:AlternateContent xmlns:mc="http://schemas.openxmlformats.org/markup-compatibility/2006" xmlns:a14="http://schemas.microsoft.com/office/drawing/2010/main">
+        <mc:Choice Requires="a14">
+          <p:sp>
+            <p:nvSpPr>
+              <p:cNvPr id="4" name="Content Placeholder 2">
+                <a:extLst>
+                  <a:ext uri="{FF2B5EF4-FFF2-40B4-BE49-F238E27FC236}">
+                    <a16:creationId xmlns:a16="http://schemas.microsoft.com/office/drawing/2014/main" id="{8A68B413-6E36-9C4B-852D-5850CAB96AD2}"/>
+                  </a:ext>
+                </a:extLst>
+              </p:cNvPr>
+              <p:cNvSpPr>
+                <a:spLocks noGrp="1"/>
+              </p:cNvSpPr>
+              <p:nvPr>
+                <p:ph idx="1"/>
+              </p:nvPr>
+            </p:nvSpPr>
+            <p:spPr>
+              <a:xfrm>
+                <a:off x="2173203" y="4689734"/>
+                <a:ext cx="7845594" cy="1688123"/>
+              </a:xfrm>
+            </p:spPr>
+            <p:txBody>
+              <a:bodyPr>
+                <a:normAutofit/>
+              </a:bodyPr>
+              <a:lstStyle/>
+              <a:p>
+                <a:r>
+                  <a:rPr lang="en-GB" dirty="0"/>
+                  <a:t>The resultant forward velocity through </a:t>
+                </a:r>
+                <a14:m>
+                  <m:oMath xmlns:m="http://schemas.openxmlformats.org/officeDocument/2006/math">
+                    <m:r>
+                      <a:rPr lang="en-GB" i="1">
+                        <a:latin typeface="Cambria Math" panose="02040503050406030204" pitchFamily="18" charset="0"/>
+                      </a:rPr>
+                      <m:t>𝐶</m:t>
+                    </m:r>
+                  </m:oMath>
+                </a14:m>
+                <a:r>
+                  <a:rPr lang="en-GB" dirty="0"/>
+                  <a:t> (the centre of mass) is </a:t>
+                </a:r>
+                <a14:m>
+                  <m:oMath xmlns:m="http://schemas.openxmlformats.org/officeDocument/2006/math">
+                    <m:r>
+                      <a:rPr lang="en-GB" i="1">
+                        <a:latin typeface="Cambria Math" panose="02040503050406030204" pitchFamily="18" charset="0"/>
+                      </a:rPr>
+                      <m:t>𝑟</m:t>
+                    </m:r>
+                    <m:r>
+                      <a:rPr lang="en-GB" i="1">
+                        <a:latin typeface="Cambria Math" panose="02040503050406030204" pitchFamily="18" charset="0"/>
+                      </a:rPr>
+                      <m:t>(</m:t>
+                    </m:r>
+                    <m:f>
+                      <m:fPr>
+                        <m:ctrlPr>
+                          <a:rPr lang="en-GB" i="1">
+                            <a:latin typeface="Cambria Math" panose="02040503050406030204" pitchFamily="18" charset="0"/>
+                          </a:rPr>
+                        </m:ctrlPr>
+                      </m:fPr>
+                      <m:num>
+                        <m:sSub>
+                          <m:sSubPr>
+                            <m:ctrlPr>
+                              <a:rPr lang="en-GB" i="1">
+                                <a:latin typeface="Cambria Math" panose="02040503050406030204" pitchFamily="18" charset="0"/>
+                              </a:rPr>
+                            </m:ctrlPr>
+                          </m:sSubPr>
+                          <m:e>
+                            <m:r>
+                              <a:rPr lang="en-GB" i="1">
+                                <a:latin typeface="Cambria Math" panose="02040503050406030204" pitchFamily="18" charset="0"/>
+                              </a:rPr>
+                              <m:t>𝜔</m:t>
+                            </m:r>
+                          </m:e>
+                          <m:sub>
+                            <m:r>
+                              <a:rPr lang="en-GB" i="1">
+                                <a:latin typeface="Cambria Math" panose="02040503050406030204" pitchFamily="18" charset="0"/>
+                              </a:rPr>
+                              <m:t>𝑟</m:t>
+                            </m:r>
+                          </m:sub>
+                        </m:sSub>
+                        <m:r>
+                          <a:rPr lang="en-GB" i="1">
+                            <a:latin typeface="Cambria Math" panose="02040503050406030204" pitchFamily="18" charset="0"/>
+                          </a:rPr>
+                          <m:t>+</m:t>
+                        </m:r>
+                        <m:sSub>
+                          <m:sSubPr>
+                            <m:ctrlPr>
+                              <a:rPr lang="en-GB" i="1">
+                                <a:latin typeface="Cambria Math" panose="02040503050406030204" pitchFamily="18" charset="0"/>
+                              </a:rPr>
+                            </m:ctrlPr>
+                          </m:sSubPr>
+                          <m:e>
+                            <m:r>
+                              <a:rPr lang="en-GB" i="1">
+                                <a:latin typeface="Cambria Math" panose="02040503050406030204" pitchFamily="18" charset="0"/>
+                              </a:rPr>
+                              <m:t>𝜔</m:t>
+                            </m:r>
+                          </m:e>
+                          <m:sub>
+                            <m:r>
+                              <a:rPr lang="en-GB" i="1">
+                                <a:latin typeface="Cambria Math" panose="02040503050406030204" pitchFamily="18" charset="0"/>
+                              </a:rPr>
+                              <m:t>𝑙</m:t>
+                            </m:r>
+                          </m:sub>
+                        </m:sSub>
+                      </m:num>
+                      <m:den>
+                        <m:r>
+                          <a:rPr lang="en-GB" i="1">
+                            <a:latin typeface="Cambria Math" panose="02040503050406030204" pitchFamily="18" charset="0"/>
+                          </a:rPr>
+                          <m:t>2</m:t>
+                        </m:r>
+                      </m:den>
+                    </m:f>
+                    <m:r>
+                      <a:rPr lang="en-GB" i="1">
+                        <a:latin typeface="Cambria Math" panose="02040503050406030204" pitchFamily="18" charset="0"/>
+                      </a:rPr>
+                      <m:t>)</m:t>
+                    </m:r>
+                  </m:oMath>
+                </a14:m>
+                <a:r>
+                  <a:rPr lang="en-GB" dirty="0"/>
+                  <a:t>. </a:t>
+                </a:r>
+              </a:p>
+              <a:p>
+                <a:r>
+                  <a:rPr lang="en-GB" dirty="0"/>
+                  <a:t>The steering velocity is </a:t>
+                </a:r>
+                <a14:m>
+                  <m:oMath xmlns:m="http://schemas.openxmlformats.org/officeDocument/2006/math">
+                    <m:r>
+                      <a:rPr lang="en-GB" i="1">
+                        <a:latin typeface="Cambria Math" panose="02040503050406030204" pitchFamily="18" charset="0"/>
+                      </a:rPr>
+                      <m:t>𝑟</m:t>
+                    </m:r>
+                    <m:r>
+                      <a:rPr lang="en-GB" i="1">
+                        <a:latin typeface="Cambria Math" panose="02040503050406030204" pitchFamily="18" charset="0"/>
+                      </a:rPr>
+                      <m:t>(</m:t>
+                    </m:r>
+                    <m:f>
+                      <m:fPr>
+                        <m:ctrlPr>
+                          <a:rPr lang="en-GB" i="1">
+                            <a:latin typeface="Cambria Math" panose="02040503050406030204" pitchFamily="18" charset="0"/>
+                          </a:rPr>
+                        </m:ctrlPr>
+                      </m:fPr>
+                      <m:num>
+                        <m:sSub>
+                          <m:sSubPr>
+                            <m:ctrlPr>
+                              <a:rPr lang="en-GB" i="1">
+                                <a:latin typeface="Cambria Math" panose="02040503050406030204" pitchFamily="18" charset="0"/>
+                              </a:rPr>
+                            </m:ctrlPr>
+                          </m:sSubPr>
+                          <m:e>
+                            <m:r>
+                              <a:rPr lang="en-GB" i="1">
+                                <a:latin typeface="Cambria Math" panose="02040503050406030204" pitchFamily="18" charset="0"/>
+                              </a:rPr>
+                              <m:t>𝜔</m:t>
+                            </m:r>
+                          </m:e>
+                          <m:sub>
+                            <m:r>
+                              <a:rPr lang="en-GB" i="1">
+                                <a:latin typeface="Cambria Math" panose="02040503050406030204" pitchFamily="18" charset="0"/>
+                              </a:rPr>
+                              <m:t>𝑟</m:t>
+                            </m:r>
+                          </m:sub>
+                        </m:sSub>
+                        <m:r>
+                          <a:rPr lang="en-GB" i="1">
+                            <a:latin typeface="Cambria Math" panose="02040503050406030204" pitchFamily="18" charset="0"/>
+                          </a:rPr>
+                          <m:t>−</m:t>
+                        </m:r>
+                        <m:sSub>
+                          <m:sSubPr>
+                            <m:ctrlPr>
+                              <a:rPr lang="en-GB" i="1">
+                                <a:latin typeface="Cambria Math" panose="02040503050406030204" pitchFamily="18" charset="0"/>
+                              </a:rPr>
+                            </m:ctrlPr>
+                          </m:sSubPr>
+                          <m:e>
+                            <m:r>
+                              <a:rPr lang="en-GB" i="1">
+                                <a:latin typeface="Cambria Math" panose="02040503050406030204" pitchFamily="18" charset="0"/>
+                              </a:rPr>
+                              <m:t>𝜔</m:t>
+                            </m:r>
+                          </m:e>
+                          <m:sub>
+                            <m:r>
+                              <a:rPr lang="en-GB" i="1">
+                                <a:latin typeface="Cambria Math" panose="02040503050406030204" pitchFamily="18" charset="0"/>
+                              </a:rPr>
+                              <m:t>𝑙</m:t>
+                            </m:r>
+                          </m:sub>
+                        </m:sSub>
+                      </m:num>
+                      <m:den>
+                        <m:r>
+                          <a:rPr lang="en-GB" i="1">
+                            <a:latin typeface="Cambria Math" panose="02040503050406030204" pitchFamily="18" charset="0"/>
+                          </a:rPr>
+                          <m:t>𝑙</m:t>
+                        </m:r>
+                      </m:den>
+                    </m:f>
+                    <m:r>
+                      <a:rPr lang="en-GB" i="1">
+                        <a:latin typeface="Cambria Math" panose="02040503050406030204" pitchFamily="18" charset="0"/>
+                      </a:rPr>
+                      <m:t>)</m:t>
+                    </m:r>
+                  </m:oMath>
+                </a14:m>
+                <a:r>
+                  <a:rPr lang="en-GB" dirty="0"/>
+                  <a:t>.</a:t>
+                </a:r>
+              </a:p>
+            </p:txBody>
+          </p:sp>
+        </mc:Choice>
+        <mc:Fallback xmlns="">
+          <p:sp>
+            <p:nvSpPr>
+              <p:cNvPr id="4" name="Content Placeholder 2">
+                <a:extLst>
+                  <a:ext uri="{FF2B5EF4-FFF2-40B4-BE49-F238E27FC236}">
+                    <a16:creationId xmlns:a16="http://schemas.microsoft.com/office/drawing/2014/main" id="{8A68B413-6E36-9C4B-852D-5850CAB96AD2}"/>
+                  </a:ext>
+                </a:extLst>
+              </p:cNvPr>
+              <p:cNvSpPr>
+                <a:spLocks noGrp="1" noRot="1" noChangeAspect="1" noMove="1" noResize="1" noEditPoints="1" noAdjustHandles="1" noChangeArrowheads="1" noChangeShapeType="1" noTextEdit="1"/>
+              </p:cNvSpPr>
+              <p:nvPr>
+                <p:ph idx="1"/>
+              </p:nvPr>
+            </p:nvSpPr>
+            <p:spPr>
+              <a:xfrm>
+                <a:off x="2173203" y="4689734"/>
+                <a:ext cx="7845594" cy="1688123"/>
+              </a:xfrm>
+              <a:blipFill>
+                <a:blip r:embed="rId4"/>
+                <a:stretch>
+                  <a:fillRect l="-1290" t="-6716" b="-2239"/>
+                </a:stretch>
+              </a:blipFill>
+            </p:spPr>
+            <p:txBody>
+              <a:bodyPr/>
+              <a:lstStyle/>
+              <a:p>
+                <a:r>
+                  <a:rPr lang="en-US">
+                    <a:noFill/>
+                  </a:rPr>
+                  <a:t> </a:t>
+                </a:r>
+              </a:p>
+            </p:txBody>
+          </p:sp>
+        </mc:Fallback>
+      </mc:AlternateContent>
+    </p:spTree>
+    <p:extLst>
+      <p:ext uri="{BB962C8B-B14F-4D97-AF65-F5344CB8AC3E}">
+        <p14:creationId xmlns:p14="http://schemas.microsoft.com/office/powerpoint/2010/main" val="1227113955"/>
+      </p:ext>
+    </p:extLst>
+  </p:cSld>
+  <p:clrMapOvr>
+    <a:masterClrMapping/>
+  </p:clrMapOvr>
+  <mc:AlternateContent xmlns:mc="http://schemas.openxmlformats.org/markup-compatibility/2006" xmlns:p14="http://schemas.microsoft.com/office/powerpoint/2010/main">
+    <mc:Choice Requires="p14">
+      <p:transition spd="slow" p14:dur="2000" advTm="172"/>
+    </mc:Choice>
+    <mc:Fallback xmlns="">
+      <p:transition spd="slow" advTm="172"/>
+    </mc:Fallback>
+  </mc:AlternateContent>
+</p:sld>
+</file>
+
+<file path=ppt/slides/slide34.xml><?xml version="1.0" encoding="utf-8"?>
 <p:sld xmlns:a="http://schemas.openxmlformats.org/drawingml/2006/main" xmlns:r="http://schemas.openxmlformats.org/officeDocument/2006/relationships" xmlns:p="http://schemas.openxmlformats.org/presentationml/2006/main">
   <p:cSld>
     <p:spTree>
